--- a/nodestudy-1/Node.pptx
+++ b/nodestudy-1/Node.pptx
@@ -5,7 +5,7 @@
     <p:sldMasterId id="2147483696" r:id="rId1"/>
   </p:sldMasterIdLst>
   <p:notesMasterIdLst>
-    <p:notesMasterId r:id="rId33"/>
+    <p:notesMasterId r:id="rId36"/>
   </p:notesMasterIdLst>
   <p:sldIdLst>
     <p:sldId id="256" r:id="rId2"/>
@@ -19,26 +19,29 @@
     <p:sldId id="258" r:id="rId10"/>
     <p:sldId id="259" r:id="rId11"/>
     <p:sldId id="260" r:id="rId12"/>
-    <p:sldId id="278" r:id="rId13"/>
-    <p:sldId id="261" r:id="rId14"/>
-    <p:sldId id="281" r:id="rId15"/>
-    <p:sldId id="280" r:id="rId16"/>
-    <p:sldId id="274" r:id="rId17"/>
-    <p:sldId id="275" r:id="rId18"/>
-    <p:sldId id="276" r:id="rId19"/>
-    <p:sldId id="277" r:id="rId20"/>
-    <p:sldId id="267" r:id="rId21"/>
-    <p:sldId id="268" r:id="rId22"/>
-    <p:sldId id="269" r:id="rId23"/>
-    <p:sldId id="270" r:id="rId24"/>
-    <p:sldId id="283" r:id="rId25"/>
-    <p:sldId id="286" r:id="rId26"/>
-    <p:sldId id="287" r:id="rId27"/>
-    <p:sldId id="288" r:id="rId28"/>
-    <p:sldId id="289" r:id="rId29"/>
-    <p:sldId id="263" r:id="rId30"/>
-    <p:sldId id="264" r:id="rId31"/>
-    <p:sldId id="290" r:id="rId32"/>
+    <p:sldId id="291" r:id="rId13"/>
+    <p:sldId id="292" r:id="rId14"/>
+    <p:sldId id="293" r:id="rId15"/>
+    <p:sldId id="278" r:id="rId16"/>
+    <p:sldId id="261" r:id="rId17"/>
+    <p:sldId id="281" r:id="rId18"/>
+    <p:sldId id="280" r:id="rId19"/>
+    <p:sldId id="274" r:id="rId20"/>
+    <p:sldId id="275" r:id="rId21"/>
+    <p:sldId id="276" r:id="rId22"/>
+    <p:sldId id="277" r:id="rId23"/>
+    <p:sldId id="267" r:id="rId24"/>
+    <p:sldId id="268" r:id="rId25"/>
+    <p:sldId id="269" r:id="rId26"/>
+    <p:sldId id="270" r:id="rId27"/>
+    <p:sldId id="283" r:id="rId28"/>
+    <p:sldId id="286" r:id="rId29"/>
+    <p:sldId id="287" r:id="rId30"/>
+    <p:sldId id="288" r:id="rId31"/>
+    <p:sldId id="289" r:id="rId32"/>
+    <p:sldId id="263" r:id="rId33"/>
+    <p:sldId id="264" r:id="rId34"/>
+    <p:sldId id="290" r:id="rId35"/>
   </p:sldIdLst>
   <p:sldSz cx="9144000" cy="6858000" type="screen4x3"/>
   <p:notesSz cx="6858000" cy="9144000"/>
@@ -3865,7 +3868,7 @@
             <a:fld id="{DC62EB23-B8B5-4717-B115-5A0218D424FA}" type="slidenum">
               <a:rPr lang="ko-KR" altLang="en-US" smtClean="0"/>
               <a:pPr/>
-              <a:t>13</a:t>
+              <a:t>16</a:t>
             </a:fld>
             <a:endParaRPr lang="ko-KR" altLang="en-US"/>
           </a:p>
@@ -4478,7 +4481,7 @@
             <a:fld id="{DC62EB23-B8B5-4717-B115-5A0218D424FA}" type="slidenum">
               <a:rPr lang="ko-KR" altLang="en-US" smtClean="0"/>
               <a:pPr/>
-              <a:t>14</a:t>
+              <a:t>17</a:t>
             </a:fld>
             <a:endParaRPr lang="ko-KR" altLang="en-US"/>
           </a:p>
@@ -4683,7 +4686,7 @@
             <a:fld id="{DC62EB23-B8B5-4717-B115-5A0218D424FA}" type="slidenum">
               <a:rPr lang="ko-KR" altLang="en-US" smtClean="0"/>
               <a:pPr/>
-              <a:t>15</a:t>
+              <a:t>18</a:t>
             </a:fld>
             <a:endParaRPr lang="ko-KR" altLang="en-US"/>
           </a:p>
@@ -8347,26 +8350,14 @@
           <a:lstStyle/>
           <a:p>
             <a:r>
-              <a:rPr lang="en-US" altLang="ko-KR" dirty="0" smtClean="0"/>
+              <a:rPr lang="en-US" altLang="ko-KR" sz="4000" dirty="0" smtClean="0"/>
               <a:t>2.3 </a:t>
             </a:r>
             <a:r>
-              <a:rPr lang="en-US" altLang="ko-KR" dirty="0" err="1" smtClean="0"/>
-              <a:t>Npm</a:t>
-            </a:r>
-            <a:r>
-              <a:rPr lang="en-US" altLang="ko-KR" dirty="0" smtClean="0"/>
-              <a:t> (</a:t>
-            </a:r>
-            <a:r>
-              <a:rPr lang="ko-KR" altLang="en-US" dirty="0" smtClean="0"/>
-              <a:t>모듈 관리</a:t>
-            </a:r>
-            <a:r>
-              <a:rPr lang="en-US" altLang="ko-KR" dirty="0" smtClean="0"/>
-              <a:t>)</a:t>
-            </a:r>
-            <a:endParaRPr lang="ko-KR" altLang="en-US" dirty="0"/>
+              <a:rPr lang="en-US" altLang="ko-KR" sz="4000" dirty="0"/>
+              <a:t>Event-Based Asynchronous Pattern (EAP)</a:t>
+            </a:r>
+            <a:endParaRPr lang="ko-KR" altLang="en-US" sz="4000" dirty="0"/>
           </a:p>
         </p:txBody>
       </p:sp>
@@ -8382,357 +8373,471 @@
         </p:nvSpPr>
         <p:spPr/>
         <p:txBody>
-          <a:bodyPr/>
+          <a:bodyPr>
+            <a:normAutofit fontScale="92500" lnSpcReduction="10000"/>
+          </a:bodyPr>
           <a:lstStyle/>
           <a:p>
             <a:r>
-              <a:rPr lang="ko-KR" altLang="en-US" sz="1800" dirty="0">
-                <a:latin typeface="-윤고딕340" pitchFamily="18" charset="-127"/>
-                <a:ea typeface="-윤고딕340" pitchFamily="18" charset="-127"/>
-              </a:rPr>
-              <a:t>전역모드 설치  </a:t>
-            </a:r>
-            <a:r>
-              <a:rPr lang="en-US" altLang="ko-KR" sz="1800" dirty="0">
-                <a:latin typeface="-윤고딕340" pitchFamily="18" charset="-127"/>
-                <a:ea typeface="-윤고딕340" pitchFamily="18" charset="-127"/>
-              </a:rPr>
-              <a:t>: /</a:t>
-            </a:r>
-            <a:r>
-              <a:rPr lang="en-US" altLang="ko-KR" sz="1800" dirty="0" err="1">
-                <a:latin typeface="-윤고딕340" pitchFamily="18" charset="-127"/>
-                <a:ea typeface="-윤고딕340" pitchFamily="18" charset="-127"/>
-              </a:rPr>
-              <a:t>usr</a:t>
-            </a:r>
-            <a:r>
-              <a:rPr lang="en-US" altLang="ko-KR" sz="1800" dirty="0">
-                <a:latin typeface="-윤고딕340" pitchFamily="18" charset="-127"/>
-                <a:ea typeface="-윤고딕340" pitchFamily="18" charset="-127"/>
-              </a:rPr>
-              <a:t>/local/lib/</a:t>
-            </a:r>
-            <a:r>
-              <a:rPr lang="en-US" altLang="ko-KR" sz="1800" dirty="0" err="1">
-                <a:latin typeface="-윤고딕340" pitchFamily="18" charset="-127"/>
-                <a:ea typeface="-윤고딕340" pitchFamily="18" charset="-127"/>
-              </a:rPr>
-              <a:t>node_module</a:t>
-            </a:r>
-            <a:endParaRPr lang="en-US" altLang="ko-KR" sz="1800" dirty="0">
-              <a:latin typeface="-윤고딕340" pitchFamily="18" charset="-127"/>
-              <a:ea typeface="-윤고딕340" pitchFamily="18" charset="-127"/>
-            </a:endParaRPr>
+              <a:rPr lang="en-US" altLang="ko-KR" sz="2400" dirty="0"/>
+              <a:t>Event-Based Asynchronous Pattern (EAP)</a:t>
+            </a:r>
           </a:p>
           <a:p>
             <a:pPr lvl="1"/>
             <a:r>
-              <a:rPr lang="en-US" altLang="ko-KR" sz="1400" dirty="0">
-                <a:latin typeface="-윤고딕340" pitchFamily="18" charset="-127"/>
-                <a:ea typeface="-윤고딕340" pitchFamily="18" charset="-127"/>
-              </a:rPr>
-              <a:t>root $ </a:t>
-            </a:r>
-            <a:r>
-              <a:rPr lang="en-US" altLang="ko-KR" sz="1400" dirty="0" err="1">
-                <a:latin typeface="-윤고딕340" pitchFamily="18" charset="-127"/>
-                <a:ea typeface="-윤고딕340" pitchFamily="18" charset="-127"/>
-              </a:rPr>
-              <a:t>npm</a:t>
-            </a:r>
-            <a:r>
-              <a:rPr lang="en-US" altLang="ko-KR" sz="1400" dirty="0">
-                <a:latin typeface="-윤고딕340" pitchFamily="18" charset="-127"/>
-                <a:ea typeface="-윤고딕340" pitchFamily="18" charset="-127"/>
-              </a:rPr>
-              <a:t> install –g &lt;</a:t>
-            </a:r>
-            <a:r>
-              <a:rPr lang="ko-KR" altLang="en-US" sz="1400" dirty="0" err="1">
-                <a:latin typeface="-윤고딕340" pitchFamily="18" charset="-127"/>
-                <a:ea typeface="-윤고딕340" pitchFamily="18" charset="-127"/>
-              </a:rPr>
-              <a:t>패키지명</a:t>
-            </a:r>
-            <a:r>
-              <a:rPr lang="en-US" altLang="ko-KR" sz="1400" dirty="0">
-                <a:latin typeface="-윤고딕340" pitchFamily="18" charset="-127"/>
-                <a:ea typeface="-윤고딕340" pitchFamily="18" charset="-127"/>
-              </a:rPr>
-              <a:t>&gt;</a:t>
-            </a:r>
-          </a:p>
-          <a:p>
-            <a:endParaRPr lang="en-US" altLang="ko-KR" sz="1800" dirty="0">
-              <a:latin typeface="-윤고딕340" pitchFamily="18" charset="-127"/>
-              <a:ea typeface="-윤고딕340" pitchFamily="18" charset="-127"/>
-            </a:endParaRPr>
-          </a:p>
-          <a:p>
-            <a:r>
-              <a:rPr lang="ko-KR" altLang="en-US" sz="1800" dirty="0">
-                <a:latin typeface="-윤고딕340" pitchFamily="18" charset="-127"/>
-                <a:ea typeface="-윤고딕340" pitchFamily="18" charset="-127"/>
-              </a:rPr>
-              <a:t>지역모드 설치</a:t>
-            </a:r>
-            <a:endParaRPr lang="en-US" altLang="ko-KR" sz="1800" dirty="0">
-              <a:latin typeface="-윤고딕340" pitchFamily="18" charset="-127"/>
-              <a:ea typeface="-윤고딕340" pitchFamily="18" charset="-127"/>
-            </a:endParaRPr>
-          </a:p>
-          <a:p>
-            <a:pPr lvl="1"/>
-            <a:r>
-              <a:rPr lang="en-US" altLang="ko-KR" sz="1400" dirty="0">
-                <a:latin typeface="-윤고딕340" pitchFamily="18" charset="-127"/>
-                <a:ea typeface="-윤고딕340" pitchFamily="18" charset="-127"/>
-              </a:rPr>
-              <a:t>$ </a:t>
-            </a:r>
-            <a:r>
-              <a:rPr lang="en-US" altLang="ko-KR" sz="1400" dirty="0" err="1">
-                <a:latin typeface="-윤고딕340" pitchFamily="18" charset="-127"/>
-                <a:ea typeface="-윤고딕340" pitchFamily="18" charset="-127"/>
-              </a:rPr>
-              <a:t>npm</a:t>
-            </a:r>
-            <a:r>
-              <a:rPr lang="en-US" altLang="ko-KR" sz="1400" dirty="0">
-                <a:latin typeface="-윤고딕340" pitchFamily="18" charset="-127"/>
-                <a:ea typeface="-윤고딕340" pitchFamily="18" charset="-127"/>
-              </a:rPr>
-              <a:t> install &lt;</a:t>
-            </a:r>
-            <a:r>
-              <a:rPr lang="ko-KR" altLang="en-US" sz="1400" dirty="0" err="1">
-                <a:latin typeface="-윤고딕340" pitchFamily="18" charset="-127"/>
-                <a:ea typeface="-윤고딕340" pitchFamily="18" charset="-127"/>
-              </a:rPr>
-              <a:t>패키지명</a:t>
-            </a:r>
-            <a:r>
-              <a:rPr lang="en-US" altLang="ko-KR" sz="1400" dirty="0">
-                <a:latin typeface="-윤고딕340" pitchFamily="18" charset="-127"/>
-                <a:ea typeface="-윤고딕340" pitchFamily="18" charset="-127"/>
-              </a:rPr>
-              <a:t>&gt;</a:t>
-            </a:r>
-          </a:p>
-          <a:p>
-            <a:pPr>
+              <a:rPr lang="ko-KR" altLang="en-US" sz="2000" b="1" dirty="0" err="1"/>
+              <a:t>스레드</a:t>
+            </a:r>
+            <a:r>
+              <a:rPr lang="ko-KR" altLang="en-US" sz="2000" b="1" dirty="0"/>
+              <a:t> 기반 동기 방식 </a:t>
+            </a:r>
+            <a:r>
+              <a:rPr lang="en-US" altLang="ko-KR" sz="2000" b="1" dirty="0"/>
+              <a:t>(</a:t>
+            </a:r>
+            <a:r>
+              <a:rPr lang="ko-KR" altLang="en-US" sz="2000" b="1" dirty="0"/>
+              <a:t>기존 서버 동작 방식 </a:t>
+            </a:r>
+            <a:r>
+              <a:rPr lang="en-US" altLang="ko-KR" sz="2000" b="1" dirty="0"/>
+              <a:t>)</a:t>
+            </a:r>
+            <a:r>
+              <a:rPr lang="ko-KR" altLang="en-US" sz="2000" b="1" dirty="0"/>
+              <a:t> </a:t>
+            </a:r>
+            <a:endParaRPr lang="en-US" altLang="ko-KR" sz="2000" b="1" dirty="0"/>
+          </a:p>
+          <a:p>
+            <a:pPr lvl="2"/>
+            <a:r>
+              <a:rPr lang="ko-KR" altLang="en-US" sz="1800" b="1" u="sng" dirty="0" err="1"/>
+              <a:t>스레드마다</a:t>
+            </a:r>
+            <a:r>
+              <a:rPr lang="ko-KR" altLang="en-US" sz="1800" b="1" u="sng" dirty="0"/>
+              <a:t> 요청에 대한 결과응답을 완료하고 다음 요청 처리하는 방식</a:t>
+            </a:r>
+            <a:r>
+              <a:rPr lang="en-US" altLang="ko-KR" sz="1800" b="1" u="sng" dirty="0"/>
+              <a:t>.</a:t>
+            </a:r>
+          </a:p>
+          <a:p>
+            <a:pPr lvl="2"/>
+            <a:r>
+              <a:rPr lang="ko-KR" altLang="en-US" sz="1800" dirty="0"/>
+              <a:t>예</a:t>
+            </a:r>
+            <a:r>
+              <a:rPr lang="en-US" altLang="ko-KR" sz="1800" dirty="0"/>
+              <a:t>) ETRI </a:t>
+            </a:r>
+            <a:r>
+              <a:rPr lang="ko-KR" altLang="en-US" sz="1800" dirty="0"/>
+              <a:t>식당</a:t>
+            </a:r>
+            <a:r>
+              <a:rPr lang="en-US" altLang="ko-KR" sz="1800" dirty="0"/>
+              <a:t> </a:t>
+            </a:r>
+            <a:r>
+              <a:rPr lang="ko-KR" altLang="en-US" sz="1800" dirty="0"/>
+              <a:t>한식 코너 배식 </a:t>
+            </a:r>
+            <a:r>
+              <a:rPr lang="en-US" altLang="ko-KR" sz="1800" dirty="0"/>
+              <a:t>: 2</a:t>
+            </a:r>
+            <a:r>
+              <a:rPr lang="ko-KR" altLang="en-US" sz="1800" dirty="0"/>
+              <a:t>개 </a:t>
+            </a:r>
+            <a:r>
+              <a:rPr lang="ko-KR" altLang="en-US" sz="1800" dirty="0" err="1"/>
+              <a:t>스레드</a:t>
+            </a:r>
+            <a:r>
+              <a:rPr lang="en-US" altLang="ko-KR" sz="1800" dirty="0"/>
+              <a:t>(</a:t>
+            </a:r>
+            <a:r>
+              <a:rPr lang="ko-KR" altLang="en-US" sz="1800" dirty="0"/>
+              <a:t>동편제</a:t>
+            </a:r>
+            <a:r>
+              <a:rPr lang="en-US" altLang="ko-KR" sz="1800" dirty="0"/>
+              <a:t>/</a:t>
+            </a:r>
+            <a:r>
+              <a:rPr lang="ko-KR" altLang="en-US" sz="1800" dirty="0"/>
+              <a:t>서편제</a:t>
+            </a:r>
+            <a:r>
+              <a:rPr lang="en-US" altLang="ko-KR" sz="1800" dirty="0"/>
+              <a:t>)</a:t>
+            </a:r>
+            <a:r>
+              <a:rPr lang="ko-KR" altLang="en-US" sz="1800" dirty="0"/>
+              <a:t> 기반 동기방식</a:t>
+            </a:r>
+            <a:endParaRPr lang="en-US" altLang="ko-KR" sz="1800" dirty="0"/>
+          </a:p>
+          <a:p>
+            <a:pPr lvl="2"/>
+            <a:r>
+              <a:rPr lang="ko-KR" altLang="en-US" sz="1800" dirty="0"/>
+              <a:t>배식 방법 </a:t>
+            </a:r>
+            <a:r>
+              <a:rPr lang="en-US" altLang="ko-KR" sz="1800" dirty="0"/>
+              <a:t>: </a:t>
+            </a:r>
+            <a:r>
+              <a:rPr lang="ko-KR" altLang="en-US" sz="1800" dirty="0"/>
+              <a:t>식권제출</a:t>
+            </a:r>
+            <a:r>
+              <a:rPr lang="en-US" altLang="ko-KR" sz="1800" dirty="0"/>
+              <a:t>, </a:t>
+            </a:r>
+            <a:r>
+              <a:rPr lang="ko-KR" altLang="en-US" sz="1800" dirty="0"/>
+              <a:t>국 </a:t>
+            </a:r>
+            <a:r>
+              <a:rPr lang="en-US" altLang="ko-KR" sz="1800" dirty="0"/>
+              <a:t>-&gt; </a:t>
+            </a:r>
+            <a:r>
+              <a:rPr lang="ko-KR" altLang="en-US" sz="1800" dirty="0"/>
+              <a:t>밥 </a:t>
+            </a:r>
+            <a:r>
+              <a:rPr lang="en-US" altLang="ko-KR" sz="1800" dirty="0"/>
+              <a:t>-&gt; </a:t>
+            </a:r>
+            <a:r>
+              <a:rPr lang="ko-KR" altLang="en-US" sz="1800" dirty="0"/>
+              <a:t>반찬</a:t>
+            </a:r>
+            <a:r>
+              <a:rPr lang="en-US" altLang="ko-KR" sz="1800" dirty="0"/>
+              <a:t>1 -&gt; </a:t>
+            </a:r>
+            <a:r>
+              <a:rPr lang="ko-KR" altLang="en-US" sz="1800" dirty="0"/>
+              <a:t>반찬</a:t>
+            </a:r>
+            <a:r>
+              <a:rPr lang="en-US" altLang="ko-KR" sz="1800" dirty="0"/>
+              <a:t>2 -&gt; </a:t>
+            </a:r>
+            <a:r>
+              <a:rPr lang="ko-KR" altLang="en-US" sz="1800" dirty="0"/>
+              <a:t>반찬</a:t>
+            </a:r>
+            <a:r>
+              <a:rPr lang="en-US" altLang="ko-KR" sz="1800" dirty="0"/>
+              <a:t>3 –&gt; </a:t>
+            </a:r>
+            <a:r>
+              <a:rPr lang="ko-KR" altLang="en-US" sz="1800" dirty="0"/>
+              <a:t>식사</a:t>
+            </a:r>
+            <a:r>
+              <a:rPr lang="en-US" altLang="ko-KR" sz="1800" dirty="0"/>
+              <a:t> </a:t>
+            </a:r>
+          </a:p>
+          <a:p>
+            <a:pPr marL="914400" lvl="2" indent="0">
               <a:buNone/>
             </a:pPr>
-            <a:endParaRPr lang="en-US" altLang="ko-KR" sz="1800" dirty="0">
-              <a:latin typeface="-윤고딕340" pitchFamily="18" charset="-127"/>
-              <a:ea typeface="-윤고딕340" pitchFamily="18" charset="-127"/>
+            <a:r>
+              <a:rPr lang="en-US" altLang="ko-KR" sz="1800" dirty="0"/>
+              <a:t>                 (</a:t>
+            </a:r>
+            <a:r>
+              <a:rPr lang="ko-KR" altLang="en-US" sz="1800" dirty="0"/>
+              <a:t>동기방식</a:t>
+            </a:r>
+            <a:r>
+              <a:rPr lang="en-US" altLang="ko-KR" sz="1800" dirty="0"/>
+              <a:t>)</a:t>
+            </a:r>
+          </a:p>
+          <a:p>
+            <a:pPr lvl="2"/>
+            <a:r>
+              <a:rPr lang="ko-KR" altLang="en-US" sz="1800" dirty="0"/>
+              <a:t>국이 다 떨어졌다</a:t>
+            </a:r>
+            <a:r>
+              <a:rPr lang="en-US" altLang="ko-KR" sz="1800" dirty="0"/>
+              <a:t>. </a:t>
+            </a:r>
+            <a:r>
+              <a:rPr lang="ko-KR" altLang="en-US" sz="1800" dirty="0"/>
+              <a:t>국이 준비될 때까지 배식 진행 대기 상태</a:t>
+            </a:r>
+            <a:r>
+              <a:rPr lang="en-US" altLang="ko-KR" sz="1800" dirty="0"/>
+              <a:t> (blocking)</a:t>
+            </a:r>
+          </a:p>
+          <a:p>
+            <a:pPr lvl="2"/>
+            <a:endParaRPr lang="en-US" altLang="ko-KR" dirty="0">
+              <a:solidFill>
+                <a:srgbClr val="FF0000"/>
+              </a:solidFill>
             </a:endParaRPr>
           </a:p>
           <a:p>
+            <a:pPr lvl="1"/>
+            <a:r>
+              <a:rPr lang="ko-KR" altLang="en-US" sz="2000" b="1" dirty="0"/>
+              <a:t>이벤트 기반 </a:t>
+            </a:r>
+            <a:r>
+              <a:rPr lang="ko-KR" altLang="en-US" sz="2000" b="1" dirty="0" err="1"/>
+              <a:t>비동기</a:t>
+            </a:r>
+            <a:r>
+              <a:rPr lang="ko-KR" altLang="en-US" sz="2000" b="1" dirty="0"/>
+              <a:t> 방식</a:t>
+            </a:r>
+            <a:endParaRPr lang="en-US" altLang="ko-KR" sz="2000" b="1" dirty="0"/>
+          </a:p>
+          <a:p>
+            <a:pPr lvl="2"/>
+            <a:r>
+              <a:rPr lang="ko-KR" altLang="en-US" sz="1800" b="1" u="sng" dirty="0"/>
+              <a:t>요청을 받아서 처리하고</a:t>
+            </a:r>
+            <a:r>
+              <a:rPr lang="en-US" altLang="ko-KR" sz="1800" b="1" u="sng" dirty="0"/>
+              <a:t>, </a:t>
+            </a:r>
+            <a:r>
+              <a:rPr lang="ko-KR" altLang="en-US" sz="1800" b="1" u="sng" dirty="0"/>
+              <a:t>결과응답을 이벤트로 알려주는 방식</a:t>
+            </a:r>
+            <a:r>
+              <a:rPr lang="en-US" altLang="ko-KR" sz="1800" b="1" u="sng" dirty="0"/>
+              <a:t>.</a:t>
+            </a:r>
+          </a:p>
+          <a:p>
+            <a:pPr lvl="2"/>
+            <a:r>
+              <a:rPr lang="ko-KR" altLang="en-US" sz="1800" dirty="0"/>
+              <a:t>예</a:t>
+            </a:r>
+            <a:r>
+              <a:rPr lang="en-US" altLang="ko-KR" sz="1800" dirty="0"/>
+              <a:t>) </a:t>
+            </a:r>
+            <a:r>
+              <a:rPr lang="ko-KR" altLang="en-US" sz="1800" dirty="0"/>
+              <a:t>뷔페의 즉석요리 코너 </a:t>
+            </a:r>
+            <a:r>
+              <a:rPr lang="en-US" altLang="ko-KR" sz="1800" dirty="0"/>
+              <a:t>: </a:t>
+            </a:r>
+            <a:r>
+              <a:rPr lang="ko-KR" altLang="en-US" sz="1800" dirty="0"/>
+              <a:t>스테이크 코너</a:t>
+            </a:r>
+            <a:r>
+              <a:rPr lang="en-US" altLang="ko-KR" sz="1800" dirty="0"/>
+              <a:t>, </a:t>
+            </a:r>
+            <a:r>
+              <a:rPr lang="ko-KR" altLang="en-US" sz="1800" dirty="0"/>
+              <a:t>스파게티 코너</a:t>
+            </a:r>
+            <a:r>
+              <a:rPr lang="en-US" altLang="ko-KR" sz="1800" dirty="0"/>
+              <a:t>, </a:t>
+            </a:r>
+            <a:r>
+              <a:rPr lang="ko-KR" altLang="en-US" sz="1800" dirty="0"/>
+              <a:t>냉면 코너</a:t>
+            </a:r>
+            <a:r>
+              <a:rPr lang="en-US" altLang="ko-KR" sz="1800" dirty="0"/>
+              <a:t> </a:t>
+            </a:r>
+            <a:r>
+              <a:rPr lang="ko-KR" altLang="en-US" sz="1800" dirty="0"/>
+              <a:t>등등</a:t>
+            </a:r>
+            <a:endParaRPr lang="en-US" altLang="ko-KR" sz="1800" dirty="0"/>
+          </a:p>
+          <a:p>
+            <a:pPr lvl="2"/>
+            <a:r>
+              <a:rPr lang="ko-KR" altLang="en-US" sz="1800" dirty="0"/>
+              <a:t>원하는 즉석 요리 신청 후</a:t>
+            </a:r>
+            <a:r>
+              <a:rPr lang="en-US" altLang="ko-KR" sz="1800" dirty="0"/>
+              <a:t>, </a:t>
+            </a:r>
+            <a:r>
+              <a:rPr lang="ko-KR" altLang="en-US" sz="1800" dirty="0"/>
+              <a:t>번호표를 받고</a:t>
+            </a:r>
+            <a:r>
+              <a:rPr lang="en-US" altLang="ko-KR" sz="1800" dirty="0"/>
+              <a:t>, </a:t>
+            </a:r>
+            <a:r>
+              <a:rPr lang="ko-KR" altLang="en-US" sz="1800" dirty="0"/>
+              <a:t>다른 즉석 요리 신청 가능</a:t>
+            </a:r>
+            <a:r>
+              <a:rPr lang="en-US" altLang="ko-KR" sz="1800" dirty="0"/>
+              <a:t>.</a:t>
+            </a:r>
+            <a:r>
+              <a:rPr lang="ko-KR" altLang="en-US" sz="1800" dirty="0"/>
+              <a:t> </a:t>
+            </a:r>
+            <a:endParaRPr lang="en-US" altLang="ko-KR" sz="1800" dirty="0"/>
+          </a:p>
+          <a:p>
+            <a:pPr marL="914400" lvl="2" indent="0">
+              <a:buNone/>
+            </a:pPr>
+            <a:r>
+              <a:rPr lang="en-US" altLang="ko-KR" sz="1800" dirty="0"/>
+              <a:t>    (non blocking) </a:t>
+            </a:r>
+          </a:p>
+          <a:p>
+            <a:pPr lvl="2"/>
             <a:r>
               <a:rPr lang="ko-KR" altLang="en-US" sz="1800" dirty="0">
-                <a:latin typeface="-윤고딕340" pitchFamily="18" charset="-127"/>
-                <a:ea typeface="-윤고딕340" pitchFamily="18" charset="-127"/>
-              </a:rPr>
-              <a:t>특정 버전 설치</a:t>
-            </a:r>
-            <a:endParaRPr lang="en-US" altLang="ko-KR" sz="1800" dirty="0">
-              <a:latin typeface="-윤고딕340" pitchFamily="18" charset="-127"/>
-              <a:ea typeface="-윤고딕340" pitchFamily="18" charset="-127"/>
-            </a:endParaRPr>
+                <a:solidFill>
+                  <a:prstClr val="black"/>
+                </a:solidFill>
+              </a:rPr>
+              <a:t>즉석 요리 신청 중</a:t>
+            </a:r>
+            <a:r>
+              <a:rPr lang="en-US" altLang="ko-KR" sz="1800" dirty="0">
+                <a:solidFill>
+                  <a:prstClr val="black"/>
+                </a:solidFill>
+              </a:rPr>
+              <a:t>, </a:t>
+            </a:r>
+            <a:r>
+              <a:rPr lang="ko-KR" altLang="en-US" sz="1800" dirty="0">
+                <a:solidFill>
+                  <a:prstClr val="black"/>
+                </a:solidFill>
+              </a:rPr>
+              <a:t>다른 음식코너를 계속 이용할 수 있다</a:t>
+            </a:r>
+            <a:r>
+              <a:rPr lang="en-US" altLang="ko-KR" sz="1800" dirty="0">
+                <a:solidFill>
+                  <a:prstClr val="black"/>
+                </a:solidFill>
+              </a:rPr>
+              <a:t>. (</a:t>
+            </a:r>
+            <a:r>
+              <a:rPr lang="ko-KR" altLang="en-US" sz="1800" dirty="0" err="1">
+                <a:solidFill>
+                  <a:prstClr val="black"/>
+                </a:solidFill>
+              </a:rPr>
+              <a:t>비동기</a:t>
+            </a:r>
+            <a:r>
+              <a:rPr lang="ko-KR" altLang="en-US" sz="1800" dirty="0">
+                <a:solidFill>
+                  <a:prstClr val="black"/>
+                </a:solidFill>
+              </a:rPr>
+              <a:t> 방식</a:t>
+            </a:r>
+            <a:r>
+              <a:rPr lang="en-US" altLang="ko-KR" sz="1800" dirty="0">
+                <a:solidFill>
+                  <a:prstClr val="black"/>
+                </a:solidFill>
+              </a:rPr>
+              <a:t>)</a:t>
+            </a:r>
+          </a:p>
+          <a:p>
+            <a:pPr lvl="2"/>
+            <a:r>
+              <a:rPr lang="ko-KR" altLang="en-US" sz="1800" dirty="0"/>
+              <a:t>요리가 완성되어</a:t>
+            </a:r>
+            <a:r>
+              <a:rPr lang="en-US" altLang="ko-KR" sz="1800" dirty="0"/>
+              <a:t>, </a:t>
+            </a:r>
+            <a:r>
+              <a:rPr lang="ko-KR" altLang="en-US" sz="1800" dirty="0"/>
+              <a:t>번호 호출</a:t>
+            </a:r>
+            <a:r>
+              <a:rPr lang="en-US" altLang="ko-KR" sz="1800" dirty="0"/>
+              <a:t>(event)</a:t>
+            </a:r>
+            <a:r>
+              <a:rPr lang="ko-KR" altLang="en-US" sz="1800" dirty="0"/>
+              <a:t>이 되면</a:t>
+            </a:r>
+            <a:r>
+              <a:rPr lang="en-US" altLang="ko-KR" sz="1800" dirty="0"/>
+              <a:t>, </a:t>
+            </a:r>
+            <a:r>
+              <a:rPr lang="ko-KR" altLang="en-US" sz="1800" dirty="0"/>
+              <a:t>음식을 가져온다</a:t>
+            </a:r>
+            <a:r>
+              <a:rPr lang="en-US" altLang="ko-KR" sz="1800" dirty="0"/>
+              <a:t>.</a:t>
+            </a:r>
           </a:p>
           <a:p>
             <a:pPr lvl="1"/>
-            <a:r>
-              <a:rPr lang="en-US" altLang="ko-KR" sz="1400" dirty="0">
-                <a:latin typeface="-윤고딕340" pitchFamily="18" charset="-127"/>
-                <a:ea typeface="-윤고딕340" pitchFamily="18" charset="-127"/>
-              </a:rPr>
-              <a:t>$ </a:t>
-            </a:r>
-            <a:r>
-              <a:rPr lang="en-US" altLang="ko-KR" sz="1400" dirty="0" err="1">
-                <a:latin typeface="-윤고딕340" pitchFamily="18" charset="-127"/>
-                <a:ea typeface="-윤고딕340" pitchFamily="18" charset="-127"/>
-              </a:rPr>
-              <a:t>npm</a:t>
-            </a:r>
-            <a:r>
-              <a:rPr lang="en-US" altLang="ko-KR" sz="1400" dirty="0">
-                <a:latin typeface="-윤고딕340" pitchFamily="18" charset="-127"/>
-                <a:ea typeface="-윤고딕340" pitchFamily="18" charset="-127"/>
-              </a:rPr>
-              <a:t> install &lt;</a:t>
-            </a:r>
-            <a:r>
-              <a:rPr lang="ko-KR" altLang="en-US" sz="1400" dirty="0" err="1">
-                <a:latin typeface="-윤고딕340" pitchFamily="18" charset="-127"/>
-                <a:ea typeface="-윤고딕340" pitchFamily="18" charset="-127"/>
-              </a:rPr>
-              <a:t>패키지명</a:t>
-            </a:r>
-            <a:r>
-              <a:rPr lang="en-US" altLang="ko-KR" sz="1400" dirty="0">
-                <a:latin typeface="-윤고딕340" pitchFamily="18" charset="-127"/>
-                <a:ea typeface="-윤고딕340" pitchFamily="18" charset="-127"/>
-              </a:rPr>
-              <a:t>&gt;@&lt;</a:t>
-            </a:r>
-            <a:r>
-              <a:rPr lang="ko-KR" altLang="en-US" sz="1400" dirty="0">
-                <a:latin typeface="-윤고딕340" pitchFamily="18" charset="-127"/>
-                <a:ea typeface="-윤고딕340" pitchFamily="18" charset="-127"/>
-              </a:rPr>
-              <a:t>버전</a:t>
-            </a:r>
-            <a:r>
-              <a:rPr lang="en-US" altLang="ko-KR" sz="1400" dirty="0">
-                <a:latin typeface="-윤고딕340" pitchFamily="18" charset="-127"/>
-                <a:ea typeface="-윤고딕340" pitchFamily="18" charset="-127"/>
-              </a:rPr>
-              <a:t>&gt;</a:t>
-            </a:r>
+            <a:endParaRPr lang="en-US" altLang="ko-KR" dirty="0"/>
           </a:p>
           <a:p>
             <a:pPr lvl="1"/>
-            <a:endParaRPr lang="en-US" altLang="ko-KR" sz="1400" dirty="0">
-              <a:latin typeface="-윤고딕340" pitchFamily="18" charset="-127"/>
-              <a:ea typeface="-윤고딕340" pitchFamily="18" charset="-127"/>
-            </a:endParaRPr>
-          </a:p>
-          <a:p>
-            <a:r>
-              <a:rPr lang="ko-KR" altLang="en-US" sz="1800" dirty="0">
-                <a:latin typeface="-윤고딕340" pitchFamily="18" charset="-127"/>
-                <a:ea typeface="-윤고딕340" pitchFamily="18" charset="-127"/>
-              </a:rPr>
-              <a:t>삭제</a:t>
-            </a:r>
-            <a:endParaRPr lang="en-US" altLang="ko-KR" sz="1800" dirty="0">
-              <a:latin typeface="-윤고딕340" pitchFamily="18" charset="-127"/>
-              <a:ea typeface="-윤고딕340" pitchFamily="18" charset="-127"/>
-            </a:endParaRPr>
-          </a:p>
-          <a:p>
-            <a:pPr lvl="1"/>
-            <a:r>
-              <a:rPr lang="en-US" altLang="ko-KR" sz="1400" dirty="0">
-                <a:latin typeface="-윤고딕340" pitchFamily="18" charset="-127"/>
-                <a:ea typeface="-윤고딕340" pitchFamily="18" charset="-127"/>
-              </a:rPr>
-              <a:t>$ </a:t>
-            </a:r>
-            <a:r>
-              <a:rPr lang="en-US" altLang="ko-KR" sz="1400" dirty="0" err="1">
-                <a:latin typeface="-윤고딕340" pitchFamily="18" charset="-127"/>
-                <a:ea typeface="-윤고딕340" pitchFamily="18" charset="-127"/>
-              </a:rPr>
-              <a:t>npm</a:t>
-            </a:r>
-            <a:r>
-              <a:rPr lang="en-US" altLang="ko-KR" sz="1400" dirty="0">
-                <a:latin typeface="-윤고딕340" pitchFamily="18" charset="-127"/>
-                <a:ea typeface="-윤고딕340" pitchFamily="18" charset="-127"/>
-              </a:rPr>
-              <a:t> uninstall &lt;</a:t>
-            </a:r>
-            <a:r>
-              <a:rPr lang="ko-KR" altLang="en-US" sz="1400" dirty="0" err="1">
-                <a:latin typeface="-윤고딕340" pitchFamily="18" charset="-127"/>
-                <a:ea typeface="-윤고딕340" pitchFamily="18" charset="-127"/>
-              </a:rPr>
-              <a:t>패키지명</a:t>
-            </a:r>
-            <a:r>
-              <a:rPr lang="en-US" altLang="ko-KR" sz="1400" dirty="0">
-                <a:latin typeface="-윤고딕340" pitchFamily="18" charset="-127"/>
-                <a:ea typeface="-윤고딕340" pitchFamily="18" charset="-127"/>
-              </a:rPr>
-              <a:t>&gt;</a:t>
-            </a:r>
-          </a:p>
-          <a:p>
-            <a:pPr lvl="1"/>
-            <a:endParaRPr lang="en-US" altLang="ko-KR" sz="1400" dirty="0">
-              <a:latin typeface="-윤고딕340" pitchFamily="18" charset="-127"/>
-              <a:ea typeface="-윤고딕340" pitchFamily="18" charset="-127"/>
-            </a:endParaRPr>
-          </a:p>
-          <a:p>
-            <a:r>
-              <a:rPr lang="ko-KR" altLang="en-US" sz="1800" dirty="0">
-                <a:latin typeface="-윤고딕340" pitchFamily="18" charset="-127"/>
-                <a:ea typeface="-윤고딕340" pitchFamily="18" charset="-127"/>
-              </a:rPr>
-              <a:t>업데이트</a:t>
-            </a:r>
-            <a:endParaRPr lang="en-US" altLang="ko-KR" sz="1800" dirty="0">
-              <a:latin typeface="-윤고딕340" pitchFamily="18" charset="-127"/>
-              <a:ea typeface="-윤고딕340" pitchFamily="18" charset="-127"/>
-            </a:endParaRPr>
-          </a:p>
-          <a:p>
-            <a:pPr lvl="1"/>
-            <a:r>
-              <a:rPr lang="en-US" altLang="ko-KR" sz="1400" dirty="0">
-                <a:latin typeface="-윤고딕340" pitchFamily="18" charset="-127"/>
-                <a:ea typeface="-윤고딕340" pitchFamily="18" charset="-127"/>
-              </a:rPr>
-              <a:t>$ </a:t>
-            </a:r>
-            <a:r>
-              <a:rPr lang="en-US" altLang="ko-KR" sz="1400" dirty="0" err="1">
-                <a:latin typeface="-윤고딕340" pitchFamily="18" charset="-127"/>
-                <a:ea typeface="-윤고딕340" pitchFamily="18" charset="-127"/>
-              </a:rPr>
-              <a:t>npm</a:t>
-            </a:r>
-            <a:r>
-              <a:rPr lang="en-US" altLang="ko-KR" sz="1400" dirty="0">
-                <a:latin typeface="-윤고딕340" pitchFamily="18" charset="-127"/>
-                <a:ea typeface="-윤고딕340" pitchFamily="18" charset="-127"/>
-              </a:rPr>
-              <a:t> update &lt;</a:t>
-            </a:r>
-            <a:r>
-              <a:rPr lang="ko-KR" altLang="en-US" sz="1400" dirty="0" err="1">
-                <a:latin typeface="-윤고딕340" pitchFamily="18" charset="-127"/>
-                <a:ea typeface="-윤고딕340" pitchFamily="18" charset="-127"/>
-              </a:rPr>
-              <a:t>패키지명</a:t>
-            </a:r>
-            <a:r>
-              <a:rPr lang="en-US" altLang="ko-KR" sz="1400" dirty="0" smtClean="0">
-                <a:latin typeface="-윤고딕340" pitchFamily="18" charset="-127"/>
-                <a:ea typeface="-윤고딕340" pitchFamily="18" charset="-127"/>
-              </a:rPr>
-              <a:t>&gt;</a:t>
-            </a:r>
-            <a:endParaRPr lang="en-US" altLang="ko-KR" sz="1400" dirty="0">
-              <a:latin typeface="-윤고딕340" pitchFamily="18" charset="-127"/>
-              <a:ea typeface="-윤고딕340" pitchFamily="18" charset="-127"/>
-            </a:endParaRPr>
+            <a:endParaRPr lang="ko-KR" altLang="en-US" dirty="0"/>
+          </a:p>
+          <a:p>
+            <a:endParaRPr lang="ko-KR" altLang="en-US" dirty="0"/>
           </a:p>
         </p:txBody>
       </p:sp>
     </p:spTree>
     <p:extLst>
       <p:ext uri="{BB962C8B-B14F-4D97-AF65-F5344CB8AC3E}">
-        <p14:creationId xmlns:p14="http://schemas.microsoft.com/office/powerpoint/2010/main" val="2181388249"/>
+        <p14:creationId xmlns:p14="http://schemas.microsoft.com/office/powerpoint/2010/main" val="333306637"/>
       </p:ext>
     </p:extLst>
   </p:cSld>
   <p:clrMapOvr>
     <a:masterClrMapping/>
   </p:clrMapOvr>
-  <p:timing>
-    <p:tnLst>
-      <p:par>
-        <p:cTn id="1" dur="indefinite" restart="never" nodeType="tmRoot"/>
-      </p:par>
-    </p:tnLst>
-  </p:timing>
 </p:sld>
 </file>
 
@@ -8769,147 +8874,165 @@
           <a:lstStyle/>
           <a:p>
             <a:r>
-              <a:rPr lang="en-US" altLang="ko-KR" dirty="0" smtClean="0"/>
-              <a:t>3. </a:t>
-            </a:r>
-            <a:r>
-              <a:rPr lang="en-US" altLang="ko-KR" dirty="0" err="1" smtClean="0"/>
-              <a:t>CommonJS</a:t>
-            </a:r>
-            <a:endParaRPr lang="ko-KR" altLang="en-US" dirty="0"/>
+              <a:rPr lang="en-US" altLang="ko-KR" sz="3200" dirty="0" smtClean="0"/>
+              <a:t>2.4</a:t>
+            </a:r>
+            <a:r>
+              <a:rPr lang="ko-KR" altLang="en-US" sz="3200" dirty="0"/>
+              <a:t>멀티 </a:t>
+            </a:r>
+            <a:r>
+              <a:rPr lang="ko-KR" altLang="en-US" sz="3200" dirty="0" err="1"/>
+              <a:t>스레드</a:t>
+            </a:r>
+            <a:r>
+              <a:rPr lang="ko-KR" altLang="en-US" sz="3200" dirty="0"/>
+              <a:t> 구조와 </a:t>
+            </a:r>
+            <a:r>
+              <a:rPr lang="ko-KR" altLang="en-US" sz="3200" dirty="0" err="1"/>
+              <a:t>싱글</a:t>
+            </a:r>
+            <a:r>
+              <a:rPr lang="ko-KR" altLang="en-US" sz="3200" dirty="0"/>
+              <a:t> </a:t>
+            </a:r>
+            <a:r>
+              <a:rPr lang="ko-KR" altLang="en-US" sz="3200" dirty="0" err="1"/>
+              <a:t>스레드</a:t>
+            </a:r>
+            <a:r>
+              <a:rPr lang="ko-KR" altLang="en-US" sz="3200" dirty="0"/>
+              <a:t> </a:t>
+            </a:r>
+            <a:r>
+              <a:rPr lang="ko-KR" altLang="en-US" sz="3200" dirty="0" smtClean="0"/>
+              <a:t>구조</a:t>
+            </a:r>
+            <a:endParaRPr lang="ko-KR" altLang="en-US" sz="3200" dirty="0"/>
           </a:p>
         </p:txBody>
       </p:sp>
+      <p:pic>
+        <p:nvPicPr>
+          <p:cNvPr id="6" name="Picture 2" descr="http://cfile22.uf.tistory.com/image/246E6D4652F7798521A88B"/>
+          <p:cNvPicPr>
+            <a:picLocks noChangeAspect="1" noChangeArrowheads="1"/>
+          </p:cNvPicPr>
+          <p:nvPr/>
+        </p:nvPicPr>
+        <p:blipFill>
+          <a:blip r:embed="rId2" cstate="print"/>
+          <a:srcRect/>
+          <a:stretch>
+            <a:fillRect/>
+          </a:stretch>
+        </p:blipFill>
+        <p:spPr bwMode="auto">
+          <a:xfrm>
+            <a:off x="468425" y="1844824"/>
+            <a:ext cx="3661259" cy="2920961"/>
+          </a:xfrm>
+          <a:prstGeom prst="rect">
+            <a:avLst/>
+          </a:prstGeom>
+          <a:noFill/>
+        </p:spPr>
+      </p:pic>
       <p:sp>
         <p:nvSpPr>
-          <p:cNvPr id="3" name="내용 개체 틀 2"/>
-          <p:cNvSpPr>
-            <a:spLocks noGrp="1"/>
-          </p:cNvSpPr>
-          <p:nvPr>
-            <p:ph idx="1"/>
-          </p:nvPr>
+          <p:cNvPr id="7" name="TextBox 6"/>
+          <p:cNvSpPr txBox="1"/>
+          <p:nvPr/>
         </p:nvSpPr>
-        <p:spPr/>
+        <p:spPr>
+          <a:xfrm>
+            <a:off x="755576" y="5003884"/>
+            <a:ext cx="3575146" cy="369332"/>
+          </a:xfrm>
+          <a:prstGeom prst="rect">
+            <a:avLst/>
+          </a:prstGeom>
+          <a:noFill/>
+        </p:spPr>
         <p:txBody>
-          <a:bodyPr>
-            <a:normAutofit/>
+          <a:bodyPr wrap="none" rtlCol="0">
+            <a:spAutoFit/>
           </a:bodyPr>
           <a:lstStyle/>
           <a:p>
             <a:r>
-              <a:rPr lang="ko-KR" altLang="en-US" dirty="0" smtClean="0"/>
-              <a:t>탄생 배경</a:t>
-            </a:r>
-            <a:endParaRPr lang="en-US" altLang="ko-KR" dirty="0" smtClean="0"/>
-          </a:p>
-          <a:p>
-            <a:pPr lvl="1"/>
-            <a:r>
-              <a:rPr lang="ko-KR" altLang="en-US" dirty="0" smtClean="0"/>
-              <a:t>서버사이드 표준정의 필요</a:t>
-            </a:r>
-            <a:endParaRPr lang="en-US" altLang="ko-KR" dirty="0" smtClean="0"/>
-          </a:p>
-          <a:p>
-            <a:r>
-              <a:rPr lang="ko-KR" altLang="en-US" dirty="0" smtClean="0"/>
-              <a:t>정의</a:t>
-            </a:r>
-            <a:endParaRPr lang="en-US" altLang="ko-KR" dirty="0" smtClean="0"/>
-          </a:p>
-          <a:p>
-            <a:pPr lvl="1"/>
-            <a:r>
-              <a:rPr lang="en-US" altLang="ko-KR" dirty="0" smtClean="0"/>
-              <a:t>JavaScript API</a:t>
-            </a:r>
-            <a:r>
-              <a:rPr lang="ko-KR" altLang="en-US" dirty="0" smtClean="0"/>
-              <a:t>를 정의 하는 단체</a:t>
-            </a:r>
-            <a:r>
-              <a:rPr lang="en-US" altLang="ko-KR" dirty="0" smtClean="0"/>
-              <a:t>(group)</a:t>
-            </a:r>
-          </a:p>
-          <a:p>
-            <a:r>
-              <a:rPr lang="ko-KR" altLang="en-US" dirty="0" smtClean="0"/>
-              <a:t>특징</a:t>
-            </a:r>
-            <a:endParaRPr lang="en-US" altLang="ko-KR" dirty="0"/>
-          </a:p>
-          <a:p>
-            <a:pPr lvl="1"/>
-            <a:r>
-              <a:rPr lang="en-US" altLang="ko-KR" dirty="0"/>
-              <a:t>Node.js </a:t>
-            </a:r>
-            <a:r>
-              <a:rPr lang="ko-KR" altLang="en-US" dirty="0" smtClean="0"/>
-              <a:t>모듈은 </a:t>
-            </a:r>
-            <a:r>
-              <a:rPr lang="en-US" altLang="ko-KR" dirty="0"/>
-              <a:t>Module </a:t>
-            </a:r>
-            <a:r>
-              <a:rPr lang="en-US" altLang="ko-KR" dirty="0" smtClean="0"/>
-              <a:t>1.0</a:t>
-            </a:r>
-            <a:r>
-              <a:rPr lang="ko-KR" altLang="en-US" dirty="0" smtClean="0"/>
-              <a:t>을 따르고 있다</a:t>
-            </a:r>
-            <a:r>
-              <a:rPr lang="en-US" altLang="ko-KR" dirty="0" smtClean="0"/>
-              <a:t>.</a:t>
-            </a:r>
-          </a:p>
-          <a:p>
-            <a:pPr lvl="1"/>
-            <a:r>
-              <a:rPr lang="ko-KR" altLang="en-US" dirty="0" smtClean="0"/>
-              <a:t>자바스크립트를 </a:t>
-            </a:r>
-            <a:r>
-              <a:rPr lang="ko-KR" altLang="en-US" dirty="0" err="1" smtClean="0"/>
-              <a:t>웹브라우저</a:t>
-            </a:r>
-            <a:r>
-              <a:rPr lang="ko-KR" altLang="en-US" dirty="0" smtClean="0"/>
-              <a:t> 외의 환경에서 사용하기 위한 표준</a:t>
-            </a:r>
-            <a:endParaRPr lang="en-US" altLang="ko-KR" dirty="0" smtClean="0"/>
-          </a:p>
-          <a:p>
-            <a:pPr lvl="1"/>
-            <a:endParaRPr lang="en-US" altLang="ko-KR" dirty="0" smtClean="0"/>
-          </a:p>
-          <a:p>
-            <a:pPr lvl="1"/>
-            <a:endParaRPr lang="ko-KR" altLang="en-US" dirty="0"/>
+              <a:rPr lang="en-US" altLang="ko-KR" b="1" dirty="0" smtClean="0">
+                <a:latin typeface="+mj-lt"/>
+              </a:rPr>
+              <a:t>&lt;Tomcat</a:t>
+            </a:r>
+            <a:r>
+              <a:rPr lang="ko-KR" altLang="en-US" b="1" dirty="0" smtClean="0">
+                <a:latin typeface="+mj-lt"/>
+              </a:rPr>
+              <a:t>의 </a:t>
+            </a:r>
+            <a:r>
+              <a:rPr lang="en-US" altLang="ko-KR" b="1" dirty="0" smtClean="0">
+                <a:latin typeface="+mj-lt"/>
+              </a:rPr>
+              <a:t>Multi Thread</a:t>
+            </a:r>
+            <a:r>
+              <a:rPr lang="ko-KR" altLang="en-US" b="1" dirty="0" smtClean="0">
+                <a:latin typeface="+mj-lt"/>
+              </a:rPr>
+              <a:t> 구조</a:t>
+            </a:r>
+            <a:r>
+              <a:rPr lang="en-US" altLang="ko-KR" b="1" dirty="0" smtClean="0">
+                <a:latin typeface="+mj-lt"/>
+              </a:rPr>
+              <a:t>&gt;</a:t>
+            </a:r>
+            <a:endParaRPr lang="ko-KR" altLang="en-US" b="1" dirty="0">
+              <a:latin typeface="+mj-lt"/>
+            </a:endParaRPr>
           </a:p>
         </p:txBody>
       </p:sp>
+      <p:pic>
+        <p:nvPicPr>
+          <p:cNvPr id="8" name="Picture 2" descr="http://cfile10.uf.tistory.com/image/2376D14652F779861CAF0B"/>
+          <p:cNvPicPr>
+            <a:picLocks noChangeAspect="1" noChangeArrowheads="1"/>
+          </p:cNvPicPr>
+          <p:nvPr/>
+        </p:nvPicPr>
+        <p:blipFill>
+          <a:blip r:embed="rId3" cstate="print"/>
+          <a:srcRect/>
+          <a:stretch>
+            <a:fillRect/>
+          </a:stretch>
+        </p:blipFill>
+        <p:spPr bwMode="auto">
+          <a:xfrm>
+            <a:off x="4922465" y="2467105"/>
+            <a:ext cx="3609975" cy="1676401"/>
+          </a:xfrm>
+          <a:prstGeom prst="rect">
+            <a:avLst/>
+          </a:prstGeom>
+          <a:noFill/>
+        </p:spPr>
+      </p:pic>
     </p:spTree>
     <p:extLst>
       <p:ext uri="{BB962C8B-B14F-4D97-AF65-F5344CB8AC3E}">
-        <p14:creationId xmlns:p14="http://schemas.microsoft.com/office/powerpoint/2010/main" val="3849171795"/>
+        <p14:creationId xmlns:p14="http://schemas.microsoft.com/office/powerpoint/2010/main" val="2047320490"/>
       </p:ext>
     </p:extLst>
   </p:cSld>
   <p:clrMapOvr>
     <a:masterClrMapping/>
   </p:clrMapOvr>
-  <p:timing>
-    <p:tnLst>
-      <p:par>
-        <p:cTn id="1" dur="indefinite" restart="never" nodeType="tmRoot"/>
-      </p:par>
-    </p:tnLst>
-  </p:timing>
 </p:sld>
 </file>
 
@@ -8946,70 +9069,80 @@
           <a:lstStyle/>
           <a:p>
             <a:r>
-              <a:rPr lang="en-US" altLang="ko-KR" dirty="0" smtClean="0"/>
-              <a:t>3.2 </a:t>
-            </a:r>
-            <a:r>
-              <a:rPr lang="ko-KR" altLang="en-US" dirty="0" smtClean="0"/>
-              <a:t>모듈 사용</a:t>
-            </a:r>
-            <a:endParaRPr lang="ko-KR" altLang="en-US" dirty="0"/>
+              <a:rPr lang="en-US" altLang="ko-KR" sz="3200" dirty="0" smtClean="0"/>
+              <a:t>2.5 </a:t>
+            </a:r>
+            <a:r>
+              <a:rPr lang="ko-KR" altLang="en-US" sz="3200" dirty="0" err="1"/>
+              <a:t>싱글</a:t>
+            </a:r>
+            <a:r>
+              <a:rPr lang="ko-KR" altLang="en-US" sz="3200" dirty="0"/>
+              <a:t> </a:t>
+            </a:r>
+            <a:r>
+              <a:rPr lang="ko-KR" altLang="en-US" sz="3200" dirty="0" err="1"/>
+              <a:t>스레드</a:t>
+            </a:r>
+            <a:r>
+              <a:rPr lang="ko-KR" altLang="en-US" sz="3200" dirty="0"/>
+              <a:t> 이벤트기반 </a:t>
+            </a:r>
+            <a:r>
+              <a:rPr lang="ko-KR" altLang="en-US" sz="3200" dirty="0" err="1"/>
+              <a:t>비동기</a:t>
+            </a:r>
+            <a:r>
+              <a:rPr lang="ko-KR" altLang="en-US" sz="3200" dirty="0"/>
+              <a:t> 처리 </a:t>
+            </a:r>
+            <a:r>
+              <a:rPr lang="en-US" altLang="ko-KR" sz="3200" dirty="0"/>
+              <a:t>Event Loop</a:t>
+            </a:r>
+            <a:r>
+              <a:rPr lang="ko-KR" altLang="en-US" sz="3200" dirty="0"/>
+              <a:t> </a:t>
+            </a:r>
           </a:p>
         </p:txBody>
       </p:sp>
+      <p:pic>
+        <p:nvPicPr>
+          <p:cNvPr id="9" name="Picture 2" descr="http://cfile6.uf.tistory.com/image/251DFA4652F77986035249"/>
+          <p:cNvPicPr>
+            <a:picLocks noChangeAspect="1" noChangeArrowheads="1"/>
+          </p:cNvPicPr>
+          <p:nvPr/>
+        </p:nvPicPr>
+        <p:blipFill>
+          <a:blip r:embed="rId2" cstate="print"/>
+          <a:srcRect/>
+          <a:stretch>
+            <a:fillRect/>
+          </a:stretch>
+        </p:blipFill>
+        <p:spPr bwMode="auto">
+          <a:xfrm>
+            <a:off x="1437427" y="1927965"/>
+            <a:ext cx="5851660" cy="2736304"/>
+          </a:xfrm>
+          <a:prstGeom prst="rect">
+            <a:avLst/>
+          </a:prstGeom>
+          <a:noFill/>
+        </p:spPr>
+      </p:pic>
       <p:sp>
         <p:nvSpPr>
-          <p:cNvPr id="3" name="내용 개체 틀 2"/>
-          <p:cNvSpPr>
-            <a:spLocks noGrp="1"/>
-          </p:cNvSpPr>
-          <p:nvPr>
-            <p:ph idx="1"/>
-          </p:nvPr>
-        </p:nvSpPr>
-        <p:spPr/>
-        <p:txBody>
-          <a:bodyPr/>
-          <a:lstStyle/>
-          <a:p>
-            <a:r>
-              <a:rPr lang="ko-KR" altLang="en-US" dirty="0" smtClean="0"/>
-              <a:t>서버 사이드 사용</a:t>
-            </a:r>
-            <a:endParaRPr lang="en-US" altLang="ko-KR" dirty="0" smtClean="0"/>
-          </a:p>
-          <a:p>
-            <a:endParaRPr lang="en-US" altLang="ko-KR" dirty="0"/>
-          </a:p>
-          <a:p>
-            <a:pPr marL="0" indent="0">
-              <a:buNone/>
-            </a:pPr>
-            <a:endParaRPr lang="en-US" altLang="ko-KR" dirty="0"/>
-          </a:p>
-          <a:p>
-            <a:r>
-              <a:rPr lang="ko-KR" altLang="en-US" dirty="0" smtClean="0"/>
-              <a:t>브라우저 사용</a:t>
-            </a:r>
-            <a:endParaRPr lang="en-US" altLang="ko-KR" dirty="0" smtClean="0"/>
-          </a:p>
-          <a:p>
-            <a:pPr lvl="1"/>
-            <a:endParaRPr lang="ko-KR" altLang="en-US" dirty="0"/>
-          </a:p>
-        </p:txBody>
-      </p:sp>
-      <p:sp>
-        <p:nvSpPr>
-          <p:cNvPr id="5" name="TextBox 4"/>
+          <p:cNvPr id="10" name="TextBox 9"/>
           <p:cNvSpPr txBox="1"/>
           <p:nvPr/>
         </p:nvSpPr>
         <p:spPr>
           <a:xfrm>
-            <a:off x="1547664" y="2060848"/>
-            <a:ext cx="6696744" cy="1477328"/>
+            <a:off x="3258262" y="5229200"/>
+            <a:ext cx="2591479" cy="369332"/>
           </a:xfrm>
           <a:prstGeom prst="rect">
             <a:avLst/>
@@ -9017,212 +9150,45 @@
           <a:noFill/>
         </p:spPr>
         <p:txBody>
-          <a:bodyPr wrap="square" rtlCol="0">
+          <a:bodyPr wrap="none" rtlCol="0">
             <a:spAutoFit/>
           </a:bodyPr>
           <a:lstStyle/>
           <a:p>
-            <a:pPr fontAlgn="base"/>
-            <a:r>
-              <a:rPr lang="en-US" altLang="ko-KR" dirty="0"/>
-              <a:t>// </a:t>
-            </a:r>
-            <a:r>
-              <a:rPr lang="en-US" altLang="ko-KR" dirty="0" smtClean="0"/>
-              <a:t>complex-numbers/plus-two.js</a:t>
-            </a:r>
-            <a:endParaRPr lang="en-US" altLang="ko-KR" dirty="0"/>
-          </a:p>
-          <a:p>
-            <a:pPr fontAlgn="base"/>
-            <a:r>
-              <a:rPr lang="en-US" altLang="ko-KR" dirty="0" err="1"/>
-              <a:t>var</a:t>
-            </a:r>
-            <a:r>
-              <a:rPr lang="en-US" altLang="ko-KR" dirty="0"/>
-              <a:t> sum = require("./math").sum;</a:t>
-            </a:r>
-          </a:p>
-          <a:p>
-            <a:pPr fontAlgn="base"/>
-            <a:r>
-              <a:rPr lang="en-US" altLang="ko-KR" dirty="0" err="1"/>
-              <a:t>exports.plusTwo</a:t>
-            </a:r>
-            <a:r>
-              <a:rPr lang="en-US" altLang="ko-KR" dirty="0"/>
-              <a:t> = function(a){</a:t>
-            </a:r>
-          </a:p>
-          <a:p>
-            <a:pPr fontAlgn="base"/>
-            <a:r>
-              <a:rPr lang="en-US" altLang="ko-KR" dirty="0"/>
-              <a:t>return sum(a, 2</a:t>
-            </a:r>
-            <a:r>
-              <a:rPr lang="en-US" altLang="ko-KR" dirty="0" smtClean="0"/>
-              <a:t>); };</a:t>
-            </a:r>
-            <a:endParaRPr lang="en-US" altLang="ko-KR" dirty="0"/>
-          </a:p>
-          <a:p>
-            <a:endParaRPr lang="ko-KR" altLang="en-US" dirty="0"/>
-          </a:p>
-        </p:txBody>
-      </p:sp>
-      <p:sp>
-        <p:nvSpPr>
-          <p:cNvPr id="6" name="TextBox 5"/>
-          <p:cNvSpPr txBox="1"/>
-          <p:nvPr/>
-        </p:nvSpPr>
-        <p:spPr>
-          <a:xfrm>
-            <a:off x="1547664" y="4073004"/>
-            <a:ext cx="7128792" cy="2308324"/>
-          </a:xfrm>
-          <a:prstGeom prst="rect">
-            <a:avLst/>
-          </a:prstGeom>
-          <a:noFill/>
-        </p:spPr>
-        <p:txBody>
-          <a:bodyPr wrap="square" rtlCol="0">
-            <a:spAutoFit/>
-          </a:bodyPr>
-          <a:lstStyle/>
-          <a:p>
-            <a:pPr fontAlgn="base"/>
-            <a:r>
-              <a:rPr lang="en-US" altLang="ko-KR" dirty="0"/>
-              <a:t>// </a:t>
-            </a:r>
-            <a:r>
-              <a:rPr lang="en-US" altLang="ko-KR" dirty="0" smtClean="0"/>
-              <a:t>complex-numbers/plus-two.js</a:t>
-            </a:r>
-            <a:endParaRPr lang="en-US" altLang="ko-KR" dirty="0"/>
-          </a:p>
-          <a:p>
-            <a:pPr fontAlgn="base"/>
-            <a:r>
-              <a:rPr lang="en-US" altLang="ko-KR" dirty="0" err="1"/>
-              <a:t>require.define</a:t>
-            </a:r>
-            <a:r>
-              <a:rPr lang="en-US" altLang="ko-KR" dirty="0"/>
-              <a:t>({"complex-numbers/plus-two": function(require, exports</a:t>
-            </a:r>
-            <a:r>
-              <a:rPr lang="en-US" altLang="ko-KR" dirty="0" smtClean="0"/>
-              <a:t>){</a:t>
-            </a:r>
-            <a:endParaRPr lang="en-US" altLang="ko-KR" dirty="0"/>
-          </a:p>
-          <a:p>
-            <a:pPr fontAlgn="base"/>
-            <a:r>
-              <a:rPr lang="en-US" altLang="ko-KR" dirty="0"/>
-              <a:t>//</a:t>
-            </a:r>
-            <a:r>
-              <a:rPr lang="ko-KR" altLang="en-US" dirty="0" err="1"/>
-              <a:t>콜백</a:t>
-            </a:r>
-            <a:r>
-              <a:rPr lang="ko-KR" altLang="en-US" dirty="0"/>
-              <a:t> 함수 안에 모듈을 정의한다</a:t>
-            </a:r>
-            <a:r>
-              <a:rPr lang="en-US" altLang="ko-KR" dirty="0"/>
-              <a:t>.</a:t>
-            </a:r>
-          </a:p>
-          <a:p>
-            <a:pPr fontAlgn="base"/>
-            <a:r>
-              <a:rPr lang="en-US" altLang="ko-KR" dirty="0" err="1"/>
-              <a:t>var</a:t>
-            </a:r>
-            <a:r>
-              <a:rPr lang="en-US" altLang="ko-KR" dirty="0"/>
-              <a:t> sum = require("./complex-number").sum;</a:t>
-            </a:r>
-          </a:p>
-          <a:p>
-            <a:pPr fontAlgn="base"/>
-            <a:r>
-              <a:rPr lang="en-US" altLang="ko-KR" dirty="0" err="1"/>
-              <a:t>exports.plusTwo</a:t>
-            </a:r>
-            <a:r>
-              <a:rPr lang="en-US" altLang="ko-KR" dirty="0"/>
-              <a:t> = function(a){</a:t>
-            </a:r>
-          </a:p>
-          <a:p>
-            <a:pPr fontAlgn="base"/>
-            <a:r>
-              <a:rPr lang="en-US" altLang="ko-KR" dirty="0"/>
-              <a:t>return sum(a, 2</a:t>
-            </a:r>
-            <a:r>
-              <a:rPr lang="en-US" altLang="ko-KR" dirty="0" smtClean="0"/>
-              <a:t>); };</a:t>
-            </a:r>
-            <a:endParaRPr lang="en-US" altLang="ko-KR" dirty="0"/>
-          </a:p>
-          <a:p>
-            <a:pPr fontAlgn="base"/>
-            <a:r>
-              <a:rPr lang="en-US" altLang="ko-KR" dirty="0"/>
-              <a:t>},["complex-numbers/math"]);</a:t>
-            </a:r>
-          </a:p>
-          <a:p>
-            <a:pPr fontAlgn="base"/>
-            <a:r>
-              <a:rPr lang="en-US" altLang="ko-KR" dirty="0"/>
-              <a:t>//</a:t>
-            </a:r>
-            <a:r>
-              <a:rPr lang="ko-KR" altLang="en-US" dirty="0"/>
-              <a:t>먼저 </a:t>
-            </a:r>
-            <a:r>
-              <a:rPr lang="ko-KR" altLang="en-US" dirty="0" err="1"/>
-              <a:t>로드되어야</a:t>
-            </a:r>
-            <a:r>
-              <a:rPr lang="ko-KR" altLang="en-US" dirty="0"/>
-              <a:t> 할 모듈을 기술한다</a:t>
-            </a:r>
-            <a:r>
-              <a:rPr lang="en-US" altLang="ko-KR" dirty="0"/>
-              <a:t>.</a:t>
-            </a:r>
+            <a:r>
+              <a:rPr lang="en-US" altLang="ko-KR" b="1" dirty="0" smtClean="0">
+                <a:latin typeface="+mj-lt"/>
+              </a:rPr>
+              <a:t>&lt; Event Loop</a:t>
+            </a:r>
+            <a:r>
+              <a:rPr lang="ko-KR" altLang="en-US" b="1" dirty="0" smtClean="0">
+                <a:latin typeface="+mj-lt"/>
+              </a:rPr>
+              <a:t>의 개념</a:t>
+            </a:r>
+            <a:r>
+              <a:rPr lang="en-US" altLang="ko-KR" b="1" dirty="0" smtClean="0">
+                <a:latin typeface="+mj-lt"/>
+              </a:rPr>
+              <a:t>&gt;</a:t>
+            </a:r>
+            <a:endParaRPr lang="ko-KR" altLang="en-US" b="1" dirty="0">
+              <a:latin typeface="+mj-lt"/>
+            </a:endParaRPr>
           </a:p>
         </p:txBody>
       </p:sp>
     </p:spTree>
     <p:extLst>
       <p:ext uri="{BB962C8B-B14F-4D97-AF65-F5344CB8AC3E}">
-        <p14:creationId xmlns:p14="http://schemas.microsoft.com/office/powerpoint/2010/main" val="1328629645"/>
+        <p14:creationId xmlns:p14="http://schemas.microsoft.com/office/powerpoint/2010/main" val="3056549434"/>
       </p:ext>
     </p:extLst>
   </p:cSld>
   <p:clrMapOvr>
     <a:masterClrMapping/>
   </p:clrMapOvr>
-  <p:timing>
-    <p:tnLst>
-      <p:par>
-        <p:cTn id="1" dur="indefinite" restart="never" nodeType="tmRoot"/>
-      </p:par>
-    </p:tnLst>
-  </p:timing>
 </p:sld>
 </file>
 
@@ -9259,6 +9225,918 @@
           <a:lstStyle/>
           <a:p>
             <a:r>
+              <a:rPr lang="en-US" altLang="ko-KR" dirty="0" smtClean="0"/>
+              <a:t>2.3 </a:t>
+            </a:r>
+            <a:r>
+              <a:rPr lang="en-US" altLang="ko-KR" dirty="0" err="1" smtClean="0"/>
+              <a:t>Npm</a:t>
+            </a:r>
+            <a:r>
+              <a:rPr lang="en-US" altLang="ko-KR" dirty="0" smtClean="0"/>
+              <a:t> (</a:t>
+            </a:r>
+            <a:r>
+              <a:rPr lang="ko-KR" altLang="en-US" dirty="0" smtClean="0"/>
+              <a:t>모듈 관리</a:t>
+            </a:r>
+            <a:r>
+              <a:rPr lang="en-US" altLang="ko-KR" dirty="0" smtClean="0"/>
+              <a:t>)</a:t>
+            </a:r>
+            <a:endParaRPr lang="ko-KR" altLang="en-US" dirty="0"/>
+          </a:p>
+        </p:txBody>
+      </p:sp>
+      <p:sp>
+        <p:nvSpPr>
+          <p:cNvPr id="3" name="내용 개체 틀 2"/>
+          <p:cNvSpPr>
+            <a:spLocks noGrp="1"/>
+          </p:cNvSpPr>
+          <p:nvPr>
+            <p:ph idx="1"/>
+          </p:nvPr>
+        </p:nvSpPr>
+        <p:spPr/>
+        <p:txBody>
+          <a:bodyPr/>
+          <a:lstStyle/>
+          <a:p>
+            <a:r>
+              <a:rPr lang="ko-KR" altLang="en-US" sz="1800" dirty="0">
+                <a:latin typeface="-윤고딕340" pitchFamily="18" charset="-127"/>
+                <a:ea typeface="-윤고딕340" pitchFamily="18" charset="-127"/>
+              </a:rPr>
+              <a:t>전역모드 설치  </a:t>
+            </a:r>
+            <a:r>
+              <a:rPr lang="en-US" altLang="ko-KR" sz="1800" dirty="0">
+                <a:latin typeface="-윤고딕340" pitchFamily="18" charset="-127"/>
+                <a:ea typeface="-윤고딕340" pitchFamily="18" charset="-127"/>
+              </a:rPr>
+              <a:t>: /</a:t>
+            </a:r>
+            <a:r>
+              <a:rPr lang="en-US" altLang="ko-KR" sz="1800" dirty="0" err="1">
+                <a:latin typeface="-윤고딕340" pitchFamily="18" charset="-127"/>
+                <a:ea typeface="-윤고딕340" pitchFamily="18" charset="-127"/>
+              </a:rPr>
+              <a:t>usr</a:t>
+            </a:r>
+            <a:r>
+              <a:rPr lang="en-US" altLang="ko-KR" sz="1800" dirty="0">
+                <a:latin typeface="-윤고딕340" pitchFamily="18" charset="-127"/>
+                <a:ea typeface="-윤고딕340" pitchFamily="18" charset="-127"/>
+              </a:rPr>
+              <a:t>/local/lib/</a:t>
+            </a:r>
+            <a:r>
+              <a:rPr lang="en-US" altLang="ko-KR" sz="1800" dirty="0" err="1">
+                <a:latin typeface="-윤고딕340" pitchFamily="18" charset="-127"/>
+                <a:ea typeface="-윤고딕340" pitchFamily="18" charset="-127"/>
+              </a:rPr>
+              <a:t>node_module</a:t>
+            </a:r>
+            <a:endParaRPr lang="en-US" altLang="ko-KR" sz="1800" dirty="0">
+              <a:latin typeface="-윤고딕340" pitchFamily="18" charset="-127"/>
+              <a:ea typeface="-윤고딕340" pitchFamily="18" charset="-127"/>
+            </a:endParaRPr>
+          </a:p>
+          <a:p>
+            <a:pPr lvl="1"/>
+            <a:r>
+              <a:rPr lang="en-US" altLang="ko-KR" sz="1400" dirty="0">
+                <a:latin typeface="-윤고딕340" pitchFamily="18" charset="-127"/>
+                <a:ea typeface="-윤고딕340" pitchFamily="18" charset="-127"/>
+              </a:rPr>
+              <a:t>root $ </a:t>
+            </a:r>
+            <a:r>
+              <a:rPr lang="en-US" altLang="ko-KR" sz="1400" dirty="0" err="1">
+                <a:latin typeface="-윤고딕340" pitchFamily="18" charset="-127"/>
+                <a:ea typeface="-윤고딕340" pitchFamily="18" charset="-127"/>
+              </a:rPr>
+              <a:t>npm</a:t>
+            </a:r>
+            <a:r>
+              <a:rPr lang="en-US" altLang="ko-KR" sz="1400" dirty="0">
+                <a:latin typeface="-윤고딕340" pitchFamily="18" charset="-127"/>
+                <a:ea typeface="-윤고딕340" pitchFamily="18" charset="-127"/>
+              </a:rPr>
+              <a:t> install –g &lt;</a:t>
+            </a:r>
+            <a:r>
+              <a:rPr lang="ko-KR" altLang="en-US" sz="1400" dirty="0" err="1">
+                <a:latin typeface="-윤고딕340" pitchFamily="18" charset="-127"/>
+                <a:ea typeface="-윤고딕340" pitchFamily="18" charset="-127"/>
+              </a:rPr>
+              <a:t>패키지명</a:t>
+            </a:r>
+            <a:r>
+              <a:rPr lang="en-US" altLang="ko-KR" sz="1400" dirty="0">
+                <a:latin typeface="-윤고딕340" pitchFamily="18" charset="-127"/>
+                <a:ea typeface="-윤고딕340" pitchFamily="18" charset="-127"/>
+              </a:rPr>
+              <a:t>&gt;</a:t>
+            </a:r>
+          </a:p>
+          <a:p>
+            <a:endParaRPr lang="en-US" altLang="ko-KR" sz="1800" dirty="0">
+              <a:latin typeface="-윤고딕340" pitchFamily="18" charset="-127"/>
+              <a:ea typeface="-윤고딕340" pitchFamily="18" charset="-127"/>
+            </a:endParaRPr>
+          </a:p>
+          <a:p>
+            <a:r>
+              <a:rPr lang="ko-KR" altLang="en-US" sz="1800" dirty="0">
+                <a:latin typeface="-윤고딕340" pitchFamily="18" charset="-127"/>
+                <a:ea typeface="-윤고딕340" pitchFamily="18" charset="-127"/>
+              </a:rPr>
+              <a:t>지역모드 설치</a:t>
+            </a:r>
+            <a:endParaRPr lang="en-US" altLang="ko-KR" sz="1800" dirty="0">
+              <a:latin typeface="-윤고딕340" pitchFamily="18" charset="-127"/>
+              <a:ea typeface="-윤고딕340" pitchFamily="18" charset="-127"/>
+            </a:endParaRPr>
+          </a:p>
+          <a:p>
+            <a:pPr lvl="1"/>
+            <a:r>
+              <a:rPr lang="en-US" altLang="ko-KR" sz="1400" dirty="0">
+                <a:latin typeface="-윤고딕340" pitchFamily="18" charset="-127"/>
+                <a:ea typeface="-윤고딕340" pitchFamily="18" charset="-127"/>
+              </a:rPr>
+              <a:t>$ </a:t>
+            </a:r>
+            <a:r>
+              <a:rPr lang="en-US" altLang="ko-KR" sz="1400" dirty="0" err="1">
+                <a:latin typeface="-윤고딕340" pitchFamily="18" charset="-127"/>
+                <a:ea typeface="-윤고딕340" pitchFamily="18" charset="-127"/>
+              </a:rPr>
+              <a:t>npm</a:t>
+            </a:r>
+            <a:r>
+              <a:rPr lang="en-US" altLang="ko-KR" sz="1400" dirty="0">
+                <a:latin typeface="-윤고딕340" pitchFamily="18" charset="-127"/>
+                <a:ea typeface="-윤고딕340" pitchFamily="18" charset="-127"/>
+              </a:rPr>
+              <a:t> install &lt;</a:t>
+            </a:r>
+            <a:r>
+              <a:rPr lang="ko-KR" altLang="en-US" sz="1400" dirty="0" err="1">
+                <a:latin typeface="-윤고딕340" pitchFamily="18" charset="-127"/>
+                <a:ea typeface="-윤고딕340" pitchFamily="18" charset="-127"/>
+              </a:rPr>
+              <a:t>패키지명</a:t>
+            </a:r>
+            <a:r>
+              <a:rPr lang="en-US" altLang="ko-KR" sz="1400" dirty="0">
+                <a:latin typeface="-윤고딕340" pitchFamily="18" charset="-127"/>
+                <a:ea typeface="-윤고딕340" pitchFamily="18" charset="-127"/>
+              </a:rPr>
+              <a:t>&gt;</a:t>
+            </a:r>
+          </a:p>
+          <a:p>
+            <a:pPr>
+              <a:buNone/>
+            </a:pPr>
+            <a:endParaRPr lang="en-US" altLang="ko-KR" sz="1800" dirty="0">
+              <a:latin typeface="-윤고딕340" pitchFamily="18" charset="-127"/>
+              <a:ea typeface="-윤고딕340" pitchFamily="18" charset="-127"/>
+            </a:endParaRPr>
+          </a:p>
+          <a:p>
+            <a:r>
+              <a:rPr lang="ko-KR" altLang="en-US" sz="1800" dirty="0">
+                <a:latin typeface="-윤고딕340" pitchFamily="18" charset="-127"/>
+                <a:ea typeface="-윤고딕340" pitchFamily="18" charset="-127"/>
+              </a:rPr>
+              <a:t>특정 버전 설치</a:t>
+            </a:r>
+            <a:endParaRPr lang="en-US" altLang="ko-KR" sz="1800" dirty="0">
+              <a:latin typeface="-윤고딕340" pitchFamily="18" charset="-127"/>
+              <a:ea typeface="-윤고딕340" pitchFamily="18" charset="-127"/>
+            </a:endParaRPr>
+          </a:p>
+          <a:p>
+            <a:pPr lvl="1"/>
+            <a:r>
+              <a:rPr lang="en-US" altLang="ko-KR" sz="1400" dirty="0">
+                <a:latin typeface="-윤고딕340" pitchFamily="18" charset="-127"/>
+                <a:ea typeface="-윤고딕340" pitchFamily="18" charset="-127"/>
+              </a:rPr>
+              <a:t>$ </a:t>
+            </a:r>
+            <a:r>
+              <a:rPr lang="en-US" altLang="ko-KR" sz="1400" dirty="0" err="1">
+                <a:latin typeface="-윤고딕340" pitchFamily="18" charset="-127"/>
+                <a:ea typeface="-윤고딕340" pitchFamily="18" charset="-127"/>
+              </a:rPr>
+              <a:t>npm</a:t>
+            </a:r>
+            <a:r>
+              <a:rPr lang="en-US" altLang="ko-KR" sz="1400" dirty="0">
+                <a:latin typeface="-윤고딕340" pitchFamily="18" charset="-127"/>
+                <a:ea typeface="-윤고딕340" pitchFamily="18" charset="-127"/>
+              </a:rPr>
+              <a:t> install &lt;</a:t>
+            </a:r>
+            <a:r>
+              <a:rPr lang="ko-KR" altLang="en-US" sz="1400" dirty="0" err="1">
+                <a:latin typeface="-윤고딕340" pitchFamily="18" charset="-127"/>
+                <a:ea typeface="-윤고딕340" pitchFamily="18" charset="-127"/>
+              </a:rPr>
+              <a:t>패키지명</a:t>
+            </a:r>
+            <a:r>
+              <a:rPr lang="en-US" altLang="ko-KR" sz="1400" dirty="0">
+                <a:latin typeface="-윤고딕340" pitchFamily="18" charset="-127"/>
+                <a:ea typeface="-윤고딕340" pitchFamily="18" charset="-127"/>
+              </a:rPr>
+              <a:t>&gt;@&lt;</a:t>
+            </a:r>
+            <a:r>
+              <a:rPr lang="ko-KR" altLang="en-US" sz="1400" dirty="0">
+                <a:latin typeface="-윤고딕340" pitchFamily="18" charset="-127"/>
+                <a:ea typeface="-윤고딕340" pitchFamily="18" charset="-127"/>
+              </a:rPr>
+              <a:t>버전</a:t>
+            </a:r>
+            <a:r>
+              <a:rPr lang="en-US" altLang="ko-KR" sz="1400" dirty="0">
+                <a:latin typeface="-윤고딕340" pitchFamily="18" charset="-127"/>
+                <a:ea typeface="-윤고딕340" pitchFamily="18" charset="-127"/>
+              </a:rPr>
+              <a:t>&gt;</a:t>
+            </a:r>
+          </a:p>
+          <a:p>
+            <a:pPr lvl="1"/>
+            <a:endParaRPr lang="en-US" altLang="ko-KR" sz="1400" dirty="0">
+              <a:latin typeface="-윤고딕340" pitchFamily="18" charset="-127"/>
+              <a:ea typeface="-윤고딕340" pitchFamily="18" charset="-127"/>
+            </a:endParaRPr>
+          </a:p>
+          <a:p>
+            <a:r>
+              <a:rPr lang="ko-KR" altLang="en-US" sz="1800" dirty="0">
+                <a:latin typeface="-윤고딕340" pitchFamily="18" charset="-127"/>
+                <a:ea typeface="-윤고딕340" pitchFamily="18" charset="-127"/>
+              </a:rPr>
+              <a:t>삭제</a:t>
+            </a:r>
+            <a:endParaRPr lang="en-US" altLang="ko-KR" sz="1800" dirty="0">
+              <a:latin typeface="-윤고딕340" pitchFamily="18" charset="-127"/>
+              <a:ea typeface="-윤고딕340" pitchFamily="18" charset="-127"/>
+            </a:endParaRPr>
+          </a:p>
+          <a:p>
+            <a:pPr lvl="1"/>
+            <a:r>
+              <a:rPr lang="en-US" altLang="ko-KR" sz="1400" dirty="0">
+                <a:latin typeface="-윤고딕340" pitchFamily="18" charset="-127"/>
+                <a:ea typeface="-윤고딕340" pitchFamily="18" charset="-127"/>
+              </a:rPr>
+              <a:t>$ </a:t>
+            </a:r>
+            <a:r>
+              <a:rPr lang="en-US" altLang="ko-KR" sz="1400" dirty="0" err="1">
+                <a:latin typeface="-윤고딕340" pitchFamily="18" charset="-127"/>
+                <a:ea typeface="-윤고딕340" pitchFamily="18" charset="-127"/>
+              </a:rPr>
+              <a:t>npm</a:t>
+            </a:r>
+            <a:r>
+              <a:rPr lang="en-US" altLang="ko-KR" sz="1400" dirty="0">
+                <a:latin typeface="-윤고딕340" pitchFamily="18" charset="-127"/>
+                <a:ea typeface="-윤고딕340" pitchFamily="18" charset="-127"/>
+              </a:rPr>
+              <a:t> uninstall &lt;</a:t>
+            </a:r>
+            <a:r>
+              <a:rPr lang="ko-KR" altLang="en-US" sz="1400" dirty="0" err="1">
+                <a:latin typeface="-윤고딕340" pitchFamily="18" charset="-127"/>
+                <a:ea typeface="-윤고딕340" pitchFamily="18" charset="-127"/>
+              </a:rPr>
+              <a:t>패키지명</a:t>
+            </a:r>
+            <a:r>
+              <a:rPr lang="en-US" altLang="ko-KR" sz="1400" dirty="0">
+                <a:latin typeface="-윤고딕340" pitchFamily="18" charset="-127"/>
+                <a:ea typeface="-윤고딕340" pitchFamily="18" charset="-127"/>
+              </a:rPr>
+              <a:t>&gt;</a:t>
+            </a:r>
+          </a:p>
+          <a:p>
+            <a:pPr lvl="1"/>
+            <a:endParaRPr lang="en-US" altLang="ko-KR" sz="1400" dirty="0">
+              <a:latin typeface="-윤고딕340" pitchFamily="18" charset="-127"/>
+              <a:ea typeface="-윤고딕340" pitchFamily="18" charset="-127"/>
+            </a:endParaRPr>
+          </a:p>
+          <a:p>
+            <a:r>
+              <a:rPr lang="ko-KR" altLang="en-US" sz="1800" dirty="0">
+                <a:latin typeface="-윤고딕340" pitchFamily="18" charset="-127"/>
+                <a:ea typeface="-윤고딕340" pitchFamily="18" charset="-127"/>
+              </a:rPr>
+              <a:t>업데이트</a:t>
+            </a:r>
+            <a:endParaRPr lang="en-US" altLang="ko-KR" sz="1800" dirty="0">
+              <a:latin typeface="-윤고딕340" pitchFamily="18" charset="-127"/>
+              <a:ea typeface="-윤고딕340" pitchFamily="18" charset="-127"/>
+            </a:endParaRPr>
+          </a:p>
+          <a:p>
+            <a:pPr lvl="1"/>
+            <a:r>
+              <a:rPr lang="en-US" altLang="ko-KR" sz="1400" dirty="0">
+                <a:latin typeface="-윤고딕340" pitchFamily="18" charset="-127"/>
+                <a:ea typeface="-윤고딕340" pitchFamily="18" charset="-127"/>
+              </a:rPr>
+              <a:t>$ </a:t>
+            </a:r>
+            <a:r>
+              <a:rPr lang="en-US" altLang="ko-KR" sz="1400" dirty="0" err="1">
+                <a:latin typeface="-윤고딕340" pitchFamily="18" charset="-127"/>
+                <a:ea typeface="-윤고딕340" pitchFamily="18" charset="-127"/>
+              </a:rPr>
+              <a:t>npm</a:t>
+            </a:r>
+            <a:r>
+              <a:rPr lang="en-US" altLang="ko-KR" sz="1400" dirty="0">
+                <a:latin typeface="-윤고딕340" pitchFamily="18" charset="-127"/>
+                <a:ea typeface="-윤고딕340" pitchFamily="18" charset="-127"/>
+              </a:rPr>
+              <a:t> update &lt;</a:t>
+            </a:r>
+            <a:r>
+              <a:rPr lang="ko-KR" altLang="en-US" sz="1400" dirty="0" err="1">
+                <a:latin typeface="-윤고딕340" pitchFamily="18" charset="-127"/>
+                <a:ea typeface="-윤고딕340" pitchFamily="18" charset="-127"/>
+              </a:rPr>
+              <a:t>패키지명</a:t>
+            </a:r>
+            <a:r>
+              <a:rPr lang="en-US" altLang="ko-KR" sz="1400" dirty="0" smtClean="0">
+                <a:latin typeface="-윤고딕340" pitchFamily="18" charset="-127"/>
+                <a:ea typeface="-윤고딕340" pitchFamily="18" charset="-127"/>
+              </a:rPr>
+              <a:t>&gt;</a:t>
+            </a:r>
+            <a:endParaRPr lang="en-US" altLang="ko-KR" sz="1400" dirty="0">
+              <a:latin typeface="-윤고딕340" pitchFamily="18" charset="-127"/>
+              <a:ea typeface="-윤고딕340" pitchFamily="18" charset="-127"/>
+            </a:endParaRPr>
+          </a:p>
+        </p:txBody>
+      </p:sp>
+    </p:spTree>
+    <p:extLst>
+      <p:ext uri="{BB962C8B-B14F-4D97-AF65-F5344CB8AC3E}">
+        <p14:creationId xmlns:p14="http://schemas.microsoft.com/office/powerpoint/2010/main" val="2181388249"/>
+      </p:ext>
+    </p:extLst>
+  </p:cSld>
+  <p:clrMapOvr>
+    <a:masterClrMapping/>
+  </p:clrMapOvr>
+  <p:timing>
+    <p:tnLst>
+      <p:par>
+        <p:cTn id="1" dur="indefinite" restart="never" nodeType="tmRoot"/>
+      </p:par>
+    </p:tnLst>
+  </p:timing>
+</p:sld>
+</file>
+
+<file path=ppt/slides/slide16.xml><?xml version="1.0" encoding="utf-8"?>
+<p:sld xmlns:a="http://schemas.openxmlformats.org/drawingml/2006/main" xmlns:r="http://schemas.openxmlformats.org/officeDocument/2006/relationships" xmlns:p="http://schemas.openxmlformats.org/presentationml/2006/main">
+  <p:cSld>
+    <p:spTree>
+      <p:nvGrpSpPr>
+        <p:cNvPr id="1" name=""/>
+        <p:cNvGrpSpPr/>
+        <p:nvPr/>
+      </p:nvGrpSpPr>
+      <p:grpSpPr>
+        <a:xfrm>
+          <a:off x="0" y="0"/>
+          <a:ext cx="0" cy="0"/>
+          <a:chOff x="0" y="0"/>
+          <a:chExt cx="0" cy="0"/>
+        </a:xfrm>
+      </p:grpSpPr>
+      <p:sp>
+        <p:nvSpPr>
+          <p:cNvPr id="2" name="제목 1"/>
+          <p:cNvSpPr>
+            <a:spLocks noGrp="1"/>
+          </p:cNvSpPr>
+          <p:nvPr>
+            <p:ph type="title"/>
+          </p:nvPr>
+        </p:nvSpPr>
+        <p:spPr/>
+        <p:txBody>
+          <a:bodyPr/>
+          <a:lstStyle/>
+          <a:p>
+            <a:r>
+              <a:rPr lang="en-US" altLang="ko-KR" dirty="0" smtClean="0"/>
+              <a:t>3. </a:t>
+            </a:r>
+            <a:r>
+              <a:rPr lang="en-US" altLang="ko-KR" dirty="0" err="1" smtClean="0"/>
+              <a:t>CommonJS</a:t>
+            </a:r>
+            <a:endParaRPr lang="ko-KR" altLang="en-US" dirty="0"/>
+          </a:p>
+        </p:txBody>
+      </p:sp>
+      <p:sp>
+        <p:nvSpPr>
+          <p:cNvPr id="3" name="내용 개체 틀 2"/>
+          <p:cNvSpPr>
+            <a:spLocks noGrp="1"/>
+          </p:cNvSpPr>
+          <p:nvPr>
+            <p:ph idx="1"/>
+          </p:nvPr>
+        </p:nvSpPr>
+        <p:spPr/>
+        <p:txBody>
+          <a:bodyPr>
+            <a:normAutofit/>
+          </a:bodyPr>
+          <a:lstStyle/>
+          <a:p>
+            <a:r>
+              <a:rPr lang="ko-KR" altLang="en-US" dirty="0" smtClean="0"/>
+              <a:t>탄생 배경</a:t>
+            </a:r>
+            <a:endParaRPr lang="en-US" altLang="ko-KR" dirty="0" smtClean="0"/>
+          </a:p>
+          <a:p>
+            <a:pPr lvl="1"/>
+            <a:r>
+              <a:rPr lang="ko-KR" altLang="en-US" dirty="0" smtClean="0"/>
+              <a:t>서버사이드 표준정의 필요</a:t>
+            </a:r>
+            <a:endParaRPr lang="en-US" altLang="ko-KR" dirty="0" smtClean="0"/>
+          </a:p>
+          <a:p>
+            <a:r>
+              <a:rPr lang="ko-KR" altLang="en-US" dirty="0" smtClean="0"/>
+              <a:t>정의</a:t>
+            </a:r>
+            <a:endParaRPr lang="en-US" altLang="ko-KR" dirty="0" smtClean="0"/>
+          </a:p>
+          <a:p>
+            <a:pPr lvl="1"/>
+            <a:r>
+              <a:rPr lang="en-US" altLang="ko-KR" dirty="0" smtClean="0"/>
+              <a:t>JavaScript API</a:t>
+            </a:r>
+            <a:r>
+              <a:rPr lang="ko-KR" altLang="en-US" dirty="0" smtClean="0"/>
+              <a:t>를 정의 하는 단체</a:t>
+            </a:r>
+            <a:r>
+              <a:rPr lang="en-US" altLang="ko-KR" dirty="0" smtClean="0"/>
+              <a:t>(group)</a:t>
+            </a:r>
+          </a:p>
+          <a:p>
+            <a:r>
+              <a:rPr lang="ko-KR" altLang="en-US" dirty="0" smtClean="0"/>
+              <a:t>특징</a:t>
+            </a:r>
+            <a:endParaRPr lang="en-US" altLang="ko-KR" dirty="0"/>
+          </a:p>
+          <a:p>
+            <a:pPr lvl="1"/>
+            <a:r>
+              <a:rPr lang="en-US" altLang="ko-KR" dirty="0"/>
+              <a:t>Node.js </a:t>
+            </a:r>
+            <a:r>
+              <a:rPr lang="ko-KR" altLang="en-US" dirty="0" smtClean="0"/>
+              <a:t>모듈은 </a:t>
+            </a:r>
+            <a:r>
+              <a:rPr lang="en-US" altLang="ko-KR" dirty="0"/>
+              <a:t>Module </a:t>
+            </a:r>
+            <a:r>
+              <a:rPr lang="en-US" altLang="ko-KR" dirty="0" smtClean="0"/>
+              <a:t>1.0</a:t>
+            </a:r>
+            <a:r>
+              <a:rPr lang="ko-KR" altLang="en-US" dirty="0" smtClean="0"/>
+              <a:t>을 따르고 있다</a:t>
+            </a:r>
+            <a:r>
+              <a:rPr lang="en-US" altLang="ko-KR" dirty="0" smtClean="0"/>
+              <a:t>.</a:t>
+            </a:r>
+          </a:p>
+          <a:p>
+            <a:pPr lvl="1"/>
+            <a:r>
+              <a:rPr lang="ko-KR" altLang="en-US" dirty="0" smtClean="0"/>
+              <a:t>자바스크립트를 </a:t>
+            </a:r>
+            <a:r>
+              <a:rPr lang="ko-KR" altLang="en-US" dirty="0" err="1" smtClean="0"/>
+              <a:t>웹브라우저</a:t>
+            </a:r>
+            <a:r>
+              <a:rPr lang="ko-KR" altLang="en-US" dirty="0" smtClean="0"/>
+              <a:t> 외의 환경에서 사용하기 위한 표준</a:t>
+            </a:r>
+            <a:endParaRPr lang="en-US" altLang="ko-KR" dirty="0" smtClean="0"/>
+          </a:p>
+          <a:p>
+            <a:pPr lvl="1"/>
+            <a:endParaRPr lang="en-US" altLang="ko-KR" dirty="0" smtClean="0"/>
+          </a:p>
+          <a:p>
+            <a:pPr lvl="1"/>
+            <a:endParaRPr lang="ko-KR" altLang="en-US" dirty="0"/>
+          </a:p>
+        </p:txBody>
+      </p:sp>
+    </p:spTree>
+    <p:extLst>
+      <p:ext uri="{BB962C8B-B14F-4D97-AF65-F5344CB8AC3E}">
+        <p14:creationId xmlns:p14="http://schemas.microsoft.com/office/powerpoint/2010/main" val="3849171795"/>
+      </p:ext>
+    </p:extLst>
+  </p:cSld>
+  <p:clrMapOvr>
+    <a:masterClrMapping/>
+  </p:clrMapOvr>
+  <p:timing>
+    <p:tnLst>
+      <p:par>
+        <p:cTn id="1" dur="indefinite" restart="never" nodeType="tmRoot"/>
+      </p:par>
+    </p:tnLst>
+  </p:timing>
+</p:sld>
+</file>
+
+<file path=ppt/slides/slide17.xml><?xml version="1.0" encoding="utf-8"?>
+<p:sld xmlns:a="http://schemas.openxmlformats.org/drawingml/2006/main" xmlns:r="http://schemas.openxmlformats.org/officeDocument/2006/relationships" xmlns:p="http://schemas.openxmlformats.org/presentationml/2006/main">
+  <p:cSld>
+    <p:spTree>
+      <p:nvGrpSpPr>
+        <p:cNvPr id="1" name=""/>
+        <p:cNvGrpSpPr/>
+        <p:nvPr/>
+      </p:nvGrpSpPr>
+      <p:grpSpPr>
+        <a:xfrm>
+          <a:off x="0" y="0"/>
+          <a:ext cx="0" cy="0"/>
+          <a:chOff x="0" y="0"/>
+          <a:chExt cx="0" cy="0"/>
+        </a:xfrm>
+      </p:grpSpPr>
+      <p:sp>
+        <p:nvSpPr>
+          <p:cNvPr id="2" name="제목 1"/>
+          <p:cNvSpPr>
+            <a:spLocks noGrp="1"/>
+          </p:cNvSpPr>
+          <p:nvPr>
+            <p:ph type="title"/>
+          </p:nvPr>
+        </p:nvSpPr>
+        <p:spPr/>
+        <p:txBody>
+          <a:bodyPr/>
+          <a:lstStyle/>
+          <a:p>
+            <a:r>
+              <a:rPr lang="en-US" altLang="ko-KR" dirty="0" smtClean="0"/>
+              <a:t>3.2 </a:t>
+            </a:r>
+            <a:r>
+              <a:rPr lang="ko-KR" altLang="en-US" dirty="0" smtClean="0"/>
+              <a:t>모듈 사용</a:t>
+            </a:r>
+            <a:endParaRPr lang="ko-KR" altLang="en-US" dirty="0"/>
+          </a:p>
+        </p:txBody>
+      </p:sp>
+      <p:sp>
+        <p:nvSpPr>
+          <p:cNvPr id="3" name="내용 개체 틀 2"/>
+          <p:cNvSpPr>
+            <a:spLocks noGrp="1"/>
+          </p:cNvSpPr>
+          <p:nvPr>
+            <p:ph idx="1"/>
+          </p:nvPr>
+        </p:nvSpPr>
+        <p:spPr/>
+        <p:txBody>
+          <a:bodyPr/>
+          <a:lstStyle/>
+          <a:p>
+            <a:r>
+              <a:rPr lang="ko-KR" altLang="en-US" dirty="0" smtClean="0"/>
+              <a:t>서버 사이드 사용</a:t>
+            </a:r>
+            <a:endParaRPr lang="en-US" altLang="ko-KR" dirty="0" smtClean="0"/>
+          </a:p>
+          <a:p>
+            <a:endParaRPr lang="en-US" altLang="ko-KR" dirty="0"/>
+          </a:p>
+          <a:p>
+            <a:pPr marL="0" indent="0">
+              <a:buNone/>
+            </a:pPr>
+            <a:endParaRPr lang="en-US" altLang="ko-KR" dirty="0"/>
+          </a:p>
+          <a:p>
+            <a:r>
+              <a:rPr lang="ko-KR" altLang="en-US" dirty="0" smtClean="0"/>
+              <a:t>브라우저 사용</a:t>
+            </a:r>
+            <a:endParaRPr lang="en-US" altLang="ko-KR" dirty="0" smtClean="0"/>
+          </a:p>
+          <a:p>
+            <a:pPr lvl="1"/>
+            <a:endParaRPr lang="ko-KR" altLang="en-US" dirty="0"/>
+          </a:p>
+        </p:txBody>
+      </p:sp>
+      <p:sp>
+        <p:nvSpPr>
+          <p:cNvPr id="5" name="TextBox 4"/>
+          <p:cNvSpPr txBox="1"/>
+          <p:nvPr/>
+        </p:nvSpPr>
+        <p:spPr>
+          <a:xfrm>
+            <a:off x="1547664" y="2060848"/>
+            <a:ext cx="6696744" cy="1477328"/>
+          </a:xfrm>
+          <a:prstGeom prst="rect">
+            <a:avLst/>
+          </a:prstGeom>
+          <a:noFill/>
+        </p:spPr>
+        <p:txBody>
+          <a:bodyPr wrap="square" rtlCol="0">
+            <a:spAutoFit/>
+          </a:bodyPr>
+          <a:lstStyle/>
+          <a:p>
+            <a:pPr fontAlgn="base"/>
+            <a:r>
+              <a:rPr lang="en-US" altLang="ko-KR" dirty="0"/>
+              <a:t>// </a:t>
+            </a:r>
+            <a:r>
+              <a:rPr lang="en-US" altLang="ko-KR" dirty="0" smtClean="0"/>
+              <a:t>complex-numbers/plus-two.js</a:t>
+            </a:r>
+            <a:endParaRPr lang="en-US" altLang="ko-KR" dirty="0"/>
+          </a:p>
+          <a:p>
+            <a:pPr fontAlgn="base"/>
+            <a:r>
+              <a:rPr lang="en-US" altLang="ko-KR" dirty="0" err="1"/>
+              <a:t>var</a:t>
+            </a:r>
+            <a:r>
+              <a:rPr lang="en-US" altLang="ko-KR" dirty="0"/>
+              <a:t> sum = require("./math").sum;</a:t>
+            </a:r>
+          </a:p>
+          <a:p>
+            <a:pPr fontAlgn="base"/>
+            <a:r>
+              <a:rPr lang="en-US" altLang="ko-KR" dirty="0" err="1"/>
+              <a:t>exports.plusTwo</a:t>
+            </a:r>
+            <a:r>
+              <a:rPr lang="en-US" altLang="ko-KR" dirty="0"/>
+              <a:t> = function(a){</a:t>
+            </a:r>
+          </a:p>
+          <a:p>
+            <a:pPr fontAlgn="base"/>
+            <a:r>
+              <a:rPr lang="en-US" altLang="ko-KR" dirty="0"/>
+              <a:t>return sum(a, 2</a:t>
+            </a:r>
+            <a:r>
+              <a:rPr lang="en-US" altLang="ko-KR" dirty="0" smtClean="0"/>
+              <a:t>); };</a:t>
+            </a:r>
+            <a:endParaRPr lang="en-US" altLang="ko-KR" dirty="0"/>
+          </a:p>
+          <a:p>
+            <a:endParaRPr lang="ko-KR" altLang="en-US" dirty="0"/>
+          </a:p>
+        </p:txBody>
+      </p:sp>
+      <p:sp>
+        <p:nvSpPr>
+          <p:cNvPr id="6" name="TextBox 5"/>
+          <p:cNvSpPr txBox="1"/>
+          <p:nvPr/>
+        </p:nvSpPr>
+        <p:spPr>
+          <a:xfrm>
+            <a:off x="1547664" y="4073004"/>
+            <a:ext cx="7128792" cy="2308324"/>
+          </a:xfrm>
+          <a:prstGeom prst="rect">
+            <a:avLst/>
+          </a:prstGeom>
+          <a:noFill/>
+        </p:spPr>
+        <p:txBody>
+          <a:bodyPr wrap="square" rtlCol="0">
+            <a:spAutoFit/>
+          </a:bodyPr>
+          <a:lstStyle/>
+          <a:p>
+            <a:pPr fontAlgn="base"/>
+            <a:r>
+              <a:rPr lang="en-US" altLang="ko-KR" dirty="0"/>
+              <a:t>// </a:t>
+            </a:r>
+            <a:r>
+              <a:rPr lang="en-US" altLang="ko-KR" dirty="0" smtClean="0"/>
+              <a:t>complex-numbers/plus-two.js</a:t>
+            </a:r>
+            <a:endParaRPr lang="en-US" altLang="ko-KR" dirty="0"/>
+          </a:p>
+          <a:p>
+            <a:pPr fontAlgn="base"/>
+            <a:r>
+              <a:rPr lang="en-US" altLang="ko-KR" dirty="0" err="1"/>
+              <a:t>require.define</a:t>
+            </a:r>
+            <a:r>
+              <a:rPr lang="en-US" altLang="ko-KR" dirty="0"/>
+              <a:t>({"complex-numbers/plus-two": function(require, exports</a:t>
+            </a:r>
+            <a:r>
+              <a:rPr lang="en-US" altLang="ko-KR" dirty="0" smtClean="0"/>
+              <a:t>){</a:t>
+            </a:r>
+            <a:endParaRPr lang="en-US" altLang="ko-KR" dirty="0"/>
+          </a:p>
+          <a:p>
+            <a:pPr fontAlgn="base"/>
+            <a:r>
+              <a:rPr lang="en-US" altLang="ko-KR" dirty="0"/>
+              <a:t>//</a:t>
+            </a:r>
+            <a:r>
+              <a:rPr lang="ko-KR" altLang="en-US" dirty="0" err="1"/>
+              <a:t>콜백</a:t>
+            </a:r>
+            <a:r>
+              <a:rPr lang="ko-KR" altLang="en-US" dirty="0"/>
+              <a:t> 함수 안에 모듈을 정의한다</a:t>
+            </a:r>
+            <a:r>
+              <a:rPr lang="en-US" altLang="ko-KR" dirty="0"/>
+              <a:t>.</a:t>
+            </a:r>
+          </a:p>
+          <a:p>
+            <a:pPr fontAlgn="base"/>
+            <a:r>
+              <a:rPr lang="en-US" altLang="ko-KR" dirty="0" err="1"/>
+              <a:t>var</a:t>
+            </a:r>
+            <a:r>
+              <a:rPr lang="en-US" altLang="ko-KR" dirty="0"/>
+              <a:t> sum = require("./complex-number").sum;</a:t>
+            </a:r>
+          </a:p>
+          <a:p>
+            <a:pPr fontAlgn="base"/>
+            <a:r>
+              <a:rPr lang="en-US" altLang="ko-KR" dirty="0" err="1"/>
+              <a:t>exports.plusTwo</a:t>
+            </a:r>
+            <a:r>
+              <a:rPr lang="en-US" altLang="ko-KR" dirty="0"/>
+              <a:t> = function(a){</a:t>
+            </a:r>
+          </a:p>
+          <a:p>
+            <a:pPr fontAlgn="base"/>
+            <a:r>
+              <a:rPr lang="en-US" altLang="ko-KR" dirty="0"/>
+              <a:t>return sum(a, 2</a:t>
+            </a:r>
+            <a:r>
+              <a:rPr lang="en-US" altLang="ko-KR" dirty="0" smtClean="0"/>
+              <a:t>); };</a:t>
+            </a:r>
+            <a:endParaRPr lang="en-US" altLang="ko-KR" dirty="0"/>
+          </a:p>
+          <a:p>
+            <a:pPr fontAlgn="base"/>
+            <a:r>
+              <a:rPr lang="en-US" altLang="ko-KR" dirty="0"/>
+              <a:t>},["complex-numbers/math"]);</a:t>
+            </a:r>
+          </a:p>
+          <a:p>
+            <a:pPr fontAlgn="base"/>
+            <a:r>
+              <a:rPr lang="en-US" altLang="ko-KR" dirty="0"/>
+              <a:t>//</a:t>
+            </a:r>
+            <a:r>
+              <a:rPr lang="ko-KR" altLang="en-US" dirty="0"/>
+              <a:t>먼저 </a:t>
+            </a:r>
+            <a:r>
+              <a:rPr lang="ko-KR" altLang="en-US" dirty="0" err="1"/>
+              <a:t>로드되어야</a:t>
+            </a:r>
+            <a:r>
+              <a:rPr lang="ko-KR" altLang="en-US" dirty="0"/>
+              <a:t> 할 모듈을 기술한다</a:t>
+            </a:r>
+            <a:r>
+              <a:rPr lang="en-US" altLang="ko-KR" dirty="0"/>
+              <a:t>.</a:t>
+            </a:r>
+          </a:p>
+        </p:txBody>
+      </p:sp>
+    </p:spTree>
+    <p:extLst>
+      <p:ext uri="{BB962C8B-B14F-4D97-AF65-F5344CB8AC3E}">
+        <p14:creationId xmlns:p14="http://schemas.microsoft.com/office/powerpoint/2010/main" val="1328629645"/>
+      </p:ext>
+    </p:extLst>
+  </p:cSld>
+  <p:clrMapOvr>
+    <a:masterClrMapping/>
+  </p:clrMapOvr>
+  <p:timing>
+    <p:tnLst>
+      <p:par>
+        <p:cTn id="1" dur="indefinite" restart="never" nodeType="tmRoot"/>
+      </p:par>
+    </p:tnLst>
+  </p:timing>
+</p:sld>
+</file>
+
+<file path=ppt/slides/slide18.xml><?xml version="1.0" encoding="utf-8"?>
+<p:sld xmlns:a="http://schemas.openxmlformats.org/drawingml/2006/main" xmlns:r="http://schemas.openxmlformats.org/officeDocument/2006/relationships" xmlns:p="http://schemas.openxmlformats.org/presentationml/2006/main">
+  <p:cSld>
+    <p:spTree>
+      <p:nvGrpSpPr>
+        <p:cNvPr id="1" name=""/>
+        <p:cNvGrpSpPr/>
+        <p:nvPr/>
+      </p:nvGrpSpPr>
+      <p:grpSpPr>
+        <a:xfrm>
+          <a:off x="0" y="0"/>
+          <a:ext cx="0" cy="0"/>
+          <a:chOff x="0" y="0"/>
+          <a:chExt cx="0" cy="0"/>
+        </a:xfrm>
+      </p:grpSpPr>
+      <p:sp>
+        <p:nvSpPr>
+          <p:cNvPr id="2" name="제목 1"/>
+          <p:cNvSpPr>
+            <a:spLocks noGrp="1"/>
+          </p:cNvSpPr>
+          <p:nvPr>
+            <p:ph type="title"/>
+          </p:nvPr>
+        </p:nvSpPr>
+        <p:spPr/>
+        <p:txBody>
+          <a:bodyPr/>
+          <a:lstStyle/>
+          <a:p>
+            <a:r>
               <a:rPr lang="en-US" altLang="ko-KR" sz="4800" dirty="0" smtClean="0"/>
               <a:t>3.2 </a:t>
             </a:r>
@@ -9472,7 +10350,7 @@
 </p:sld>
 </file>
 
-<file path=ppt/slides/slide16.xml><?xml version="1.0" encoding="utf-8"?>
+<file path=ppt/slides/slide19.xml><?xml version="1.0" encoding="utf-8"?>
 <p:sld xmlns:a="http://schemas.openxmlformats.org/drawingml/2006/main" xmlns:r="http://schemas.openxmlformats.org/officeDocument/2006/relationships" xmlns:p="http://schemas.openxmlformats.org/presentationml/2006/main">
   <p:cSld>
     <p:spTree>
@@ -10189,7 +11067,180 @@
 </p:sld>
 </file>
 
-<file path=ppt/slides/slide17.xml><?xml version="1.0" encoding="utf-8"?>
+<file path=ppt/slides/slide2.xml><?xml version="1.0" encoding="utf-8"?>
+<p:sld xmlns:a="http://schemas.openxmlformats.org/drawingml/2006/main" xmlns:r="http://schemas.openxmlformats.org/officeDocument/2006/relationships" xmlns:p="http://schemas.openxmlformats.org/presentationml/2006/main">
+  <p:cSld>
+    <p:spTree>
+      <p:nvGrpSpPr>
+        <p:cNvPr id="1" name=""/>
+        <p:cNvGrpSpPr/>
+        <p:nvPr/>
+      </p:nvGrpSpPr>
+      <p:grpSpPr>
+        <a:xfrm>
+          <a:off x="0" y="0"/>
+          <a:ext cx="0" cy="0"/>
+          <a:chOff x="0" y="0"/>
+          <a:chExt cx="0" cy="0"/>
+        </a:xfrm>
+      </p:grpSpPr>
+      <p:sp>
+        <p:nvSpPr>
+          <p:cNvPr id="2" name="제목 1"/>
+          <p:cNvSpPr>
+            <a:spLocks noGrp="1"/>
+          </p:cNvSpPr>
+          <p:nvPr>
+            <p:ph type="title"/>
+          </p:nvPr>
+        </p:nvSpPr>
+        <p:spPr/>
+        <p:txBody>
+          <a:bodyPr/>
+          <a:lstStyle/>
+          <a:p>
+            <a:r>
+              <a:rPr lang="en-US" altLang="ko-KR" dirty="0" smtClean="0"/>
+              <a:t>1.1</a:t>
+            </a:r>
+            <a:r>
+              <a:rPr lang="ko-KR" altLang="en-US" dirty="0"/>
+              <a:t> </a:t>
+            </a:r>
+            <a:r>
+              <a:rPr lang="ko-KR" altLang="en-US" dirty="0" smtClean="0"/>
+              <a:t>자바스크립트란</a:t>
+            </a:r>
+            <a:r>
+              <a:rPr lang="en-US" altLang="ko-KR" dirty="0" smtClean="0"/>
+              <a:t>?</a:t>
+            </a:r>
+            <a:endParaRPr lang="ko-KR" altLang="en-US" dirty="0"/>
+          </a:p>
+        </p:txBody>
+      </p:sp>
+      <p:sp>
+        <p:nvSpPr>
+          <p:cNvPr id="3" name="내용 개체 틀 2"/>
+          <p:cNvSpPr>
+            <a:spLocks noGrp="1"/>
+          </p:cNvSpPr>
+          <p:nvPr>
+            <p:ph idx="1"/>
+          </p:nvPr>
+        </p:nvSpPr>
+        <p:spPr/>
+        <p:txBody>
+          <a:bodyPr>
+            <a:normAutofit fontScale="92500" lnSpcReduction="10000"/>
+          </a:bodyPr>
+          <a:lstStyle/>
+          <a:p>
+            <a:pPr>
+              <a:lnSpc>
+                <a:spcPct val="150000"/>
+              </a:lnSpc>
+            </a:pPr>
+            <a:r>
+              <a:rPr lang="ko-KR" altLang="en-US" dirty="0" smtClean="0"/>
+              <a:t>웹 브라우저에서 실행되는 스크립트 언어</a:t>
+            </a:r>
+            <a:endParaRPr lang="en-US" altLang="ko-KR" dirty="0" smtClean="0"/>
+          </a:p>
+          <a:p>
+            <a:pPr>
+              <a:lnSpc>
+                <a:spcPct val="150000"/>
+              </a:lnSpc>
+            </a:pPr>
+            <a:r>
+              <a:rPr lang="ko-KR" altLang="en-US" dirty="0" err="1" smtClean="0"/>
+              <a:t>해석형</a:t>
+            </a:r>
+            <a:r>
+              <a:rPr lang="ko-KR" altLang="en-US" dirty="0" smtClean="0"/>
+              <a:t> 언어</a:t>
+            </a:r>
+            <a:r>
+              <a:rPr lang="en-US" altLang="ko-KR" dirty="0" smtClean="0"/>
+              <a:t>(Interpreted language)</a:t>
+            </a:r>
+          </a:p>
+          <a:p>
+            <a:pPr>
+              <a:lnSpc>
+                <a:spcPct val="150000"/>
+              </a:lnSpc>
+            </a:pPr>
+            <a:r>
+              <a:rPr lang="ko-KR" altLang="en-US" dirty="0" smtClean="0"/>
+              <a:t>객체지향 언어</a:t>
+            </a:r>
+            <a:endParaRPr lang="en-US" altLang="ko-KR" dirty="0" smtClean="0"/>
+          </a:p>
+          <a:p>
+            <a:pPr>
+              <a:lnSpc>
+                <a:spcPct val="150000"/>
+              </a:lnSpc>
+            </a:pPr>
+            <a:r>
+              <a:rPr lang="ko-KR" altLang="en-US" dirty="0" smtClean="0"/>
+              <a:t>자바의 구문과 표준 라이브러리 참조</a:t>
+            </a:r>
+            <a:endParaRPr lang="en-US" altLang="ko-KR" dirty="0" smtClean="0"/>
+          </a:p>
+          <a:p>
+            <a:pPr>
+              <a:lnSpc>
+                <a:spcPct val="150000"/>
+              </a:lnSpc>
+            </a:pPr>
+            <a:r>
+              <a:rPr lang="ko-KR" altLang="en-US" dirty="0" smtClean="0"/>
+              <a:t>해석 엔진에 따른 속도 차이</a:t>
+            </a:r>
+            <a:endParaRPr lang="en-US" altLang="ko-KR" dirty="0" smtClean="0"/>
+          </a:p>
+          <a:p>
+            <a:pPr>
+              <a:lnSpc>
+                <a:spcPct val="150000"/>
+              </a:lnSpc>
+            </a:pPr>
+            <a:r>
+              <a:rPr lang="ko-KR" altLang="en-US" dirty="0" smtClean="0"/>
+              <a:t>느슨한 타입</a:t>
+            </a:r>
+            <a:r>
+              <a:rPr lang="en-US" altLang="ko-KR" dirty="0" smtClean="0"/>
+              <a:t>(weak typing)</a:t>
+            </a:r>
+            <a:endParaRPr lang="en-US" altLang="ko-KR" dirty="0"/>
+          </a:p>
+        </p:txBody>
+      </p:sp>
+    </p:spTree>
+    <p:extLst>
+      <p:ext uri="{BB962C8B-B14F-4D97-AF65-F5344CB8AC3E}">
+        <p14:creationId xmlns:p14="http://schemas.microsoft.com/office/powerpoint/2010/main" val="2529525657"/>
+      </p:ext>
+    </p:extLst>
+  </p:cSld>
+  <p:clrMapOvr>
+    <a:masterClrMapping/>
+  </p:clrMapOvr>
+  <p:timing>
+    <p:tnLst>
+      <p:par>
+        <p:cTn id="1" dur="indefinite" restart="never" nodeType="tmRoot"/>
+      </p:par>
+    </p:tnLst>
+  </p:timing>
+</p:sld>
+</file>
+
+<file path=ppt/slides/slide20.xml><?xml version="1.0" encoding="utf-8"?>
 <p:sld xmlns:a="http://schemas.openxmlformats.org/drawingml/2006/main" xmlns:r="http://schemas.openxmlformats.org/officeDocument/2006/relationships" xmlns:p="http://schemas.openxmlformats.org/presentationml/2006/main">
   <p:cSld>
     <p:spTree>
@@ -10923,7 +11974,7 @@
 </p:sld>
 </file>
 
-<file path=ppt/slides/slide18.xml><?xml version="1.0" encoding="utf-8"?>
+<file path=ppt/slides/slide21.xml><?xml version="1.0" encoding="utf-8"?>
 <p:sld xmlns:a="http://schemas.openxmlformats.org/drawingml/2006/main" xmlns:r="http://schemas.openxmlformats.org/officeDocument/2006/relationships" xmlns:p="http://schemas.openxmlformats.org/presentationml/2006/main">
   <p:cSld>
     <p:spTree>
@@ -11672,7 +12723,7 @@
 </p:sld>
 </file>
 
-<file path=ppt/slides/slide19.xml><?xml version="1.0" encoding="utf-8"?>
+<file path=ppt/slides/slide22.xml><?xml version="1.0" encoding="utf-8"?>
 <p:sld xmlns:a="http://schemas.openxmlformats.org/drawingml/2006/main" xmlns:r="http://schemas.openxmlformats.org/officeDocument/2006/relationships" xmlns:p="http://schemas.openxmlformats.org/presentationml/2006/main">
   <p:cSld>
     <p:spTree>
@@ -12614,180 +13665,7 @@
 </p:sld>
 </file>
 
-<file path=ppt/slides/slide2.xml><?xml version="1.0" encoding="utf-8"?>
-<p:sld xmlns:a="http://schemas.openxmlformats.org/drawingml/2006/main" xmlns:r="http://schemas.openxmlformats.org/officeDocument/2006/relationships" xmlns:p="http://schemas.openxmlformats.org/presentationml/2006/main">
-  <p:cSld>
-    <p:spTree>
-      <p:nvGrpSpPr>
-        <p:cNvPr id="1" name=""/>
-        <p:cNvGrpSpPr/>
-        <p:nvPr/>
-      </p:nvGrpSpPr>
-      <p:grpSpPr>
-        <a:xfrm>
-          <a:off x="0" y="0"/>
-          <a:ext cx="0" cy="0"/>
-          <a:chOff x="0" y="0"/>
-          <a:chExt cx="0" cy="0"/>
-        </a:xfrm>
-      </p:grpSpPr>
-      <p:sp>
-        <p:nvSpPr>
-          <p:cNvPr id="2" name="제목 1"/>
-          <p:cNvSpPr>
-            <a:spLocks noGrp="1"/>
-          </p:cNvSpPr>
-          <p:nvPr>
-            <p:ph type="title"/>
-          </p:nvPr>
-        </p:nvSpPr>
-        <p:spPr/>
-        <p:txBody>
-          <a:bodyPr/>
-          <a:lstStyle/>
-          <a:p>
-            <a:r>
-              <a:rPr lang="en-US" altLang="ko-KR" dirty="0" smtClean="0"/>
-              <a:t>1.1</a:t>
-            </a:r>
-            <a:r>
-              <a:rPr lang="ko-KR" altLang="en-US" dirty="0"/>
-              <a:t> </a:t>
-            </a:r>
-            <a:r>
-              <a:rPr lang="ko-KR" altLang="en-US" dirty="0" smtClean="0"/>
-              <a:t>자바스크립트란</a:t>
-            </a:r>
-            <a:r>
-              <a:rPr lang="en-US" altLang="ko-KR" dirty="0" smtClean="0"/>
-              <a:t>?</a:t>
-            </a:r>
-            <a:endParaRPr lang="ko-KR" altLang="en-US" dirty="0"/>
-          </a:p>
-        </p:txBody>
-      </p:sp>
-      <p:sp>
-        <p:nvSpPr>
-          <p:cNvPr id="3" name="내용 개체 틀 2"/>
-          <p:cNvSpPr>
-            <a:spLocks noGrp="1"/>
-          </p:cNvSpPr>
-          <p:nvPr>
-            <p:ph idx="1"/>
-          </p:nvPr>
-        </p:nvSpPr>
-        <p:spPr/>
-        <p:txBody>
-          <a:bodyPr>
-            <a:normAutofit fontScale="92500" lnSpcReduction="10000"/>
-          </a:bodyPr>
-          <a:lstStyle/>
-          <a:p>
-            <a:pPr>
-              <a:lnSpc>
-                <a:spcPct val="150000"/>
-              </a:lnSpc>
-            </a:pPr>
-            <a:r>
-              <a:rPr lang="ko-KR" altLang="en-US" dirty="0" smtClean="0"/>
-              <a:t>웹 브라우저에서 실행되는 스크립트 언어</a:t>
-            </a:r>
-            <a:endParaRPr lang="en-US" altLang="ko-KR" dirty="0" smtClean="0"/>
-          </a:p>
-          <a:p>
-            <a:pPr>
-              <a:lnSpc>
-                <a:spcPct val="150000"/>
-              </a:lnSpc>
-            </a:pPr>
-            <a:r>
-              <a:rPr lang="ko-KR" altLang="en-US" dirty="0" err="1" smtClean="0"/>
-              <a:t>해석형</a:t>
-            </a:r>
-            <a:r>
-              <a:rPr lang="ko-KR" altLang="en-US" dirty="0" smtClean="0"/>
-              <a:t> 언어</a:t>
-            </a:r>
-            <a:r>
-              <a:rPr lang="en-US" altLang="ko-KR" dirty="0" smtClean="0"/>
-              <a:t>(Interpreted language)</a:t>
-            </a:r>
-          </a:p>
-          <a:p>
-            <a:pPr>
-              <a:lnSpc>
-                <a:spcPct val="150000"/>
-              </a:lnSpc>
-            </a:pPr>
-            <a:r>
-              <a:rPr lang="ko-KR" altLang="en-US" dirty="0" smtClean="0"/>
-              <a:t>객체지향 언어</a:t>
-            </a:r>
-            <a:endParaRPr lang="en-US" altLang="ko-KR" dirty="0" smtClean="0"/>
-          </a:p>
-          <a:p>
-            <a:pPr>
-              <a:lnSpc>
-                <a:spcPct val="150000"/>
-              </a:lnSpc>
-            </a:pPr>
-            <a:r>
-              <a:rPr lang="ko-KR" altLang="en-US" dirty="0" smtClean="0"/>
-              <a:t>자바의 구문과 표준 라이브러리 참조</a:t>
-            </a:r>
-            <a:endParaRPr lang="en-US" altLang="ko-KR" dirty="0" smtClean="0"/>
-          </a:p>
-          <a:p>
-            <a:pPr>
-              <a:lnSpc>
-                <a:spcPct val="150000"/>
-              </a:lnSpc>
-            </a:pPr>
-            <a:r>
-              <a:rPr lang="ko-KR" altLang="en-US" dirty="0" smtClean="0"/>
-              <a:t>해석 엔진에 따른 속도 차이</a:t>
-            </a:r>
-            <a:endParaRPr lang="en-US" altLang="ko-KR" dirty="0" smtClean="0"/>
-          </a:p>
-          <a:p>
-            <a:pPr>
-              <a:lnSpc>
-                <a:spcPct val="150000"/>
-              </a:lnSpc>
-            </a:pPr>
-            <a:r>
-              <a:rPr lang="ko-KR" altLang="en-US" dirty="0" smtClean="0"/>
-              <a:t>느슨한 타입</a:t>
-            </a:r>
-            <a:r>
-              <a:rPr lang="en-US" altLang="ko-KR" dirty="0" smtClean="0"/>
-              <a:t>(weak typing)</a:t>
-            </a:r>
-            <a:endParaRPr lang="en-US" altLang="ko-KR" dirty="0"/>
-          </a:p>
-        </p:txBody>
-      </p:sp>
-    </p:spTree>
-    <p:extLst>
-      <p:ext uri="{BB962C8B-B14F-4D97-AF65-F5344CB8AC3E}">
-        <p14:creationId xmlns:p14="http://schemas.microsoft.com/office/powerpoint/2010/main" val="2529525657"/>
-      </p:ext>
-    </p:extLst>
-  </p:cSld>
-  <p:clrMapOvr>
-    <a:masterClrMapping/>
-  </p:clrMapOvr>
-  <p:timing>
-    <p:tnLst>
-      <p:par>
-        <p:cTn id="1" dur="indefinite" restart="never" nodeType="tmRoot"/>
-      </p:par>
-    </p:tnLst>
-  </p:timing>
-</p:sld>
-</file>
-
-<file path=ppt/slides/slide20.xml><?xml version="1.0" encoding="utf-8"?>
+<file path=ppt/slides/slide23.xml><?xml version="1.0" encoding="utf-8"?>
 <p:sld xmlns:a="http://schemas.openxmlformats.org/drawingml/2006/main" xmlns:r="http://schemas.openxmlformats.org/officeDocument/2006/relationships" xmlns:p="http://schemas.openxmlformats.org/presentationml/2006/main">
   <p:cSld>
     <p:spTree>
@@ -13062,440 +13940,6 @@
 </p:sld>
 </file>
 
-<file path=ppt/slides/slide21.xml><?xml version="1.0" encoding="utf-8"?>
-<p:sld xmlns:a="http://schemas.openxmlformats.org/drawingml/2006/main" xmlns:r="http://schemas.openxmlformats.org/officeDocument/2006/relationships" xmlns:p="http://schemas.openxmlformats.org/presentationml/2006/main">
-  <p:cSld>
-    <p:spTree>
-      <p:nvGrpSpPr>
-        <p:cNvPr id="1" name=""/>
-        <p:cNvGrpSpPr/>
-        <p:nvPr/>
-      </p:nvGrpSpPr>
-      <p:grpSpPr>
-        <a:xfrm>
-          <a:off x="0" y="0"/>
-          <a:ext cx="0" cy="0"/>
-          <a:chOff x="0" y="0"/>
-          <a:chExt cx="0" cy="0"/>
-        </a:xfrm>
-      </p:grpSpPr>
-      <p:sp>
-        <p:nvSpPr>
-          <p:cNvPr id="2" name="제목 1"/>
-          <p:cNvSpPr>
-            <a:spLocks noGrp="1"/>
-          </p:cNvSpPr>
-          <p:nvPr>
-            <p:ph type="title"/>
-          </p:nvPr>
-        </p:nvSpPr>
-        <p:spPr/>
-        <p:txBody>
-          <a:bodyPr/>
-          <a:lstStyle/>
-          <a:p>
-            <a:r>
-              <a:rPr lang="en-US" altLang="ko-KR" dirty="0" smtClean="0"/>
-              <a:t>2)Process </a:t>
-            </a:r>
-            <a:r>
-              <a:rPr lang="ko-KR" altLang="en-US" dirty="0" smtClean="0"/>
-              <a:t>객체</a:t>
-            </a:r>
-            <a:endParaRPr lang="ko-KR" altLang="en-US" dirty="0"/>
-          </a:p>
-        </p:txBody>
-      </p:sp>
-      <p:sp>
-        <p:nvSpPr>
-          <p:cNvPr id="3" name="내용 개체 틀 2"/>
-          <p:cNvSpPr>
-            <a:spLocks noGrp="1"/>
-          </p:cNvSpPr>
-          <p:nvPr>
-            <p:ph idx="1"/>
-          </p:nvPr>
-        </p:nvSpPr>
-        <p:spPr/>
-        <p:txBody>
-          <a:bodyPr/>
-          <a:lstStyle/>
-          <a:p>
-            <a:r>
-              <a:rPr lang="en-US" altLang="ko-KR" dirty="0" smtClean="0"/>
-              <a:t>Process </a:t>
-            </a:r>
-            <a:r>
-              <a:rPr lang="ko-KR" altLang="en-US" dirty="0" smtClean="0"/>
-              <a:t>객체는 자바스크립트에서 지원이 되지 않는 객체로 </a:t>
-            </a:r>
-            <a:r>
-              <a:rPr lang="en-US" altLang="ko-KR" dirty="0" smtClean="0"/>
-              <a:t>node.js</a:t>
-            </a:r>
-            <a:r>
-              <a:rPr lang="ko-KR" altLang="en-US" dirty="0" smtClean="0"/>
-              <a:t>에서만 지원</a:t>
-            </a:r>
-            <a:endParaRPr lang="en-US" altLang="ko-KR" dirty="0" smtClean="0"/>
-          </a:p>
-          <a:p>
-            <a:r>
-              <a:rPr lang="en-US" altLang="ko-KR" dirty="0" smtClean="0"/>
-              <a:t>Node.js</a:t>
-            </a:r>
-            <a:r>
-              <a:rPr lang="ko-KR" altLang="en-US" dirty="0" smtClean="0"/>
-              <a:t>의 여러 가지 기본 정보를 가지고    있다</a:t>
-            </a:r>
-            <a:r>
-              <a:rPr lang="en-US" altLang="ko-KR" dirty="0" smtClean="0"/>
-              <a:t>.</a:t>
-            </a:r>
-            <a:endParaRPr lang="ko-KR" altLang="en-US" dirty="0"/>
-          </a:p>
-        </p:txBody>
-      </p:sp>
-    </p:spTree>
-    <p:extLst>
-      <p:ext uri="{BB962C8B-B14F-4D97-AF65-F5344CB8AC3E}">
-        <p14:creationId xmlns:p14="http://schemas.microsoft.com/office/powerpoint/2010/main" val="2413162139"/>
-      </p:ext>
-    </p:extLst>
-  </p:cSld>
-  <p:clrMapOvr>
-    <a:masterClrMapping/>
-  </p:clrMapOvr>
-  <p:timing>
-    <p:tnLst>
-      <p:par>
-        <p:cTn id="1" dur="indefinite" restart="never" nodeType="tmRoot"/>
-      </p:par>
-    </p:tnLst>
-  </p:timing>
-</p:sld>
-</file>
-
-<file path=ppt/slides/slide22.xml><?xml version="1.0" encoding="utf-8"?>
-<p:sld xmlns:a="http://schemas.openxmlformats.org/drawingml/2006/main" xmlns:r="http://schemas.openxmlformats.org/officeDocument/2006/relationships" xmlns:p="http://schemas.openxmlformats.org/presentationml/2006/main">
-  <p:cSld>
-    <p:spTree>
-      <p:nvGrpSpPr>
-        <p:cNvPr id="1" name=""/>
-        <p:cNvGrpSpPr/>
-        <p:nvPr/>
-      </p:nvGrpSpPr>
-      <p:grpSpPr>
-        <a:xfrm>
-          <a:off x="0" y="0"/>
-          <a:ext cx="0" cy="0"/>
-          <a:chOff x="0" y="0"/>
-          <a:chExt cx="0" cy="0"/>
-        </a:xfrm>
-      </p:grpSpPr>
-      <p:sp>
-        <p:nvSpPr>
-          <p:cNvPr id="2" name="제목 1"/>
-          <p:cNvSpPr>
-            <a:spLocks noGrp="1"/>
-          </p:cNvSpPr>
-          <p:nvPr>
-            <p:ph type="title"/>
-          </p:nvPr>
-        </p:nvSpPr>
-        <p:spPr/>
-        <p:txBody>
-          <a:bodyPr/>
-          <a:lstStyle/>
-          <a:p>
-            <a:r>
-              <a:rPr lang="en-US" altLang="ko-KR" dirty="0" smtClean="0"/>
-              <a:t>3)Exports</a:t>
-            </a:r>
-            <a:r>
-              <a:rPr lang="ko-KR" altLang="en-US" dirty="0" smtClean="0"/>
-              <a:t>객체</a:t>
-            </a:r>
-            <a:endParaRPr lang="ko-KR" altLang="en-US" dirty="0"/>
-          </a:p>
-        </p:txBody>
-      </p:sp>
-      <p:sp>
-        <p:nvSpPr>
-          <p:cNvPr id="3" name="내용 개체 틀 2"/>
-          <p:cNvSpPr>
-            <a:spLocks noGrp="1"/>
-          </p:cNvSpPr>
-          <p:nvPr>
-            <p:ph idx="1"/>
-          </p:nvPr>
-        </p:nvSpPr>
-        <p:spPr/>
-        <p:txBody>
-          <a:bodyPr/>
-          <a:lstStyle/>
-          <a:p>
-            <a:r>
-              <a:rPr lang="en-US" altLang="ko-KR" dirty="0" smtClean="0"/>
-              <a:t>Exports </a:t>
-            </a:r>
-            <a:r>
-              <a:rPr lang="ko-KR" altLang="en-US" dirty="0" smtClean="0"/>
-              <a:t>객체는 </a:t>
-            </a:r>
-            <a:r>
-              <a:rPr lang="en-US" altLang="ko-KR" dirty="0" smtClean="0"/>
-              <a:t>Node</a:t>
-            </a:r>
-            <a:r>
-              <a:rPr lang="ko-KR" altLang="en-US" dirty="0" smtClean="0"/>
-              <a:t>에서 사용하는 모듈 로딩 시스템</a:t>
-            </a:r>
-            <a:endParaRPr lang="en-US" altLang="ko-KR" dirty="0" smtClean="0"/>
-          </a:p>
-          <a:p>
-            <a:r>
-              <a:rPr lang="ko-KR" altLang="en-US" dirty="0" smtClean="0"/>
-              <a:t>모든 모듈은 </a:t>
-            </a:r>
-            <a:r>
-              <a:rPr lang="en-US" altLang="ko-KR" dirty="0" smtClean="0"/>
-              <a:t>exports </a:t>
-            </a:r>
-            <a:r>
-              <a:rPr lang="ko-KR" altLang="en-US" dirty="0" smtClean="0"/>
-              <a:t>객체로 구현 되어 있고 개발자가 직접 객체를 구현하고 </a:t>
-            </a:r>
-            <a:r>
-              <a:rPr lang="en-US" altLang="ko-KR" dirty="0" smtClean="0"/>
-              <a:t>exports </a:t>
-            </a:r>
-            <a:r>
-              <a:rPr lang="ko-KR" altLang="en-US" dirty="0" smtClean="0"/>
-              <a:t>객체를 이용하여 재사용할 수 있다</a:t>
-            </a:r>
-            <a:r>
-              <a:rPr lang="en-US" altLang="ko-KR" dirty="0" smtClean="0"/>
-              <a:t>.</a:t>
-            </a:r>
-          </a:p>
-          <a:p>
-            <a:r>
-              <a:rPr lang="en-US" altLang="ko-KR" dirty="0" smtClean="0"/>
-              <a:t>require </a:t>
-            </a:r>
-            <a:r>
-              <a:rPr lang="ko-KR" altLang="en-US" dirty="0" err="1" smtClean="0"/>
-              <a:t>메서드를</a:t>
-            </a:r>
-            <a:r>
-              <a:rPr lang="ko-KR" altLang="en-US" dirty="0" smtClean="0"/>
-              <a:t> 이용하여 해당 모듈을 로딩하여 사용한다</a:t>
-            </a:r>
-            <a:r>
-              <a:rPr lang="en-US" altLang="ko-KR" dirty="0" smtClean="0"/>
-              <a:t>.</a:t>
-            </a:r>
-          </a:p>
-        </p:txBody>
-      </p:sp>
-    </p:spTree>
-    <p:extLst>
-      <p:ext uri="{BB962C8B-B14F-4D97-AF65-F5344CB8AC3E}">
-        <p14:creationId xmlns:p14="http://schemas.microsoft.com/office/powerpoint/2010/main" val="2786337868"/>
-      </p:ext>
-    </p:extLst>
-  </p:cSld>
-  <p:clrMapOvr>
-    <a:masterClrMapping/>
-  </p:clrMapOvr>
-  <p:timing>
-    <p:tnLst>
-      <p:par>
-        <p:cTn id="1" dur="indefinite" restart="never" nodeType="tmRoot"/>
-      </p:par>
-    </p:tnLst>
-  </p:timing>
-</p:sld>
-</file>
-
-<file path=ppt/slides/slide23.xml><?xml version="1.0" encoding="utf-8"?>
-<p:sld xmlns:a="http://schemas.openxmlformats.org/drawingml/2006/main" xmlns:r="http://schemas.openxmlformats.org/officeDocument/2006/relationships" xmlns:p="http://schemas.openxmlformats.org/presentationml/2006/main">
-  <p:cSld>
-    <p:spTree>
-      <p:nvGrpSpPr>
-        <p:cNvPr id="1" name=""/>
-        <p:cNvGrpSpPr/>
-        <p:nvPr/>
-      </p:nvGrpSpPr>
-      <p:grpSpPr>
-        <a:xfrm>
-          <a:off x="0" y="0"/>
-          <a:ext cx="0" cy="0"/>
-          <a:chOff x="0" y="0"/>
-          <a:chExt cx="0" cy="0"/>
-        </a:xfrm>
-      </p:grpSpPr>
-      <p:sp>
-        <p:nvSpPr>
-          <p:cNvPr id="2" name="제목 1"/>
-          <p:cNvSpPr>
-            <a:spLocks noGrp="1"/>
-          </p:cNvSpPr>
-          <p:nvPr>
-            <p:ph type="title"/>
-          </p:nvPr>
-        </p:nvSpPr>
-        <p:spPr/>
-        <p:txBody>
-          <a:bodyPr/>
-          <a:lstStyle/>
-          <a:p>
-            <a:r>
-              <a:rPr lang="en-US" altLang="ko-KR" dirty="0" smtClean="0"/>
-              <a:t>4)Events</a:t>
-            </a:r>
-            <a:endParaRPr lang="ko-KR" altLang="en-US" dirty="0"/>
-          </a:p>
-        </p:txBody>
-      </p:sp>
-      <p:sp>
-        <p:nvSpPr>
-          <p:cNvPr id="3" name="내용 개체 틀 2"/>
-          <p:cNvSpPr>
-            <a:spLocks noGrp="1"/>
-          </p:cNvSpPr>
-          <p:nvPr>
-            <p:ph idx="1"/>
-          </p:nvPr>
-        </p:nvSpPr>
-        <p:spPr/>
-        <p:txBody>
-          <a:bodyPr>
-            <a:normAutofit lnSpcReduction="10000"/>
-          </a:bodyPr>
-          <a:lstStyle/>
-          <a:p>
-            <a:r>
-              <a:rPr lang="en-US" altLang="ko-KR" dirty="0" smtClean="0"/>
-              <a:t>Node.js</a:t>
-            </a:r>
-            <a:r>
-              <a:rPr lang="ko-KR" altLang="en-US" dirty="0" smtClean="0"/>
-              <a:t>는 이벤트 기반의 </a:t>
-            </a:r>
-            <a:r>
-              <a:rPr lang="ko-KR" altLang="en-US" dirty="0" err="1" smtClean="0"/>
-              <a:t>비동기</a:t>
-            </a:r>
-            <a:r>
-              <a:rPr lang="ko-KR" altLang="en-US" dirty="0" smtClean="0"/>
-              <a:t> 프로그램으로</a:t>
-            </a:r>
-            <a:r>
-              <a:rPr lang="en-US" altLang="ko-KR" dirty="0" smtClean="0"/>
-              <a:t>, </a:t>
-            </a:r>
-            <a:r>
-              <a:rPr lang="ko-KR" altLang="en-US" dirty="0" smtClean="0"/>
-              <a:t>많은 객체들은 이벤트 기능을 상속받아서 사용하고 있습니다</a:t>
-            </a:r>
-            <a:r>
-              <a:rPr lang="en-US" altLang="ko-KR" dirty="0" smtClean="0"/>
-              <a:t>.</a:t>
-            </a:r>
-          </a:p>
-          <a:p>
-            <a:r>
-              <a:rPr lang="en-US" altLang="ko-KR" dirty="0" err="1" smtClean="0"/>
-              <a:t>EventEmitter</a:t>
-            </a:r>
-            <a:r>
-              <a:rPr lang="en-US" altLang="ko-KR" dirty="0" smtClean="0"/>
-              <a:t> </a:t>
-            </a:r>
-            <a:r>
-              <a:rPr lang="ko-KR" altLang="en-US" dirty="0" smtClean="0"/>
-              <a:t>클래스에 구현된 </a:t>
-            </a:r>
-            <a:r>
-              <a:rPr lang="en-US" altLang="ko-KR" dirty="0" err="1" smtClean="0"/>
-              <a:t>addListener</a:t>
-            </a:r>
-            <a:r>
-              <a:rPr lang="en-US" altLang="ko-KR" dirty="0" smtClean="0"/>
-              <a:t>, on </a:t>
-            </a:r>
-            <a:r>
-              <a:rPr lang="ko-KR" altLang="en-US" dirty="0" smtClean="0"/>
-              <a:t>두 개의 </a:t>
-            </a:r>
-            <a:r>
-              <a:rPr lang="ko-KR" altLang="en-US" dirty="0" err="1" smtClean="0"/>
-              <a:t>메서드를</a:t>
-            </a:r>
-            <a:r>
-              <a:rPr lang="ko-KR" altLang="en-US" dirty="0" smtClean="0"/>
-              <a:t> 이용하여 이벤트 등록한다</a:t>
-            </a:r>
-            <a:r>
-              <a:rPr lang="en-US" altLang="ko-KR" dirty="0" smtClean="0"/>
-              <a:t>.</a:t>
-            </a:r>
-          </a:p>
-          <a:p>
-            <a:r>
-              <a:rPr lang="en-US" altLang="ko-KR" dirty="0" err="1" smtClean="0"/>
-              <a:t>removeListener</a:t>
-            </a:r>
-            <a:r>
-              <a:rPr lang="en-US" altLang="ko-KR" dirty="0" smtClean="0"/>
-              <a:t>, </a:t>
-            </a:r>
-            <a:r>
-              <a:rPr lang="en-US" altLang="ko-KR" dirty="0" err="1" smtClean="0"/>
-              <a:t>removeAllListeners</a:t>
-            </a:r>
-            <a:r>
-              <a:rPr lang="en-US" altLang="ko-KR" dirty="0" smtClean="0"/>
-              <a:t> </a:t>
-            </a:r>
-            <a:r>
-              <a:rPr lang="ko-KR" altLang="en-US" dirty="0" err="1" smtClean="0"/>
-              <a:t>메서드를</a:t>
-            </a:r>
-            <a:r>
-              <a:rPr lang="ko-KR" altLang="en-US" dirty="0" smtClean="0"/>
-              <a:t> 이용하여 등록된 이벤트를 제거할 수 있다</a:t>
-            </a:r>
-            <a:r>
-              <a:rPr lang="en-US" altLang="ko-KR" dirty="0" smtClean="0"/>
-              <a:t>.</a:t>
-            </a:r>
-            <a:endParaRPr lang="ko-KR" altLang="en-US" dirty="0"/>
-          </a:p>
-        </p:txBody>
-      </p:sp>
-    </p:spTree>
-    <p:extLst>
-      <p:ext uri="{BB962C8B-B14F-4D97-AF65-F5344CB8AC3E}">
-        <p14:creationId xmlns:p14="http://schemas.microsoft.com/office/powerpoint/2010/main" val="2300321212"/>
-      </p:ext>
-    </p:extLst>
-  </p:cSld>
-  <p:clrMapOvr>
-    <a:masterClrMapping/>
-  </p:clrMapOvr>
-  <p:timing>
-    <p:tnLst>
-      <p:par>
-        <p:cTn id="1" dur="indefinite" restart="never" nodeType="tmRoot"/>
-      </p:par>
-    </p:tnLst>
-  </p:timing>
-</p:sld>
-</file>
-
 <file path=ppt/slides/slide24.xml><?xml version="1.0" encoding="utf-8"?>
 <p:sld xmlns:a="http://schemas.openxmlformats.org/drawingml/2006/main" xmlns:r="http://schemas.openxmlformats.org/officeDocument/2006/relationships" xmlns:p="http://schemas.openxmlformats.org/presentationml/2006/main">
   <p:cSld>
@@ -13530,7 +13974,11 @@
           <a:p>
             <a:r>
               <a:rPr lang="en-US" altLang="ko-KR" dirty="0" smtClean="0"/>
-              <a:t>4.2 Express</a:t>
+              <a:t>2)Process </a:t>
+            </a:r>
+            <a:r>
+              <a:rPr lang="ko-KR" altLang="en-US" dirty="0" smtClean="0"/>
+              <a:t>객체</a:t>
             </a:r>
             <a:endParaRPr lang="ko-KR" altLang="en-US" dirty="0"/>
           </a:p>
@@ -13548,117 +13996,39 @@
         </p:nvSpPr>
         <p:spPr/>
         <p:txBody>
-          <a:bodyPr>
-            <a:normAutofit lnSpcReduction="10000"/>
-          </a:bodyPr>
+          <a:bodyPr/>
           <a:lstStyle/>
           <a:p>
             <a:r>
               <a:rPr lang="en-US" altLang="ko-KR" dirty="0" smtClean="0"/>
-              <a:t>Express</a:t>
+              <a:t>Process </a:t>
             </a:r>
             <a:r>
               <a:rPr lang="ko-KR" altLang="en-US" dirty="0" smtClean="0"/>
-              <a:t>란</a:t>
+              <a:t>객체는 자바스크립트에서 지원이 되지 않는 객체로 </a:t>
             </a:r>
             <a:r>
               <a:rPr lang="en-US" altLang="ko-KR" dirty="0" smtClean="0"/>
-              <a:t>?</a:t>
-            </a:r>
-          </a:p>
-          <a:p>
-            <a:pPr lvl="1"/>
-            <a:r>
-              <a:rPr lang="ko-KR" altLang="en-US" sz="2400" dirty="0" err="1" smtClean="0"/>
-              <a:t>커넥트</a:t>
-            </a:r>
-            <a:r>
-              <a:rPr lang="ko-KR" altLang="en-US" sz="2400" dirty="0" smtClean="0"/>
-              <a:t> </a:t>
-            </a:r>
-            <a:r>
-              <a:rPr lang="ko-KR" altLang="en-US" sz="2400" dirty="0" err="1" smtClean="0"/>
-              <a:t>미들웨어</a:t>
-            </a:r>
-            <a:r>
-              <a:rPr lang="ko-KR" altLang="en-US" sz="2400" dirty="0" smtClean="0"/>
-              <a:t> 엔진 기반</a:t>
-            </a:r>
-            <a:endParaRPr lang="en-US" altLang="ko-KR" sz="2400" dirty="0" smtClean="0"/>
-          </a:p>
-          <a:p>
-            <a:pPr lvl="1"/>
-            <a:r>
-              <a:rPr lang="ko-KR" altLang="en-US" sz="2400" dirty="0" err="1" smtClean="0"/>
-              <a:t>초경량의</a:t>
-            </a:r>
-            <a:r>
-              <a:rPr lang="ko-KR" altLang="en-US" sz="2400" dirty="0" smtClean="0"/>
-              <a:t> 유연한 </a:t>
-            </a:r>
-            <a:r>
-              <a:rPr lang="en-US" altLang="ko-KR" sz="2400" dirty="0" smtClean="0"/>
-              <a:t>Node.js </a:t>
-            </a:r>
-            <a:r>
-              <a:rPr lang="ko-KR" altLang="en-US" sz="2400" dirty="0" err="1" smtClean="0"/>
-              <a:t>웹어플리케이션</a:t>
-            </a:r>
-            <a:r>
-              <a:rPr lang="ko-KR" altLang="en-US" sz="2400" dirty="0" smtClean="0"/>
-              <a:t> 프레임워크</a:t>
-            </a:r>
-            <a:r>
-              <a:rPr lang="en-US" altLang="ko-KR" sz="2400" dirty="0" smtClean="0"/>
-              <a:t> </a:t>
-            </a:r>
+              <a:t>node.js</a:t>
+            </a:r>
+            <a:r>
+              <a:rPr lang="ko-KR" altLang="en-US" dirty="0" smtClean="0"/>
+              <a:t>에서만 지원</a:t>
+            </a:r>
+            <a:endParaRPr lang="en-US" altLang="ko-KR" dirty="0" smtClean="0"/>
           </a:p>
           <a:p>
             <a:r>
               <a:rPr lang="en-US" altLang="ko-KR" dirty="0" smtClean="0"/>
-              <a:t>Express view Engine</a:t>
-            </a:r>
-          </a:p>
-          <a:p>
-            <a:pPr lvl="1"/>
-            <a:r>
-              <a:rPr lang="en-US" altLang="ko-KR" dirty="0" err="1" smtClean="0"/>
-              <a:t>Haml</a:t>
-            </a:r>
-            <a:endParaRPr lang="en-US" altLang="ko-KR" dirty="0" smtClean="0"/>
-          </a:p>
-          <a:p>
-            <a:pPr lvl="1"/>
+              <a:t>Node.js</a:t>
+            </a:r>
+            <a:r>
+              <a:rPr lang="ko-KR" altLang="en-US" dirty="0" smtClean="0"/>
+              <a:t>의 여러 가지 기본 정보를 가지고    있다</a:t>
+            </a:r>
             <a:r>
               <a:rPr lang="en-US" altLang="ko-KR" dirty="0" smtClean="0"/>
-              <a:t>Jade</a:t>
-            </a:r>
-          </a:p>
-          <a:p>
-            <a:pPr lvl="1"/>
-            <a:r>
-              <a:rPr lang="en-US" altLang="ko-KR" dirty="0" err="1" smtClean="0"/>
-              <a:t>Ejs</a:t>
-            </a:r>
-            <a:endParaRPr lang="en-US" altLang="ko-KR" dirty="0" smtClean="0"/>
-          </a:p>
-          <a:p>
-            <a:pPr lvl="1"/>
-            <a:r>
-              <a:rPr lang="en-US" altLang="ko-KR" dirty="0" err="1" smtClean="0"/>
-              <a:t>CoffeKup</a:t>
-            </a:r>
-            <a:endParaRPr lang="en-US" altLang="ko-KR" dirty="0" smtClean="0"/>
-          </a:p>
-          <a:p>
-            <a:pPr lvl="1"/>
-            <a:r>
-              <a:rPr lang="en-US" altLang="ko-KR" dirty="0" err="1" smtClean="0"/>
-              <a:t>jQuery</a:t>
-            </a:r>
-            <a:r>
-              <a:rPr lang="en-US" altLang="ko-KR" dirty="0" smtClean="0"/>
-              <a:t> Template</a:t>
+              <a:t>.</a:t>
             </a:r>
             <a:endParaRPr lang="ko-KR" altLang="en-US" dirty="0"/>
           </a:p>
@@ -13667,7 +14037,7 @@
     </p:spTree>
     <p:extLst>
       <p:ext uri="{BB962C8B-B14F-4D97-AF65-F5344CB8AC3E}">
-        <p14:creationId xmlns:p14="http://schemas.microsoft.com/office/powerpoint/2010/main" val="3977866670"/>
+        <p14:creationId xmlns:p14="http://schemas.microsoft.com/office/powerpoint/2010/main" val="2413162139"/>
       </p:ext>
     </p:extLst>
   </p:cSld>
@@ -13718,15 +14088,11 @@
           <a:p>
             <a:r>
               <a:rPr lang="en-US" altLang="ko-KR" dirty="0" smtClean="0"/>
-              <a:t>4.3 </a:t>
-            </a:r>
-            <a:r>
-              <a:rPr lang="ko-KR" altLang="en-US" dirty="0" err="1" smtClean="0"/>
-              <a:t>웹서비스를</a:t>
+              <a:t>3)Exports</a:t>
             </a:r>
             <a:r>
               <a:rPr lang="ko-KR" altLang="en-US" dirty="0" smtClean="0"/>
-              <a:t> 한다면</a:t>
+              <a:t>객체</a:t>
             </a:r>
             <a:endParaRPr lang="ko-KR" altLang="en-US" dirty="0"/>
           </a:p>
@@ -13734,375 +14100,100 @@
       </p:sp>
       <p:sp>
         <p:nvSpPr>
-          <p:cNvPr id="4" name="내용 개체 틀 4"/>
-          <p:cNvSpPr txBox="1">
-            <a:spLocks/>
+          <p:cNvPr id="3" name="내용 개체 틀 2"/>
+          <p:cNvSpPr>
+            <a:spLocks noGrp="1"/>
           </p:cNvSpPr>
-          <p:nvPr/>
+          <p:nvPr>
+            <p:ph idx="1"/>
+          </p:nvPr>
         </p:nvSpPr>
-        <p:spPr>
-          <a:xfrm>
-            <a:off x="4283968" y="2420888"/>
-            <a:ext cx="3261048" cy="2952328"/>
-          </a:xfrm>
-          <a:prstGeom prst="rect">
-            <a:avLst/>
-          </a:prstGeom>
-          <a:noFill/>
-        </p:spPr>
+        <p:spPr/>
         <p:txBody>
-          <a:bodyPr vert="horz" lIns="91440" tIns="45720" rIns="91440" bIns="45720" rtlCol="0">
-            <a:normAutofit fontScale="85000" lnSpcReduction="10000"/>
-          </a:bodyPr>
-          <a:lstStyle>
-            <a:lvl1pPr marL="342900" indent="-342900" algn="l" defTabSz="914400" rtl="0" eaLnBrk="1" latinLnBrk="1" hangingPunct="1">
-              <a:spcBef>
-                <a:spcPct val="20000"/>
-              </a:spcBef>
-              <a:buFont typeface="Arial" pitchFamily="34" charset="0"/>
-              <a:buChar char="•"/>
-              <a:defRPr sz="3200" kern="1200">
-                <a:solidFill>
-                  <a:schemeClr val="tx1">
-                    <a:lumMod val="65000"/>
-                    <a:lumOff val="35000"/>
-                  </a:schemeClr>
-                </a:solidFill>
-                <a:latin typeface="Microsoft New Tai Lue" pitchFamily="34" charset="0"/>
-                <a:ea typeface="+mn-ea"/>
-                <a:cs typeface="Microsoft New Tai Lue" pitchFamily="34" charset="0"/>
-              </a:defRPr>
-            </a:lvl1pPr>
-            <a:lvl2pPr marL="742950" indent="-285750" algn="l" defTabSz="914400" rtl="0" eaLnBrk="1" latinLnBrk="1" hangingPunct="1">
-              <a:spcBef>
-                <a:spcPct val="20000"/>
-              </a:spcBef>
-              <a:buFont typeface="Arial" pitchFamily="34" charset="0"/>
-              <a:buChar char="–"/>
-              <a:defRPr sz="2800" kern="1200">
-                <a:solidFill>
-                  <a:schemeClr val="tx1">
-                    <a:lumMod val="65000"/>
-                    <a:lumOff val="35000"/>
-                  </a:schemeClr>
-                </a:solidFill>
-                <a:latin typeface="Microsoft New Tai Lue" pitchFamily="34" charset="0"/>
-                <a:ea typeface="+mn-ea"/>
-                <a:cs typeface="Microsoft New Tai Lue" pitchFamily="34" charset="0"/>
-              </a:defRPr>
-            </a:lvl2pPr>
-            <a:lvl3pPr marL="1143000" indent="-228600" algn="l" defTabSz="914400" rtl="0" eaLnBrk="1" latinLnBrk="1" hangingPunct="1">
-              <a:spcBef>
-                <a:spcPct val="20000"/>
-              </a:spcBef>
-              <a:buFont typeface="Arial" pitchFamily="34" charset="0"/>
-              <a:buChar char="•"/>
-              <a:defRPr sz="2400" kern="1200">
-                <a:solidFill>
-                  <a:schemeClr val="tx1">
-                    <a:lumMod val="65000"/>
-                    <a:lumOff val="35000"/>
-                  </a:schemeClr>
-                </a:solidFill>
-                <a:latin typeface="Microsoft New Tai Lue" pitchFamily="34" charset="0"/>
-                <a:ea typeface="+mn-ea"/>
-                <a:cs typeface="Microsoft New Tai Lue" pitchFamily="34" charset="0"/>
-              </a:defRPr>
-            </a:lvl3pPr>
-            <a:lvl4pPr marL="1600200" indent="-228600" algn="l" defTabSz="914400" rtl="0" eaLnBrk="1" latinLnBrk="1" hangingPunct="1">
-              <a:spcBef>
-                <a:spcPct val="20000"/>
-              </a:spcBef>
-              <a:buFont typeface="Arial" pitchFamily="34" charset="0"/>
-              <a:buChar char="–"/>
-              <a:defRPr sz="2000" kern="1200">
-                <a:solidFill>
-                  <a:schemeClr val="tx1">
-                    <a:lumMod val="65000"/>
-                    <a:lumOff val="35000"/>
-                  </a:schemeClr>
-                </a:solidFill>
-                <a:latin typeface="Microsoft New Tai Lue" pitchFamily="34" charset="0"/>
-                <a:ea typeface="+mn-ea"/>
-                <a:cs typeface="Microsoft New Tai Lue" pitchFamily="34" charset="0"/>
-              </a:defRPr>
-            </a:lvl4pPr>
-            <a:lvl5pPr marL="2057400" indent="-228600" algn="l" defTabSz="914400" rtl="0" eaLnBrk="1" latinLnBrk="1" hangingPunct="1">
-              <a:spcBef>
-                <a:spcPct val="20000"/>
-              </a:spcBef>
-              <a:buFont typeface="Arial" pitchFamily="34" charset="0"/>
-              <a:buChar char="»"/>
-              <a:defRPr sz="2000" kern="1200">
-                <a:solidFill>
-                  <a:schemeClr val="tx1">
-                    <a:lumMod val="65000"/>
-                    <a:lumOff val="35000"/>
-                  </a:schemeClr>
-                </a:solidFill>
-                <a:latin typeface="Microsoft New Tai Lue" pitchFamily="34" charset="0"/>
-                <a:ea typeface="+mn-ea"/>
-                <a:cs typeface="Microsoft New Tai Lue" pitchFamily="34" charset="0"/>
-              </a:defRPr>
-            </a:lvl5pPr>
-            <a:lvl6pPr marL="2514600" indent="-228600" algn="l" defTabSz="914400" rtl="0" eaLnBrk="1" latinLnBrk="1" hangingPunct="1">
-              <a:spcBef>
-                <a:spcPct val="20000"/>
-              </a:spcBef>
-              <a:buFont typeface="Arial" pitchFamily="34" charset="0"/>
-              <a:buChar char="•"/>
-              <a:defRPr sz="2000" kern="1200">
-                <a:solidFill>
-                  <a:schemeClr val="tx1"/>
-                </a:solidFill>
-                <a:latin typeface="+mn-lt"/>
-                <a:ea typeface="+mn-ea"/>
-                <a:cs typeface="+mn-cs"/>
-              </a:defRPr>
-            </a:lvl6pPr>
-            <a:lvl7pPr marL="2971800" indent="-228600" algn="l" defTabSz="914400" rtl="0" eaLnBrk="1" latinLnBrk="1" hangingPunct="1">
-              <a:spcBef>
-                <a:spcPct val="20000"/>
-              </a:spcBef>
-              <a:buFont typeface="Arial" pitchFamily="34" charset="0"/>
-              <a:buChar char="•"/>
-              <a:defRPr sz="2000" kern="1200">
-                <a:solidFill>
-                  <a:schemeClr val="tx1"/>
-                </a:solidFill>
-                <a:latin typeface="+mn-lt"/>
-                <a:ea typeface="+mn-ea"/>
-                <a:cs typeface="+mn-cs"/>
-              </a:defRPr>
-            </a:lvl7pPr>
-            <a:lvl8pPr marL="3429000" indent="-228600" algn="l" defTabSz="914400" rtl="0" eaLnBrk="1" latinLnBrk="1" hangingPunct="1">
-              <a:spcBef>
-                <a:spcPct val="20000"/>
-              </a:spcBef>
-              <a:buFont typeface="Arial" pitchFamily="34" charset="0"/>
-              <a:buChar char="•"/>
-              <a:defRPr sz="2000" kern="1200">
-                <a:solidFill>
-                  <a:schemeClr val="tx1"/>
-                </a:solidFill>
-                <a:latin typeface="+mn-lt"/>
-                <a:ea typeface="+mn-ea"/>
-                <a:cs typeface="+mn-cs"/>
-              </a:defRPr>
-            </a:lvl8pPr>
-            <a:lvl9pPr marL="3886200" indent="-228600" algn="l" defTabSz="914400" rtl="0" eaLnBrk="1" latinLnBrk="1" hangingPunct="1">
-              <a:spcBef>
-                <a:spcPct val="20000"/>
-              </a:spcBef>
-              <a:buFont typeface="Arial" pitchFamily="34" charset="0"/>
-              <a:buChar char="•"/>
-              <a:defRPr sz="2000" kern="1200">
-                <a:solidFill>
-                  <a:schemeClr val="tx1"/>
-                </a:solidFill>
-                <a:latin typeface="+mn-lt"/>
-                <a:ea typeface="+mn-ea"/>
-                <a:cs typeface="+mn-cs"/>
-              </a:defRPr>
-            </a:lvl9pPr>
-          </a:lstStyle>
-          <a:p>
-            <a:pPr>
-              <a:lnSpc>
-                <a:spcPct val="150000"/>
-              </a:lnSpc>
-            </a:pPr>
-            <a:r>
-              <a:rPr lang="ko-KR" altLang="en-US" sz="2000" smtClean="0">
-                <a:latin typeface="-윤고딕340" pitchFamily="18" charset="-127"/>
-                <a:ea typeface="-윤고딕340" pitchFamily="18" charset="-127"/>
-              </a:rPr>
-              <a:t>라우팅 </a:t>
-            </a:r>
-            <a:endParaRPr lang="en-US" altLang="ko-KR" sz="2000" smtClean="0">
-              <a:latin typeface="-윤고딕340" pitchFamily="18" charset="-127"/>
-              <a:ea typeface="-윤고딕340" pitchFamily="18" charset="-127"/>
-            </a:endParaRPr>
-          </a:p>
-          <a:p>
-            <a:pPr>
-              <a:lnSpc>
-                <a:spcPct val="150000"/>
-              </a:lnSpc>
-            </a:pPr>
-            <a:r>
-              <a:rPr lang="ko-KR" altLang="en-US" sz="2000" smtClean="0">
-                <a:latin typeface="-윤고딕340" pitchFamily="18" charset="-127"/>
-                <a:ea typeface="-윤고딕340" pitchFamily="18" charset="-127"/>
-              </a:rPr>
-              <a:t>동적뷰</a:t>
-            </a:r>
-            <a:endParaRPr lang="en-US" altLang="ko-KR" sz="2000" smtClean="0">
-              <a:latin typeface="-윤고딕340" pitchFamily="18" charset="-127"/>
-              <a:ea typeface="-윤고딕340" pitchFamily="18" charset="-127"/>
-            </a:endParaRPr>
-          </a:p>
-          <a:p>
-            <a:pPr>
-              <a:lnSpc>
-                <a:spcPct val="150000"/>
-              </a:lnSpc>
-            </a:pPr>
-            <a:r>
-              <a:rPr lang="ko-KR" altLang="en-US" sz="2000" smtClean="0">
-                <a:latin typeface="-윤고딕340" pitchFamily="18" charset="-127"/>
-                <a:ea typeface="-윤고딕340" pitchFamily="18" charset="-127"/>
-              </a:rPr>
-              <a:t>세션</a:t>
-            </a:r>
-            <a:endParaRPr lang="en-US" altLang="ko-KR" sz="2000" smtClean="0">
-              <a:latin typeface="-윤고딕340" pitchFamily="18" charset="-127"/>
-              <a:ea typeface="-윤고딕340" pitchFamily="18" charset="-127"/>
-            </a:endParaRPr>
-          </a:p>
-          <a:p>
-            <a:pPr>
-              <a:lnSpc>
-                <a:spcPct val="150000"/>
-              </a:lnSpc>
-            </a:pPr>
-            <a:r>
-              <a:rPr lang="ko-KR" altLang="en-US" sz="2000" smtClean="0">
-                <a:latin typeface="-윤고딕340" pitchFamily="18" charset="-127"/>
-                <a:ea typeface="-윤고딕340" pitchFamily="18" charset="-127"/>
-              </a:rPr>
-              <a:t>쿠키</a:t>
-            </a:r>
-            <a:endParaRPr lang="en-US" altLang="ko-KR" sz="2000" smtClean="0">
-              <a:latin typeface="-윤고딕340" pitchFamily="18" charset="-127"/>
-              <a:ea typeface="-윤고딕340" pitchFamily="18" charset="-127"/>
-            </a:endParaRPr>
-          </a:p>
-          <a:p>
-            <a:pPr>
-              <a:lnSpc>
-                <a:spcPct val="150000"/>
-              </a:lnSpc>
-            </a:pPr>
-            <a:r>
-              <a:rPr lang="ko-KR" altLang="en-US" sz="2000" smtClean="0">
-                <a:latin typeface="-윤고딕340" pitchFamily="18" charset="-127"/>
-                <a:ea typeface="-윤고딕340" pitchFamily="18" charset="-127"/>
-              </a:rPr>
-              <a:t>로깅</a:t>
-            </a:r>
-            <a:endParaRPr lang="en-US" altLang="ko-KR" sz="2000" smtClean="0">
-              <a:latin typeface="-윤고딕340" pitchFamily="18" charset="-127"/>
-              <a:ea typeface="-윤고딕340" pitchFamily="18" charset="-127"/>
-            </a:endParaRPr>
-          </a:p>
-          <a:p>
-            <a:pPr>
-              <a:lnSpc>
-                <a:spcPct val="150000"/>
-              </a:lnSpc>
-            </a:pPr>
-            <a:r>
-              <a:rPr lang="ko-KR" altLang="en-US" sz="2000" smtClean="0">
-                <a:latin typeface="-윤고딕340" pitchFamily="18" charset="-127"/>
-                <a:ea typeface="-윤고딕340" pitchFamily="18" charset="-127"/>
-              </a:rPr>
-              <a:t>외부 세션 저장소 기능</a:t>
-            </a:r>
-            <a:endParaRPr lang="en-US" altLang="ko-KR" sz="2000" smtClean="0">
-              <a:latin typeface="-윤고딕340" pitchFamily="18" charset="-127"/>
-              <a:ea typeface="-윤고딕340" pitchFamily="18" charset="-127"/>
-            </a:endParaRPr>
-          </a:p>
-          <a:p>
-            <a:pPr>
-              <a:lnSpc>
-                <a:spcPct val="150000"/>
-              </a:lnSpc>
-            </a:pPr>
-            <a:r>
-              <a:rPr lang="ko-KR" altLang="en-US" sz="2000" smtClean="0">
-                <a:latin typeface="-윤고딕340" pitchFamily="18" charset="-127"/>
-                <a:ea typeface="-윤고딕340" pitchFamily="18" charset="-127"/>
-              </a:rPr>
-              <a:t>등등</a:t>
-            </a:r>
-            <a:endParaRPr lang="en-US" altLang="ko-KR" sz="2000" smtClean="0">
-              <a:latin typeface="-윤고딕340" pitchFamily="18" charset="-127"/>
-              <a:ea typeface="-윤고딕340" pitchFamily="18" charset="-127"/>
-            </a:endParaRPr>
-          </a:p>
-          <a:p>
-            <a:pPr lvl="1">
-              <a:lnSpc>
-                <a:spcPct val="150000"/>
-              </a:lnSpc>
-              <a:buFont typeface="Arial" pitchFamily="34" charset="0"/>
-              <a:buNone/>
-            </a:pPr>
-            <a:endParaRPr lang="en-US" altLang="ko-KR" sz="2000" smtClean="0">
-              <a:latin typeface="-윤고딕340" pitchFamily="18" charset="-127"/>
-              <a:ea typeface="-윤고딕340" pitchFamily="18" charset="-127"/>
-            </a:endParaRPr>
-          </a:p>
-          <a:p>
-            <a:pPr>
-              <a:lnSpc>
-                <a:spcPct val="150000"/>
-              </a:lnSpc>
-              <a:buFont typeface="Arial" pitchFamily="34" charset="0"/>
-              <a:buNone/>
-            </a:pPr>
-            <a:endParaRPr lang="en-US" altLang="ko-KR" sz="2000" dirty="0" smtClean="0">
-              <a:latin typeface="-윤고딕340" pitchFamily="18" charset="-127"/>
-              <a:ea typeface="-윤고딕340" pitchFamily="18" charset="-127"/>
-            </a:endParaRPr>
-          </a:p>
-        </p:txBody>
-      </p:sp>
-      <p:sp>
-        <p:nvSpPr>
-          <p:cNvPr id="5" name="TextBox 4"/>
-          <p:cNvSpPr txBox="1"/>
-          <p:nvPr/>
-        </p:nvSpPr>
-        <p:spPr>
-          <a:xfrm>
-            <a:off x="755576" y="3140968"/>
-            <a:ext cx="3384376" cy="923330"/>
-          </a:xfrm>
-          <a:prstGeom prst="rect">
-            <a:avLst/>
-          </a:prstGeom>
-          <a:noFill/>
-        </p:spPr>
-        <p:txBody>
-          <a:bodyPr wrap="square" rtlCol="0">
-            <a:spAutoFit/>
-          </a:bodyPr>
+          <a:bodyPr/>
           <a:lstStyle/>
           <a:p>
             <a:r>
-              <a:rPr lang="en-US" altLang="ko-KR" sz="5400" dirty="0" smtClean="0">
-                <a:latin typeface="-윤고딕340" pitchFamily="18" charset="-127"/>
-                <a:ea typeface="-윤고딕340" pitchFamily="18" charset="-127"/>
-              </a:rPr>
-              <a:t>Express</a:t>
-            </a:r>
-            <a:endParaRPr lang="ko-KR" altLang="en-US" sz="5400" dirty="0"/>
+              <a:rPr lang="en-US" altLang="ko-KR" dirty="0" smtClean="0"/>
+              <a:t>Exports </a:t>
+            </a:r>
+            <a:r>
+              <a:rPr lang="ko-KR" altLang="en-US" dirty="0" smtClean="0"/>
+              <a:t>객체는 </a:t>
+            </a:r>
+            <a:r>
+              <a:rPr lang="en-US" altLang="ko-KR" dirty="0" smtClean="0"/>
+              <a:t>Node</a:t>
+            </a:r>
+            <a:r>
+              <a:rPr lang="ko-KR" altLang="en-US" dirty="0" smtClean="0"/>
+              <a:t>에서 사용하는 모듈 로딩 시스템</a:t>
+            </a:r>
+            <a:endParaRPr lang="en-US" altLang="ko-KR" dirty="0" smtClean="0"/>
+          </a:p>
+          <a:p>
+            <a:r>
+              <a:rPr lang="ko-KR" altLang="en-US" dirty="0" smtClean="0"/>
+              <a:t>모든 모듈은 </a:t>
+            </a:r>
+            <a:r>
+              <a:rPr lang="en-US" altLang="ko-KR" dirty="0" smtClean="0"/>
+              <a:t>exports </a:t>
+            </a:r>
+            <a:r>
+              <a:rPr lang="ko-KR" altLang="en-US" dirty="0" smtClean="0"/>
+              <a:t>객체로 구현 되어 있고 개발자가 직접 객체를 구현하고 </a:t>
+            </a:r>
+            <a:r>
+              <a:rPr lang="en-US" altLang="ko-KR" dirty="0" smtClean="0"/>
+              <a:t>exports </a:t>
+            </a:r>
+            <a:r>
+              <a:rPr lang="ko-KR" altLang="en-US" dirty="0" smtClean="0"/>
+              <a:t>객체를 이용하여 재사용할 수 있다</a:t>
+            </a:r>
+            <a:r>
+              <a:rPr lang="en-US" altLang="ko-KR" dirty="0" smtClean="0"/>
+              <a:t>.</a:t>
+            </a:r>
+          </a:p>
+          <a:p>
+            <a:r>
+              <a:rPr lang="en-US" altLang="ko-KR" dirty="0" smtClean="0"/>
+              <a:t>require </a:t>
+            </a:r>
+            <a:r>
+              <a:rPr lang="ko-KR" altLang="en-US" dirty="0" err="1" smtClean="0"/>
+              <a:t>메서드를</a:t>
+            </a:r>
+            <a:r>
+              <a:rPr lang="ko-KR" altLang="en-US" dirty="0" smtClean="0"/>
+              <a:t> 이용하여 해당 모듈을 로딩하여 사용한다</a:t>
+            </a:r>
+            <a:r>
+              <a:rPr lang="en-US" altLang="ko-KR" dirty="0" smtClean="0"/>
+              <a:t>.</a:t>
+            </a:r>
           </a:p>
         </p:txBody>
       </p:sp>
     </p:spTree>
     <p:extLst>
       <p:ext uri="{BB962C8B-B14F-4D97-AF65-F5344CB8AC3E}">
-        <p14:creationId xmlns:p14="http://schemas.microsoft.com/office/powerpoint/2010/main" val="1517686023"/>
+        <p14:creationId xmlns:p14="http://schemas.microsoft.com/office/powerpoint/2010/main" val="2786337868"/>
       </p:ext>
     </p:extLst>
   </p:cSld>
   <p:clrMapOvr>
     <a:masterClrMapping/>
   </p:clrMapOvr>
+  <p:timing>
+    <p:tnLst>
+      <p:par>
+        <p:cTn id="1" dur="indefinite" restart="never" nodeType="tmRoot"/>
+      </p:par>
+    </p:tnLst>
+  </p:timing>
 </p:sld>
 </file>
 
@@ -14140,20 +14231,9 @@
           <a:p>
             <a:r>
               <a:rPr lang="en-US" altLang="ko-KR" dirty="0" smtClean="0"/>
-              <a:t>4.4 </a:t>
-            </a:r>
-            <a:r>
-              <a:rPr lang="en-US" altLang="ko-KR" dirty="0"/>
-              <a:t>Express </a:t>
-            </a:r>
-            <a:r>
-              <a:rPr lang="ko-KR" altLang="en-US" dirty="0" err="1"/>
-              <a:t>라우팅</a:t>
-            </a:r>
-            <a:r>
-              <a:rPr lang="ko-KR" altLang="en-US" dirty="0"/>
-              <a:t> 예</a:t>
-            </a:r>
+              <a:t>4)Events</a:t>
+            </a:r>
+            <a:endParaRPr lang="ko-KR" altLang="en-US" dirty="0"/>
           </a:p>
         </p:txBody>
       </p:sp>
@@ -14170,663 +14250,106 @@
         <p:spPr/>
         <p:txBody>
           <a:bodyPr>
-            <a:normAutofit fontScale="40000" lnSpcReduction="20000"/>
+            <a:normAutofit lnSpcReduction="10000"/>
           </a:bodyPr>
           <a:lstStyle/>
           <a:p>
-            <a:pPr>
-              <a:buNone/>
-            </a:pPr>
-            <a:r>
-              <a:rPr lang="en-US" altLang="ko-KR" dirty="0" err="1">
-                <a:latin typeface="-윤고딕340" pitchFamily="18" charset="-127"/>
-                <a:ea typeface="-윤고딕340" pitchFamily="18" charset="-127"/>
-              </a:rPr>
-              <a:t>var</a:t>
-            </a:r>
-            <a:r>
-              <a:rPr lang="en-US" altLang="ko-KR" dirty="0">
-                <a:latin typeface="-윤고딕340" pitchFamily="18" charset="-127"/>
-                <a:ea typeface="-윤고딕340" pitchFamily="18" charset="-127"/>
-              </a:rPr>
-              <a:t> routes = require('./routes');</a:t>
-            </a:r>
-          </a:p>
-          <a:p>
-            <a:pPr>
-              <a:buNone/>
-            </a:pPr>
-            <a:r>
-              <a:rPr lang="en-US" altLang="ko-KR" dirty="0" err="1">
-                <a:latin typeface="-윤고딕340" pitchFamily="18" charset="-127"/>
-                <a:ea typeface="-윤고딕340" pitchFamily="18" charset="-127"/>
-              </a:rPr>
-              <a:t>var</a:t>
-            </a:r>
-            <a:r>
-              <a:rPr lang="en-US" altLang="ko-KR" dirty="0">
-                <a:latin typeface="-윤고딕340" pitchFamily="18" charset="-127"/>
-                <a:ea typeface="-윤고딕340" pitchFamily="18" charset="-127"/>
-              </a:rPr>
-              <a:t> user = require('./routes/user');</a:t>
-            </a:r>
-          </a:p>
-          <a:p>
-            <a:pPr>
-              <a:buNone/>
-            </a:pPr>
-            <a:r>
-              <a:rPr lang="en-US" altLang="ko-KR" dirty="0">
-                <a:latin typeface="-윤고딕340" pitchFamily="18" charset="-127"/>
-                <a:ea typeface="-윤고딕340" pitchFamily="18" charset="-127"/>
-              </a:rPr>
-              <a:t>……</a:t>
-            </a:r>
-          </a:p>
-          <a:p>
-            <a:pPr>
-              <a:buNone/>
-            </a:pPr>
-            <a:r>
-              <a:rPr lang="en-US" altLang="ko-KR" dirty="0" err="1">
-                <a:latin typeface="-윤고딕340" pitchFamily="18" charset="-127"/>
-                <a:ea typeface="-윤고딕340" pitchFamily="18" charset="-127"/>
-              </a:rPr>
-              <a:t>app.get</a:t>
-            </a:r>
-            <a:r>
-              <a:rPr lang="en-US" altLang="ko-KR" dirty="0">
-                <a:latin typeface="-윤고딕340" pitchFamily="18" charset="-127"/>
-                <a:ea typeface="-윤고딕340" pitchFamily="18" charset="-127"/>
-              </a:rPr>
-              <a:t>('/', </a:t>
-            </a:r>
-            <a:r>
-              <a:rPr lang="en-US" altLang="ko-KR" dirty="0" err="1">
-                <a:latin typeface="-윤고딕340" pitchFamily="18" charset="-127"/>
-                <a:ea typeface="-윤고딕340" pitchFamily="18" charset="-127"/>
-              </a:rPr>
-              <a:t>routes.index</a:t>
-            </a:r>
-            <a:r>
-              <a:rPr lang="en-US" altLang="ko-KR" dirty="0">
-                <a:latin typeface="-윤고딕340" pitchFamily="18" charset="-127"/>
-                <a:ea typeface="-윤고딕340" pitchFamily="18" charset="-127"/>
-              </a:rPr>
-              <a:t>);          //  routes/index.js </a:t>
-            </a:r>
-            <a:r>
-              <a:rPr lang="ko-KR" altLang="en-US" dirty="0">
-                <a:latin typeface="-윤고딕340" pitchFamily="18" charset="-127"/>
-                <a:ea typeface="-윤고딕340" pitchFamily="18" charset="-127"/>
-              </a:rPr>
-              <a:t>실행</a:t>
-            </a:r>
-          </a:p>
-          <a:p>
-            <a:pPr>
-              <a:buNone/>
-            </a:pPr>
-            <a:endParaRPr lang="ko-KR" altLang="en-US" dirty="0">
-              <a:latin typeface="-윤고딕340" pitchFamily="18" charset="-127"/>
-              <a:ea typeface="-윤고딕340" pitchFamily="18" charset="-127"/>
-            </a:endParaRPr>
-          </a:p>
-          <a:p>
-            <a:pPr>
-              <a:buNone/>
-            </a:pPr>
-            <a:r>
-              <a:rPr lang="en-US" altLang="ko-KR" dirty="0" err="1">
-                <a:latin typeface="-윤고딕340" pitchFamily="18" charset="-127"/>
-                <a:ea typeface="-윤고딕340" pitchFamily="18" charset="-127"/>
-              </a:rPr>
-              <a:t>app.get</a:t>
-            </a:r>
-            <a:r>
-              <a:rPr lang="en-US" altLang="ko-KR" dirty="0">
-                <a:latin typeface="-윤고딕340" pitchFamily="18" charset="-127"/>
-                <a:ea typeface="-윤고딕340" pitchFamily="18" charset="-127"/>
-              </a:rPr>
-              <a:t>('/user/list', </a:t>
-            </a:r>
-            <a:r>
-              <a:rPr lang="en-US" altLang="ko-KR" dirty="0" err="1">
-                <a:latin typeface="-윤고딕340" pitchFamily="18" charset="-127"/>
-                <a:ea typeface="-윤고딕340" pitchFamily="18" charset="-127"/>
-              </a:rPr>
-              <a:t>user.list</a:t>
-            </a:r>
-            <a:r>
-              <a:rPr lang="en-US" altLang="ko-KR" dirty="0">
-                <a:latin typeface="-윤고딕340" pitchFamily="18" charset="-127"/>
-                <a:ea typeface="-윤고딕340" pitchFamily="18" charset="-127"/>
-              </a:rPr>
-              <a:t>);     //  routes/user.js </a:t>
-            </a:r>
-            <a:r>
-              <a:rPr lang="ko-KR" altLang="en-US" dirty="0">
-                <a:latin typeface="-윤고딕340" pitchFamily="18" charset="-127"/>
-                <a:ea typeface="-윤고딕340" pitchFamily="18" charset="-127"/>
-              </a:rPr>
-              <a:t>의 </a:t>
-            </a:r>
-            <a:r>
-              <a:rPr lang="en-US" altLang="ko-KR" dirty="0">
-                <a:latin typeface="-윤고딕340" pitchFamily="18" charset="-127"/>
-                <a:ea typeface="-윤고딕340" pitchFamily="18" charset="-127"/>
-              </a:rPr>
-              <a:t>list function</a:t>
-            </a:r>
-          </a:p>
-          <a:p>
-            <a:pPr>
-              <a:buNone/>
-            </a:pPr>
-            <a:r>
-              <a:rPr lang="en-US" altLang="ko-KR" dirty="0" err="1">
-                <a:latin typeface="-윤고딕340" pitchFamily="18" charset="-127"/>
-                <a:ea typeface="-윤고딕340" pitchFamily="18" charset="-127"/>
-              </a:rPr>
-              <a:t>app.get</a:t>
-            </a:r>
-            <a:r>
-              <a:rPr lang="en-US" altLang="ko-KR" dirty="0">
-                <a:latin typeface="-윤고딕340" pitchFamily="18" charset="-127"/>
-                <a:ea typeface="-윤고딕340" pitchFamily="18" charset="-127"/>
-              </a:rPr>
-              <a:t>('/user/info', user.info);   //  routes/user.js </a:t>
-            </a:r>
-            <a:r>
-              <a:rPr lang="ko-KR" altLang="en-US" dirty="0">
-                <a:latin typeface="-윤고딕340" pitchFamily="18" charset="-127"/>
-                <a:ea typeface="-윤고딕340" pitchFamily="18" charset="-127"/>
-              </a:rPr>
-              <a:t>의 </a:t>
-            </a:r>
-            <a:r>
-              <a:rPr lang="en-US" altLang="ko-KR" dirty="0">
-                <a:latin typeface="-윤고딕340" pitchFamily="18" charset="-127"/>
-                <a:ea typeface="-윤고딕340" pitchFamily="18" charset="-127"/>
-              </a:rPr>
-              <a:t>info function</a:t>
-            </a:r>
-          </a:p>
-          <a:p>
-            <a:pPr>
-              <a:buNone/>
-            </a:pPr>
-            <a:endParaRPr lang="en-US" altLang="ko-KR" dirty="0">
-              <a:latin typeface="-윤고딕340" pitchFamily="18" charset="-127"/>
-              <a:ea typeface="-윤고딕340" pitchFamily="18" charset="-127"/>
-            </a:endParaRPr>
-          </a:p>
-          <a:p>
-            <a:pPr>
-              <a:buNone/>
-            </a:pPr>
-            <a:r>
-              <a:rPr lang="en-US" altLang="ko-KR" dirty="0" err="1">
-                <a:latin typeface="-윤고딕340" pitchFamily="18" charset="-127"/>
-                <a:ea typeface="-윤고딕340" pitchFamily="18" charset="-127"/>
-              </a:rPr>
-              <a:t>app.get</a:t>
-            </a:r>
-            <a:r>
-              <a:rPr lang="en-US" altLang="ko-KR" dirty="0">
-                <a:latin typeface="-윤고딕340" pitchFamily="18" charset="-127"/>
-                <a:ea typeface="-윤고딕340" pitchFamily="18" charset="-127"/>
-              </a:rPr>
-              <a:t>('/test.</a:t>
-            </a:r>
-            <a:r>
-              <a:rPr lang="en-US" altLang="ko-KR" dirty="0" err="1">
-                <a:latin typeface="-윤고딕340" pitchFamily="18" charset="-127"/>
-                <a:ea typeface="-윤고딕340" pitchFamily="18" charset="-127"/>
-              </a:rPr>
-              <a:t>json</a:t>
-            </a:r>
-            <a:r>
-              <a:rPr lang="en-US" altLang="ko-KR" dirty="0">
-                <a:latin typeface="-윤고딕340" pitchFamily="18" charset="-127"/>
-                <a:ea typeface="-윤고딕340" pitchFamily="18" charset="-127"/>
-              </a:rPr>
-              <a:t>',function(</a:t>
-            </a:r>
-            <a:r>
-              <a:rPr lang="en-US" altLang="ko-KR" dirty="0" err="1">
-                <a:latin typeface="-윤고딕340" pitchFamily="18" charset="-127"/>
-                <a:ea typeface="-윤고딕340" pitchFamily="18" charset="-127"/>
-              </a:rPr>
-              <a:t>req</a:t>
-            </a:r>
-            <a:r>
-              <a:rPr lang="en-US" altLang="ko-KR" dirty="0">
-                <a:latin typeface="-윤고딕340" pitchFamily="18" charset="-127"/>
-                <a:ea typeface="-윤고딕340" pitchFamily="18" charset="-127"/>
-              </a:rPr>
-              <a:t>, res){   //</a:t>
-            </a:r>
-            <a:r>
-              <a:rPr lang="ko-KR" altLang="en-US" dirty="0">
-                <a:latin typeface="-윤고딕340" pitchFamily="18" charset="-127"/>
-                <a:ea typeface="-윤고딕340" pitchFamily="18" charset="-127"/>
-              </a:rPr>
-              <a:t>직접 실행</a:t>
-            </a:r>
-          </a:p>
-          <a:p>
-            <a:pPr>
-              <a:buNone/>
-            </a:pPr>
-            <a:r>
-              <a:rPr lang="ko-KR" altLang="en-US" dirty="0">
-                <a:latin typeface="-윤고딕340" pitchFamily="18" charset="-127"/>
-                <a:ea typeface="-윤고딕340" pitchFamily="18" charset="-127"/>
-              </a:rPr>
-              <a:t>        </a:t>
-            </a:r>
-            <a:r>
-              <a:rPr lang="en-US" altLang="ko-KR" dirty="0" err="1">
-                <a:latin typeface="-윤고딕340" pitchFamily="18" charset="-127"/>
-                <a:ea typeface="-윤고딕340" pitchFamily="18" charset="-127"/>
-              </a:rPr>
-              <a:t>var</a:t>
-            </a:r>
-            <a:r>
-              <a:rPr lang="en-US" altLang="ko-KR" dirty="0">
-                <a:latin typeface="-윤고딕340" pitchFamily="18" charset="-127"/>
-                <a:ea typeface="-윤고딕340" pitchFamily="18" charset="-127"/>
-              </a:rPr>
+            <a:r>
+              <a:rPr lang="en-US" altLang="ko-KR" dirty="0" smtClean="0"/>
+              <a:t>Node.js</a:t>
+            </a:r>
+            <a:r>
+              <a:rPr lang="ko-KR" altLang="en-US" dirty="0" smtClean="0"/>
+              <a:t>는 이벤트 기반의 </a:t>
+            </a:r>
+            <a:r>
+              <a:rPr lang="ko-KR" altLang="en-US" dirty="0" err="1" smtClean="0"/>
+              <a:t>비동기</a:t>
+            </a:r>
+            <a:r>
+              <a:rPr lang="ko-KR" altLang="en-US" dirty="0" smtClean="0"/>
+              <a:t> 프로그램으로</a:t>
+            </a:r>
+            <a:r>
+              <a:rPr lang="en-US" altLang="ko-KR" dirty="0" smtClean="0"/>
+              <a:t>, </a:t>
+            </a:r>
+            <a:r>
+              <a:rPr lang="ko-KR" altLang="en-US" dirty="0" smtClean="0"/>
+              <a:t>많은 객체들은 이벤트 기능을 상속받아서 사용하고 있습니다</a:t>
+            </a:r>
+            <a:r>
+              <a:rPr lang="en-US" altLang="ko-KR" dirty="0" smtClean="0"/>
+              <a:t>.</a:t>
+            </a:r>
+          </a:p>
+          <a:p>
+            <a:r>
+              <a:rPr lang="en-US" altLang="ko-KR" dirty="0" err="1" smtClean="0"/>
+              <a:t>EventEmitter</a:t>
+            </a:r>
+            <a:r>
+              <a:rPr lang="en-US" altLang="ko-KR" dirty="0" smtClean="0"/>
               <a:t> </a:t>
             </a:r>
             <a:r>
-              <a:rPr lang="en-US" altLang="ko-KR" dirty="0" err="1">
-                <a:latin typeface="-윤고딕340" pitchFamily="18" charset="-127"/>
-                <a:ea typeface="-윤고딕340" pitchFamily="18" charset="-127"/>
-              </a:rPr>
-              <a:t>tempJson</a:t>
-            </a:r>
-            <a:r>
-              <a:rPr lang="en-US" altLang="ko-KR" dirty="0">
-                <a:latin typeface="-윤고딕340" pitchFamily="18" charset="-127"/>
-                <a:ea typeface="-윤고딕340" pitchFamily="18" charset="-127"/>
-              </a:rPr>
-              <a:t> = {'id': 'tester', '</a:t>
-            </a:r>
-            <a:r>
-              <a:rPr lang="en-US" altLang="ko-KR" dirty="0" err="1">
-                <a:latin typeface="-윤고딕340" pitchFamily="18" charset="-127"/>
-                <a:ea typeface="-윤고딕340" pitchFamily="18" charset="-127"/>
-              </a:rPr>
-              <a:t>message':'HIHI</a:t>
-            </a:r>
-            <a:r>
-              <a:rPr lang="en-US" altLang="ko-KR" dirty="0">
-                <a:latin typeface="-윤고딕340" pitchFamily="18" charset="-127"/>
-                <a:ea typeface="-윤고딕340" pitchFamily="18" charset="-127"/>
-              </a:rPr>
-              <a:t> tester'};</a:t>
-            </a:r>
-          </a:p>
-          <a:p>
-            <a:pPr>
-              <a:buNone/>
-            </a:pPr>
-            <a:r>
-              <a:rPr lang="en-US" altLang="ko-KR" dirty="0">
-                <a:latin typeface="-윤고딕340" pitchFamily="18" charset="-127"/>
-                <a:ea typeface="-윤고딕340" pitchFamily="18" charset="-127"/>
-              </a:rPr>
-              <a:t>        </a:t>
-            </a:r>
-            <a:r>
-              <a:rPr lang="en-US" altLang="ko-KR" dirty="0" err="1">
-                <a:latin typeface="-윤고딕340" pitchFamily="18" charset="-127"/>
-                <a:ea typeface="-윤고딕340" pitchFamily="18" charset="-127"/>
-              </a:rPr>
-              <a:t>res.json</a:t>
-            </a:r>
-            <a:r>
-              <a:rPr lang="en-US" altLang="ko-KR" dirty="0">
-                <a:latin typeface="-윤고딕340" pitchFamily="18" charset="-127"/>
-                <a:ea typeface="-윤고딕340" pitchFamily="18" charset="-127"/>
-              </a:rPr>
-              <a:t>(</a:t>
-            </a:r>
-            <a:r>
-              <a:rPr lang="en-US" altLang="ko-KR" dirty="0" err="1">
-                <a:latin typeface="-윤고딕340" pitchFamily="18" charset="-127"/>
-                <a:ea typeface="-윤고딕340" pitchFamily="18" charset="-127"/>
-              </a:rPr>
-              <a:t>tempJson</a:t>
-            </a:r>
-            <a:r>
-              <a:rPr lang="en-US" altLang="ko-KR" dirty="0">
-                <a:latin typeface="-윤고딕340" pitchFamily="18" charset="-127"/>
-                <a:ea typeface="-윤고딕340" pitchFamily="18" charset="-127"/>
-              </a:rPr>
-              <a:t>);</a:t>
-            </a:r>
-          </a:p>
-          <a:p>
-            <a:pPr>
-              <a:buNone/>
-            </a:pPr>
-            <a:r>
-              <a:rPr lang="en-US" altLang="ko-KR" dirty="0">
-                <a:latin typeface="-윤고딕340" pitchFamily="18" charset="-127"/>
-                <a:ea typeface="-윤고딕340" pitchFamily="18" charset="-127"/>
-              </a:rPr>
-              <a:t>});</a:t>
-            </a:r>
-          </a:p>
-          <a:p>
-            <a:pPr>
-              <a:buNone/>
-            </a:pPr>
-            <a:r>
-              <a:rPr lang="en-US" altLang="ko-KR" dirty="0" err="1">
-                <a:latin typeface="-윤고딕340" pitchFamily="18" charset="-127"/>
-                <a:ea typeface="-윤고딕340" pitchFamily="18" charset="-127"/>
-              </a:rPr>
-              <a:t>app.get</a:t>
-            </a:r>
-            <a:r>
-              <a:rPr lang="en-US" altLang="ko-KR" dirty="0">
-                <a:latin typeface="-윤고딕340" pitchFamily="18" charset="-127"/>
-                <a:ea typeface="-윤고딕340" pitchFamily="18" charset="-127"/>
-              </a:rPr>
-              <a:t>('/hello/</a:t>
-            </a:r>
-            <a:r>
-              <a:rPr lang="en-US" altLang="ko-KR" b="1" dirty="0">
-                <a:latin typeface="-윤고딕340" pitchFamily="18" charset="-127"/>
-                <a:ea typeface="-윤고딕340" pitchFamily="18" charset="-127"/>
-              </a:rPr>
-              <a:t>:name</a:t>
-            </a:r>
-            <a:r>
-              <a:rPr lang="en-US" altLang="ko-KR" dirty="0">
-                <a:latin typeface="-윤고딕340" pitchFamily="18" charset="-127"/>
-                <a:ea typeface="-윤고딕340" pitchFamily="18" charset="-127"/>
-              </a:rPr>
-              <a:t>', function(</a:t>
-            </a:r>
-            <a:r>
-              <a:rPr lang="en-US" altLang="ko-KR" dirty="0" err="1">
-                <a:latin typeface="-윤고딕340" pitchFamily="18" charset="-127"/>
-                <a:ea typeface="-윤고딕340" pitchFamily="18" charset="-127"/>
-              </a:rPr>
-              <a:t>req</a:t>
-            </a:r>
-            <a:r>
-              <a:rPr lang="en-US" altLang="ko-KR" dirty="0">
-                <a:latin typeface="-윤고딕340" pitchFamily="18" charset="-127"/>
-                <a:ea typeface="-윤고딕340" pitchFamily="18" charset="-127"/>
-              </a:rPr>
-              <a:t>, res){</a:t>
-            </a:r>
-          </a:p>
-          <a:p>
-            <a:pPr>
-              <a:buNone/>
-            </a:pPr>
-            <a:r>
-              <a:rPr lang="en-US" altLang="ko-KR" dirty="0">
-                <a:latin typeface="-윤고딕340" pitchFamily="18" charset="-127"/>
-                <a:ea typeface="-윤고딕340" pitchFamily="18" charset="-127"/>
-              </a:rPr>
-              <a:t>        </a:t>
-            </a:r>
-            <a:r>
-              <a:rPr lang="en-US" altLang="ko-KR" dirty="0" err="1">
-                <a:latin typeface="-윤고딕340" pitchFamily="18" charset="-127"/>
-                <a:ea typeface="-윤고딕340" pitchFamily="18" charset="-127"/>
-              </a:rPr>
-              <a:t>fs.readFile</a:t>
-            </a:r>
-            <a:r>
-              <a:rPr lang="en-US" altLang="ko-KR" dirty="0">
-                <a:latin typeface="-윤고딕340" pitchFamily="18" charset="-127"/>
-                <a:ea typeface="-윤고딕340" pitchFamily="18" charset="-127"/>
-              </a:rPr>
-              <a:t>('views/</a:t>
-            </a:r>
-            <a:r>
-              <a:rPr lang="en-US" altLang="ko-KR" dirty="0" err="1">
-                <a:latin typeface="-윤고딕340" pitchFamily="18" charset="-127"/>
-                <a:ea typeface="-윤고딕340" pitchFamily="18" charset="-127"/>
-              </a:rPr>
-              <a:t>index.jade</a:t>
-            </a:r>
-            <a:r>
-              <a:rPr lang="en-US" altLang="ko-KR" dirty="0">
-                <a:latin typeface="-윤고딕340" pitchFamily="18" charset="-127"/>
-                <a:ea typeface="-윤고딕340" pitchFamily="18" charset="-127"/>
-              </a:rPr>
-              <a:t>', 'utf8', function(</a:t>
-            </a:r>
-            <a:r>
-              <a:rPr lang="en-US" altLang="ko-KR" dirty="0" err="1">
-                <a:latin typeface="-윤고딕340" pitchFamily="18" charset="-127"/>
-                <a:ea typeface="-윤고딕340" pitchFamily="18" charset="-127"/>
-              </a:rPr>
-              <a:t>error,data</a:t>
-            </a:r>
-            <a:r>
-              <a:rPr lang="en-US" altLang="ko-KR" dirty="0">
-                <a:latin typeface="-윤고딕340" pitchFamily="18" charset="-127"/>
-                <a:ea typeface="-윤고딕340" pitchFamily="18" charset="-127"/>
-              </a:rPr>
-              <a:t>){</a:t>
-            </a:r>
-          </a:p>
-          <a:p>
-            <a:pPr>
-              <a:buNone/>
-            </a:pPr>
-            <a:r>
-              <a:rPr lang="en-US" altLang="ko-KR" dirty="0">
-                <a:latin typeface="-윤고딕340" pitchFamily="18" charset="-127"/>
-                <a:ea typeface="-윤고딕340" pitchFamily="18" charset="-127"/>
-              </a:rPr>
-              <a:t>                </a:t>
-            </a:r>
-            <a:r>
-              <a:rPr lang="en-US" altLang="ko-KR" dirty="0" err="1">
-                <a:latin typeface="-윤고딕340" pitchFamily="18" charset="-127"/>
-                <a:ea typeface="-윤고딕340" pitchFamily="18" charset="-127"/>
-              </a:rPr>
-              <a:t>var</a:t>
-            </a:r>
-            <a:r>
-              <a:rPr lang="en-US" altLang="ko-KR" dirty="0">
-                <a:latin typeface="-윤고딕340" pitchFamily="18" charset="-127"/>
-                <a:ea typeface="-윤고딕340" pitchFamily="18" charset="-127"/>
-              </a:rPr>
+              <a:rPr lang="ko-KR" altLang="en-US" dirty="0" smtClean="0"/>
+              <a:t>클래스에 구현된 </a:t>
+            </a:r>
+            <a:r>
+              <a:rPr lang="en-US" altLang="ko-KR" dirty="0" err="1" smtClean="0"/>
+              <a:t>addListener</a:t>
+            </a:r>
+            <a:r>
+              <a:rPr lang="en-US" altLang="ko-KR" dirty="0" smtClean="0"/>
+              <a:t>, on </a:t>
+            </a:r>
+            <a:r>
+              <a:rPr lang="ko-KR" altLang="en-US" dirty="0" smtClean="0"/>
+              <a:t>두 개의 </a:t>
+            </a:r>
+            <a:r>
+              <a:rPr lang="ko-KR" altLang="en-US" dirty="0" err="1" smtClean="0"/>
+              <a:t>메서드를</a:t>
+            </a:r>
+            <a:r>
+              <a:rPr lang="ko-KR" altLang="en-US" dirty="0" smtClean="0"/>
+              <a:t> 이용하여 이벤트 등록한다</a:t>
+            </a:r>
+            <a:r>
+              <a:rPr lang="en-US" altLang="ko-KR" dirty="0" smtClean="0"/>
+              <a:t>.</a:t>
+            </a:r>
+          </a:p>
+          <a:p>
+            <a:r>
+              <a:rPr lang="en-US" altLang="ko-KR" dirty="0" err="1" smtClean="0"/>
+              <a:t>removeListener</a:t>
+            </a:r>
+            <a:r>
+              <a:rPr lang="en-US" altLang="ko-KR" dirty="0" smtClean="0"/>
+              <a:t>, </a:t>
+            </a:r>
+            <a:r>
+              <a:rPr lang="en-US" altLang="ko-KR" dirty="0" err="1" smtClean="0"/>
+              <a:t>removeAllListeners</a:t>
+            </a:r>
+            <a:r>
+              <a:rPr lang="en-US" altLang="ko-KR" dirty="0" smtClean="0"/>
               <a:t> </a:t>
             </a:r>
             <a:r>
-              <a:rPr lang="en-US" altLang="ko-KR" dirty="0" err="1">
-                <a:latin typeface="-윤고딕340" pitchFamily="18" charset="-127"/>
-                <a:ea typeface="-윤고딕340" pitchFamily="18" charset="-127"/>
-              </a:rPr>
-              <a:t>fn</a:t>
-            </a:r>
-            <a:r>
-              <a:rPr lang="en-US" altLang="ko-KR" dirty="0">
-                <a:latin typeface="-윤고딕340" pitchFamily="18" charset="-127"/>
-                <a:ea typeface="-윤고딕340" pitchFamily="18" charset="-127"/>
-              </a:rPr>
-              <a:t> = </a:t>
-            </a:r>
-            <a:r>
-              <a:rPr lang="en-US" altLang="ko-KR" dirty="0" err="1">
-                <a:latin typeface="-윤고딕340" pitchFamily="18" charset="-127"/>
-                <a:ea typeface="-윤고딕340" pitchFamily="18" charset="-127"/>
-              </a:rPr>
-              <a:t>jade.compile</a:t>
-            </a:r>
-            <a:r>
-              <a:rPr lang="en-US" altLang="ko-KR" dirty="0">
-                <a:latin typeface="-윤고딕340" pitchFamily="18" charset="-127"/>
-                <a:ea typeface="-윤고딕340" pitchFamily="18" charset="-127"/>
-              </a:rPr>
-              <a:t>(data);</a:t>
-            </a:r>
-          </a:p>
-          <a:p>
-            <a:pPr>
-              <a:buNone/>
-            </a:pPr>
-            <a:r>
-              <a:rPr lang="en-US" altLang="ko-KR" dirty="0">
-                <a:latin typeface="-윤고딕340" pitchFamily="18" charset="-127"/>
-                <a:ea typeface="-윤고딕340" pitchFamily="18" charset="-127"/>
-              </a:rPr>
-              <a:t>                </a:t>
-            </a:r>
-            <a:r>
-              <a:rPr lang="en-US" altLang="ko-KR" dirty="0" err="1">
-                <a:latin typeface="-윤고딕340" pitchFamily="18" charset="-127"/>
-                <a:ea typeface="-윤고딕340" pitchFamily="18" charset="-127"/>
-              </a:rPr>
-              <a:t>res.writeHead</a:t>
-            </a:r>
-            <a:r>
-              <a:rPr lang="en-US" altLang="ko-KR" dirty="0">
-                <a:latin typeface="-윤고딕340" pitchFamily="18" charset="-127"/>
-                <a:ea typeface="-윤고딕340" pitchFamily="18" charset="-127"/>
-              </a:rPr>
-              <a:t>(200,{'</a:t>
-            </a:r>
-            <a:r>
-              <a:rPr lang="en-US" altLang="ko-KR" dirty="0" err="1">
-                <a:latin typeface="-윤고딕340" pitchFamily="18" charset="-127"/>
-                <a:ea typeface="-윤고딕340" pitchFamily="18" charset="-127"/>
-              </a:rPr>
-              <a:t>Content-Type':'text</a:t>
-            </a:r>
-            <a:r>
-              <a:rPr lang="en-US" altLang="ko-KR" dirty="0">
-                <a:latin typeface="-윤고딕340" pitchFamily="18" charset="-127"/>
-                <a:ea typeface="-윤고딕340" pitchFamily="18" charset="-127"/>
-              </a:rPr>
-              <a:t>/html'});</a:t>
-            </a:r>
-          </a:p>
-          <a:p>
-            <a:pPr>
-              <a:buNone/>
-            </a:pPr>
-            <a:r>
-              <a:rPr lang="en-US" altLang="ko-KR" dirty="0">
-                <a:latin typeface="-윤고딕340" pitchFamily="18" charset="-127"/>
-                <a:ea typeface="-윤고딕340" pitchFamily="18" charset="-127"/>
-              </a:rPr>
-              <a:t>                </a:t>
-            </a:r>
-            <a:r>
-              <a:rPr lang="en-US" altLang="ko-KR" dirty="0" err="1">
-                <a:latin typeface="-윤고딕340" pitchFamily="18" charset="-127"/>
-                <a:ea typeface="-윤고딕340" pitchFamily="18" charset="-127"/>
-              </a:rPr>
-              <a:t>res.end</a:t>
-            </a:r>
-            <a:r>
-              <a:rPr lang="en-US" altLang="ko-KR" dirty="0">
-                <a:latin typeface="-윤고딕340" pitchFamily="18" charset="-127"/>
-                <a:ea typeface="-윤고딕340" pitchFamily="18" charset="-127"/>
-              </a:rPr>
-              <a:t>(</a:t>
-            </a:r>
-            <a:r>
-              <a:rPr lang="en-US" altLang="ko-KR" dirty="0" err="1">
-                <a:latin typeface="-윤고딕340" pitchFamily="18" charset="-127"/>
-                <a:ea typeface="-윤고딕340" pitchFamily="18" charset="-127"/>
-              </a:rPr>
-              <a:t>fn</a:t>
-            </a:r>
-            <a:r>
-              <a:rPr lang="en-US" altLang="ko-KR" dirty="0">
-                <a:latin typeface="-윤고딕340" pitchFamily="18" charset="-127"/>
-                <a:ea typeface="-윤고딕340" pitchFamily="18" charset="-127"/>
-              </a:rPr>
-              <a:t>({</a:t>
-            </a:r>
-          </a:p>
-          <a:p>
-            <a:pPr>
-              <a:buNone/>
-            </a:pPr>
-            <a:r>
-              <a:rPr lang="en-US" altLang="ko-KR" dirty="0">
-                <a:latin typeface="-윤고딕340" pitchFamily="18" charset="-127"/>
-                <a:ea typeface="-윤고딕340" pitchFamily="18" charset="-127"/>
-              </a:rPr>
-              <a:t>                        </a:t>
-            </a:r>
-            <a:r>
-              <a:rPr lang="en-US" altLang="ko-KR" dirty="0" err="1">
-                <a:latin typeface="-윤고딕340" pitchFamily="18" charset="-127"/>
-                <a:ea typeface="-윤고딕340" pitchFamily="18" charset="-127"/>
-              </a:rPr>
-              <a:t>name:</a:t>
-            </a:r>
-            <a:r>
-              <a:rPr lang="en-US" altLang="ko-KR" b="1" dirty="0" err="1">
-                <a:latin typeface="-윤고딕340" pitchFamily="18" charset="-127"/>
-                <a:ea typeface="-윤고딕340" pitchFamily="18" charset="-127"/>
-              </a:rPr>
-              <a:t>req.params.name</a:t>
-            </a:r>
-            <a:endParaRPr lang="en-US" altLang="ko-KR" b="1" dirty="0">
-              <a:latin typeface="-윤고딕340" pitchFamily="18" charset="-127"/>
-              <a:ea typeface="-윤고딕340" pitchFamily="18" charset="-127"/>
-            </a:endParaRPr>
-          </a:p>
-          <a:p>
-            <a:pPr>
-              <a:buNone/>
-            </a:pPr>
-            <a:r>
-              <a:rPr lang="en-US" altLang="ko-KR" dirty="0">
-                <a:latin typeface="-윤고딕340" pitchFamily="18" charset="-127"/>
-                <a:ea typeface="-윤고딕340" pitchFamily="18" charset="-127"/>
-              </a:rPr>
-              <a:t>                }));</a:t>
-            </a:r>
-          </a:p>
-          <a:p>
-            <a:pPr>
-              <a:buNone/>
-            </a:pPr>
-            <a:r>
-              <a:rPr lang="en-US" altLang="ko-KR" dirty="0">
-                <a:latin typeface="-윤고딕340" pitchFamily="18" charset="-127"/>
-                <a:ea typeface="-윤고딕340" pitchFamily="18" charset="-127"/>
-              </a:rPr>
-              <a:t>        });</a:t>
-            </a:r>
-          </a:p>
-          <a:p>
-            <a:pPr>
-              <a:buNone/>
-            </a:pPr>
-            <a:r>
-              <a:rPr lang="en-US" altLang="ko-KR" dirty="0">
-                <a:latin typeface="-윤고딕340" pitchFamily="18" charset="-127"/>
-                <a:ea typeface="-윤고딕340" pitchFamily="18" charset="-127"/>
-              </a:rPr>
-              <a:t>});</a:t>
-            </a:r>
-            <a:endParaRPr lang="ko-KR" altLang="en-US" dirty="0">
-              <a:latin typeface="-윤고딕340" pitchFamily="18" charset="-127"/>
-              <a:ea typeface="-윤고딕340" pitchFamily="18" charset="-127"/>
-            </a:endParaRPr>
-          </a:p>
-          <a:p>
+              <a:rPr lang="ko-KR" altLang="en-US" dirty="0" err="1" smtClean="0"/>
+              <a:t>메서드를</a:t>
+            </a:r>
+            <a:r>
+              <a:rPr lang="ko-KR" altLang="en-US" dirty="0" smtClean="0"/>
+              <a:t> 이용하여 등록된 이벤트를 제거할 수 있다</a:t>
+            </a:r>
+            <a:r>
+              <a:rPr lang="en-US" altLang="ko-KR" dirty="0" smtClean="0"/>
+              <a:t>.</a:t>
+            </a:r>
             <a:endParaRPr lang="ko-KR" altLang="en-US" dirty="0"/>
           </a:p>
         </p:txBody>
@@ -14834,13 +14357,20 @@
     </p:spTree>
     <p:extLst>
       <p:ext uri="{BB962C8B-B14F-4D97-AF65-F5344CB8AC3E}">
-        <p14:creationId xmlns:p14="http://schemas.microsoft.com/office/powerpoint/2010/main" val="3548901437"/>
+        <p14:creationId xmlns:p14="http://schemas.microsoft.com/office/powerpoint/2010/main" val="2300321212"/>
       </p:ext>
     </p:extLst>
   </p:cSld>
   <p:clrMapOvr>
     <a:masterClrMapping/>
   </p:clrMapOvr>
+  <p:timing>
+    <p:tnLst>
+      <p:par>
+        <p:cTn id="1" dur="indefinite" restart="never" nodeType="tmRoot"/>
+      </p:par>
+    </p:tnLst>
+  </p:timing>
 </p:sld>
 </file>
 
@@ -14878,11 +14408,7 @@
           <a:p>
             <a:r>
               <a:rPr lang="en-US" altLang="ko-KR" dirty="0" smtClean="0"/>
-              <a:t>4.5 </a:t>
-            </a:r>
-            <a:r>
-              <a:rPr lang="ko-KR" altLang="en-US" dirty="0" err="1" smtClean="0"/>
-              <a:t>화면그리기</a:t>
+              <a:t>4.2 Express</a:t>
             </a:r>
             <a:endParaRPr lang="ko-KR" altLang="en-US" dirty="0"/>
           </a:p>
@@ -14890,7 +14416,7 @@
       </p:sp>
       <p:sp>
         <p:nvSpPr>
-          <p:cNvPr id="5" name="내용 개체 틀 4"/>
+          <p:cNvPr id="3" name="내용 개체 틀 2"/>
           <p:cNvSpPr>
             <a:spLocks noGrp="1"/>
           </p:cNvSpPr>
@@ -14898,12 +14424,7 @@
             <p:ph idx="1"/>
           </p:nvPr>
         </p:nvSpPr>
-        <p:spPr>
-          <a:xfrm>
-            <a:off x="457200" y="1484784"/>
-            <a:ext cx="8229600" cy="4824536"/>
-          </a:xfrm>
-        </p:spPr>
+        <p:spPr/>
         <p:txBody>
           <a:bodyPr>
             <a:normAutofit lnSpcReduction="10000"/>
@@ -14911,792 +14432,133 @@
           <a:lstStyle/>
           <a:p>
             <a:r>
-              <a:rPr lang="en-US" altLang="ko-KR" sz="1800" dirty="0" smtClean="0">
-                <a:latin typeface="-윤고딕340" pitchFamily="18" charset="-127"/>
-                <a:ea typeface="-윤고딕340" pitchFamily="18" charset="-127"/>
-              </a:rPr>
-              <a:t>HTML </a:t>
-            </a:r>
-            <a:r>
-              <a:rPr lang="ko-KR" altLang="en-US" sz="1800" dirty="0" smtClean="0">
-                <a:latin typeface="-윤고딕340" pitchFamily="18" charset="-127"/>
-                <a:ea typeface="-윤고딕340" pitchFamily="18" charset="-127"/>
-              </a:rPr>
-              <a:t>기반 화면 그리기</a:t>
-            </a:r>
-            <a:r>
-              <a:rPr lang="en-US" altLang="ko-KR" sz="1800" dirty="0" smtClean="0">
-                <a:latin typeface="-윤고딕340" pitchFamily="18" charset="-127"/>
-                <a:ea typeface="-윤고딕340" pitchFamily="18" charset="-127"/>
-              </a:rPr>
-              <a:t>(Jade, </a:t>
-            </a:r>
-            <a:r>
-              <a:rPr lang="en-US" altLang="ko-KR" sz="1800" dirty="0" err="1" smtClean="0">
-                <a:latin typeface="-윤고딕340" pitchFamily="18" charset="-127"/>
-                <a:ea typeface="-윤고딕340" pitchFamily="18" charset="-127"/>
-              </a:rPr>
-              <a:t>coffeekup</a:t>
-            </a:r>
-            <a:r>
-              <a:rPr lang="en-US" altLang="ko-KR" sz="1800" dirty="0" smtClean="0">
-                <a:latin typeface="-윤고딕340" pitchFamily="18" charset="-127"/>
-                <a:ea typeface="-윤고딕340" pitchFamily="18" charset="-127"/>
-              </a:rPr>
+              <a:rPr lang="en-US" altLang="ko-KR" dirty="0" smtClean="0"/>
+              <a:t>Express</a:t>
+            </a:r>
+            <a:r>
+              <a:rPr lang="ko-KR" altLang="en-US" dirty="0" smtClean="0"/>
+              <a:t>란</a:t>
+            </a:r>
+            <a:r>
+              <a:rPr lang="en-US" altLang="ko-KR" dirty="0" smtClean="0"/>
+              <a:t>?</a:t>
+            </a:r>
+          </a:p>
+          <a:p>
+            <a:pPr lvl="1"/>
+            <a:r>
+              <a:rPr lang="ko-KR" altLang="en-US" sz="2400" dirty="0" err="1" smtClean="0"/>
+              <a:t>커넥트</a:t>
+            </a:r>
+            <a:r>
+              <a:rPr lang="ko-KR" altLang="en-US" sz="2400" dirty="0" smtClean="0"/>
               <a:t> </a:t>
             </a:r>
             <a:r>
-              <a:rPr lang="ko-KR" altLang="en-US" sz="1800" dirty="0" smtClean="0">
-                <a:latin typeface="-윤고딕340" pitchFamily="18" charset="-127"/>
-                <a:ea typeface="-윤고딕340" pitchFamily="18" charset="-127"/>
-              </a:rPr>
-              <a:t>등</a:t>
-            </a:r>
-            <a:r>
-              <a:rPr lang="en-US" altLang="ko-KR" sz="1800" dirty="0" smtClean="0">
-                <a:latin typeface="-윤고딕340" pitchFamily="18" charset="-127"/>
-                <a:ea typeface="-윤고딕340" pitchFamily="18" charset="-127"/>
-              </a:rPr>
-              <a:t>)</a:t>
-            </a:r>
+              <a:rPr lang="ko-KR" altLang="en-US" sz="2400" dirty="0" err="1" smtClean="0"/>
+              <a:t>미들웨어</a:t>
+            </a:r>
+            <a:r>
+              <a:rPr lang="ko-KR" altLang="en-US" sz="2400" dirty="0" smtClean="0"/>
+              <a:t> 엔진 기반</a:t>
+            </a:r>
+            <a:endParaRPr lang="en-US" altLang="ko-KR" sz="2400" dirty="0" smtClean="0"/>
           </a:p>
           <a:p>
             <a:pPr lvl="1"/>
             <a:r>
-              <a:rPr lang="ko-KR" altLang="en-US" sz="1400" dirty="0" err="1" smtClean="0">
-                <a:latin typeface="-윤고딕340" pitchFamily="18" charset="-127"/>
-                <a:ea typeface="-윤고딕340" pitchFamily="18" charset="-127"/>
-              </a:rPr>
-              <a:t>무슨소린지</a:t>
-            </a:r>
-            <a:r>
-              <a:rPr lang="ko-KR" altLang="en-US" sz="1400" dirty="0" smtClean="0">
-                <a:latin typeface="-윤고딕340" pitchFamily="18" charset="-127"/>
-                <a:ea typeface="-윤고딕340" pitchFamily="18" charset="-127"/>
-              </a:rPr>
-              <a:t> 잘 모르겠지만 아래의 예를 보면 알 수 있다</a:t>
-            </a:r>
-            <a:r>
-              <a:rPr lang="en-US" altLang="ko-KR" sz="1400" dirty="0" smtClean="0">
-                <a:latin typeface="-윤고딕340" pitchFamily="18" charset="-127"/>
-                <a:ea typeface="-윤고딕340" pitchFamily="18" charset="-127"/>
-              </a:rPr>
-              <a:t>.</a:t>
-            </a:r>
-          </a:p>
-          <a:p>
-            <a:endParaRPr lang="en-US" altLang="ko-KR" sz="1800" dirty="0" smtClean="0">
-              <a:latin typeface="-윤고딕340" pitchFamily="18" charset="-127"/>
-              <a:ea typeface="-윤고딕340" pitchFamily="18" charset="-127"/>
-            </a:endParaRPr>
-          </a:p>
-          <a:p>
-            <a:endParaRPr lang="en-US" altLang="ko-KR" sz="1800" dirty="0" smtClean="0">
-              <a:latin typeface="-윤고딕340" pitchFamily="18" charset="-127"/>
-              <a:ea typeface="-윤고딕340" pitchFamily="18" charset="-127"/>
-            </a:endParaRPr>
-          </a:p>
-          <a:p>
-            <a:endParaRPr lang="en-US" altLang="ko-KR" sz="1800" dirty="0" smtClean="0">
-              <a:latin typeface="-윤고딕340" pitchFamily="18" charset="-127"/>
-              <a:ea typeface="-윤고딕340" pitchFamily="18" charset="-127"/>
-            </a:endParaRPr>
-          </a:p>
-          <a:p>
-            <a:endParaRPr lang="en-US" altLang="ko-KR" sz="1800" dirty="0" smtClean="0">
-              <a:latin typeface="-윤고딕340" pitchFamily="18" charset="-127"/>
-              <a:ea typeface="-윤고딕340" pitchFamily="18" charset="-127"/>
-            </a:endParaRPr>
-          </a:p>
-          <a:p>
-            <a:endParaRPr lang="en-US" altLang="ko-KR" sz="1800" dirty="0" smtClean="0">
-              <a:latin typeface="-윤고딕340" pitchFamily="18" charset="-127"/>
-              <a:ea typeface="-윤고딕340" pitchFamily="18" charset="-127"/>
-            </a:endParaRPr>
-          </a:p>
-          <a:p>
-            <a:endParaRPr lang="en-US" altLang="ko-KR" sz="1800" dirty="0" smtClean="0">
-              <a:latin typeface="-윤고딕340" pitchFamily="18" charset="-127"/>
-              <a:ea typeface="-윤고딕340" pitchFamily="18" charset="-127"/>
-            </a:endParaRPr>
-          </a:p>
-          <a:p>
-            <a:endParaRPr lang="en-US" altLang="ko-KR" sz="1800" dirty="0" smtClean="0">
-              <a:latin typeface="-윤고딕340" pitchFamily="18" charset="-127"/>
-              <a:ea typeface="-윤고딕340" pitchFamily="18" charset="-127"/>
-            </a:endParaRPr>
-          </a:p>
-          <a:p>
-            <a:r>
-              <a:rPr lang="ko-KR" altLang="en-US" sz="1800" dirty="0" smtClean="0">
-                <a:latin typeface="-윤고딕340" pitchFamily="18" charset="-127"/>
-                <a:ea typeface="-윤고딕340" pitchFamily="18" charset="-127"/>
-              </a:rPr>
-              <a:t>기존 서버사이드에서 </a:t>
-            </a:r>
-            <a:r>
-              <a:rPr lang="ko-KR" altLang="en-US" sz="1800" dirty="0" err="1" smtClean="0">
-                <a:latin typeface="-윤고딕340" pitchFamily="18" charset="-127"/>
-                <a:ea typeface="-윤고딕340" pitchFamily="18" charset="-127"/>
-              </a:rPr>
-              <a:t>화면구성하는</a:t>
-            </a:r>
-            <a:r>
-              <a:rPr lang="ko-KR" altLang="en-US" sz="1800" dirty="0" smtClean="0">
-                <a:latin typeface="-윤고딕340" pitchFamily="18" charset="-127"/>
-                <a:ea typeface="-윤고딕340" pitchFamily="18" charset="-127"/>
-              </a:rPr>
-              <a:t> 방법</a:t>
-            </a:r>
-            <a:r>
-              <a:rPr lang="en-US" altLang="ko-KR" sz="1800" dirty="0" smtClean="0">
-                <a:latin typeface="-윤고딕340" pitchFamily="18" charset="-127"/>
-                <a:ea typeface="-윤고딕340" pitchFamily="18" charset="-127"/>
-              </a:rPr>
-              <a:t>(</a:t>
-            </a:r>
-            <a:r>
-              <a:rPr lang="en-US" altLang="ko-KR" sz="1800" dirty="0" err="1" smtClean="0">
-                <a:latin typeface="-윤고딕340" pitchFamily="18" charset="-127"/>
-                <a:ea typeface="-윤고딕340" pitchFamily="18" charset="-127"/>
-              </a:rPr>
-              <a:t>ejs</a:t>
-            </a:r>
-            <a:r>
-              <a:rPr lang="en-US" altLang="ko-KR" sz="1800" dirty="0" smtClean="0">
-                <a:latin typeface="-윤고딕340" pitchFamily="18" charset="-127"/>
-                <a:ea typeface="-윤고딕340" pitchFamily="18" charset="-127"/>
-              </a:rPr>
-              <a:t>, swig, </a:t>
-            </a:r>
-            <a:r>
-              <a:rPr lang="en-US" altLang="ko-KR" sz="1800" b="1" dirty="0" smtClean="0"/>
-              <a:t>handlebars </a:t>
-            </a:r>
-            <a:r>
-              <a:rPr lang="ko-KR" altLang="en-US" sz="1800" b="1" dirty="0" smtClean="0"/>
-              <a:t>등</a:t>
-            </a:r>
-            <a:r>
-              <a:rPr lang="en-US" altLang="ko-KR" sz="1800" b="1" dirty="0" smtClean="0"/>
-              <a:t>)</a:t>
+              <a:rPr lang="ko-KR" altLang="en-US" sz="2400" dirty="0" err="1" smtClean="0"/>
+              <a:t>초경량의</a:t>
+            </a:r>
+            <a:r>
+              <a:rPr lang="ko-KR" altLang="en-US" sz="2400" dirty="0" smtClean="0"/>
+              <a:t> 유연한 </a:t>
+            </a:r>
+            <a:r>
+              <a:rPr lang="en-US" altLang="ko-KR" sz="2400" dirty="0" smtClean="0"/>
+              <a:t>Node.js </a:t>
+            </a:r>
+            <a:r>
+              <a:rPr lang="ko-KR" altLang="en-US" sz="2400" dirty="0" err="1" smtClean="0"/>
+              <a:t>웹어플리케이션</a:t>
+            </a:r>
+            <a:r>
+              <a:rPr lang="ko-KR" altLang="en-US" sz="2400" dirty="0" smtClean="0"/>
+              <a:t> 프레임워크</a:t>
+            </a:r>
+            <a:r>
+              <a:rPr lang="en-US" altLang="ko-KR" sz="2400" dirty="0" smtClean="0"/>
+              <a:t> </a:t>
+            </a:r>
+          </a:p>
+          <a:p>
+            <a:r>
+              <a:rPr lang="en-US" altLang="ko-KR" dirty="0" smtClean="0"/>
+              <a:t>Express view Engine</a:t>
             </a:r>
           </a:p>
           <a:p>
             <a:pPr lvl="1"/>
             <a:r>
-              <a:rPr lang="en-US" altLang="ko-KR" sz="1400" dirty="0" smtClean="0">
-                <a:latin typeface="-윤고딕340" pitchFamily="18" charset="-127"/>
-                <a:ea typeface="-윤고딕340" pitchFamily="18" charset="-127"/>
-              </a:rPr>
-              <a:t>ASP, PHP, JSP </a:t>
-            </a:r>
-            <a:r>
-              <a:rPr lang="ko-KR" altLang="en-US" sz="1400" dirty="0" smtClean="0">
-                <a:latin typeface="-윤고딕340" pitchFamily="18" charset="-127"/>
-                <a:ea typeface="-윤고딕340" pitchFamily="18" charset="-127"/>
-              </a:rPr>
-              <a:t>등에서 화면 그리는 것과 같은 식으로 개발 할 수 있다</a:t>
-            </a:r>
-            <a:r>
-              <a:rPr lang="en-US" altLang="ko-KR" sz="1400" dirty="0" smtClean="0">
-                <a:latin typeface="-윤고딕340" pitchFamily="18" charset="-127"/>
-                <a:ea typeface="-윤고딕340" pitchFamily="18" charset="-127"/>
-              </a:rPr>
-              <a:t>.</a:t>
-            </a:r>
+              <a:rPr lang="en-US" altLang="ko-KR" dirty="0" err="1" smtClean="0"/>
+              <a:t>Haml</a:t>
+            </a:r>
+            <a:endParaRPr lang="en-US" altLang="ko-KR" dirty="0" smtClean="0"/>
           </a:p>
           <a:p>
             <a:pPr lvl="1"/>
             <a:r>
-              <a:rPr lang="ko-KR" altLang="en-US" sz="1400" dirty="0" smtClean="0">
-                <a:latin typeface="-윤고딕340" pitchFamily="18" charset="-127"/>
-                <a:ea typeface="-윤고딕340" pitchFamily="18" charset="-127"/>
-              </a:rPr>
-              <a:t>기존 </a:t>
-            </a:r>
-            <a:r>
-              <a:rPr lang="en-US" altLang="ko-KR" sz="1400" dirty="0" smtClean="0">
-                <a:latin typeface="-윤고딕340" pitchFamily="18" charset="-127"/>
-                <a:ea typeface="-윤고딕340" pitchFamily="18" charset="-127"/>
-              </a:rPr>
-              <a:t>JSP</a:t>
-            </a:r>
-            <a:r>
-              <a:rPr lang="ko-KR" altLang="en-US" sz="1400" dirty="0" smtClean="0">
-                <a:latin typeface="-윤고딕340" pitchFamily="18" charset="-127"/>
-                <a:ea typeface="-윤고딕340" pitchFamily="18" charset="-127"/>
-              </a:rPr>
-              <a:t>로 화면 그리는 것이 편한 경우 사용하면 좋을 것 같다</a:t>
-            </a:r>
-            <a:r>
-              <a:rPr lang="en-US" altLang="ko-KR" sz="1400" dirty="0" smtClean="0">
-                <a:latin typeface="-윤고딕340" pitchFamily="18" charset="-127"/>
-                <a:ea typeface="-윤고딕340" pitchFamily="18" charset="-127"/>
-              </a:rPr>
-              <a:t>.</a:t>
-            </a:r>
-            <a:br>
-              <a:rPr lang="en-US" altLang="ko-KR" sz="1400" dirty="0" smtClean="0">
-                <a:latin typeface="-윤고딕340" pitchFamily="18" charset="-127"/>
-                <a:ea typeface="-윤고딕340" pitchFamily="18" charset="-127"/>
-              </a:rPr>
-            </a:br>
-            <a:endParaRPr lang="en-US" altLang="ko-KR" sz="1400" dirty="0" smtClean="0">
-              <a:latin typeface="-윤고딕340" pitchFamily="18" charset="-127"/>
-              <a:ea typeface="-윤고딕340" pitchFamily="18" charset="-127"/>
-            </a:endParaRPr>
-          </a:p>
-          <a:p>
-            <a:r>
-              <a:rPr lang="en-US" altLang="ko-KR" sz="1800" dirty="0" smtClean="0">
-                <a:latin typeface="-윤고딕340" pitchFamily="18" charset="-127"/>
-                <a:ea typeface="-윤고딕340" pitchFamily="18" charset="-127"/>
-              </a:rPr>
-              <a:t>API</a:t>
-            </a:r>
-            <a:r>
-              <a:rPr lang="ko-KR" altLang="en-US" sz="1800" dirty="0" smtClean="0">
-                <a:latin typeface="-윤고딕340" pitchFamily="18" charset="-127"/>
-                <a:ea typeface="-윤고딕340" pitchFamily="18" charset="-127"/>
-              </a:rPr>
-              <a:t>를 호출하여 가져온 데이터를 그리는 식의 패턴</a:t>
-            </a:r>
-            <a:r>
-              <a:rPr lang="en-US" altLang="ko-KR" sz="1800" dirty="0" smtClean="0">
-                <a:latin typeface="-윤고딕340" pitchFamily="18" charset="-127"/>
-                <a:ea typeface="-윤고딕340" pitchFamily="18" charset="-127"/>
-              </a:rPr>
-              <a:t>(</a:t>
-            </a:r>
-            <a:r>
-              <a:rPr lang="en-US" altLang="ko-KR" sz="1800" dirty="0" err="1" smtClean="0">
-                <a:latin typeface="-윤고딕340" pitchFamily="18" charset="-127"/>
-                <a:ea typeface="-윤고딕340" pitchFamily="18" charset="-127"/>
-              </a:rPr>
-              <a:t>Jsdom</a:t>
-            </a:r>
-            <a:r>
-              <a:rPr lang="en-US" altLang="ko-KR" sz="1800" dirty="0" smtClean="0">
-                <a:latin typeface="-윤고딕340" pitchFamily="18" charset="-127"/>
-                <a:ea typeface="-윤고딕340" pitchFamily="18" charset="-127"/>
-              </a:rPr>
-              <a:t> </a:t>
-            </a:r>
-            <a:r>
-              <a:rPr lang="ko-KR" altLang="en-US" sz="1800" dirty="0" smtClean="0">
-                <a:latin typeface="-윤고딕340" pitchFamily="18" charset="-127"/>
-                <a:ea typeface="-윤고딕340" pitchFamily="18" charset="-127"/>
-              </a:rPr>
-              <a:t>등</a:t>
-            </a:r>
-            <a:r>
-              <a:rPr lang="en-US" altLang="ko-KR" sz="1800" dirty="0" smtClean="0">
-                <a:latin typeface="-윤고딕340" pitchFamily="18" charset="-127"/>
-                <a:ea typeface="-윤고딕340" pitchFamily="18" charset="-127"/>
-              </a:rPr>
-              <a:t>)</a:t>
+              <a:rPr lang="en-US" altLang="ko-KR" dirty="0" smtClean="0"/>
+              <a:t>Jade</a:t>
             </a:r>
           </a:p>
           <a:p>
             <a:pPr lvl="1"/>
             <a:r>
-              <a:rPr lang="ko-KR" altLang="en-US" sz="1400" dirty="0" smtClean="0">
-                <a:latin typeface="-윤고딕340" pitchFamily="18" charset="-127"/>
-                <a:ea typeface="-윤고딕340" pitchFamily="18" charset="-127"/>
-              </a:rPr>
-              <a:t>서버에서 보여줄 파일을 로딩한 후  </a:t>
-            </a:r>
-            <a:r>
-              <a:rPr lang="en-US" altLang="ko-KR" sz="1400" dirty="0" err="1" smtClean="0">
-                <a:latin typeface="-윤고딕340" pitchFamily="18" charset="-127"/>
-                <a:ea typeface="-윤고딕340" pitchFamily="18" charset="-127"/>
-              </a:rPr>
-              <a:t>jquery</a:t>
-            </a:r>
-            <a:r>
-              <a:rPr lang="ko-KR" altLang="en-US" sz="1400" dirty="0" smtClean="0">
-                <a:latin typeface="-윤고딕340" pitchFamily="18" charset="-127"/>
-                <a:ea typeface="-윤고딕340" pitchFamily="18" charset="-127"/>
-              </a:rPr>
-              <a:t>나 </a:t>
-            </a:r>
-            <a:r>
-              <a:rPr lang="en-US" altLang="ko-KR" sz="1400" dirty="0" err="1" smtClean="0">
-                <a:latin typeface="-윤고딕340" pitchFamily="18" charset="-127"/>
-                <a:ea typeface="-윤고딕340" pitchFamily="18" charset="-127"/>
-              </a:rPr>
-              <a:t>angularJs</a:t>
-            </a:r>
-            <a:r>
-              <a:rPr lang="ko-KR" altLang="en-US" sz="1400" dirty="0" smtClean="0">
-                <a:latin typeface="-윤고딕340" pitchFamily="18" charset="-127"/>
-                <a:ea typeface="-윤고딕340" pitchFamily="18" charset="-127"/>
-              </a:rPr>
-              <a:t>등을 삽입하여 </a:t>
-            </a:r>
-            <a:r>
-              <a:rPr lang="en-US" altLang="ko-KR" sz="1400" dirty="0" smtClean="0">
-                <a:latin typeface="-윤고딕340" pitchFamily="18" charset="-127"/>
-                <a:ea typeface="-윤고딕340" pitchFamily="18" charset="-127"/>
-              </a:rPr>
-              <a:t>DOM</a:t>
-            </a:r>
-            <a:r>
-              <a:rPr lang="ko-KR" altLang="en-US" sz="1400" dirty="0" smtClean="0">
-                <a:latin typeface="-윤고딕340" pitchFamily="18" charset="-127"/>
-                <a:ea typeface="-윤고딕340" pitchFamily="18" charset="-127"/>
-              </a:rPr>
-              <a:t>에 내용을 변경</a:t>
-            </a:r>
-            <a:endParaRPr lang="en-US" altLang="ko-KR" sz="1400" dirty="0" smtClean="0">
-              <a:latin typeface="-윤고딕340" pitchFamily="18" charset="-127"/>
-              <a:ea typeface="-윤고딕340" pitchFamily="18" charset="-127"/>
-            </a:endParaRPr>
+              <a:rPr lang="en-US" altLang="ko-KR" dirty="0" err="1" smtClean="0"/>
+              <a:t>Ejs</a:t>
+            </a:r>
+            <a:endParaRPr lang="en-US" altLang="ko-KR" dirty="0" smtClean="0"/>
           </a:p>
           <a:p>
             <a:pPr lvl="1"/>
             <a:r>
-              <a:rPr lang="en-US" altLang="ko-KR" sz="1400" dirty="0" smtClean="0">
-                <a:latin typeface="-윤고딕340" pitchFamily="18" charset="-127"/>
-                <a:ea typeface="-윤고딕340" pitchFamily="18" charset="-127"/>
-              </a:rPr>
-              <a:t>Front-End </a:t>
-            </a:r>
-            <a:r>
-              <a:rPr lang="ko-KR" altLang="en-US" sz="1400" dirty="0" smtClean="0">
-                <a:latin typeface="-윤고딕340" pitchFamily="18" charset="-127"/>
-                <a:ea typeface="-윤고딕340" pitchFamily="18" charset="-127"/>
-              </a:rPr>
-              <a:t>단에서 </a:t>
-            </a:r>
-            <a:r>
-              <a:rPr lang="en-US" altLang="ko-KR" sz="1400" dirty="0" smtClean="0">
-                <a:latin typeface="-윤고딕340" pitchFamily="18" charset="-127"/>
-                <a:ea typeface="-윤고딕340" pitchFamily="18" charset="-127"/>
-              </a:rPr>
-              <a:t>JSON </a:t>
-            </a:r>
-            <a:r>
-              <a:rPr lang="ko-KR" altLang="en-US" sz="1400" dirty="0" smtClean="0">
-                <a:latin typeface="-윤고딕340" pitchFamily="18" charset="-127"/>
-                <a:ea typeface="-윤고딕340" pitchFamily="18" charset="-127"/>
-              </a:rPr>
-              <a:t>호출 후 템플릿을 이용하여 화면은 그리는 것과 거의 같은 식으로 개발할 수 있다</a:t>
-            </a:r>
-            <a:r>
-              <a:rPr lang="en-US" altLang="ko-KR" sz="1400" dirty="0" smtClean="0">
-                <a:latin typeface="-윤고딕340" pitchFamily="18" charset="-127"/>
-                <a:ea typeface="-윤고딕340" pitchFamily="18" charset="-127"/>
-              </a:rPr>
-              <a:t>.</a:t>
-            </a:r>
-          </a:p>
-          <a:p>
-            <a:pPr lvl="1">
-              <a:buNone/>
-            </a:pPr>
-            <a:endParaRPr lang="en-US" altLang="ko-KR" sz="1400" dirty="0" smtClean="0">
-              <a:latin typeface="-윤고딕340" pitchFamily="18" charset="-127"/>
-              <a:ea typeface="-윤고딕340" pitchFamily="18" charset="-127"/>
-            </a:endParaRPr>
-          </a:p>
-          <a:p>
-            <a:pPr lvl="1">
-              <a:buNone/>
-            </a:pPr>
-            <a:endParaRPr lang="en-US" altLang="ko-KR" sz="1400" dirty="0" smtClean="0">
-              <a:latin typeface="-윤고딕340" pitchFamily="18" charset="-127"/>
-              <a:ea typeface="-윤고딕340" pitchFamily="18" charset="-127"/>
-            </a:endParaRPr>
-          </a:p>
-          <a:p>
-            <a:pPr>
-              <a:buNone/>
-            </a:pPr>
-            <a:endParaRPr lang="en-US" altLang="ko-KR" sz="1800" dirty="0" smtClean="0">
-              <a:latin typeface="-윤고딕340" pitchFamily="18" charset="-127"/>
-              <a:ea typeface="-윤고딕340" pitchFamily="18" charset="-127"/>
-            </a:endParaRPr>
-          </a:p>
-        </p:txBody>
-      </p:sp>
-      <p:sp>
-        <p:nvSpPr>
-          <p:cNvPr id="6" name="TextBox 5"/>
-          <p:cNvSpPr txBox="1"/>
-          <p:nvPr/>
-        </p:nvSpPr>
-        <p:spPr>
-          <a:xfrm>
-            <a:off x="899592" y="2204864"/>
-            <a:ext cx="2448272" cy="1785104"/>
-          </a:xfrm>
-          <a:prstGeom prst="rect">
-            <a:avLst/>
-          </a:prstGeom>
-          <a:noFill/>
-        </p:spPr>
-        <p:txBody>
-          <a:bodyPr wrap="square" rtlCol="0">
-            <a:spAutoFit/>
-          </a:bodyPr>
-          <a:lstStyle/>
-          <a:p>
-            <a:r>
-              <a:rPr lang="en-US" altLang="ko-KR" sz="1100" dirty="0" smtClean="0">
-                <a:ea typeface="돋움체" pitchFamily="49" charset="-127"/>
-              </a:rPr>
-              <a:t>html</a:t>
-            </a:r>
-          </a:p>
-          <a:p>
-            <a:r>
-              <a:rPr lang="en-US" altLang="ko-KR" sz="1100" dirty="0" smtClean="0">
-                <a:ea typeface="돋움체" pitchFamily="49" charset="-127"/>
-              </a:rPr>
-              <a:t>  head</a:t>
-            </a:r>
-          </a:p>
-          <a:p>
-            <a:r>
-              <a:rPr lang="en-US" altLang="ko-KR" sz="1100" dirty="0" smtClean="0">
-                <a:ea typeface="돋움체" pitchFamily="49" charset="-127"/>
-              </a:rPr>
-              <a:t>    title= "I'm Title"</a:t>
-            </a:r>
-          </a:p>
-          <a:p>
-            <a:r>
-              <a:rPr lang="en-US" altLang="ko-KR" sz="1100" dirty="0" smtClean="0">
-                <a:ea typeface="돋움체" pitchFamily="49" charset="-127"/>
-              </a:rPr>
-              <a:t>    link(</a:t>
-            </a:r>
-            <a:r>
-              <a:rPr lang="en-US" altLang="ko-KR" sz="1100" dirty="0" err="1" smtClean="0">
-                <a:ea typeface="돋움체" pitchFamily="49" charset="-127"/>
-              </a:rPr>
-              <a:t>rel</a:t>
-            </a:r>
-            <a:r>
-              <a:rPr lang="en-US" altLang="ko-KR" sz="1100" dirty="0" smtClean="0">
-                <a:ea typeface="돋움체" pitchFamily="49" charset="-127"/>
-              </a:rPr>
-              <a:t>='</a:t>
-            </a:r>
-            <a:r>
-              <a:rPr lang="en-US" altLang="ko-KR" sz="1100" dirty="0" err="1" smtClean="0">
-                <a:ea typeface="돋움체" pitchFamily="49" charset="-127"/>
-              </a:rPr>
-              <a:t>stylesheet</a:t>
-            </a:r>
-            <a:r>
-              <a:rPr lang="en-US" altLang="ko-KR" sz="1100" dirty="0" smtClean="0">
-                <a:ea typeface="돋움체" pitchFamily="49" charset="-127"/>
-              </a:rPr>
-              <a:t>', </a:t>
-            </a:r>
-            <a:r>
-              <a:rPr lang="en-US" altLang="ko-KR" sz="1100" dirty="0" err="1" smtClean="0">
-                <a:ea typeface="돋움체" pitchFamily="49" charset="-127"/>
-              </a:rPr>
-              <a:t>href</a:t>
-            </a:r>
-            <a:r>
-              <a:rPr lang="en-US" altLang="ko-KR" sz="1100" dirty="0" smtClean="0">
-                <a:ea typeface="돋움체" pitchFamily="49" charset="-127"/>
-              </a:rPr>
-              <a:t>='/</a:t>
-            </a:r>
-            <a:r>
-              <a:rPr lang="en-US" altLang="ko-KR" sz="1100" dirty="0" err="1" smtClean="0">
-                <a:ea typeface="돋움체" pitchFamily="49" charset="-127"/>
-              </a:rPr>
-              <a:t>stylesheets</a:t>
-            </a:r>
-            <a:r>
-              <a:rPr lang="en-US" altLang="ko-KR" sz="1100" dirty="0" smtClean="0">
-                <a:ea typeface="돋움체" pitchFamily="49" charset="-127"/>
-              </a:rPr>
-              <a:t>/style.css')</a:t>
-            </a:r>
-          </a:p>
-          <a:p>
-            <a:r>
-              <a:rPr lang="en-US" altLang="ko-KR" sz="1100" dirty="0" smtClean="0">
-                <a:ea typeface="돋움체" pitchFamily="49" charset="-127"/>
-              </a:rPr>
-              <a:t>  body</a:t>
-            </a:r>
-          </a:p>
-          <a:p>
-            <a:r>
-              <a:rPr lang="en-US" altLang="ko-KR" sz="1100" dirty="0" smtClean="0">
-                <a:ea typeface="돋움체" pitchFamily="49" charset="-127"/>
-              </a:rPr>
-              <a:t>    p Welcome to #{name}</a:t>
-            </a:r>
-          </a:p>
-          <a:p>
-            <a:r>
-              <a:rPr lang="en-US" altLang="ko-KR" sz="1100" dirty="0" smtClean="0">
-                <a:ea typeface="돋움체" pitchFamily="49" charset="-127"/>
-              </a:rPr>
-              <a:t>    - for(</a:t>
-            </a:r>
-            <a:r>
-              <a:rPr lang="en-US" altLang="ko-KR" sz="1100" dirty="0" err="1" smtClean="0">
-                <a:ea typeface="돋움체" pitchFamily="49" charset="-127"/>
-              </a:rPr>
-              <a:t>var</a:t>
-            </a:r>
-            <a:r>
-              <a:rPr lang="en-US" altLang="ko-KR" sz="1100" dirty="0" smtClean="0">
-                <a:ea typeface="돋움체" pitchFamily="49" charset="-127"/>
-              </a:rPr>
-              <a:t> </a:t>
-            </a:r>
-            <a:r>
-              <a:rPr lang="en-US" altLang="ko-KR" sz="1100" dirty="0" err="1" smtClean="0">
-                <a:ea typeface="돋움체" pitchFamily="49" charset="-127"/>
-              </a:rPr>
-              <a:t>i</a:t>
-            </a:r>
-            <a:r>
-              <a:rPr lang="en-US" altLang="ko-KR" sz="1100" dirty="0" smtClean="0">
-                <a:ea typeface="돋움체" pitchFamily="49" charset="-127"/>
-              </a:rPr>
-              <a:t>=0;i&lt;2;i++){</a:t>
-            </a:r>
-          </a:p>
-          <a:p>
-            <a:r>
-              <a:rPr lang="en-US" altLang="ko-KR" sz="1100" dirty="0" smtClean="0">
-                <a:ea typeface="돋움체" pitchFamily="49" charset="-127"/>
-              </a:rPr>
-              <a:t>      p HI #{name}</a:t>
-            </a:r>
-          </a:p>
-          <a:p>
-            <a:r>
-              <a:rPr lang="en-US" altLang="ko-KR" sz="1100" dirty="0" smtClean="0">
-                <a:ea typeface="돋움체" pitchFamily="49" charset="-127"/>
-              </a:rPr>
-              <a:t>    - }</a:t>
-            </a:r>
-          </a:p>
-        </p:txBody>
-      </p:sp>
-      <p:sp>
-        <p:nvSpPr>
-          <p:cNvPr id="7" name="TextBox 6"/>
-          <p:cNvSpPr txBox="1"/>
-          <p:nvPr/>
-        </p:nvSpPr>
-        <p:spPr>
-          <a:xfrm>
-            <a:off x="3779912" y="2060848"/>
-            <a:ext cx="4824536" cy="1938992"/>
-          </a:xfrm>
-          <a:prstGeom prst="rect">
-            <a:avLst/>
-          </a:prstGeom>
-          <a:noFill/>
-        </p:spPr>
-        <p:txBody>
-          <a:bodyPr wrap="square" rtlCol="0">
-            <a:spAutoFit/>
-          </a:bodyPr>
-          <a:lstStyle/>
-          <a:p>
-            <a:r>
-              <a:rPr lang="en-US" altLang="ko-KR" sz="1200" dirty="0" smtClean="0"/>
-              <a:t>&lt;html&gt;</a:t>
-            </a:r>
-          </a:p>
-          <a:p>
-            <a:r>
-              <a:rPr lang="en-US" altLang="ko-KR" sz="1200" dirty="0" smtClean="0"/>
-              <a:t>    &lt;head&gt;</a:t>
-            </a:r>
-          </a:p>
-          <a:p>
-            <a:r>
-              <a:rPr lang="en-US" altLang="ko-KR" sz="1200" dirty="0" smtClean="0"/>
-              <a:t>        &lt;title&gt;I'm Title&lt;/title&gt;</a:t>
-            </a:r>
-          </a:p>
-          <a:p>
-            <a:r>
-              <a:rPr lang="en-US" altLang="ko-KR" sz="1200" dirty="0" smtClean="0"/>
-              <a:t>        &lt;link </a:t>
-            </a:r>
-            <a:r>
-              <a:rPr lang="en-US" altLang="ko-KR" sz="1200" dirty="0" err="1" smtClean="0"/>
-              <a:t>rel</a:t>
-            </a:r>
-            <a:r>
-              <a:rPr lang="en-US" altLang="ko-KR" sz="1200" dirty="0" smtClean="0"/>
-              <a:t>="</a:t>
-            </a:r>
-            <a:r>
-              <a:rPr lang="en-US" altLang="ko-KR" sz="1200" dirty="0" err="1" smtClean="0"/>
-              <a:t>stylesheet</a:t>
-            </a:r>
-            <a:r>
-              <a:rPr lang="en-US" altLang="ko-KR" sz="1200" dirty="0" smtClean="0"/>
-              <a:t>" </a:t>
-            </a:r>
-            <a:r>
-              <a:rPr lang="en-US" altLang="ko-KR" sz="1200" dirty="0" err="1" smtClean="0"/>
-              <a:t>href</a:t>
-            </a:r>
-            <a:r>
-              <a:rPr lang="en-US" altLang="ko-KR" sz="1200" dirty="0" smtClean="0"/>
-              <a:t>="</a:t>
-            </a:r>
-            <a:r>
-              <a:rPr lang="en-US" altLang="ko-KR" sz="1200" dirty="0" smtClean="0">
-                <a:hlinkClick r:id="rId2"/>
-              </a:rPr>
-              <a:t>/</a:t>
-            </a:r>
-            <a:r>
-              <a:rPr lang="en-US" altLang="ko-KR" sz="1200" dirty="0" err="1" smtClean="0">
-                <a:hlinkClick r:id="rId2"/>
-              </a:rPr>
-              <a:t>stylesheets</a:t>
-            </a:r>
-            <a:r>
-              <a:rPr lang="en-US" altLang="ko-KR" sz="1200" dirty="0" smtClean="0">
-                <a:hlinkClick r:id="rId2"/>
-              </a:rPr>
-              <a:t>/style.css</a:t>
-            </a:r>
-            <a:r>
-              <a:rPr lang="en-US" altLang="ko-KR" sz="1200" dirty="0" smtClean="0"/>
-              <a:t>"/&gt;</a:t>
-            </a:r>
-          </a:p>
-          <a:p>
-            <a:r>
-              <a:rPr lang="en-US" altLang="ko-KR" sz="1200" dirty="0" smtClean="0"/>
-              <a:t>    &lt;/head&gt;</a:t>
-            </a:r>
-          </a:p>
-          <a:p>
-            <a:r>
-              <a:rPr lang="en-US" altLang="ko-KR" sz="1200" dirty="0" smtClean="0"/>
-              <a:t>&lt;body&gt;&lt;p&gt;Welcome to </a:t>
-            </a:r>
-            <a:r>
-              <a:rPr lang="en-US" altLang="ko-KR" sz="1200" dirty="0" err="1" smtClean="0"/>
-              <a:t>hong</a:t>
-            </a:r>
-            <a:r>
-              <a:rPr lang="en-US" altLang="ko-KR" sz="1200" dirty="0" smtClean="0"/>
-              <a:t>&lt;/p&gt;</a:t>
-            </a:r>
-          </a:p>
-          <a:p>
-            <a:r>
-              <a:rPr lang="en-US" altLang="ko-KR" sz="1200" dirty="0" smtClean="0"/>
-              <a:t>&lt;p&gt;HI </a:t>
-            </a:r>
-            <a:r>
-              <a:rPr lang="en-US" altLang="ko-KR" sz="1200" dirty="0" err="1" smtClean="0"/>
-              <a:t>hong</a:t>
-            </a:r>
-            <a:r>
-              <a:rPr lang="en-US" altLang="ko-KR" sz="1200" dirty="0" smtClean="0"/>
-              <a:t>&lt;/p&gt;</a:t>
-            </a:r>
-          </a:p>
-          <a:p>
-            <a:r>
-              <a:rPr lang="en-US" altLang="ko-KR" sz="1200" dirty="0" smtClean="0"/>
-              <a:t>&lt;p&gt;HI </a:t>
-            </a:r>
-            <a:r>
-              <a:rPr lang="en-US" altLang="ko-KR" sz="1200" dirty="0" err="1" smtClean="0"/>
-              <a:t>hong</a:t>
-            </a:r>
-            <a:r>
-              <a:rPr lang="en-US" altLang="ko-KR" sz="1200" dirty="0" smtClean="0"/>
-              <a:t>&lt;/p&gt;</a:t>
-            </a:r>
-          </a:p>
-          <a:p>
-            <a:r>
-              <a:rPr lang="en-US" altLang="ko-KR" sz="1200" dirty="0" smtClean="0"/>
-              <a:t>&lt;/body&gt;</a:t>
-            </a:r>
-          </a:p>
-          <a:p>
-            <a:r>
-              <a:rPr lang="en-US" altLang="ko-KR" sz="1200" dirty="0" smtClean="0"/>
-              <a:t>&lt;/html&gt;</a:t>
-            </a:r>
-            <a:endParaRPr lang="ko-KR" altLang="en-US" sz="1200" dirty="0">
-              <a:latin typeface="돋움체" pitchFamily="49" charset="-127"/>
-              <a:ea typeface="돋움체" pitchFamily="49" charset="-127"/>
-            </a:endParaRPr>
-          </a:p>
-        </p:txBody>
-      </p:sp>
-      <p:sp>
-        <p:nvSpPr>
-          <p:cNvPr id="8" name="오른쪽 화살표 7"/>
-          <p:cNvSpPr/>
-          <p:nvPr/>
-        </p:nvSpPr>
-        <p:spPr>
-          <a:xfrm>
-            <a:off x="2987824" y="2780928"/>
-            <a:ext cx="432048" cy="360040"/>
-          </a:xfrm>
-          <a:prstGeom prst="rightArrow">
-            <a:avLst/>
-          </a:prstGeom>
-        </p:spPr>
-        <p:style>
-          <a:lnRef idx="1">
-            <a:schemeClr val="accent2"/>
-          </a:lnRef>
-          <a:fillRef idx="3">
-            <a:schemeClr val="accent2"/>
-          </a:fillRef>
-          <a:effectRef idx="2">
-            <a:schemeClr val="accent2"/>
-          </a:effectRef>
-          <a:fontRef idx="minor">
-            <a:schemeClr val="lt1"/>
-          </a:fontRef>
-        </p:style>
-        <p:txBody>
-          <a:bodyPr rtlCol="0" anchor="ctr"/>
-          <a:lstStyle/>
-          <a:p>
-            <a:pPr algn="ctr"/>
-            <a:endParaRPr lang="ko-KR" altLang="en-US" dirty="0">
-              <a:solidFill>
-                <a:srgbClr val="FF0000"/>
-              </a:solidFill>
-            </a:endParaRPr>
+              <a:rPr lang="en-US" altLang="ko-KR" dirty="0" err="1" smtClean="0"/>
+              <a:t>CoffeKup</a:t>
+            </a:r>
+            <a:endParaRPr lang="en-US" altLang="ko-KR" dirty="0" smtClean="0"/>
+          </a:p>
+          <a:p>
+            <a:pPr lvl="1"/>
+            <a:r>
+              <a:rPr lang="en-US" altLang="ko-KR" dirty="0" err="1" smtClean="0"/>
+              <a:t>jQuery</a:t>
+            </a:r>
+            <a:r>
+              <a:rPr lang="en-US" altLang="ko-KR" dirty="0" smtClean="0"/>
+              <a:t> Template</a:t>
+            </a:r>
+            <a:endParaRPr lang="ko-KR" altLang="en-US" dirty="0"/>
           </a:p>
         </p:txBody>
       </p:sp>
     </p:spTree>
     <p:extLst>
       <p:ext uri="{BB962C8B-B14F-4D97-AF65-F5344CB8AC3E}">
-        <p14:creationId xmlns:p14="http://schemas.microsoft.com/office/powerpoint/2010/main" val="986621719"/>
+        <p14:creationId xmlns:p14="http://schemas.microsoft.com/office/powerpoint/2010/main" val="3977866670"/>
       </p:ext>
     </p:extLst>
   </p:cSld>
   <p:clrMapOvr>
     <a:masterClrMapping/>
   </p:clrMapOvr>
+  <p:timing>
+    <p:tnLst>
+      <p:par>
+        <p:cTn id="1" dur="indefinite" restart="never" nodeType="tmRoot"/>
+      </p:par>
+    </p:tnLst>
+  </p:timing>
 </p:sld>
 </file>
 
@@ -15733,8 +14595,16 @@
           <a:lstStyle/>
           <a:p>
             <a:r>
+              <a:rPr lang="en-US" altLang="ko-KR" dirty="0" smtClean="0"/>
+              <a:t>4.3 </a:t>
+            </a:r>
+            <a:r>
+              <a:rPr lang="ko-KR" altLang="en-US" dirty="0" err="1" smtClean="0"/>
+              <a:t>웹서비스를</a:t>
+            </a:r>
+            <a:r>
               <a:rPr lang="ko-KR" altLang="en-US" dirty="0" smtClean="0"/>
-              <a:t>활용</a:t>
+              <a:t> 한다면</a:t>
             </a:r>
             <a:endParaRPr lang="ko-KR" altLang="en-US" dirty="0"/>
           </a:p>
@@ -15742,60 +14612,192 @@
       </p:sp>
       <p:sp>
         <p:nvSpPr>
-          <p:cNvPr id="4" name="Content Placeholder 2"/>
-          <p:cNvSpPr>
-            <a:spLocks noGrp="1"/>
+          <p:cNvPr id="4" name="내용 개체 틀 4"/>
+          <p:cNvSpPr txBox="1">
+            <a:spLocks/>
           </p:cNvSpPr>
-          <p:nvPr>
-            <p:ph idx="1"/>
-          </p:nvPr>
+          <p:nvPr/>
         </p:nvSpPr>
         <p:spPr>
           <a:xfrm>
-            <a:off x="457200" y="1556792"/>
-            <a:ext cx="8229600" cy="4569371"/>
+            <a:off x="4283968" y="2420888"/>
+            <a:ext cx="3261048" cy="2952328"/>
           </a:xfrm>
+          <a:prstGeom prst="rect">
+            <a:avLst/>
+          </a:prstGeom>
+          <a:noFill/>
         </p:spPr>
         <p:txBody>
-          <a:bodyPr>
-            <a:normAutofit fontScale="62500" lnSpcReduction="20000"/>
+          <a:bodyPr vert="horz" lIns="91440" tIns="45720" rIns="91440" bIns="45720" rtlCol="0">
+            <a:normAutofit fontScale="85000" lnSpcReduction="10000"/>
           </a:bodyPr>
-          <a:lstStyle/>
+          <a:lstStyle>
+            <a:lvl1pPr marL="342900" indent="-342900" algn="l" defTabSz="914400" rtl="0" eaLnBrk="1" latinLnBrk="1" hangingPunct="1">
+              <a:spcBef>
+                <a:spcPct val="20000"/>
+              </a:spcBef>
+              <a:buFont typeface="Arial" pitchFamily="34" charset="0"/>
+              <a:buChar char="•"/>
+              <a:defRPr sz="3200" kern="1200">
+                <a:solidFill>
+                  <a:schemeClr val="tx1">
+                    <a:lumMod val="65000"/>
+                    <a:lumOff val="35000"/>
+                  </a:schemeClr>
+                </a:solidFill>
+                <a:latin typeface="Microsoft New Tai Lue" pitchFamily="34" charset="0"/>
+                <a:ea typeface="+mn-ea"/>
+                <a:cs typeface="Microsoft New Tai Lue" pitchFamily="34" charset="0"/>
+              </a:defRPr>
+            </a:lvl1pPr>
+            <a:lvl2pPr marL="742950" indent="-285750" algn="l" defTabSz="914400" rtl="0" eaLnBrk="1" latinLnBrk="1" hangingPunct="1">
+              <a:spcBef>
+                <a:spcPct val="20000"/>
+              </a:spcBef>
+              <a:buFont typeface="Arial" pitchFamily="34" charset="0"/>
+              <a:buChar char="–"/>
+              <a:defRPr sz="2800" kern="1200">
+                <a:solidFill>
+                  <a:schemeClr val="tx1">
+                    <a:lumMod val="65000"/>
+                    <a:lumOff val="35000"/>
+                  </a:schemeClr>
+                </a:solidFill>
+                <a:latin typeface="Microsoft New Tai Lue" pitchFamily="34" charset="0"/>
+                <a:ea typeface="+mn-ea"/>
+                <a:cs typeface="Microsoft New Tai Lue" pitchFamily="34" charset="0"/>
+              </a:defRPr>
+            </a:lvl2pPr>
+            <a:lvl3pPr marL="1143000" indent="-228600" algn="l" defTabSz="914400" rtl="0" eaLnBrk="1" latinLnBrk="1" hangingPunct="1">
+              <a:spcBef>
+                <a:spcPct val="20000"/>
+              </a:spcBef>
+              <a:buFont typeface="Arial" pitchFamily="34" charset="0"/>
+              <a:buChar char="•"/>
+              <a:defRPr sz="2400" kern="1200">
+                <a:solidFill>
+                  <a:schemeClr val="tx1">
+                    <a:lumMod val="65000"/>
+                    <a:lumOff val="35000"/>
+                  </a:schemeClr>
+                </a:solidFill>
+                <a:latin typeface="Microsoft New Tai Lue" pitchFamily="34" charset="0"/>
+                <a:ea typeface="+mn-ea"/>
+                <a:cs typeface="Microsoft New Tai Lue" pitchFamily="34" charset="0"/>
+              </a:defRPr>
+            </a:lvl3pPr>
+            <a:lvl4pPr marL="1600200" indent="-228600" algn="l" defTabSz="914400" rtl="0" eaLnBrk="1" latinLnBrk="1" hangingPunct="1">
+              <a:spcBef>
+                <a:spcPct val="20000"/>
+              </a:spcBef>
+              <a:buFont typeface="Arial" pitchFamily="34" charset="0"/>
+              <a:buChar char="–"/>
+              <a:defRPr sz="2000" kern="1200">
+                <a:solidFill>
+                  <a:schemeClr val="tx1">
+                    <a:lumMod val="65000"/>
+                    <a:lumOff val="35000"/>
+                  </a:schemeClr>
+                </a:solidFill>
+                <a:latin typeface="Microsoft New Tai Lue" pitchFamily="34" charset="0"/>
+                <a:ea typeface="+mn-ea"/>
+                <a:cs typeface="Microsoft New Tai Lue" pitchFamily="34" charset="0"/>
+              </a:defRPr>
+            </a:lvl4pPr>
+            <a:lvl5pPr marL="2057400" indent="-228600" algn="l" defTabSz="914400" rtl="0" eaLnBrk="1" latinLnBrk="1" hangingPunct="1">
+              <a:spcBef>
+                <a:spcPct val="20000"/>
+              </a:spcBef>
+              <a:buFont typeface="Arial" pitchFamily="34" charset="0"/>
+              <a:buChar char="»"/>
+              <a:defRPr sz="2000" kern="1200">
+                <a:solidFill>
+                  <a:schemeClr val="tx1">
+                    <a:lumMod val="65000"/>
+                    <a:lumOff val="35000"/>
+                  </a:schemeClr>
+                </a:solidFill>
+                <a:latin typeface="Microsoft New Tai Lue" pitchFamily="34" charset="0"/>
+                <a:ea typeface="+mn-ea"/>
+                <a:cs typeface="Microsoft New Tai Lue" pitchFamily="34" charset="0"/>
+              </a:defRPr>
+            </a:lvl5pPr>
+            <a:lvl6pPr marL="2514600" indent="-228600" algn="l" defTabSz="914400" rtl="0" eaLnBrk="1" latinLnBrk="1" hangingPunct="1">
+              <a:spcBef>
+                <a:spcPct val="20000"/>
+              </a:spcBef>
+              <a:buFont typeface="Arial" pitchFamily="34" charset="0"/>
+              <a:buChar char="•"/>
+              <a:defRPr sz="2000" kern="1200">
+                <a:solidFill>
+                  <a:schemeClr val="tx1"/>
+                </a:solidFill>
+                <a:latin typeface="+mn-lt"/>
+                <a:ea typeface="+mn-ea"/>
+                <a:cs typeface="+mn-cs"/>
+              </a:defRPr>
+            </a:lvl6pPr>
+            <a:lvl7pPr marL="2971800" indent="-228600" algn="l" defTabSz="914400" rtl="0" eaLnBrk="1" latinLnBrk="1" hangingPunct="1">
+              <a:spcBef>
+                <a:spcPct val="20000"/>
+              </a:spcBef>
+              <a:buFont typeface="Arial" pitchFamily="34" charset="0"/>
+              <a:buChar char="•"/>
+              <a:defRPr sz="2000" kern="1200">
+                <a:solidFill>
+                  <a:schemeClr val="tx1"/>
+                </a:solidFill>
+                <a:latin typeface="+mn-lt"/>
+                <a:ea typeface="+mn-ea"/>
+                <a:cs typeface="+mn-cs"/>
+              </a:defRPr>
+            </a:lvl7pPr>
+            <a:lvl8pPr marL="3429000" indent="-228600" algn="l" defTabSz="914400" rtl="0" eaLnBrk="1" latinLnBrk="1" hangingPunct="1">
+              <a:spcBef>
+                <a:spcPct val="20000"/>
+              </a:spcBef>
+              <a:buFont typeface="Arial" pitchFamily="34" charset="0"/>
+              <a:buChar char="•"/>
+              <a:defRPr sz="2000" kern="1200">
+                <a:solidFill>
+                  <a:schemeClr val="tx1"/>
+                </a:solidFill>
+                <a:latin typeface="+mn-lt"/>
+                <a:ea typeface="+mn-ea"/>
+                <a:cs typeface="+mn-cs"/>
+              </a:defRPr>
+            </a:lvl8pPr>
+            <a:lvl9pPr marL="3886200" indent="-228600" algn="l" defTabSz="914400" rtl="0" eaLnBrk="1" latinLnBrk="1" hangingPunct="1">
+              <a:spcBef>
+                <a:spcPct val="20000"/>
+              </a:spcBef>
+              <a:buFont typeface="Arial" pitchFamily="34" charset="0"/>
+              <a:buChar char="•"/>
+              <a:defRPr sz="2000" kern="1200">
+                <a:solidFill>
+                  <a:schemeClr val="tx1"/>
+                </a:solidFill>
+                <a:latin typeface="+mn-lt"/>
+                <a:ea typeface="+mn-ea"/>
+                <a:cs typeface="+mn-cs"/>
+              </a:defRPr>
+            </a:lvl9pPr>
+          </a:lstStyle>
           <a:p>
             <a:pPr>
               <a:lnSpc>
-                <a:spcPct val="160000"/>
+                <a:spcPct val="150000"/>
               </a:lnSpc>
             </a:pPr>
             <a:r>
-              <a:rPr lang="en-US" altLang="ko-KR" sz="2400" dirty="0" smtClean="0">
-                <a:latin typeface="-윤고딕340" pitchFamily="18" charset="-127"/>
-                <a:ea typeface="-윤고딕340" pitchFamily="18" charset="-127"/>
-              </a:rPr>
-              <a:t>Prototyping</a:t>
-            </a:r>
-          </a:p>
-          <a:p>
-            <a:pPr>
-              <a:lnSpc>
-                <a:spcPct val="160000"/>
-              </a:lnSpc>
-            </a:pPr>
-            <a:r>
-              <a:rPr lang="ko-KR" altLang="en-US" sz="2400" dirty="0" smtClean="0">
-                <a:latin typeface="-윤고딕340" pitchFamily="18" charset="-127"/>
-                <a:ea typeface="-윤고딕340" pitchFamily="18" charset="-127"/>
-              </a:rPr>
-              <a:t>간단한 </a:t>
-            </a:r>
-            <a:r>
-              <a:rPr lang="ko-KR" altLang="en-US" sz="2400" dirty="0" err="1" smtClean="0">
-                <a:latin typeface="-윤고딕340" pitchFamily="18" charset="-127"/>
-                <a:ea typeface="-윤고딕340" pitchFamily="18" charset="-127"/>
-              </a:rPr>
-              <a:t>웹서비스</a:t>
-            </a:r>
-            <a:endParaRPr lang="en-US" altLang="ko-KR" sz="2400" dirty="0" smtClean="0">
+              <a:rPr lang="ko-KR" altLang="en-US" sz="2000" smtClean="0">
+                <a:latin typeface="-윤고딕340" pitchFamily="18" charset="-127"/>
+                <a:ea typeface="-윤고딕340" pitchFamily="18" charset="-127"/>
+              </a:rPr>
+              <a:t>라우팅 </a:t>
+            </a:r>
+            <a:endParaRPr lang="en-US" altLang="ko-KR" sz="2000" smtClean="0">
               <a:latin typeface="-윤고딕340" pitchFamily="18" charset="-127"/>
               <a:ea typeface="-윤고딕340" pitchFamily="18" charset="-127"/>
             </a:endParaRPr>
@@ -15803,31 +14805,17 @@
           <a:p>
             <a:pPr>
               <a:lnSpc>
-                <a:spcPct val="160000"/>
+                <a:spcPct val="150000"/>
               </a:lnSpc>
             </a:pPr>
             <a:r>
-              <a:rPr lang="ko-KR" altLang="en-US" sz="2400" dirty="0" smtClean="0">
-                <a:latin typeface="-윤고딕340" pitchFamily="18" charset="-127"/>
-                <a:ea typeface="-윤고딕340" pitchFamily="18" charset="-127"/>
-              </a:rPr>
-              <a:t>간단한 </a:t>
-            </a:r>
-            <a:r>
-              <a:rPr lang="ko-KR" altLang="en-US" sz="2400" dirty="0" err="1" smtClean="0">
-                <a:latin typeface="-윤고딕340" pitchFamily="18" charset="-127"/>
-                <a:ea typeface="-윤고딕340" pitchFamily="18" charset="-127"/>
-              </a:rPr>
-              <a:t>로직의</a:t>
-            </a:r>
-            <a:r>
-              <a:rPr lang="ko-KR" altLang="en-US" sz="2400" dirty="0" smtClean="0">
-                <a:latin typeface="-윤고딕340" pitchFamily="18" charset="-127"/>
-                <a:ea typeface="-윤고딕340" pitchFamily="18" charset="-127"/>
-              </a:rPr>
-              <a:t> 대용량 처리</a:t>
-            </a:r>
-            <a:endParaRPr lang="en-US" altLang="ko-KR" sz="2400" dirty="0" smtClean="0">
+              <a:rPr lang="ko-KR" altLang="en-US" sz="2000" smtClean="0">
+                <a:latin typeface="-윤고딕340" pitchFamily="18" charset="-127"/>
+                <a:ea typeface="-윤고딕340" pitchFamily="18" charset="-127"/>
+              </a:rPr>
+              <a:t>동적뷰</a:t>
+            </a:r>
+            <a:endParaRPr lang="en-US" altLang="ko-KR" sz="2000" smtClean="0">
               <a:latin typeface="-윤고딕340" pitchFamily="18" charset="-127"/>
               <a:ea typeface="-윤고딕340" pitchFamily="18" charset="-127"/>
             </a:endParaRPr>
@@ -15835,17 +14823,17 @@
           <a:p>
             <a:pPr>
               <a:lnSpc>
-                <a:spcPct val="160000"/>
+                <a:spcPct val="150000"/>
               </a:lnSpc>
             </a:pPr>
             <a:r>
-              <a:rPr lang="ko-KR" altLang="en-US" sz="2400" dirty="0" smtClean="0">
-                <a:latin typeface="-윤고딕340" pitchFamily="18" charset="-127"/>
-                <a:ea typeface="-윤고딕340" pitchFamily="18" charset="-127"/>
-              </a:rPr>
-              <a:t>빠른 응답 시간을 요구하는 어플리케이션</a:t>
-            </a:r>
-            <a:endParaRPr lang="en-US" altLang="ko-KR" sz="2400" dirty="0" smtClean="0">
+              <a:rPr lang="ko-KR" altLang="en-US" sz="2000" smtClean="0">
+                <a:latin typeface="-윤고딕340" pitchFamily="18" charset="-127"/>
+                <a:ea typeface="-윤고딕340" pitchFamily="18" charset="-127"/>
+              </a:rPr>
+              <a:t>세션</a:t>
+            </a:r>
+            <a:endParaRPr lang="en-US" altLang="ko-KR" sz="2000" smtClean="0">
               <a:latin typeface="-윤고딕340" pitchFamily="18" charset="-127"/>
               <a:ea typeface="-윤고딕340" pitchFamily="18" charset="-127"/>
             </a:endParaRPr>
@@ -15853,38 +14841,17 @@
           <a:p>
             <a:pPr>
               <a:lnSpc>
-                <a:spcPct val="160000"/>
+                <a:spcPct val="150000"/>
               </a:lnSpc>
             </a:pPr>
             <a:r>
-              <a:rPr lang="en-US" sz="2400" dirty="0" smtClean="0">
-                <a:latin typeface="-윤고딕340" pitchFamily="18" charset="-127"/>
-                <a:ea typeface="-윤고딕340" pitchFamily="18" charset="-127"/>
-              </a:rPr>
-              <a:t>File Up/Download </a:t>
-            </a:r>
-            <a:r>
-              <a:rPr lang="ko-KR" altLang="en-US" sz="2400" dirty="0" smtClean="0">
-                <a:latin typeface="-윤고딕340" pitchFamily="18" charset="-127"/>
-                <a:ea typeface="-윤고딕340" pitchFamily="18" charset="-127"/>
-              </a:rPr>
-              <a:t>같은 </a:t>
-            </a:r>
-            <a:r>
-              <a:rPr lang="en-US" altLang="ko-KR" sz="2400" dirty="0" smtClean="0">
-                <a:latin typeface="-윤고딕340" pitchFamily="18" charset="-127"/>
-                <a:ea typeface="-윤고딕340" pitchFamily="18" charset="-127"/>
-              </a:rPr>
-              <a:t>I/O </a:t>
-            </a:r>
-            <a:r>
-              <a:rPr lang="ko-KR" altLang="en-US" sz="2400" dirty="0" smtClean="0">
-                <a:latin typeface="-윤고딕340" pitchFamily="18" charset="-127"/>
-                <a:ea typeface="-윤고딕340" pitchFamily="18" charset="-127"/>
-              </a:rPr>
-              <a:t>서비스</a:t>
-            </a:r>
-            <a:endParaRPr lang="en-US" altLang="ko-KR" sz="2400" dirty="0" smtClean="0">
+              <a:rPr lang="ko-KR" altLang="en-US" sz="2000" smtClean="0">
+                <a:latin typeface="-윤고딕340" pitchFamily="18" charset="-127"/>
+                <a:ea typeface="-윤고딕340" pitchFamily="18" charset="-127"/>
+              </a:rPr>
+              <a:t>쿠키</a:t>
+            </a:r>
+            <a:endParaRPr lang="en-US" altLang="ko-KR" sz="2000" smtClean="0">
               <a:latin typeface="-윤고딕340" pitchFamily="18" charset="-127"/>
               <a:ea typeface="-윤고딕340" pitchFamily="18" charset="-127"/>
             </a:endParaRPr>
@@ -15892,24 +14859,17 @@
           <a:p>
             <a:pPr>
               <a:lnSpc>
-                <a:spcPct val="160000"/>
+                <a:spcPct val="150000"/>
               </a:lnSpc>
             </a:pPr>
             <a:r>
-              <a:rPr lang="en-US" altLang="ko-KR" sz="2400" dirty="0" smtClean="0">
-                <a:latin typeface="-윤고딕340" pitchFamily="18" charset="-127"/>
-                <a:ea typeface="-윤고딕340" pitchFamily="18" charset="-127"/>
-              </a:rPr>
-              <a:t>Test Framework </a:t>
-            </a:r>
-            <a:r>
-              <a:rPr lang="ko-KR" altLang="en-US" sz="2400" dirty="0" smtClean="0">
-                <a:latin typeface="-윤고딕340" pitchFamily="18" charset="-127"/>
-                <a:ea typeface="-윤고딕340" pitchFamily="18" charset="-127"/>
-              </a:rPr>
-              <a:t>및 웹사이트 성능 분석</a:t>
-            </a:r>
-            <a:endParaRPr lang="en-US" altLang="ko-KR" sz="2400" dirty="0" smtClean="0">
+              <a:rPr lang="ko-KR" altLang="en-US" sz="2000" smtClean="0">
+                <a:latin typeface="-윤고딕340" pitchFamily="18" charset="-127"/>
+                <a:ea typeface="-윤고딕340" pitchFamily="18" charset="-127"/>
+              </a:rPr>
+              <a:t>로깅</a:t>
+            </a:r>
+            <a:endParaRPr lang="en-US" altLang="ko-KR" sz="2000" smtClean="0">
               <a:latin typeface="-윤고딕340" pitchFamily="18" charset="-127"/>
               <a:ea typeface="-윤고딕340" pitchFamily="18" charset="-127"/>
             </a:endParaRPr>
@@ -15917,38 +14877,17 @@
           <a:p>
             <a:pPr>
               <a:lnSpc>
-                <a:spcPct val="160000"/>
+                <a:spcPct val="150000"/>
               </a:lnSpc>
             </a:pPr>
             <a:r>
-              <a:rPr lang="ko-KR" altLang="en-US" sz="2400" dirty="0" smtClean="0">
-                <a:latin typeface="-윤고딕340" pitchFamily="18" charset="-127"/>
-                <a:ea typeface="-윤고딕340" pitchFamily="18" charset="-127"/>
-              </a:rPr>
-              <a:t>채팅 서비스</a:t>
-            </a:r>
-            <a:r>
-              <a:rPr lang="en-US" altLang="ko-KR" sz="2400" dirty="0" smtClean="0">
-                <a:latin typeface="-윤고딕340" pitchFamily="18" charset="-127"/>
-                <a:ea typeface="-윤고딕340" pitchFamily="18" charset="-127"/>
-              </a:rPr>
-              <a:t>(socket.io)</a:t>
-            </a:r>
-          </a:p>
-          <a:p>
-            <a:pPr>
-              <a:lnSpc>
-                <a:spcPct val="160000"/>
-              </a:lnSpc>
-            </a:pPr>
-            <a:r>
-              <a:rPr lang="ko-KR" altLang="en-US" sz="2400" dirty="0" smtClean="0">
-                <a:latin typeface="-윤고딕340" pitchFamily="18" charset="-127"/>
-                <a:ea typeface="-윤고딕340" pitchFamily="18" charset="-127"/>
-              </a:rPr>
-              <a:t>서버 배치 프로그래밍</a:t>
-            </a:r>
-            <a:endParaRPr lang="en-US" altLang="ko-KR" sz="2400" dirty="0" smtClean="0">
+              <a:rPr lang="ko-KR" altLang="en-US" sz="2000" smtClean="0">
+                <a:latin typeface="-윤고딕340" pitchFamily="18" charset="-127"/>
+                <a:ea typeface="-윤고딕340" pitchFamily="18" charset="-127"/>
+              </a:rPr>
+              <a:t>외부 세션 저장소 기능</a:t>
+            </a:r>
+            <a:endParaRPr lang="en-US" altLang="ko-KR" sz="2000" smtClean="0">
               <a:latin typeface="-윤고딕340" pitchFamily="18" charset="-127"/>
               <a:ea typeface="-윤고딕340" pitchFamily="18" charset="-127"/>
             </a:endParaRPr>
@@ -15956,42 +14895,30 @@
           <a:p>
             <a:pPr>
               <a:lnSpc>
-                <a:spcPct val="160000"/>
+                <a:spcPct val="150000"/>
               </a:lnSpc>
             </a:pPr>
             <a:r>
-              <a:rPr lang="en-US" altLang="ko-KR" sz="2400" dirty="0" smtClean="0">
-                <a:latin typeface="-윤고딕340" pitchFamily="18" charset="-127"/>
-                <a:ea typeface="-윤고딕340" pitchFamily="18" charset="-127"/>
-              </a:rPr>
-              <a:t>REST API </a:t>
-            </a:r>
-            <a:r>
-              <a:rPr lang="ko-KR" altLang="en-US" sz="2400" dirty="0" smtClean="0">
-                <a:latin typeface="-윤고딕340" pitchFamily="18" charset="-127"/>
-                <a:ea typeface="-윤고딕340" pitchFamily="18" charset="-127"/>
-              </a:rPr>
-              <a:t>개발</a:t>
-            </a:r>
-            <a:endParaRPr lang="en-US" altLang="ko-KR" sz="2400" dirty="0" smtClean="0">
+              <a:rPr lang="ko-KR" altLang="en-US" sz="2000" smtClean="0">
+                <a:latin typeface="-윤고딕340" pitchFamily="18" charset="-127"/>
+                <a:ea typeface="-윤고딕340" pitchFamily="18" charset="-127"/>
+              </a:rPr>
+              <a:t>등등</a:t>
+            </a:r>
+            <a:endParaRPr lang="en-US" altLang="ko-KR" sz="2000" smtClean="0">
               <a:latin typeface="-윤고딕340" pitchFamily="18" charset="-127"/>
               <a:ea typeface="-윤고딕340" pitchFamily="18" charset="-127"/>
             </a:endParaRPr>
           </a:p>
           <a:p>
-            <a:pPr>
+            <a:pPr lvl="1">
               <a:lnSpc>
-                <a:spcPct val="160000"/>
+                <a:spcPct val="150000"/>
               </a:lnSpc>
+              <a:buFont typeface="Arial" pitchFamily="34" charset="0"/>
+              <a:buNone/>
             </a:pPr>
-            <a:r>
-              <a:rPr lang="ko-KR" altLang="en-US" sz="2400" dirty="0" smtClean="0">
-                <a:latin typeface="-윤고딕340" pitchFamily="18" charset="-127"/>
-                <a:ea typeface="-윤고딕340" pitchFamily="18" charset="-127"/>
-              </a:rPr>
-              <a:t>모니터링 시스템</a:t>
-            </a:r>
-            <a:endParaRPr lang="en-US" altLang="ko-KR" sz="2400" dirty="0" smtClean="0">
+            <a:endParaRPr lang="en-US" altLang="ko-KR" sz="2000" smtClean="0">
               <a:latin typeface="-윤고딕340" pitchFamily="18" charset="-127"/>
               <a:ea typeface="-윤고딕340" pitchFamily="18" charset="-127"/>
             </a:endParaRPr>
@@ -15999,48 +14926,55 @@
           <a:p>
             <a:pPr>
               <a:lnSpc>
-                <a:spcPct val="160000"/>
+                <a:spcPct val="150000"/>
               </a:lnSpc>
+              <a:buFont typeface="Arial" pitchFamily="34" charset="0"/>
+              <a:buNone/>
             </a:pPr>
-            <a:r>
-              <a:rPr lang="en-US" altLang="ko-KR" sz="2400" dirty="0" smtClean="0">
-                <a:latin typeface="-윤고딕340" pitchFamily="18" charset="-127"/>
-                <a:ea typeface="-윤고딕340" pitchFamily="18" charset="-127"/>
-              </a:rPr>
-              <a:t>Android, </a:t>
-            </a:r>
-            <a:r>
-              <a:rPr lang="en-US" altLang="ko-KR" sz="2400" dirty="0" err="1" smtClean="0">
-                <a:latin typeface="-윤고딕340" pitchFamily="18" charset="-127"/>
-                <a:ea typeface="-윤고딕340" pitchFamily="18" charset="-127"/>
-              </a:rPr>
-              <a:t>iOS</a:t>
-            </a:r>
-            <a:r>
-              <a:rPr lang="en-US" altLang="ko-KR" sz="2400" dirty="0" smtClean="0">
-                <a:latin typeface="-윤고딕340" pitchFamily="18" charset="-127"/>
-                <a:ea typeface="-윤고딕340" pitchFamily="18" charset="-127"/>
-              </a:rPr>
-              <a:t> </a:t>
-            </a:r>
-            <a:r>
-              <a:rPr lang="ko-KR" altLang="en-US" sz="2400" dirty="0" err="1" smtClean="0">
-                <a:latin typeface="-윤고딕340" pitchFamily="18" charset="-127"/>
-                <a:ea typeface="-윤고딕340" pitchFamily="18" charset="-127"/>
-              </a:rPr>
-              <a:t>푸시서비스</a:t>
-            </a:r>
-            <a:endParaRPr lang="en-US" altLang="ko-KR" sz="2400" dirty="0" smtClean="0">
+            <a:endParaRPr lang="en-US" altLang="ko-KR" sz="2000" dirty="0" smtClean="0">
               <a:latin typeface="-윤고딕340" pitchFamily="18" charset="-127"/>
               <a:ea typeface="-윤고딕340" pitchFamily="18" charset="-127"/>
             </a:endParaRPr>
+          </a:p>
+        </p:txBody>
+      </p:sp>
+      <p:sp>
+        <p:nvSpPr>
+          <p:cNvPr id="5" name="TextBox 4"/>
+          <p:cNvSpPr txBox="1"/>
+          <p:nvPr/>
+        </p:nvSpPr>
+        <p:spPr>
+          <a:xfrm>
+            <a:off x="755576" y="3140968"/>
+            <a:ext cx="3384376" cy="923330"/>
+          </a:xfrm>
+          <a:prstGeom prst="rect">
+            <a:avLst/>
+          </a:prstGeom>
+          <a:noFill/>
+        </p:spPr>
+        <p:txBody>
+          <a:bodyPr wrap="square" rtlCol="0">
+            <a:spAutoFit/>
+          </a:bodyPr>
+          <a:lstStyle/>
+          <a:p>
+            <a:r>
+              <a:rPr lang="en-US" altLang="ko-KR" sz="5400" dirty="0" smtClean="0">
+                <a:latin typeface="-윤고딕340" pitchFamily="18" charset="-127"/>
+                <a:ea typeface="-윤고딕340" pitchFamily="18" charset="-127"/>
+              </a:rPr>
+              <a:t>Express</a:t>
+            </a:r>
+            <a:endParaRPr lang="ko-KR" altLang="en-US" sz="5400" dirty="0"/>
           </a:p>
         </p:txBody>
       </p:sp>
     </p:spTree>
     <p:extLst>
       <p:ext uri="{BB962C8B-B14F-4D97-AF65-F5344CB8AC3E}">
-        <p14:creationId xmlns:p14="http://schemas.microsoft.com/office/powerpoint/2010/main" val="1351443717"/>
+        <p14:creationId xmlns:p14="http://schemas.microsoft.com/office/powerpoint/2010/main" val="1517686023"/>
       </p:ext>
     </p:extLst>
   </p:cSld>
@@ -16084,13 +15018,20 @@
           <a:p>
             <a:r>
               <a:rPr lang="en-US" altLang="ko-KR" dirty="0" smtClean="0"/>
-              <a:t>Node.js </a:t>
-            </a:r>
-            <a:r>
-              <a:rPr lang="ko-KR" altLang="en-US" dirty="0" smtClean="0"/>
-              <a:t>장점</a:t>
-            </a:r>
-            <a:endParaRPr lang="ko-KR" altLang="en-US" dirty="0"/>
+              <a:t>4.4 </a:t>
+            </a:r>
+            <a:r>
+              <a:rPr lang="en-US" altLang="ko-KR" dirty="0"/>
+              <a:t>Express </a:t>
+            </a:r>
+            <a:r>
+              <a:rPr lang="ko-KR" altLang="en-US" dirty="0" err="1"/>
+              <a:t>라우팅</a:t>
+            </a:r>
+            <a:r>
+              <a:rPr lang="ko-KR" altLang="en-US" dirty="0"/>
+              <a:t> 예</a:t>
+            </a:r>
           </a:p>
         </p:txBody>
       </p:sp>
@@ -16107,157 +15048,677 @@
         <p:spPr/>
         <p:txBody>
           <a:bodyPr>
-            <a:normAutofit fontScale="92500" lnSpcReduction="10000"/>
+            <a:normAutofit fontScale="40000" lnSpcReduction="20000"/>
           </a:bodyPr>
           <a:lstStyle/>
           <a:p>
-            <a:r>
-              <a:rPr lang="ko-KR" altLang="en-US" dirty="0" smtClean="0"/>
-              <a:t>가벼움 </a:t>
-            </a:r>
-            <a:endParaRPr lang="en-US" altLang="ko-KR" dirty="0" smtClean="0"/>
-          </a:p>
-          <a:p>
-            <a:pPr lvl="1"/>
-            <a:r>
-              <a:rPr lang="ko-KR" altLang="en-US" dirty="0" smtClean="0"/>
-              <a:t>간단한 코드로 </a:t>
-            </a:r>
-            <a:r>
-              <a:rPr lang="en-US" altLang="ko-KR" dirty="0" smtClean="0"/>
-              <a:t>http server </a:t>
-            </a:r>
-            <a:r>
-              <a:rPr lang="ko-KR" altLang="en-US" dirty="0" smtClean="0"/>
+            <a:pPr>
+              <a:buNone/>
+            </a:pPr>
+            <a:r>
+              <a:rPr lang="en-US" altLang="ko-KR" dirty="0" err="1">
+                <a:latin typeface="-윤고딕340" pitchFamily="18" charset="-127"/>
+                <a:ea typeface="-윤고딕340" pitchFamily="18" charset="-127"/>
+              </a:rPr>
+              <a:t>var</a:t>
+            </a:r>
+            <a:r>
+              <a:rPr lang="en-US" altLang="ko-KR" dirty="0">
+                <a:latin typeface="-윤고딕340" pitchFamily="18" charset="-127"/>
+                <a:ea typeface="-윤고딕340" pitchFamily="18" charset="-127"/>
+              </a:rPr>
+              <a:t> routes = require('./routes');</a:t>
+            </a:r>
+          </a:p>
+          <a:p>
+            <a:pPr>
+              <a:buNone/>
+            </a:pPr>
+            <a:r>
+              <a:rPr lang="en-US" altLang="ko-KR" dirty="0" err="1">
+                <a:latin typeface="-윤고딕340" pitchFamily="18" charset="-127"/>
+                <a:ea typeface="-윤고딕340" pitchFamily="18" charset="-127"/>
+              </a:rPr>
+              <a:t>var</a:t>
+            </a:r>
+            <a:r>
+              <a:rPr lang="en-US" altLang="ko-KR" dirty="0">
+                <a:latin typeface="-윤고딕340" pitchFamily="18" charset="-127"/>
+                <a:ea typeface="-윤고딕340" pitchFamily="18" charset="-127"/>
+              </a:rPr>
+              <a:t> user = require('./routes/user');</a:t>
+            </a:r>
+          </a:p>
+          <a:p>
+            <a:pPr>
+              <a:buNone/>
+            </a:pPr>
+            <a:r>
+              <a:rPr lang="en-US" altLang="ko-KR" dirty="0">
+                <a:latin typeface="-윤고딕340" pitchFamily="18" charset="-127"/>
+                <a:ea typeface="-윤고딕340" pitchFamily="18" charset="-127"/>
+              </a:rPr>
+              <a:t>……</a:t>
+            </a:r>
+          </a:p>
+          <a:p>
+            <a:pPr>
+              <a:buNone/>
+            </a:pPr>
+            <a:r>
+              <a:rPr lang="en-US" altLang="ko-KR" dirty="0" err="1">
+                <a:latin typeface="-윤고딕340" pitchFamily="18" charset="-127"/>
+                <a:ea typeface="-윤고딕340" pitchFamily="18" charset="-127"/>
+              </a:rPr>
+              <a:t>app.get</a:t>
+            </a:r>
+            <a:r>
+              <a:rPr lang="en-US" altLang="ko-KR" dirty="0">
+                <a:latin typeface="-윤고딕340" pitchFamily="18" charset="-127"/>
+                <a:ea typeface="-윤고딕340" pitchFamily="18" charset="-127"/>
+              </a:rPr>
+              <a:t>('/', </a:t>
+            </a:r>
+            <a:r>
+              <a:rPr lang="en-US" altLang="ko-KR" dirty="0" err="1">
+                <a:latin typeface="-윤고딕340" pitchFamily="18" charset="-127"/>
+                <a:ea typeface="-윤고딕340" pitchFamily="18" charset="-127"/>
+              </a:rPr>
+              <a:t>routes.index</a:t>
+            </a:r>
+            <a:r>
+              <a:rPr lang="en-US" altLang="ko-KR" dirty="0">
+                <a:latin typeface="-윤고딕340" pitchFamily="18" charset="-127"/>
+                <a:ea typeface="-윤고딕340" pitchFamily="18" charset="-127"/>
+              </a:rPr>
+              <a:t>);          //  routes/index.js </a:t>
+            </a:r>
+            <a:r>
+              <a:rPr lang="ko-KR" altLang="en-US" dirty="0">
+                <a:latin typeface="-윤고딕340" pitchFamily="18" charset="-127"/>
+                <a:ea typeface="-윤고딕340" pitchFamily="18" charset="-127"/>
+              </a:rPr>
               <a:t>실행</a:t>
             </a:r>
-            <a:endParaRPr lang="en-US" altLang="ko-KR" dirty="0" smtClean="0"/>
-          </a:p>
-          <a:p>
-            <a:r>
-              <a:rPr lang="ko-KR" altLang="en-US" dirty="0" smtClean="0"/>
-              <a:t>빠르다</a:t>
-            </a:r>
-            <a:endParaRPr lang="en-US" altLang="ko-KR" dirty="0" smtClean="0"/>
-          </a:p>
-          <a:p>
-            <a:pPr lvl="1"/>
-            <a:r>
-              <a:rPr lang="en-US" altLang="ko-KR" dirty="0" smtClean="0"/>
-              <a:t>10</a:t>
-            </a:r>
-            <a:r>
-              <a:rPr lang="ko-KR" altLang="en-US" dirty="0" smtClean="0"/>
-              <a:t>만 동시 접속해도 </a:t>
-            </a:r>
-            <a:r>
-              <a:rPr lang="en-US" altLang="ko-KR" dirty="0" err="1" smtClean="0"/>
-              <a:t>cpu</a:t>
-            </a:r>
-            <a:r>
-              <a:rPr lang="ko-KR" altLang="en-US" dirty="0" smtClean="0"/>
-              <a:t>점유율이 많지 않다</a:t>
-            </a:r>
-            <a:r>
-              <a:rPr lang="en-US" altLang="ko-KR" dirty="0" smtClean="0"/>
-              <a:t>.</a:t>
-            </a:r>
-            <a:endParaRPr lang="en-US" altLang="ko-KR" dirty="0"/>
-          </a:p>
-          <a:p>
-            <a:pPr lvl="1"/>
-            <a:r>
-              <a:rPr lang="en-US" altLang="ko-KR" dirty="0" smtClean="0"/>
-              <a:t>Apache</a:t>
-            </a:r>
-            <a:r>
-              <a:rPr lang="ko-KR" altLang="en-US" dirty="0" smtClean="0"/>
-              <a:t>에 비해 간단한 </a:t>
-            </a:r>
-            <a:r>
-              <a:rPr lang="en-US" altLang="ko-KR" dirty="0" smtClean="0"/>
-              <a:t>http</a:t>
-            </a:r>
-            <a:r>
-              <a:rPr lang="ko-KR" altLang="en-US" dirty="0" smtClean="0"/>
-              <a:t>속도가 </a:t>
-            </a:r>
-            <a:r>
-              <a:rPr lang="en-US" altLang="ko-KR" dirty="0" smtClean="0"/>
-              <a:t>3</a:t>
-            </a:r>
-            <a:r>
-              <a:rPr lang="ko-KR" altLang="en-US" dirty="0" smtClean="0"/>
-              <a:t>배 빠르다</a:t>
-            </a:r>
-            <a:r>
-              <a:rPr lang="en-US" altLang="ko-KR" dirty="0" smtClean="0"/>
-              <a:t>.</a:t>
-            </a:r>
-          </a:p>
-          <a:p>
-            <a:r>
-              <a:rPr lang="ko-KR" altLang="en-US" dirty="0" smtClean="0"/>
-              <a:t>사용 가능한 모듈이 많다</a:t>
-            </a:r>
-            <a:r>
-              <a:rPr lang="en-US" altLang="ko-KR" dirty="0" smtClean="0"/>
-              <a:t>.</a:t>
-            </a:r>
-          </a:p>
-          <a:p>
-            <a:r>
-              <a:rPr lang="ko-KR" altLang="en-US" dirty="0" smtClean="0"/>
-              <a:t>자바스크립트로 개발 가능하다</a:t>
-            </a:r>
-            <a:r>
-              <a:rPr lang="en-US" altLang="ko-KR" dirty="0" smtClean="0"/>
-              <a:t>.</a:t>
-            </a:r>
-          </a:p>
-          <a:p>
-            <a:r>
-              <a:rPr lang="en-US" altLang="ko-KR" dirty="0"/>
-              <a:t>Front-End </a:t>
-            </a:r>
-            <a:r>
-              <a:rPr lang="ko-KR" altLang="en-US" dirty="0"/>
-              <a:t>개발자의 진입이 쉽다</a:t>
-            </a:r>
-            <a:r>
-              <a:rPr lang="en-US" altLang="ko-KR" dirty="0" smtClean="0"/>
-              <a:t>.</a:t>
-            </a:r>
-          </a:p>
-          <a:p>
-            <a:r>
-              <a:rPr lang="ko-KR" altLang="en-US" dirty="0" smtClean="0"/>
-              <a:t>설치와 사용이 간단하다</a:t>
-            </a:r>
-            <a:r>
-              <a:rPr lang="en-US" altLang="ko-KR" dirty="0" smtClean="0"/>
-              <a:t>.</a:t>
-            </a:r>
+          </a:p>
+          <a:p>
+            <a:pPr>
+              <a:buNone/>
+            </a:pPr>
+            <a:endParaRPr lang="ko-KR" altLang="en-US" dirty="0">
+              <a:latin typeface="-윤고딕340" pitchFamily="18" charset="-127"/>
+              <a:ea typeface="-윤고딕340" pitchFamily="18" charset="-127"/>
+            </a:endParaRPr>
+          </a:p>
+          <a:p>
+            <a:pPr>
+              <a:buNone/>
+            </a:pPr>
+            <a:r>
+              <a:rPr lang="en-US" altLang="ko-KR" dirty="0" err="1">
+                <a:latin typeface="-윤고딕340" pitchFamily="18" charset="-127"/>
+                <a:ea typeface="-윤고딕340" pitchFamily="18" charset="-127"/>
+              </a:rPr>
+              <a:t>app.get</a:t>
+            </a:r>
+            <a:r>
+              <a:rPr lang="en-US" altLang="ko-KR" dirty="0">
+                <a:latin typeface="-윤고딕340" pitchFamily="18" charset="-127"/>
+                <a:ea typeface="-윤고딕340" pitchFamily="18" charset="-127"/>
+              </a:rPr>
+              <a:t>('/user/list', </a:t>
+            </a:r>
+            <a:r>
+              <a:rPr lang="en-US" altLang="ko-KR" dirty="0" err="1">
+                <a:latin typeface="-윤고딕340" pitchFamily="18" charset="-127"/>
+                <a:ea typeface="-윤고딕340" pitchFamily="18" charset="-127"/>
+              </a:rPr>
+              <a:t>user.list</a:t>
+            </a:r>
+            <a:r>
+              <a:rPr lang="en-US" altLang="ko-KR" dirty="0">
+                <a:latin typeface="-윤고딕340" pitchFamily="18" charset="-127"/>
+                <a:ea typeface="-윤고딕340" pitchFamily="18" charset="-127"/>
+              </a:rPr>
+              <a:t>);     //  routes/user.js </a:t>
+            </a:r>
+            <a:r>
+              <a:rPr lang="ko-KR" altLang="en-US" dirty="0">
+                <a:latin typeface="-윤고딕340" pitchFamily="18" charset="-127"/>
+                <a:ea typeface="-윤고딕340" pitchFamily="18" charset="-127"/>
+              </a:rPr>
+              <a:t>의 </a:t>
+            </a:r>
+            <a:r>
+              <a:rPr lang="en-US" altLang="ko-KR" dirty="0">
+                <a:latin typeface="-윤고딕340" pitchFamily="18" charset="-127"/>
+                <a:ea typeface="-윤고딕340" pitchFamily="18" charset="-127"/>
+              </a:rPr>
+              <a:t>list function</a:t>
+            </a:r>
+          </a:p>
+          <a:p>
+            <a:pPr>
+              <a:buNone/>
+            </a:pPr>
+            <a:r>
+              <a:rPr lang="en-US" altLang="ko-KR" dirty="0" err="1">
+                <a:latin typeface="-윤고딕340" pitchFamily="18" charset="-127"/>
+                <a:ea typeface="-윤고딕340" pitchFamily="18" charset="-127"/>
+              </a:rPr>
+              <a:t>app.get</a:t>
+            </a:r>
+            <a:r>
+              <a:rPr lang="en-US" altLang="ko-KR" dirty="0">
+                <a:latin typeface="-윤고딕340" pitchFamily="18" charset="-127"/>
+                <a:ea typeface="-윤고딕340" pitchFamily="18" charset="-127"/>
+              </a:rPr>
+              <a:t>('/user/info', user.info);   //  routes/user.js </a:t>
+            </a:r>
+            <a:r>
+              <a:rPr lang="ko-KR" altLang="en-US" dirty="0">
+                <a:latin typeface="-윤고딕340" pitchFamily="18" charset="-127"/>
+                <a:ea typeface="-윤고딕340" pitchFamily="18" charset="-127"/>
+              </a:rPr>
+              <a:t>의 </a:t>
+            </a:r>
+            <a:r>
+              <a:rPr lang="en-US" altLang="ko-KR" dirty="0">
+                <a:latin typeface="-윤고딕340" pitchFamily="18" charset="-127"/>
+                <a:ea typeface="-윤고딕340" pitchFamily="18" charset="-127"/>
+              </a:rPr>
+              <a:t>info function</a:t>
+            </a:r>
+          </a:p>
+          <a:p>
+            <a:pPr>
+              <a:buNone/>
+            </a:pPr>
+            <a:endParaRPr lang="en-US" altLang="ko-KR" dirty="0">
+              <a:latin typeface="-윤고딕340" pitchFamily="18" charset="-127"/>
+              <a:ea typeface="-윤고딕340" pitchFamily="18" charset="-127"/>
+            </a:endParaRPr>
+          </a:p>
+          <a:p>
+            <a:pPr>
+              <a:buNone/>
+            </a:pPr>
+            <a:r>
+              <a:rPr lang="en-US" altLang="ko-KR" dirty="0" err="1">
+                <a:latin typeface="-윤고딕340" pitchFamily="18" charset="-127"/>
+                <a:ea typeface="-윤고딕340" pitchFamily="18" charset="-127"/>
+              </a:rPr>
+              <a:t>app.get</a:t>
+            </a:r>
+            <a:r>
+              <a:rPr lang="en-US" altLang="ko-KR" dirty="0">
+                <a:latin typeface="-윤고딕340" pitchFamily="18" charset="-127"/>
+                <a:ea typeface="-윤고딕340" pitchFamily="18" charset="-127"/>
+              </a:rPr>
+              <a:t>('/test.</a:t>
+            </a:r>
+            <a:r>
+              <a:rPr lang="en-US" altLang="ko-KR" dirty="0" err="1">
+                <a:latin typeface="-윤고딕340" pitchFamily="18" charset="-127"/>
+                <a:ea typeface="-윤고딕340" pitchFamily="18" charset="-127"/>
+              </a:rPr>
+              <a:t>json</a:t>
+            </a:r>
+            <a:r>
+              <a:rPr lang="en-US" altLang="ko-KR" dirty="0">
+                <a:latin typeface="-윤고딕340" pitchFamily="18" charset="-127"/>
+                <a:ea typeface="-윤고딕340" pitchFamily="18" charset="-127"/>
+              </a:rPr>
+              <a:t>',function(</a:t>
+            </a:r>
+            <a:r>
+              <a:rPr lang="en-US" altLang="ko-KR" dirty="0" err="1">
+                <a:latin typeface="-윤고딕340" pitchFamily="18" charset="-127"/>
+                <a:ea typeface="-윤고딕340" pitchFamily="18" charset="-127"/>
+              </a:rPr>
+              <a:t>req</a:t>
+            </a:r>
+            <a:r>
+              <a:rPr lang="en-US" altLang="ko-KR" dirty="0">
+                <a:latin typeface="-윤고딕340" pitchFamily="18" charset="-127"/>
+                <a:ea typeface="-윤고딕340" pitchFamily="18" charset="-127"/>
+              </a:rPr>
+              <a:t>, res){   //</a:t>
+            </a:r>
+            <a:r>
+              <a:rPr lang="ko-KR" altLang="en-US" dirty="0">
+                <a:latin typeface="-윤고딕340" pitchFamily="18" charset="-127"/>
+                <a:ea typeface="-윤고딕340" pitchFamily="18" charset="-127"/>
+              </a:rPr>
+              <a:t>직접 실행</a:t>
+            </a:r>
+          </a:p>
+          <a:p>
+            <a:pPr>
+              <a:buNone/>
+            </a:pPr>
+            <a:r>
+              <a:rPr lang="ko-KR" altLang="en-US" dirty="0">
+                <a:latin typeface="-윤고딕340" pitchFamily="18" charset="-127"/>
+                <a:ea typeface="-윤고딕340" pitchFamily="18" charset="-127"/>
+              </a:rPr>
+              <a:t>        </a:t>
+            </a:r>
+            <a:r>
+              <a:rPr lang="en-US" altLang="ko-KR" dirty="0" err="1">
+                <a:latin typeface="-윤고딕340" pitchFamily="18" charset="-127"/>
+                <a:ea typeface="-윤고딕340" pitchFamily="18" charset="-127"/>
+              </a:rPr>
+              <a:t>var</a:t>
+            </a:r>
+            <a:r>
+              <a:rPr lang="en-US" altLang="ko-KR" dirty="0">
+                <a:latin typeface="-윤고딕340" pitchFamily="18" charset="-127"/>
+                <a:ea typeface="-윤고딕340" pitchFamily="18" charset="-127"/>
+              </a:rPr>
+              <a:t> </a:t>
+            </a:r>
+            <a:r>
+              <a:rPr lang="en-US" altLang="ko-KR" dirty="0" err="1">
+                <a:latin typeface="-윤고딕340" pitchFamily="18" charset="-127"/>
+                <a:ea typeface="-윤고딕340" pitchFamily="18" charset="-127"/>
+              </a:rPr>
+              <a:t>tempJson</a:t>
+            </a:r>
+            <a:r>
+              <a:rPr lang="en-US" altLang="ko-KR" dirty="0">
+                <a:latin typeface="-윤고딕340" pitchFamily="18" charset="-127"/>
+                <a:ea typeface="-윤고딕340" pitchFamily="18" charset="-127"/>
+              </a:rPr>
+              <a:t> = {'id': 'tester', '</a:t>
+            </a:r>
+            <a:r>
+              <a:rPr lang="en-US" altLang="ko-KR" dirty="0" err="1">
+                <a:latin typeface="-윤고딕340" pitchFamily="18" charset="-127"/>
+                <a:ea typeface="-윤고딕340" pitchFamily="18" charset="-127"/>
+              </a:rPr>
+              <a:t>message':'HIHI</a:t>
+            </a:r>
+            <a:r>
+              <a:rPr lang="en-US" altLang="ko-KR" dirty="0">
+                <a:latin typeface="-윤고딕340" pitchFamily="18" charset="-127"/>
+                <a:ea typeface="-윤고딕340" pitchFamily="18" charset="-127"/>
+              </a:rPr>
+              <a:t> tester'};</a:t>
+            </a:r>
+          </a:p>
+          <a:p>
+            <a:pPr>
+              <a:buNone/>
+            </a:pPr>
+            <a:r>
+              <a:rPr lang="en-US" altLang="ko-KR" dirty="0">
+                <a:latin typeface="-윤고딕340" pitchFamily="18" charset="-127"/>
+                <a:ea typeface="-윤고딕340" pitchFamily="18" charset="-127"/>
+              </a:rPr>
+              <a:t>        </a:t>
+            </a:r>
+            <a:r>
+              <a:rPr lang="en-US" altLang="ko-KR" dirty="0" err="1">
+                <a:latin typeface="-윤고딕340" pitchFamily="18" charset="-127"/>
+                <a:ea typeface="-윤고딕340" pitchFamily="18" charset="-127"/>
+              </a:rPr>
+              <a:t>res.json</a:t>
+            </a:r>
+            <a:r>
+              <a:rPr lang="en-US" altLang="ko-KR" dirty="0">
+                <a:latin typeface="-윤고딕340" pitchFamily="18" charset="-127"/>
+                <a:ea typeface="-윤고딕340" pitchFamily="18" charset="-127"/>
+              </a:rPr>
+              <a:t>(</a:t>
+            </a:r>
+            <a:r>
+              <a:rPr lang="en-US" altLang="ko-KR" dirty="0" err="1">
+                <a:latin typeface="-윤고딕340" pitchFamily="18" charset="-127"/>
+                <a:ea typeface="-윤고딕340" pitchFamily="18" charset="-127"/>
+              </a:rPr>
+              <a:t>tempJson</a:t>
+            </a:r>
+            <a:r>
+              <a:rPr lang="en-US" altLang="ko-KR" dirty="0">
+                <a:latin typeface="-윤고딕340" pitchFamily="18" charset="-127"/>
+                <a:ea typeface="-윤고딕340" pitchFamily="18" charset="-127"/>
+              </a:rPr>
+              <a:t>);</a:t>
+            </a:r>
+          </a:p>
+          <a:p>
+            <a:pPr>
+              <a:buNone/>
+            </a:pPr>
+            <a:r>
+              <a:rPr lang="en-US" altLang="ko-KR" dirty="0">
+                <a:latin typeface="-윤고딕340" pitchFamily="18" charset="-127"/>
+                <a:ea typeface="-윤고딕340" pitchFamily="18" charset="-127"/>
+              </a:rPr>
+              <a:t>});</a:t>
+            </a:r>
+          </a:p>
+          <a:p>
+            <a:pPr>
+              <a:buNone/>
+            </a:pPr>
+            <a:r>
+              <a:rPr lang="en-US" altLang="ko-KR" dirty="0" err="1">
+                <a:latin typeface="-윤고딕340" pitchFamily="18" charset="-127"/>
+                <a:ea typeface="-윤고딕340" pitchFamily="18" charset="-127"/>
+              </a:rPr>
+              <a:t>app.get</a:t>
+            </a:r>
+            <a:r>
+              <a:rPr lang="en-US" altLang="ko-KR" dirty="0">
+                <a:latin typeface="-윤고딕340" pitchFamily="18" charset="-127"/>
+                <a:ea typeface="-윤고딕340" pitchFamily="18" charset="-127"/>
+              </a:rPr>
+              <a:t>('/hello/</a:t>
+            </a:r>
+            <a:r>
+              <a:rPr lang="en-US" altLang="ko-KR" b="1" dirty="0">
+                <a:latin typeface="-윤고딕340" pitchFamily="18" charset="-127"/>
+                <a:ea typeface="-윤고딕340" pitchFamily="18" charset="-127"/>
+              </a:rPr>
+              <a:t>:name</a:t>
+            </a:r>
+            <a:r>
+              <a:rPr lang="en-US" altLang="ko-KR" dirty="0">
+                <a:latin typeface="-윤고딕340" pitchFamily="18" charset="-127"/>
+                <a:ea typeface="-윤고딕340" pitchFamily="18" charset="-127"/>
+              </a:rPr>
+              <a:t>', function(</a:t>
+            </a:r>
+            <a:r>
+              <a:rPr lang="en-US" altLang="ko-KR" dirty="0" err="1">
+                <a:latin typeface="-윤고딕340" pitchFamily="18" charset="-127"/>
+                <a:ea typeface="-윤고딕340" pitchFamily="18" charset="-127"/>
+              </a:rPr>
+              <a:t>req</a:t>
+            </a:r>
+            <a:r>
+              <a:rPr lang="en-US" altLang="ko-KR" dirty="0">
+                <a:latin typeface="-윤고딕340" pitchFamily="18" charset="-127"/>
+                <a:ea typeface="-윤고딕340" pitchFamily="18" charset="-127"/>
+              </a:rPr>
+              <a:t>, res){</a:t>
+            </a:r>
+          </a:p>
+          <a:p>
+            <a:pPr>
+              <a:buNone/>
+            </a:pPr>
+            <a:r>
+              <a:rPr lang="en-US" altLang="ko-KR" dirty="0">
+                <a:latin typeface="-윤고딕340" pitchFamily="18" charset="-127"/>
+                <a:ea typeface="-윤고딕340" pitchFamily="18" charset="-127"/>
+              </a:rPr>
+              <a:t>        </a:t>
+            </a:r>
+            <a:r>
+              <a:rPr lang="en-US" altLang="ko-KR" dirty="0" err="1">
+                <a:latin typeface="-윤고딕340" pitchFamily="18" charset="-127"/>
+                <a:ea typeface="-윤고딕340" pitchFamily="18" charset="-127"/>
+              </a:rPr>
+              <a:t>fs.readFile</a:t>
+            </a:r>
+            <a:r>
+              <a:rPr lang="en-US" altLang="ko-KR" dirty="0">
+                <a:latin typeface="-윤고딕340" pitchFamily="18" charset="-127"/>
+                <a:ea typeface="-윤고딕340" pitchFamily="18" charset="-127"/>
+              </a:rPr>
+              <a:t>('views/</a:t>
+            </a:r>
+            <a:r>
+              <a:rPr lang="en-US" altLang="ko-KR" dirty="0" err="1">
+                <a:latin typeface="-윤고딕340" pitchFamily="18" charset="-127"/>
+                <a:ea typeface="-윤고딕340" pitchFamily="18" charset="-127"/>
+              </a:rPr>
+              <a:t>index.jade</a:t>
+            </a:r>
+            <a:r>
+              <a:rPr lang="en-US" altLang="ko-KR" dirty="0">
+                <a:latin typeface="-윤고딕340" pitchFamily="18" charset="-127"/>
+                <a:ea typeface="-윤고딕340" pitchFamily="18" charset="-127"/>
+              </a:rPr>
+              <a:t>', 'utf8', function(</a:t>
+            </a:r>
+            <a:r>
+              <a:rPr lang="en-US" altLang="ko-KR" dirty="0" err="1">
+                <a:latin typeface="-윤고딕340" pitchFamily="18" charset="-127"/>
+                <a:ea typeface="-윤고딕340" pitchFamily="18" charset="-127"/>
+              </a:rPr>
+              <a:t>error,data</a:t>
+            </a:r>
+            <a:r>
+              <a:rPr lang="en-US" altLang="ko-KR" dirty="0">
+                <a:latin typeface="-윤고딕340" pitchFamily="18" charset="-127"/>
+                <a:ea typeface="-윤고딕340" pitchFamily="18" charset="-127"/>
+              </a:rPr>
+              <a:t>){</a:t>
+            </a:r>
+          </a:p>
+          <a:p>
+            <a:pPr>
+              <a:buNone/>
+            </a:pPr>
+            <a:r>
+              <a:rPr lang="en-US" altLang="ko-KR" dirty="0">
+                <a:latin typeface="-윤고딕340" pitchFamily="18" charset="-127"/>
+                <a:ea typeface="-윤고딕340" pitchFamily="18" charset="-127"/>
+              </a:rPr>
+              <a:t>                </a:t>
+            </a:r>
+            <a:r>
+              <a:rPr lang="en-US" altLang="ko-KR" dirty="0" err="1">
+                <a:latin typeface="-윤고딕340" pitchFamily="18" charset="-127"/>
+                <a:ea typeface="-윤고딕340" pitchFamily="18" charset="-127"/>
+              </a:rPr>
+              <a:t>var</a:t>
+            </a:r>
+            <a:r>
+              <a:rPr lang="en-US" altLang="ko-KR" dirty="0">
+                <a:latin typeface="-윤고딕340" pitchFamily="18" charset="-127"/>
+                <a:ea typeface="-윤고딕340" pitchFamily="18" charset="-127"/>
+              </a:rPr>
+              <a:t> </a:t>
+            </a:r>
+            <a:r>
+              <a:rPr lang="en-US" altLang="ko-KR" dirty="0" err="1">
+                <a:latin typeface="-윤고딕340" pitchFamily="18" charset="-127"/>
+                <a:ea typeface="-윤고딕340" pitchFamily="18" charset="-127"/>
+              </a:rPr>
+              <a:t>fn</a:t>
+            </a:r>
+            <a:r>
+              <a:rPr lang="en-US" altLang="ko-KR" dirty="0">
+                <a:latin typeface="-윤고딕340" pitchFamily="18" charset="-127"/>
+                <a:ea typeface="-윤고딕340" pitchFamily="18" charset="-127"/>
+              </a:rPr>
+              <a:t> = </a:t>
+            </a:r>
+            <a:r>
+              <a:rPr lang="en-US" altLang="ko-KR" dirty="0" err="1">
+                <a:latin typeface="-윤고딕340" pitchFamily="18" charset="-127"/>
+                <a:ea typeface="-윤고딕340" pitchFamily="18" charset="-127"/>
+              </a:rPr>
+              <a:t>jade.compile</a:t>
+            </a:r>
+            <a:r>
+              <a:rPr lang="en-US" altLang="ko-KR" dirty="0">
+                <a:latin typeface="-윤고딕340" pitchFamily="18" charset="-127"/>
+                <a:ea typeface="-윤고딕340" pitchFamily="18" charset="-127"/>
+              </a:rPr>
+              <a:t>(data);</a:t>
+            </a:r>
+          </a:p>
+          <a:p>
+            <a:pPr>
+              <a:buNone/>
+            </a:pPr>
+            <a:r>
+              <a:rPr lang="en-US" altLang="ko-KR" dirty="0">
+                <a:latin typeface="-윤고딕340" pitchFamily="18" charset="-127"/>
+                <a:ea typeface="-윤고딕340" pitchFamily="18" charset="-127"/>
+              </a:rPr>
+              <a:t>                </a:t>
+            </a:r>
+            <a:r>
+              <a:rPr lang="en-US" altLang="ko-KR" dirty="0" err="1">
+                <a:latin typeface="-윤고딕340" pitchFamily="18" charset="-127"/>
+                <a:ea typeface="-윤고딕340" pitchFamily="18" charset="-127"/>
+              </a:rPr>
+              <a:t>res.writeHead</a:t>
+            </a:r>
+            <a:r>
+              <a:rPr lang="en-US" altLang="ko-KR" dirty="0">
+                <a:latin typeface="-윤고딕340" pitchFamily="18" charset="-127"/>
+                <a:ea typeface="-윤고딕340" pitchFamily="18" charset="-127"/>
+              </a:rPr>
+              <a:t>(200,{'</a:t>
+            </a:r>
+            <a:r>
+              <a:rPr lang="en-US" altLang="ko-KR" dirty="0" err="1">
+                <a:latin typeface="-윤고딕340" pitchFamily="18" charset="-127"/>
+                <a:ea typeface="-윤고딕340" pitchFamily="18" charset="-127"/>
+              </a:rPr>
+              <a:t>Content-Type':'text</a:t>
+            </a:r>
+            <a:r>
+              <a:rPr lang="en-US" altLang="ko-KR" dirty="0">
+                <a:latin typeface="-윤고딕340" pitchFamily="18" charset="-127"/>
+                <a:ea typeface="-윤고딕340" pitchFamily="18" charset="-127"/>
+              </a:rPr>
+              <a:t>/html'});</a:t>
+            </a:r>
+          </a:p>
+          <a:p>
+            <a:pPr>
+              <a:buNone/>
+            </a:pPr>
+            <a:r>
+              <a:rPr lang="en-US" altLang="ko-KR" dirty="0">
+                <a:latin typeface="-윤고딕340" pitchFamily="18" charset="-127"/>
+                <a:ea typeface="-윤고딕340" pitchFamily="18" charset="-127"/>
+              </a:rPr>
+              <a:t>                </a:t>
+            </a:r>
+            <a:r>
+              <a:rPr lang="en-US" altLang="ko-KR" dirty="0" err="1">
+                <a:latin typeface="-윤고딕340" pitchFamily="18" charset="-127"/>
+                <a:ea typeface="-윤고딕340" pitchFamily="18" charset="-127"/>
+              </a:rPr>
+              <a:t>res.end</a:t>
+            </a:r>
+            <a:r>
+              <a:rPr lang="en-US" altLang="ko-KR" dirty="0">
+                <a:latin typeface="-윤고딕340" pitchFamily="18" charset="-127"/>
+                <a:ea typeface="-윤고딕340" pitchFamily="18" charset="-127"/>
+              </a:rPr>
+              <a:t>(</a:t>
+            </a:r>
+            <a:r>
+              <a:rPr lang="en-US" altLang="ko-KR" dirty="0" err="1">
+                <a:latin typeface="-윤고딕340" pitchFamily="18" charset="-127"/>
+                <a:ea typeface="-윤고딕340" pitchFamily="18" charset="-127"/>
+              </a:rPr>
+              <a:t>fn</a:t>
+            </a:r>
+            <a:r>
+              <a:rPr lang="en-US" altLang="ko-KR" dirty="0">
+                <a:latin typeface="-윤고딕340" pitchFamily="18" charset="-127"/>
+                <a:ea typeface="-윤고딕340" pitchFamily="18" charset="-127"/>
+              </a:rPr>
+              <a:t>({</a:t>
+            </a:r>
+          </a:p>
+          <a:p>
+            <a:pPr>
+              <a:buNone/>
+            </a:pPr>
+            <a:r>
+              <a:rPr lang="en-US" altLang="ko-KR" dirty="0">
+                <a:latin typeface="-윤고딕340" pitchFamily="18" charset="-127"/>
+                <a:ea typeface="-윤고딕340" pitchFamily="18" charset="-127"/>
+              </a:rPr>
+              <a:t>                        </a:t>
+            </a:r>
+            <a:r>
+              <a:rPr lang="en-US" altLang="ko-KR" dirty="0" err="1">
+                <a:latin typeface="-윤고딕340" pitchFamily="18" charset="-127"/>
+                <a:ea typeface="-윤고딕340" pitchFamily="18" charset="-127"/>
+              </a:rPr>
+              <a:t>name:</a:t>
+            </a:r>
+            <a:r>
+              <a:rPr lang="en-US" altLang="ko-KR" b="1" dirty="0" err="1">
+                <a:latin typeface="-윤고딕340" pitchFamily="18" charset="-127"/>
+                <a:ea typeface="-윤고딕340" pitchFamily="18" charset="-127"/>
+              </a:rPr>
+              <a:t>req.params.name</a:t>
+            </a:r>
+            <a:endParaRPr lang="en-US" altLang="ko-KR" b="1" dirty="0">
+              <a:latin typeface="-윤고딕340" pitchFamily="18" charset="-127"/>
+              <a:ea typeface="-윤고딕340" pitchFamily="18" charset="-127"/>
+            </a:endParaRPr>
+          </a:p>
+          <a:p>
+            <a:pPr>
+              <a:buNone/>
+            </a:pPr>
+            <a:r>
+              <a:rPr lang="en-US" altLang="ko-KR" dirty="0">
+                <a:latin typeface="-윤고딕340" pitchFamily="18" charset="-127"/>
+                <a:ea typeface="-윤고딕340" pitchFamily="18" charset="-127"/>
+              </a:rPr>
+              <a:t>                }));</a:t>
+            </a:r>
+          </a:p>
+          <a:p>
+            <a:pPr>
+              <a:buNone/>
+            </a:pPr>
+            <a:r>
+              <a:rPr lang="en-US" altLang="ko-KR" dirty="0">
+                <a:latin typeface="-윤고딕340" pitchFamily="18" charset="-127"/>
+                <a:ea typeface="-윤고딕340" pitchFamily="18" charset="-127"/>
+              </a:rPr>
+              <a:t>        });</a:t>
+            </a:r>
+          </a:p>
+          <a:p>
+            <a:pPr>
+              <a:buNone/>
+            </a:pPr>
+            <a:r>
+              <a:rPr lang="en-US" altLang="ko-KR" dirty="0">
+                <a:latin typeface="-윤고딕340" pitchFamily="18" charset="-127"/>
+                <a:ea typeface="-윤고딕340" pitchFamily="18" charset="-127"/>
+              </a:rPr>
+              <a:t>});</a:t>
+            </a:r>
+            <a:endParaRPr lang="ko-KR" altLang="en-US" dirty="0">
+              <a:latin typeface="-윤고딕340" pitchFamily="18" charset="-127"/>
+              <a:ea typeface="-윤고딕340" pitchFamily="18" charset="-127"/>
+            </a:endParaRPr>
+          </a:p>
+          <a:p>
+            <a:endParaRPr lang="ko-KR" altLang="en-US" dirty="0"/>
           </a:p>
         </p:txBody>
       </p:sp>
     </p:spTree>
     <p:extLst>
       <p:ext uri="{BB962C8B-B14F-4D97-AF65-F5344CB8AC3E}">
-        <p14:creationId xmlns:p14="http://schemas.microsoft.com/office/powerpoint/2010/main" val="3849171795"/>
+        <p14:creationId xmlns:p14="http://schemas.microsoft.com/office/powerpoint/2010/main" val="3548901437"/>
       </p:ext>
     </p:extLst>
   </p:cSld>
   <p:clrMapOvr>
     <a:masterClrMapping/>
   </p:clrMapOvr>
-  <p:timing>
-    <p:tnLst>
-      <p:par>
-        <p:cTn id="1" dur="indefinite" restart="never" nodeType="tmRoot"/>
-      </p:par>
-    </p:tnLst>
-  </p:timing>
 </p:sld>
 </file>
 
@@ -16529,11 +15990,1217 @@
           <a:p>
             <a:r>
               <a:rPr lang="en-US" altLang="ko-KR" dirty="0" smtClean="0"/>
+              <a:t>4.5 </a:t>
+            </a:r>
+            <a:r>
+              <a:rPr lang="ko-KR" altLang="en-US" dirty="0" err="1" smtClean="0"/>
+              <a:t>화면그리기</a:t>
+            </a:r>
+            <a:endParaRPr lang="ko-KR" altLang="en-US" dirty="0"/>
+          </a:p>
+        </p:txBody>
+      </p:sp>
+      <p:sp>
+        <p:nvSpPr>
+          <p:cNvPr id="5" name="내용 개체 틀 4"/>
+          <p:cNvSpPr>
+            <a:spLocks noGrp="1"/>
+          </p:cNvSpPr>
+          <p:nvPr>
+            <p:ph idx="1"/>
+          </p:nvPr>
+        </p:nvSpPr>
+        <p:spPr>
+          <a:xfrm>
+            <a:off x="457200" y="1484784"/>
+            <a:ext cx="8229600" cy="4824536"/>
+          </a:xfrm>
+        </p:spPr>
+        <p:txBody>
+          <a:bodyPr>
+            <a:normAutofit lnSpcReduction="10000"/>
+          </a:bodyPr>
+          <a:lstStyle/>
+          <a:p>
+            <a:r>
+              <a:rPr lang="en-US" altLang="ko-KR" sz="1800" dirty="0" smtClean="0">
+                <a:latin typeface="-윤고딕340" pitchFamily="18" charset="-127"/>
+                <a:ea typeface="-윤고딕340" pitchFamily="18" charset="-127"/>
+              </a:rPr>
+              <a:t>HTML </a:t>
+            </a:r>
+            <a:r>
+              <a:rPr lang="ko-KR" altLang="en-US" sz="1800" dirty="0" smtClean="0">
+                <a:latin typeface="-윤고딕340" pitchFamily="18" charset="-127"/>
+                <a:ea typeface="-윤고딕340" pitchFamily="18" charset="-127"/>
+              </a:rPr>
+              <a:t>기반 화면 그리기</a:t>
+            </a:r>
+            <a:r>
+              <a:rPr lang="en-US" altLang="ko-KR" sz="1800" dirty="0" smtClean="0">
+                <a:latin typeface="-윤고딕340" pitchFamily="18" charset="-127"/>
+                <a:ea typeface="-윤고딕340" pitchFamily="18" charset="-127"/>
+              </a:rPr>
+              <a:t>(Jade, </a:t>
+            </a:r>
+            <a:r>
+              <a:rPr lang="en-US" altLang="ko-KR" sz="1800" dirty="0" err="1" smtClean="0">
+                <a:latin typeface="-윤고딕340" pitchFamily="18" charset="-127"/>
+                <a:ea typeface="-윤고딕340" pitchFamily="18" charset="-127"/>
+              </a:rPr>
+              <a:t>coffeekup</a:t>
+            </a:r>
+            <a:r>
+              <a:rPr lang="en-US" altLang="ko-KR" sz="1800" dirty="0" smtClean="0">
+                <a:latin typeface="-윤고딕340" pitchFamily="18" charset="-127"/>
+                <a:ea typeface="-윤고딕340" pitchFamily="18" charset="-127"/>
+              </a:rPr>
+              <a:t> </a:t>
+            </a:r>
+            <a:r>
+              <a:rPr lang="ko-KR" altLang="en-US" sz="1800" dirty="0" smtClean="0">
+                <a:latin typeface="-윤고딕340" pitchFamily="18" charset="-127"/>
+                <a:ea typeface="-윤고딕340" pitchFamily="18" charset="-127"/>
+              </a:rPr>
+              <a:t>등</a:t>
+            </a:r>
+            <a:r>
+              <a:rPr lang="en-US" altLang="ko-KR" sz="1800" dirty="0" smtClean="0">
+                <a:latin typeface="-윤고딕340" pitchFamily="18" charset="-127"/>
+                <a:ea typeface="-윤고딕340" pitchFamily="18" charset="-127"/>
+              </a:rPr>
+              <a:t>)</a:t>
+            </a:r>
+          </a:p>
+          <a:p>
+            <a:pPr lvl="1"/>
+            <a:r>
+              <a:rPr lang="ko-KR" altLang="en-US" sz="1400" dirty="0" err="1" smtClean="0">
+                <a:latin typeface="-윤고딕340" pitchFamily="18" charset="-127"/>
+                <a:ea typeface="-윤고딕340" pitchFamily="18" charset="-127"/>
+              </a:rPr>
+              <a:t>무슨소린지</a:t>
+            </a:r>
+            <a:r>
+              <a:rPr lang="ko-KR" altLang="en-US" sz="1400" dirty="0" smtClean="0">
+                <a:latin typeface="-윤고딕340" pitchFamily="18" charset="-127"/>
+                <a:ea typeface="-윤고딕340" pitchFamily="18" charset="-127"/>
+              </a:rPr>
+              <a:t> 잘 모르겠지만 아래의 예를 보면 알 수 있다</a:t>
+            </a:r>
+            <a:r>
+              <a:rPr lang="en-US" altLang="ko-KR" sz="1400" dirty="0" smtClean="0">
+                <a:latin typeface="-윤고딕340" pitchFamily="18" charset="-127"/>
+                <a:ea typeface="-윤고딕340" pitchFamily="18" charset="-127"/>
+              </a:rPr>
+              <a:t>.</a:t>
+            </a:r>
+          </a:p>
+          <a:p>
+            <a:endParaRPr lang="en-US" altLang="ko-KR" sz="1800" dirty="0" smtClean="0">
+              <a:latin typeface="-윤고딕340" pitchFamily="18" charset="-127"/>
+              <a:ea typeface="-윤고딕340" pitchFamily="18" charset="-127"/>
+            </a:endParaRPr>
+          </a:p>
+          <a:p>
+            <a:endParaRPr lang="en-US" altLang="ko-KR" sz="1800" dirty="0" smtClean="0">
+              <a:latin typeface="-윤고딕340" pitchFamily="18" charset="-127"/>
+              <a:ea typeface="-윤고딕340" pitchFamily="18" charset="-127"/>
+            </a:endParaRPr>
+          </a:p>
+          <a:p>
+            <a:endParaRPr lang="en-US" altLang="ko-KR" sz="1800" dirty="0" smtClean="0">
+              <a:latin typeface="-윤고딕340" pitchFamily="18" charset="-127"/>
+              <a:ea typeface="-윤고딕340" pitchFamily="18" charset="-127"/>
+            </a:endParaRPr>
+          </a:p>
+          <a:p>
+            <a:endParaRPr lang="en-US" altLang="ko-KR" sz="1800" dirty="0" smtClean="0">
+              <a:latin typeface="-윤고딕340" pitchFamily="18" charset="-127"/>
+              <a:ea typeface="-윤고딕340" pitchFamily="18" charset="-127"/>
+            </a:endParaRPr>
+          </a:p>
+          <a:p>
+            <a:endParaRPr lang="en-US" altLang="ko-KR" sz="1800" dirty="0" smtClean="0">
+              <a:latin typeface="-윤고딕340" pitchFamily="18" charset="-127"/>
+              <a:ea typeface="-윤고딕340" pitchFamily="18" charset="-127"/>
+            </a:endParaRPr>
+          </a:p>
+          <a:p>
+            <a:endParaRPr lang="en-US" altLang="ko-KR" sz="1800" dirty="0" smtClean="0">
+              <a:latin typeface="-윤고딕340" pitchFamily="18" charset="-127"/>
+              <a:ea typeface="-윤고딕340" pitchFamily="18" charset="-127"/>
+            </a:endParaRPr>
+          </a:p>
+          <a:p>
+            <a:endParaRPr lang="en-US" altLang="ko-KR" sz="1800" dirty="0" smtClean="0">
+              <a:latin typeface="-윤고딕340" pitchFamily="18" charset="-127"/>
+              <a:ea typeface="-윤고딕340" pitchFamily="18" charset="-127"/>
+            </a:endParaRPr>
+          </a:p>
+          <a:p>
+            <a:r>
+              <a:rPr lang="ko-KR" altLang="en-US" sz="1800" dirty="0" smtClean="0">
+                <a:latin typeface="-윤고딕340" pitchFamily="18" charset="-127"/>
+                <a:ea typeface="-윤고딕340" pitchFamily="18" charset="-127"/>
+              </a:rPr>
+              <a:t>기존 서버사이드에서 </a:t>
+            </a:r>
+            <a:r>
+              <a:rPr lang="ko-KR" altLang="en-US" sz="1800" dirty="0" err="1" smtClean="0">
+                <a:latin typeface="-윤고딕340" pitchFamily="18" charset="-127"/>
+                <a:ea typeface="-윤고딕340" pitchFamily="18" charset="-127"/>
+              </a:rPr>
+              <a:t>화면구성하는</a:t>
+            </a:r>
+            <a:r>
+              <a:rPr lang="ko-KR" altLang="en-US" sz="1800" dirty="0" smtClean="0">
+                <a:latin typeface="-윤고딕340" pitchFamily="18" charset="-127"/>
+                <a:ea typeface="-윤고딕340" pitchFamily="18" charset="-127"/>
+              </a:rPr>
+              <a:t> 방법</a:t>
+            </a:r>
+            <a:r>
+              <a:rPr lang="en-US" altLang="ko-KR" sz="1800" dirty="0" smtClean="0">
+                <a:latin typeface="-윤고딕340" pitchFamily="18" charset="-127"/>
+                <a:ea typeface="-윤고딕340" pitchFamily="18" charset="-127"/>
+              </a:rPr>
+              <a:t>(</a:t>
+            </a:r>
+            <a:r>
+              <a:rPr lang="en-US" altLang="ko-KR" sz="1800" dirty="0" err="1" smtClean="0">
+                <a:latin typeface="-윤고딕340" pitchFamily="18" charset="-127"/>
+                <a:ea typeface="-윤고딕340" pitchFamily="18" charset="-127"/>
+              </a:rPr>
+              <a:t>ejs</a:t>
+            </a:r>
+            <a:r>
+              <a:rPr lang="en-US" altLang="ko-KR" sz="1800" dirty="0" smtClean="0">
+                <a:latin typeface="-윤고딕340" pitchFamily="18" charset="-127"/>
+                <a:ea typeface="-윤고딕340" pitchFamily="18" charset="-127"/>
+              </a:rPr>
+              <a:t>, swig, </a:t>
+            </a:r>
+            <a:r>
+              <a:rPr lang="en-US" altLang="ko-KR" sz="1800" b="1" dirty="0" smtClean="0"/>
+              <a:t>handlebars </a:t>
+            </a:r>
+            <a:r>
+              <a:rPr lang="ko-KR" altLang="en-US" sz="1800" b="1" dirty="0" smtClean="0"/>
+              <a:t>등</a:t>
+            </a:r>
+            <a:r>
+              <a:rPr lang="en-US" altLang="ko-KR" sz="1800" b="1" dirty="0" smtClean="0"/>
+              <a:t>)</a:t>
+            </a:r>
+          </a:p>
+          <a:p>
+            <a:pPr lvl="1"/>
+            <a:r>
+              <a:rPr lang="en-US" altLang="ko-KR" sz="1400" dirty="0" smtClean="0">
+                <a:latin typeface="-윤고딕340" pitchFamily="18" charset="-127"/>
+                <a:ea typeface="-윤고딕340" pitchFamily="18" charset="-127"/>
+              </a:rPr>
+              <a:t>ASP, PHP, JSP </a:t>
+            </a:r>
+            <a:r>
+              <a:rPr lang="ko-KR" altLang="en-US" sz="1400" dirty="0" smtClean="0">
+                <a:latin typeface="-윤고딕340" pitchFamily="18" charset="-127"/>
+                <a:ea typeface="-윤고딕340" pitchFamily="18" charset="-127"/>
+              </a:rPr>
+              <a:t>등에서 화면 그리는 것과 같은 식으로 개발 할 수 있다</a:t>
+            </a:r>
+            <a:r>
+              <a:rPr lang="en-US" altLang="ko-KR" sz="1400" dirty="0" smtClean="0">
+                <a:latin typeface="-윤고딕340" pitchFamily="18" charset="-127"/>
+                <a:ea typeface="-윤고딕340" pitchFamily="18" charset="-127"/>
+              </a:rPr>
+              <a:t>.</a:t>
+            </a:r>
+          </a:p>
+          <a:p>
+            <a:pPr lvl="1"/>
+            <a:r>
+              <a:rPr lang="ko-KR" altLang="en-US" sz="1400" dirty="0" smtClean="0">
+                <a:latin typeface="-윤고딕340" pitchFamily="18" charset="-127"/>
+                <a:ea typeface="-윤고딕340" pitchFamily="18" charset="-127"/>
+              </a:rPr>
+              <a:t>기존 </a:t>
+            </a:r>
+            <a:r>
+              <a:rPr lang="en-US" altLang="ko-KR" sz="1400" dirty="0" smtClean="0">
+                <a:latin typeface="-윤고딕340" pitchFamily="18" charset="-127"/>
+                <a:ea typeface="-윤고딕340" pitchFamily="18" charset="-127"/>
+              </a:rPr>
+              <a:t>JSP</a:t>
+            </a:r>
+            <a:r>
+              <a:rPr lang="ko-KR" altLang="en-US" sz="1400" dirty="0" smtClean="0">
+                <a:latin typeface="-윤고딕340" pitchFamily="18" charset="-127"/>
+                <a:ea typeface="-윤고딕340" pitchFamily="18" charset="-127"/>
+              </a:rPr>
+              <a:t>로 화면 그리는 것이 편한 경우 사용하면 좋을 것 같다</a:t>
+            </a:r>
+            <a:r>
+              <a:rPr lang="en-US" altLang="ko-KR" sz="1400" dirty="0" smtClean="0">
+                <a:latin typeface="-윤고딕340" pitchFamily="18" charset="-127"/>
+                <a:ea typeface="-윤고딕340" pitchFamily="18" charset="-127"/>
+              </a:rPr>
+              <a:t>.</a:t>
+            </a:r>
+            <a:br>
+              <a:rPr lang="en-US" altLang="ko-KR" sz="1400" dirty="0" smtClean="0">
+                <a:latin typeface="-윤고딕340" pitchFamily="18" charset="-127"/>
+                <a:ea typeface="-윤고딕340" pitchFamily="18" charset="-127"/>
+              </a:rPr>
+            </a:br>
+            <a:endParaRPr lang="en-US" altLang="ko-KR" sz="1400" dirty="0" smtClean="0">
+              <a:latin typeface="-윤고딕340" pitchFamily="18" charset="-127"/>
+              <a:ea typeface="-윤고딕340" pitchFamily="18" charset="-127"/>
+            </a:endParaRPr>
+          </a:p>
+          <a:p>
+            <a:r>
+              <a:rPr lang="en-US" altLang="ko-KR" sz="1800" dirty="0" smtClean="0">
+                <a:latin typeface="-윤고딕340" pitchFamily="18" charset="-127"/>
+                <a:ea typeface="-윤고딕340" pitchFamily="18" charset="-127"/>
+              </a:rPr>
+              <a:t>API</a:t>
+            </a:r>
+            <a:r>
+              <a:rPr lang="ko-KR" altLang="en-US" sz="1800" dirty="0" smtClean="0">
+                <a:latin typeface="-윤고딕340" pitchFamily="18" charset="-127"/>
+                <a:ea typeface="-윤고딕340" pitchFamily="18" charset="-127"/>
+              </a:rPr>
+              <a:t>를 호출하여 가져온 데이터를 그리는 식의 패턴</a:t>
+            </a:r>
+            <a:r>
+              <a:rPr lang="en-US" altLang="ko-KR" sz="1800" dirty="0" smtClean="0">
+                <a:latin typeface="-윤고딕340" pitchFamily="18" charset="-127"/>
+                <a:ea typeface="-윤고딕340" pitchFamily="18" charset="-127"/>
+              </a:rPr>
+              <a:t>(</a:t>
+            </a:r>
+            <a:r>
+              <a:rPr lang="en-US" altLang="ko-KR" sz="1800" dirty="0" err="1" smtClean="0">
+                <a:latin typeface="-윤고딕340" pitchFamily="18" charset="-127"/>
+                <a:ea typeface="-윤고딕340" pitchFamily="18" charset="-127"/>
+              </a:rPr>
+              <a:t>Jsdom</a:t>
+            </a:r>
+            <a:r>
+              <a:rPr lang="en-US" altLang="ko-KR" sz="1800" dirty="0" smtClean="0">
+                <a:latin typeface="-윤고딕340" pitchFamily="18" charset="-127"/>
+                <a:ea typeface="-윤고딕340" pitchFamily="18" charset="-127"/>
+              </a:rPr>
+              <a:t> </a:t>
+            </a:r>
+            <a:r>
+              <a:rPr lang="ko-KR" altLang="en-US" sz="1800" dirty="0" smtClean="0">
+                <a:latin typeface="-윤고딕340" pitchFamily="18" charset="-127"/>
+                <a:ea typeface="-윤고딕340" pitchFamily="18" charset="-127"/>
+              </a:rPr>
+              <a:t>등</a:t>
+            </a:r>
+            <a:r>
+              <a:rPr lang="en-US" altLang="ko-KR" sz="1800" dirty="0" smtClean="0">
+                <a:latin typeface="-윤고딕340" pitchFamily="18" charset="-127"/>
+                <a:ea typeface="-윤고딕340" pitchFamily="18" charset="-127"/>
+              </a:rPr>
+              <a:t>)</a:t>
+            </a:r>
+          </a:p>
+          <a:p>
+            <a:pPr lvl="1"/>
+            <a:r>
+              <a:rPr lang="ko-KR" altLang="en-US" sz="1400" dirty="0" smtClean="0">
+                <a:latin typeface="-윤고딕340" pitchFamily="18" charset="-127"/>
+                <a:ea typeface="-윤고딕340" pitchFamily="18" charset="-127"/>
+              </a:rPr>
+              <a:t>서버에서 보여줄 파일을 로딩한 후  </a:t>
+            </a:r>
+            <a:r>
+              <a:rPr lang="en-US" altLang="ko-KR" sz="1400" dirty="0" err="1" smtClean="0">
+                <a:latin typeface="-윤고딕340" pitchFamily="18" charset="-127"/>
+                <a:ea typeface="-윤고딕340" pitchFamily="18" charset="-127"/>
+              </a:rPr>
+              <a:t>jquery</a:t>
+            </a:r>
+            <a:r>
+              <a:rPr lang="ko-KR" altLang="en-US" sz="1400" dirty="0" smtClean="0">
+                <a:latin typeface="-윤고딕340" pitchFamily="18" charset="-127"/>
+                <a:ea typeface="-윤고딕340" pitchFamily="18" charset="-127"/>
+              </a:rPr>
+              <a:t>나 </a:t>
+            </a:r>
+            <a:r>
+              <a:rPr lang="en-US" altLang="ko-KR" sz="1400" dirty="0" err="1" smtClean="0">
+                <a:latin typeface="-윤고딕340" pitchFamily="18" charset="-127"/>
+                <a:ea typeface="-윤고딕340" pitchFamily="18" charset="-127"/>
+              </a:rPr>
+              <a:t>angularJs</a:t>
+            </a:r>
+            <a:r>
+              <a:rPr lang="ko-KR" altLang="en-US" sz="1400" dirty="0" smtClean="0">
+                <a:latin typeface="-윤고딕340" pitchFamily="18" charset="-127"/>
+                <a:ea typeface="-윤고딕340" pitchFamily="18" charset="-127"/>
+              </a:rPr>
+              <a:t>등을 삽입하여 </a:t>
+            </a:r>
+            <a:r>
+              <a:rPr lang="en-US" altLang="ko-KR" sz="1400" dirty="0" smtClean="0">
+                <a:latin typeface="-윤고딕340" pitchFamily="18" charset="-127"/>
+                <a:ea typeface="-윤고딕340" pitchFamily="18" charset="-127"/>
+              </a:rPr>
+              <a:t>DOM</a:t>
+            </a:r>
+            <a:r>
+              <a:rPr lang="ko-KR" altLang="en-US" sz="1400" dirty="0" smtClean="0">
+                <a:latin typeface="-윤고딕340" pitchFamily="18" charset="-127"/>
+                <a:ea typeface="-윤고딕340" pitchFamily="18" charset="-127"/>
+              </a:rPr>
+              <a:t>에 내용을 변경</a:t>
+            </a:r>
+            <a:endParaRPr lang="en-US" altLang="ko-KR" sz="1400" dirty="0" smtClean="0">
+              <a:latin typeface="-윤고딕340" pitchFamily="18" charset="-127"/>
+              <a:ea typeface="-윤고딕340" pitchFamily="18" charset="-127"/>
+            </a:endParaRPr>
+          </a:p>
+          <a:p>
+            <a:pPr lvl="1"/>
+            <a:r>
+              <a:rPr lang="en-US" altLang="ko-KR" sz="1400" dirty="0" smtClean="0">
+                <a:latin typeface="-윤고딕340" pitchFamily="18" charset="-127"/>
+                <a:ea typeface="-윤고딕340" pitchFamily="18" charset="-127"/>
+              </a:rPr>
+              <a:t>Front-End </a:t>
+            </a:r>
+            <a:r>
+              <a:rPr lang="ko-KR" altLang="en-US" sz="1400" dirty="0" smtClean="0">
+                <a:latin typeface="-윤고딕340" pitchFamily="18" charset="-127"/>
+                <a:ea typeface="-윤고딕340" pitchFamily="18" charset="-127"/>
+              </a:rPr>
+              <a:t>단에서 </a:t>
+            </a:r>
+            <a:r>
+              <a:rPr lang="en-US" altLang="ko-KR" sz="1400" dirty="0" smtClean="0">
+                <a:latin typeface="-윤고딕340" pitchFamily="18" charset="-127"/>
+                <a:ea typeface="-윤고딕340" pitchFamily="18" charset="-127"/>
+              </a:rPr>
+              <a:t>JSON </a:t>
+            </a:r>
+            <a:r>
+              <a:rPr lang="ko-KR" altLang="en-US" sz="1400" dirty="0" smtClean="0">
+                <a:latin typeface="-윤고딕340" pitchFamily="18" charset="-127"/>
+                <a:ea typeface="-윤고딕340" pitchFamily="18" charset="-127"/>
+              </a:rPr>
+              <a:t>호출 후 템플릿을 이용하여 화면은 그리는 것과 거의 같은 식으로 개발할 수 있다</a:t>
+            </a:r>
+            <a:r>
+              <a:rPr lang="en-US" altLang="ko-KR" sz="1400" dirty="0" smtClean="0">
+                <a:latin typeface="-윤고딕340" pitchFamily="18" charset="-127"/>
+                <a:ea typeface="-윤고딕340" pitchFamily="18" charset="-127"/>
+              </a:rPr>
+              <a:t>.</a:t>
+            </a:r>
+          </a:p>
+          <a:p>
+            <a:pPr lvl="1">
+              <a:buNone/>
+            </a:pPr>
+            <a:endParaRPr lang="en-US" altLang="ko-KR" sz="1400" dirty="0" smtClean="0">
+              <a:latin typeface="-윤고딕340" pitchFamily="18" charset="-127"/>
+              <a:ea typeface="-윤고딕340" pitchFamily="18" charset="-127"/>
+            </a:endParaRPr>
+          </a:p>
+          <a:p>
+            <a:pPr lvl="1">
+              <a:buNone/>
+            </a:pPr>
+            <a:endParaRPr lang="en-US" altLang="ko-KR" sz="1400" dirty="0" smtClean="0">
+              <a:latin typeface="-윤고딕340" pitchFamily="18" charset="-127"/>
+              <a:ea typeface="-윤고딕340" pitchFamily="18" charset="-127"/>
+            </a:endParaRPr>
+          </a:p>
+          <a:p>
+            <a:pPr>
+              <a:buNone/>
+            </a:pPr>
+            <a:endParaRPr lang="en-US" altLang="ko-KR" sz="1800" dirty="0" smtClean="0">
+              <a:latin typeface="-윤고딕340" pitchFamily="18" charset="-127"/>
+              <a:ea typeface="-윤고딕340" pitchFamily="18" charset="-127"/>
+            </a:endParaRPr>
+          </a:p>
+        </p:txBody>
+      </p:sp>
+      <p:sp>
+        <p:nvSpPr>
+          <p:cNvPr id="6" name="TextBox 5"/>
+          <p:cNvSpPr txBox="1"/>
+          <p:nvPr/>
+        </p:nvSpPr>
+        <p:spPr>
+          <a:xfrm>
+            <a:off x="899592" y="2204864"/>
+            <a:ext cx="2448272" cy="1785104"/>
+          </a:xfrm>
+          <a:prstGeom prst="rect">
+            <a:avLst/>
+          </a:prstGeom>
+          <a:noFill/>
+        </p:spPr>
+        <p:txBody>
+          <a:bodyPr wrap="square" rtlCol="0">
+            <a:spAutoFit/>
+          </a:bodyPr>
+          <a:lstStyle/>
+          <a:p>
+            <a:r>
+              <a:rPr lang="en-US" altLang="ko-KR" sz="1100" dirty="0" smtClean="0">
+                <a:ea typeface="돋움체" pitchFamily="49" charset="-127"/>
+              </a:rPr>
+              <a:t>html</a:t>
+            </a:r>
+          </a:p>
+          <a:p>
+            <a:r>
+              <a:rPr lang="en-US" altLang="ko-KR" sz="1100" dirty="0" smtClean="0">
+                <a:ea typeface="돋움체" pitchFamily="49" charset="-127"/>
+              </a:rPr>
+              <a:t>  head</a:t>
+            </a:r>
+          </a:p>
+          <a:p>
+            <a:r>
+              <a:rPr lang="en-US" altLang="ko-KR" sz="1100" dirty="0" smtClean="0">
+                <a:ea typeface="돋움체" pitchFamily="49" charset="-127"/>
+              </a:rPr>
+              <a:t>    title= "I'm Title"</a:t>
+            </a:r>
+          </a:p>
+          <a:p>
+            <a:r>
+              <a:rPr lang="en-US" altLang="ko-KR" sz="1100" dirty="0" smtClean="0">
+                <a:ea typeface="돋움체" pitchFamily="49" charset="-127"/>
+              </a:rPr>
+              <a:t>    link(</a:t>
+            </a:r>
+            <a:r>
+              <a:rPr lang="en-US" altLang="ko-KR" sz="1100" dirty="0" err="1" smtClean="0">
+                <a:ea typeface="돋움체" pitchFamily="49" charset="-127"/>
+              </a:rPr>
+              <a:t>rel</a:t>
+            </a:r>
+            <a:r>
+              <a:rPr lang="en-US" altLang="ko-KR" sz="1100" dirty="0" smtClean="0">
+                <a:ea typeface="돋움체" pitchFamily="49" charset="-127"/>
+              </a:rPr>
+              <a:t>='</a:t>
+            </a:r>
+            <a:r>
+              <a:rPr lang="en-US" altLang="ko-KR" sz="1100" dirty="0" err="1" smtClean="0">
+                <a:ea typeface="돋움체" pitchFamily="49" charset="-127"/>
+              </a:rPr>
+              <a:t>stylesheet</a:t>
+            </a:r>
+            <a:r>
+              <a:rPr lang="en-US" altLang="ko-KR" sz="1100" dirty="0" smtClean="0">
+                <a:ea typeface="돋움체" pitchFamily="49" charset="-127"/>
+              </a:rPr>
+              <a:t>', </a:t>
+            </a:r>
+            <a:r>
+              <a:rPr lang="en-US" altLang="ko-KR" sz="1100" dirty="0" err="1" smtClean="0">
+                <a:ea typeface="돋움체" pitchFamily="49" charset="-127"/>
+              </a:rPr>
+              <a:t>href</a:t>
+            </a:r>
+            <a:r>
+              <a:rPr lang="en-US" altLang="ko-KR" sz="1100" dirty="0" smtClean="0">
+                <a:ea typeface="돋움체" pitchFamily="49" charset="-127"/>
+              </a:rPr>
+              <a:t>='/</a:t>
+            </a:r>
+            <a:r>
+              <a:rPr lang="en-US" altLang="ko-KR" sz="1100" dirty="0" err="1" smtClean="0">
+                <a:ea typeface="돋움체" pitchFamily="49" charset="-127"/>
+              </a:rPr>
+              <a:t>stylesheets</a:t>
+            </a:r>
+            <a:r>
+              <a:rPr lang="en-US" altLang="ko-KR" sz="1100" dirty="0" smtClean="0">
+                <a:ea typeface="돋움체" pitchFamily="49" charset="-127"/>
+              </a:rPr>
+              <a:t>/style.css')</a:t>
+            </a:r>
+          </a:p>
+          <a:p>
+            <a:r>
+              <a:rPr lang="en-US" altLang="ko-KR" sz="1100" dirty="0" smtClean="0">
+                <a:ea typeface="돋움체" pitchFamily="49" charset="-127"/>
+              </a:rPr>
+              <a:t>  body</a:t>
+            </a:r>
+          </a:p>
+          <a:p>
+            <a:r>
+              <a:rPr lang="en-US" altLang="ko-KR" sz="1100" dirty="0" smtClean="0">
+                <a:ea typeface="돋움체" pitchFamily="49" charset="-127"/>
+              </a:rPr>
+              <a:t>    p Welcome to #{name}</a:t>
+            </a:r>
+          </a:p>
+          <a:p>
+            <a:r>
+              <a:rPr lang="en-US" altLang="ko-KR" sz="1100" dirty="0" smtClean="0">
+                <a:ea typeface="돋움체" pitchFamily="49" charset="-127"/>
+              </a:rPr>
+              <a:t>    - for(</a:t>
+            </a:r>
+            <a:r>
+              <a:rPr lang="en-US" altLang="ko-KR" sz="1100" dirty="0" err="1" smtClean="0">
+                <a:ea typeface="돋움체" pitchFamily="49" charset="-127"/>
+              </a:rPr>
+              <a:t>var</a:t>
+            </a:r>
+            <a:r>
+              <a:rPr lang="en-US" altLang="ko-KR" sz="1100" dirty="0" smtClean="0">
+                <a:ea typeface="돋움체" pitchFamily="49" charset="-127"/>
+              </a:rPr>
+              <a:t> </a:t>
+            </a:r>
+            <a:r>
+              <a:rPr lang="en-US" altLang="ko-KR" sz="1100" dirty="0" err="1" smtClean="0">
+                <a:ea typeface="돋움체" pitchFamily="49" charset="-127"/>
+              </a:rPr>
+              <a:t>i</a:t>
+            </a:r>
+            <a:r>
+              <a:rPr lang="en-US" altLang="ko-KR" sz="1100" dirty="0" smtClean="0">
+                <a:ea typeface="돋움체" pitchFamily="49" charset="-127"/>
+              </a:rPr>
+              <a:t>=0;i&lt;2;i++){</a:t>
+            </a:r>
+          </a:p>
+          <a:p>
+            <a:r>
+              <a:rPr lang="en-US" altLang="ko-KR" sz="1100" dirty="0" smtClean="0">
+                <a:ea typeface="돋움체" pitchFamily="49" charset="-127"/>
+              </a:rPr>
+              <a:t>      p HI #{name}</a:t>
+            </a:r>
+          </a:p>
+          <a:p>
+            <a:r>
+              <a:rPr lang="en-US" altLang="ko-KR" sz="1100" dirty="0" smtClean="0">
+                <a:ea typeface="돋움체" pitchFamily="49" charset="-127"/>
+              </a:rPr>
+              <a:t>    - }</a:t>
+            </a:r>
+          </a:p>
+        </p:txBody>
+      </p:sp>
+      <p:sp>
+        <p:nvSpPr>
+          <p:cNvPr id="7" name="TextBox 6"/>
+          <p:cNvSpPr txBox="1"/>
+          <p:nvPr/>
+        </p:nvSpPr>
+        <p:spPr>
+          <a:xfrm>
+            <a:off x="3779912" y="2060848"/>
+            <a:ext cx="4824536" cy="1938992"/>
+          </a:xfrm>
+          <a:prstGeom prst="rect">
+            <a:avLst/>
+          </a:prstGeom>
+          <a:noFill/>
+        </p:spPr>
+        <p:txBody>
+          <a:bodyPr wrap="square" rtlCol="0">
+            <a:spAutoFit/>
+          </a:bodyPr>
+          <a:lstStyle/>
+          <a:p>
+            <a:r>
+              <a:rPr lang="en-US" altLang="ko-KR" sz="1200" dirty="0" smtClean="0"/>
+              <a:t>&lt;html&gt;</a:t>
+            </a:r>
+          </a:p>
+          <a:p>
+            <a:r>
+              <a:rPr lang="en-US" altLang="ko-KR" sz="1200" dirty="0" smtClean="0"/>
+              <a:t>    &lt;head&gt;</a:t>
+            </a:r>
+          </a:p>
+          <a:p>
+            <a:r>
+              <a:rPr lang="en-US" altLang="ko-KR" sz="1200" dirty="0" smtClean="0"/>
+              <a:t>        &lt;title&gt;I'm Title&lt;/title&gt;</a:t>
+            </a:r>
+          </a:p>
+          <a:p>
+            <a:r>
+              <a:rPr lang="en-US" altLang="ko-KR" sz="1200" dirty="0" smtClean="0"/>
+              <a:t>        &lt;link </a:t>
+            </a:r>
+            <a:r>
+              <a:rPr lang="en-US" altLang="ko-KR" sz="1200" dirty="0" err="1" smtClean="0"/>
+              <a:t>rel</a:t>
+            </a:r>
+            <a:r>
+              <a:rPr lang="en-US" altLang="ko-KR" sz="1200" dirty="0" smtClean="0"/>
+              <a:t>="</a:t>
+            </a:r>
+            <a:r>
+              <a:rPr lang="en-US" altLang="ko-KR" sz="1200" dirty="0" err="1" smtClean="0"/>
+              <a:t>stylesheet</a:t>
+            </a:r>
+            <a:r>
+              <a:rPr lang="en-US" altLang="ko-KR" sz="1200" dirty="0" smtClean="0"/>
+              <a:t>" </a:t>
+            </a:r>
+            <a:r>
+              <a:rPr lang="en-US" altLang="ko-KR" sz="1200" dirty="0" err="1" smtClean="0"/>
+              <a:t>href</a:t>
+            </a:r>
+            <a:r>
+              <a:rPr lang="en-US" altLang="ko-KR" sz="1200" dirty="0" smtClean="0"/>
+              <a:t>="</a:t>
+            </a:r>
+            <a:r>
+              <a:rPr lang="en-US" altLang="ko-KR" sz="1200" dirty="0" smtClean="0">
+                <a:hlinkClick r:id="rId2"/>
+              </a:rPr>
+              <a:t>/</a:t>
+            </a:r>
+            <a:r>
+              <a:rPr lang="en-US" altLang="ko-KR" sz="1200" dirty="0" err="1" smtClean="0">
+                <a:hlinkClick r:id="rId2"/>
+              </a:rPr>
+              <a:t>stylesheets</a:t>
+            </a:r>
+            <a:r>
+              <a:rPr lang="en-US" altLang="ko-KR" sz="1200" dirty="0" smtClean="0">
+                <a:hlinkClick r:id="rId2"/>
+              </a:rPr>
+              <a:t>/style.css</a:t>
+            </a:r>
+            <a:r>
+              <a:rPr lang="en-US" altLang="ko-KR" sz="1200" dirty="0" smtClean="0"/>
+              <a:t>"/&gt;</a:t>
+            </a:r>
+          </a:p>
+          <a:p>
+            <a:r>
+              <a:rPr lang="en-US" altLang="ko-KR" sz="1200" dirty="0" smtClean="0"/>
+              <a:t>    &lt;/head&gt;</a:t>
+            </a:r>
+          </a:p>
+          <a:p>
+            <a:r>
+              <a:rPr lang="en-US" altLang="ko-KR" sz="1200" dirty="0" smtClean="0"/>
+              <a:t>&lt;body&gt;&lt;p&gt;Welcome to </a:t>
+            </a:r>
+            <a:r>
+              <a:rPr lang="en-US" altLang="ko-KR" sz="1200" dirty="0" err="1" smtClean="0"/>
+              <a:t>hong</a:t>
+            </a:r>
+            <a:r>
+              <a:rPr lang="en-US" altLang="ko-KR" sz="1200" dirty="0" smtClean="0"/>
+              <a:t>&lt;/p&gt;</a:t>
+            </a:r>
+          </a:p>
+          <a:p>
+            <a:r>
+              <a:rPr lang="en-US" altLang="ko-KR" sz="1200" dirty="0" smtClean="0"/>
+              <a:t>&lt;p&gt;HI </a:t>
+            </a:r>
+            <a:r>
+              <a:rPr lang="en-US" altLang="ko-KR" sz="1200" dirty="0" err="1" smtClean="0"/>
+              <a:t>hong</a:t>
+            </a:r>
+            <a:r>
+              <a:rPr lang="en-US" altLang="ko-KR" sz="1200" dirty="0" smtClean="0"/>
+              <a:t>&lt;/p&gt;</a:t>
+            </a:r>
+          </a:p>
+          <a:p>
+            <a:r>
+              <a:rPr lang="en-US" altLang="ko-KR" sz="1200" dirty="0" smtClean="0"/>
+              <a:t>&lt;p&gt;HI </a:t>
+            </a:r>
+            <a:r>
+              <a:rPr lang="en-US" altLang="ko-KR" sz="1200" dirty="0" err="1" smtClean="0"/>
+              <a:t>hong</a:t>
+            </a:r>
+            <a:r>
+              <a:rPr lang="en-US" altLang="ko-KR" sz="1200" dirty="0" smtClean="0"/>
+              <a:t>&lt;/p&gt;</a:t>
+            </a:r>
+          </a:p>
+          <a:p>
+            <a:r>
+              <a:rPr lang="en-US" altLang="ko-KR" sz="1200" dirty="0" smtClean="0"/>
+              <a:t>&lt;/body&gt;</a:t>
+            </a:r>
+          </a:p>
+          <a:p>
+            <a:r>
+              <a:rPr lang="en-US" altLang="ko-KR" sz="1200" dirty="0" smtClean="0"/>
+              <a:t>&lt;/html&gt;</a:t>
+            </a:r>
+            <a:endParaRPr lang="ko-KR" altLang="en-US" sz="1200" dirty="0">
+              <a:latin typeface="돋움체" pitchFamily="49" charset="-127"/>
+              <a:ea typeface="돋움체" pitchFamily="49" charset="-127"/>
+            </a:endParaRPr>
+          </a:p>
+        </p:txBody>
+      </p:sp>
+      <p:sp>
+        <p:nvSpPr>
+          <p:cNvPr id="8" name="오른쪽 화살표 7"/>
+          <p:cNvSpPr/>
+          <p:nvPr/>
+        </p:nvSpPr>
+        <p:spPr>
+          <a:xfrm>
+            <a:off x="2987824" y="2780928"/>
+            <a:ext cx="432048" cy="360040"/>
+          </a:xfrm>
+          <a:prstGeom prst="rightArrow">
+            <a:avLst/>
+          </a:prstGeom>
+        </p:spPr>
+        <p:style>
+          <a:lnRef idx="1">
+            <a:schemeClr val="accent2"/>
+          </a:lnRef>
+          <a:fillRef idx="3">
+            <a:schemeClr val="accent2"/>
+          </a:fillRef>
+          <a:effectRef idx="2">
+            <a:schemeClr val="accent2"/>
+          </a:effectRef>
+          <a:fontRef idx="minor">
+            <a:schemeClr val="lt1"/>
+          </a:fontRef>
+        </p:style>
+        <p:txBody>
+          <a:bodyPr rtlCol="0" anchor="ctr"/>
+          <a:lstStyle/>
+          <a:p>
+            <a:pPr algn="ctr"/>
+            <a:endParaRPr lang="ko-KR" altLang="en-US" dirty="0">
+              <a:solidFill>
+                <a:srgbClr val="FF0000"/>
+              </a:solidFill>
+            </a:endParaRPr>
+          </a:p>
+        </p:txBody>
+      </p:sp>
+    </p:spTree>
+    <p:extLst>
+      <p:ext uri="{BB962C8B-B14F-4D97-AF65-F5344CB8AC3E}">
+        <p14:creationId xmlns:p14="http://schemas.microsoft.com/office/powerpoint/2010/main" val="986621719"/>
+      </p:ext>
+    </p:extLst>
+  </p:cSld>
+  <p:clrMapOvr>
+    <a:masterClrMapping/>
+  </p:clrMapOvr>
+</p:sld>
+</file>
+
+<file path=ppt/slides/slide31.xml><?xml version="1.0" encoding="utf-8"?>
+<p:sld xmlns:a="http://schemas.openxmlformats.org/drawingml/2006/main" xmlns:r="http://schemas.openxmlformats.org/officeDocument/2006/relationships" xmlns:p="http://schemas.openxmlformats.org/presentationml/2006/main">
+  <p:cSld>
+    <p:spTree>
+      <p:nvGrpSpPr>
+        <p:cNvPr id="1" name=""/>
+        <p:cNvGrpSpPr/>
+        <p:nvPr/>
+      </p:nvGrpSpPr>
+      <p:grpSpPr>
+        <a:xfrm>
+          <a:off x="0" y="0"/>
+          <a:ext cx="0" cy="0"/>
+          <a:chOff x="0" y="0"/>
+          <a:chExt cx="0" cy="0"/>
+        </a:xfrm>
+      </p:grpSpPr>
+      <p:sp>
+        <p:nvSpPr>
+          <p:cNvPr id="2" name="제목 1"/>
+          <p:cNvSpPr>
+            <a:spLocks noGrp="1"/>
+          </p:cNvSpPr>
+          <p:nvPr>
+            <p:ph type="title"/>
+          </p:nvPr>
+        </p:nvSpPr>
+        <p:spPr/>
+        <p:txBody>
+          <a:bodyPr/>
+          <a:lstStyle/>
+          <a:p>
+            <a:r>
+              <a:rPr lang="ko-KR" altLang="en-US" dirty="0" smtClean="0"/>
+              <a:t>활용</a:t>
+            </a:r>
+            <a:endParaRPr lang="ko-KR" altLang="en-US" dirty="0"/>
+          </a:p>
+        </p:txBody>
+      </p:sp>
+      <p:sp>
+        <p:nvSpPr>
+          <p:cNvPr id="4" name="Content Placeholder 2"/>
+          <p:cNvSpPr>
+            <a:spLocks noGrp="1"/>
+          </p:cNvSpPr>
+          <p:nvPr>
+            <p:ph idx="1"/>
+          </p:nvPr>
+        </p:nvSpPr>
+        <p:spPr>
+          <a:xfrm>
+            <a:off x="457200" y="1556792"/>
+            <a:ext cx="8229600" cy="4569371"/>
+          </a:xfrm>
+        </p:spPr>
+        <p:txBody>
+          <a:bodyPr>
+            <a:normAutofit fontScale="62500" lnSpcReduction="20000"/>
+          </a:bodyPr>
+          <a:lstStyle/>
+          <a:p>
+            <a:pPr>
+              <a:lnSpc>
+                <a:spcPct val="160000"/>
+              </a:lnSpc>
+            </a:pPr>
+            <a:r>
+              <a:rPr lang="en-US" altLang="ko-KR" sz="2400" dirty="0" smtClean="0">
+                <a:latin typeface="-윤고딕340" pitchFamily="18" charset="-127"/>
+                <a:ea typeface="-윤고딕340" pitchFamily="18" charset="-127"/>
+              </a:rPr>
+              <a:t>Prototyping</a:t>
+            </a:r>
+          </a:p>
+          <a:p>
+            <a:pPr>
+              <a:lnSpc>
+                <a:spcPct val="160000"/>
+              </a:lnSpc>
+            </a:pPr>
+            <a:r>
+              <a:rPr lang="ko-KR" altLang="en-US" sz="2400" dirty="0" smtClean="0">
+                <a:latin typeface="-윤고딕340" pitchFamily="18" charset="-127"/>
+                <a:ea typeface="-윤고딕340" pitchFamily="18" charset="-127"/>
+              </a:rPr>
+              <a:t>간단한 </a:t>
+            </a:r>
+            <a:r>
+              <a:rPr lang="ko-KR" altLang="en-US" sz="2400" dirty="0" err="1" smtClean="0">
+                <a:latin typeface="-윤고딕340" pitchFamily="18" charset="-127"/>
+                <a:ea typeface="-윤고딕340" pitchFamily="18" charset="-127"/>
+              </a:rPr>
+              <a:t>웹서비스</a:t>
+            </a:r>
+            <a:endParaRPr lang="en-US" altLang="ko-KR" sz="2400" dirty="0" smtClean="0">
+              <a:latin typeface="-윤고딕340" pitchFamily="18" charset="-127"/>
+              <a:ea typeface="-윤고딕340" pitchFamily="18" charset="-127"/>
+            </a:endParaRPr>
+          </a:p>
+          <a:p>
+            <a:pPr>
+              <a:lnSpc>
+                <a:spcPct val="160000"/>
+              </a:lnSpc>
+            </a:pPr>
+            <a:r>
+              <a:rPr lang="ko-KR" altLang="en-US" sz="2400" dirty="0" smtClean="0">
+                <a:latin typeface="-윤고딕340" pitchFamily="18" charset="-127"/>
+                <a:ea typeface="-윤고딕340" pitchFamily="18" charset="-127"/>
+              </a:rPr>
+              <a:t>간단한 </a:t>
+            </a:r>
+            <a:r>
+              <a:rPr lang="ko-KR" altLang="en-US" sz="2400" dirty="0" err="1" smtClean="0">
+                <a:latin typeface="-윤고딕340" pitchFamily="18" charset="-127"/>
+                <a:ea typeface="-윤고딕340" pitchFamily="18" charset="-127"/>
+              </a:rPr>
+              <a:t>로직의</a:t>
+            </a:r>
+            <a:r>
+              <a:rPr lang="ko-KR" altLang="en-US" sz="2400" dirty="0" smtClean="0">
+                <a:latin typeface="-윤고딕340" pitchFamily="18" charset="-127"/>
+                <a:ea typeface="-윤고딕340" pitchFamily="18" charset="-127"/>
+              </a:rPr>
+              <a:t> 대용량 처리</a:t>
+            </a:r>
+            <a:endParaRPr lang="en-US" altLang="ko-KR" sz="2400" dirty="0" smtClean="0">
+              <a:latin typeface="-윤고딕340" pitchFamily="18" charset="-127"/>
+              <a:ea typeface="-윤고딕340" pitchFamily="18" charset="-127"/>
+            </a:endParaRPr>
+          </a:p>
+          <a:p>
+            <a:pPr>
+              <a:lnSpc>
+                <a:spcPct val="160000"/>
+              </a:lnSpc>
+            </a:pPr>
+            <a:r>
+              <a:rPr lang="ko-KR" altLang="en-US" sz="2400" dirty="0" smtClean="0">
+                <a:latin typeface="-윤고딕340" pitchFamily="18" charset="-127"/>
+                <a:ea typeface="-윤고딕340" pitchFamily="18" charset="-127"/>
+              </a:rPr>
+              <a:t>빠른 응답 시간을 요구하는 어플리케이션</a:t>
+            </a:r>
+            <a:endParaRPr lang="en-US" altLang="ko-KR" sz="2400" dirty="0" smtClean="0">
+              <a:latin typeface="-윤고딕340" pitchFamily="18" charset="-127"/>
+              <a:ea typeface="-윤고딕340" pitchFamily="18" charset="-127"/>
+            </a:endParaRPr>
+          </a:p>
+          <a:p>
+            <a:pPr>
+              <a:lnSpc>
+                <a:spcPct val="160000"/>
+              </a:lnSpc>
+            </a:pPr>
+            <a:r>
+              <a:rPr lang="en-US" sz="2400" dirty="0" smtClean="0">
+                <a:latin typeface="-윤고딕340" pitchFamily="18" charset="-127"/>
+                <a:ea typeface="-윤고딕340" pitchFamily="18" charset="-127"/>
+              </a:rPr>
+              <a:t>File Up/Download </a:t>
+            </a:r>
+            <a:r>
+              <a:rPr lang="ko-KR" altLang="en-US" sz="2400" dirty="0" smtClean="0">
+                <a:latin typeface="-윤고딕340" pitchFamily="18" charset="-127"/>
+                <a:ea typeface="-윤고딕340" pitchFamily="18" charset="-127"/>
+              </a:rPr>
+              <a:t>같은 </a:t>
+            </a:r>
+            <a:r>
+              <a:rPr lang="en-US" altLang="ko-KR" sz="2400" dirty="0" smtClean="0">
+                <a:latin typeface="-윤고딕340" pitchFamily="18" charset="-127"/>
+                <a:ea typeface="-윤고딕340" pitchFamily="18" charset="-127"/>
+              </a:rPr>
+              <a:t>I/O </a:t>
+            </a:r>
+            <a:r>
+              <a:rPr lang="ko-KR" altLang="en-US" sz="2400" dirty="0" smtClean="0">
+                <a:latin typeface="-윤고딕340" pitchFamily="18" charset="-127"/>
+                <a:ea typeface="-윤고딕340" pitchFamily="18" charset="-127"/>
+              </a:rPr>
+              <a:t>서비스</a:t>
+            </a:r>
+            <a:endParaRPr lang="en-US" altLang="ko-KR" sz="2400" dirty="0" smtClean="0">
+              <a:latin typeface="-윤고딕340" pitchFamily="18" charset="-127"/>
+              <a:ea typeface="-윤고딕340" pitchFamily="18" charset="-127"/>
+            </a:endParaRPr>
+          </a:p>
+          <a:p>
+            <a:pPr>
+              <a:lnSpc>
+                <a:spcPct val="160000"/>
+              </a:lnSpc>
+            </a:pPr>
+            <a:r>
+              <a:rPr lang="en-US" altLang="ko-KR" sz="2400" dirty="0" smtClean="0">
+                <a:latin typeface="-윤고딕340" pitchFamily="18" charset="-127"/>
+                <a:ea typeface="-윤고딕340" pitchFamily="18" charset="-127"/>
+              </a:rPr>
+              <a:t>Test Framework </a:t>
+            </a:r>
+            <a:r>
+              <a:rPr lang="ko-KR" altLang="en-US" sz="2400" dirty="0" smtClean="0">
+                <a:latin typeface="-윤고딕340" pitchFamily="18" charset="-127"/>
+                <a:ea typeface="-윤고딕340" pitchFamily="18" charset="-127"/>
+              </a:rPr>
+              <a:t>및 웹사이트 성능 분석</a:t>
+            </a:r>
+            <a:endParaRPr lang="en-US" altLang="ko-KR" sz="2400" dirty="0" smtClean="0">
+              <a:latin typeface="-윤고딕340" pitchFamily="18" charset="-127"/>
+              <a:ea typeface="-윤고딕340" pitchFamily="18" charset="-127"/>
+            </a:endParaRPr>
+          </a:p>
+          <a:p>
+            <a:pPr>
+              <a:lnSpc>
+                <a:spcPct val="160000"/>
+              </a:lnSpc>
+            </a:pPr>
+            <a:r>
+              <a:rPr lang="ko-KR" altLang="en-US" sz="2400" dirty="0" smtClean="0">
+                <a:latin typeface="-윤고딕340" pitchFamily="18" charset="-127"/>
+                <a:ea typeface="-윤고딕340" pitchFamily="18" charset="-127"/>
+              </a:rPr>
+              <a:t>채팅 서비스</a:t>
+            </a:r>
+            <a:r>
+              <a:rPr lang="en-US" altLang="ko-KR" sz="2400" dirty="0" smtClean="0">
+                <a:latin typeface="-윤고딕340" pitchFamily="18" charset="-127"/>
+                <a:ea typeface="-윤고딕340" pitchFamily="18" charset="-127"/>
+              </a:rPr>
+              <a:t>(socket.io)</a:t>
+            </a:r>
+          </a:p>
+          <a:p>
+            <a:pPr>
+              <a:lnSpc>
+                <a:spcPct val="160000"/>
+              </a:lnSpc>
+            </a:pPr>
+            <a:r>
+              <a:rPr lang="ko-KR" altLang="en-US" sz="2400" dirty="0" smtClean="0">
+                <a:latin typeface="-윤고딕340" pitchFamily="18" charset="-127"/>
+                <a:ea typeface="-윤고딕340" pitchFamily="18" charset="-127"/>
+              </a:rPr>
+              <a:t>서버 배치 프로그래밍</a:t>
+            </a:r>
+            <a:endParaRPr lang="en-US" altLang="ko-KR" sz="2400" dirty="0" smtClean="0">
+              <a:latin typeface="-윤고딕340" pitchFamily="18" charset="-127"/>
+              <a:ea typeface="-윤고딕340" pitchFamily="18" charset="-127"/>
+            </a:endParaRPr>
+          </a:p>
+          <a:p>
+            <a:pPr>
+              <a:lnSpc>
+                <a:spcPct val="160000"/>
+              </a:lnSpc>
+            </a:pPr>
+            <a:r>
+              <a:rPr lang="en-US" altLang="ko-KR" sz="2400" dirty="0" smtClean="0">
+                <a:latin typeface="-윤고딕340" pitchFamily="18" charset="-127"/>
+                <a:ea typeface="-윤고딕340" pitchFamily="18" charset="-127"/>
+              </a:rPr>
+              <a:t>REST API </a:t>
+            </a:r>
+            <a:r>
+              <a:rPr lang="ko-KR" altLang="en-US" sz="2400" dirty="0" smtClean="0">
+                <a:latin typeface="-윤고딕340" pitchFamily="18" charset="-127"/>
+                <a:ea typeface="-윤고딕340" pitchFamily="18" charset="-127"/>
+              </a:rPr>
+              <a:t>개발</a:t>
+            </a:r>
+            <a:endParaRPr lang="en-US" altLang="ko-KR" sz="2400" dirty="0" smtClean="0">
+              <a:latin typeface="-윤고딕340" pitchFamily="18" charset="-127"/>
+              <a:ea typeface="-윤고딕340" pitchFamily="18" charset="-127"/>
+            </a:endParaRPr>
+          </a:p>
+          <a:p>
+            <a:pPr>
+              <a:lnSpc>
+                <a:spcPct val="160000"/>
+              </a:lnSpc>
+            </a:pPr>
+            <a:r>
+              <a:rPr lang="ko-KR" altLang="en-US" sz="2400" dirty="0" smtClean="0">
+                <a:latin typeface="-윤고딕340" pitchFamily="18" charset="-127"/>
+                <a:ea typeface="-윤고딕340" pitchFamily="18" charset="-127"/>
+              </a:rPr>
+              <a:t>모니터링 시스템</a:t>
+            </a:r>
+            <a:endParaRPr lang="en-US" altLang="ko-KR" sz="2400" dirty="0" smtClean="0">
+              <a:latin typeface="-윤고딕340" pitchFamily="18" charset="-127"/>
+              <a:ea typeface="-윤고딕340" pitchFamily="18" charset="-127"/>
+            </a:endParaRPr>
+          </a:p>
+          <a:p>
+            <a:pPr>
+              <a:lnSpc>
+                <a:spcPct val="160000"/>
+              </a:lnSpc>
+            </a:pPr>
+            <a:r>
+              <a:rPr lang="en-US" altLang="ko-KR" sz="2400" dirty="0" smtClean="0">
+                <a:latin typeface="-윤고딕340" pitchFamily="18" charset="-127"/>
+                <a:ea typeface="-윤고딕340" pitchFamily="18" charset="-127"/>
+              </a:rPr>
+              <a:t>Android, </a:t>
+            </a:r>
+            <a:r>
+              <a:rPr lang="en-US" altLang="ko-KR" sz="2400" dirty="0" err="1" smtClean="0">
+                <a:latin typeface="-윤고딕340" pitchFamily="18" charset="-127"/>
+                <a:ea typeface="-윤고딕340" pitchFamily="18" charset="-127"/>
+              </a:rPr>
+              <a:t>iOS</a:t>
+            </a:r>
+            <a:r>
+              <a:rPr lang="en-US" altLang="ko-KR" sz="2400" dirty="0" smtClean="0">
+                <a:latin typeface="-윤고딕340" pitchFamily="18" charset="-127"/>
+                <a:ea typeface="-윤고딕340" pitchFamily="18" charset="-127"/>
+              </a:rPr>
+              <a:t> </a:t>
+            </a:r>
+            <a:r>
+              <a:rPr lang="ko-KR" altLang="en-US" sz="2400" dirty="0" err="1" smtClean="0">
+                <a:latin typeface="-윤고딕340" pitchFamily="18" charset="-127"/>
+                <a:ea typeface="-윤고딕340" pitchFamily="18" charset="-127"/>
+              </a:rPr>
+              <a:t>푸시서비스</a:t>
+            </a:r>
+            <a:endParaRPr lang="en-US" altLang="ko-KR" sz="2400" dirty="0" smtClean="0">
+              <a:latin typeface="-윤고딕340" pitchFamily="18" charset="-127"/>
+              <a:ea typeface="-윤고딕340" pitchFamily="18" charset="-127"/>
+            </a:endParaRPr>
+          </a:p>
+        </p:txBody>
+      </p:sp>
+    </p:spTree>
+    <p:extLst>
+      <p:ext uri="{BB962C8B-B14F-4D97-AF65-F5344CB8AC3E}">
+        <p14:creationId xmlns:p14="http://schemas.microsoft.com/office/powerpoint/2010/main" val="1351443717"/>
+      </p:ext>
+    </p:extLst>
+  </p:cSld>
+  <p:clrMapOvr>
+    <a:masterClrMapping/>
+  </p:clrMapOvr>
+</p:sld>
+</file>
+
+<file path=ppt/slides/slide32.xml><?xml version="1.0" encoding="utf-8"?>
+<p:sld xmlns:a="http://schemas.openxmlformats.org/drawingml/2006/main" xmlns:r="http://schemas.openxmlformats.org/officeDocument/2006/relationships" xmlns:p="http://schemas.openxmlformats.org/presentationml/2006/main">
+  <p:cSld>
+    <p:spTree>
+      <p:nvGrpSpPr>
+        <p:cNvPr id="1" name=""/>
+        <p:cNvGrpSpPr/>
+        <p:nvPr/>
+      </p:nvGrpSpPr>
+      <p:grpSpPr>
+        <a:xfrm>
+          <a:off x="0" y="0"/>
+          <a:ext cx="0" cy="0"/>
+          <a:chOff x="0" y="0"/>
+          <a:chExt cx="0" cy="0"/>
+        </a:xfrm>
+      </p:grpSpPr>
+      <p:sp>
+        <p:nvSpPr>
+          <p:cNvPr id="2" name="제목 1"/>
+          <p:cNvSpPr>
+            <a:spLocks noGrp="1"/>
+          </p:cNvSpPr>
+          <p:nvPr>
+            <p:ph type="title"/>
+          </p:nvPr>
+        </p:nvSpPr>
+        <p:spPr/>
+        <p:txBody>
+          <a:bodyPr/>
+          <a:lstStyle/>
+          <a:p>
+            <a:r>
+              <a:rPr lang="en-US" altLang="ko-KR" dirty="0" smtClean="0"/>
               <a:t>Node.js </a:t>
             </a:r>
             <a:r>
               <a:rPr lang="ko-KR" altLang="en-US" dirty="0" smtClean="0"/>
-              <a:t>단점</a:t>
+              <a:t>장점</a:t>
             </a:r>
             <a:endParaRPr lang="ko-KR" altLang="en-US" dirty="0"/>
           </a:p>
@@ -16549,86 +17216,334 @@
             <p:ph idx="1"/>
           </p:nvPr>
         </p:nvSpPr>
-        <p:spPr/>
+        <p:spPr>
+          <a:xfrm>
+            <a:off x="539552" y="1556792"/>
+            <a:ext cx="8229600" cy="4569371"/>
+          </a:xfrm>
+        </p:spPr>
         <p:txBody>
           <a:bodyPr>
-            <a:normAutofit/>
+            <a:normAutofit fontScale="70000" lnSpcReduction="20000"/>
           </a:bodyPr>
           <a:lstStyle/>
           <a:p>
             <a:r>
-              <a:rPr lang="en-US" altLang="ko-KR" dirty="0"/>
-              <a:t>Event-Driven </a:t>
-            </a:r>
-            <a:r>
-              <a:rPr lang="ko-KR" altLang="en-US" dirty="0"/>
-              <a:t>프로그래밍이 쉽지 않다</a:t>
-            </a:r>
-            <a:r>
-              <a:rPr lang="en-US" altLang="ko-KR" dirty="0"/>
+              <a:rPr lang="ko-KR" altLang="en-US" sz="3100" dirty="0" smtClean="0">
+                <a:latin typeface="+mn-ea"/>
+              </a:rPr>
+              <a:t>가벼움 </a:t>
+            </a:r>
+            <a:endParaRPr lang="en-US" altLang="ko-KR" sz="3100" dirty="0" smtClean="0">
+              <a:latin typeface="+mn-ea"/>
+            </a:endParaRPr>
+          </a:p>
+          <a:p>
+            <a:pPr lvl="1"/>
+            <a:r>
+              <a:rPr lang="ko-KR" altLang="en-US" sz="3100" dirty="0" smtClean="0">
+                <a:latin typeface="+mn-ea"/>
+              </a:rPr>
+              <a:t>간단한 코드로 </a:t>
+            </a:r>
+            <a:r>
+              <a:rPr lang="en-US" altLang="ko-KR" sz="3100" dirty="0" smtClean="0">
+                <a:latin typeface="+mn-ea"/>
+              </a:rPr>
+              <a:t>http server </a:t>
+            </a:r>
+            <a:r>
+              <a:rPr lang="ko-KR" altLang="en-US" sz="3100" dirty="0" smtClean="0">
+                <a:latin typeface="+mn-ea"/>
+              </a:rPr>
+              <a:t>실행</a:t>
+            </a:r>
+            <a:endParaRPr lang="en-US" altLang="ko-KR" sz="3100" dirty="0" smtClean="0">
+              <a:latin typeface="+mn-ea"/>
+            </a:endParaRPr>
+          </a:p>
+          <a:p>
+            <a:r>
+              <a:rPr lang="ko-KR" altLang="en-US" sz="3100" dirty="0" smtClean="0">
+                <a:latin typeface="+mn-ea"/>
+              </a:rPr>
+              <a:t>빠르다</a:t>
+            </a:r>
+            <a:endParaRPr lang="en-US" altLang="ko-KR" sz="3100" dirty="0" smtClean="0">
+              <a:latin typeface="+mn-ea"/>
+            </a:endParaRPr>
+          </a:p>
+          <a:p>
+            <a:pPr lvl="1"/>
+            <a:r>
+              <a:rPr lang="en-US" altLang="ko-KR" sz="3100" dirty="0" smtClean="0">
+                <a:latin typeface="+mn-ea"/>
+              </a:rPr>
+              <a:t>10</a:t>
+            </a:r>
+            <a:r>
+              <a:rPr lang="ko-KR" altLang="en-US" sz="3100" dirty="0" smtClean="0">
+                <a:latin typeface="+mn-ea"/>
+              </a:rPr>
+              <a:t>만 동시 접속해도 </a:t>
+            </a:r>
+            <a:r>
+              <a:rPr lang="en-US" altLang="ko-KR" sz="3100" dirty="0" err="1" smtClean="0">
+                <a:latin typeface="+mn-ea"/>
+              </a:rPr>
+              <a:t>cpu</a:t>
+            </a:r>
+            <a:r>
+              <a:rPr lang="ko-KR" altLang="en-US" sz="3100" dirty="0" smtClean="0">
+                <a:latin typeface="+mn-ea"/>
+              </a:rPr>
+              <a:t>점유율이 많지 않다</a:t>
+            </a:r>
+            <a:r>
+              <a:rPr lang="en-US" altLang="ko-KR" sz="3100" dirty="0" smtClean="0">
+                <a:latin typeface="+mn-ea"/>
+              </a:rPr>
               <a:t>.</a:t>
             </a:r>
-          </a:p>
-          <a:p>
-            <a:r>
-              <a:rPr lang="ko-KR" altLang="en-US" dirty="0"/>
-              <a:t>동기적 코드가 전체 성능 저하를 유발한다</a:t>
-            </a:r>
-            <a:r>
-              <a:rPr lang="en-US" altLang="ko-KR" dirty="0"/>
+            <a:endParaRPr lang="en-US" altLang="ko-KR" sz="3100" dirty="0">
+              <a:latin typeface="+mn-ea"/>
+            </a:endParaRPr>
+          </a:p>
+          <a:p>
+            <a:pPr lvl="1"/>
+            <a:r>
+              <a:rPr lang="en-US" altLang="ko-KR" sz="3100" dirty="0" smtClean="0">
+                <a:latin typeface="+mn-ea"/>
+              </a:rPr>
+              <a:t>Apache</a:t>
+            </a:r>
+            <a:r>
+              <a:rPr lang="ko-KR" altLang="en-US" sz="3100" dirty="0" smtClean="0">
+                <a:latin typeface="+mn-ea"/>
+              </a:rPr>
+              <a:t>에 비해 간단한 </a:t>
+            </a:r>
+            <a:r>
+              <a:rPr lang="en-US" altLang="ko-KR" sz="3100" dirty="0" smtClean="0">
+                <a:latin typeface="+mn-ea"/>
+              </a:rPr>
+              <a:t>http</a:t>
+            </a:r>
+            <a:r>
+              <a:rPr lang="ko-KR" altLang="en-US" sz="3100" dirty="0" smtClean="0">
+                <a:latin typeface="+mn-ea"/>
+              </a:rPr>
+              <a:t>속도가 </a:t>
+            </a:r>
+            <a:r>
+              <a:rPr lang="en-US" altLang="ko-KR" sz="3100" dirty="0" smtClean="0">
+                <a:latin typeface="+mn-ea"/>
+              </a:rPr>
+              <a:t>3</a:t>
+            </a:r>
+            <a:r>
+              <a:rPr lang="ko-KR" altLang="en-US" sz="3100" dirty="0" smtClean="0">
+                <a:latin typeface="+mn-ea"/>
+              </a:rPr>
+              <a:t>배 빠르다</a:t>
+            </a:r>
+            <a:r>
+              <a:rPr lang="en-US" altLang="ko-KR" sz="3100" dirty="0" smtClean="0">
+                <a:latin typeface="+mn-ea"/>
+              </a:rPr>
               <a:t>.</a:t>
             </a:r>
           </a:p>
           <a:p>
             <a:r>
-              <a:rPr lang="ko-KR" altLang="en-US" dirty="0" smtClean="0"/>
-              <a:t>쉽게 구현되는 </a:t>
-            </a:r>
-            <a:r>
-              <a:rPr lang="en-US" altLang="ko-KR" dirty="0" smtClean="0"/>
-              <a:t>JSON </a:t>
-            </a:r>
-            <a:r>
-              <a:rPr lang="ko-KR" altLang="en-US" dirty="0" smtClean="0"/>
-              <a:t>프로토콜을 이용하면 바이너리 데이터에 비해서 </a:t>
-            </a:r>
-            <a:r>
-              <a:rPr lang="en-US" altLang="ko-KR" dirty="0" smtClean="0"/>
-              <a:t>encoding/decoding</a:t>
-            </a:r>
-            <a:r>
-              <a:rPr lang="ko-KR" altLang="en-US" dirty="0" smtClean="0"/>
-              <a:t>이 느릴 수 있다</a:t>
-            </a:r>
-            <a:r>
-              <a:rPr lang="en-US" altLang="ko-KR" dirty="0" smtClean="0"/>
+              <a:rPr lang="ko-KR" altLang="en-US" sz="3100" dirty="0" smtClean="0">
+                <a:latin typeface="+mn-ea"/>
+              </a:rPr>
+              <a:t>사용 가능한 모듈이 많다</a:t>
+            </a:r>
+            <a:r>
+              <a:rPr lang="en-US" altLang="ko-KR" sz="3100" dirty="0" smtClean="0">
+                <a:latin typeface="+mn-ea"/>
+              </a:rPr>
               <a:t>.</a:t>
             </a:r>
           </a:p>
           <a:p>
             <a:r>
-              <a:rPr lang="en-US" altLang="ko-KR" dirty="0" smtClean="0"/>
-              <a:t>CPU </a:t>
-            </a:r>
-            <a:r>
-              <a:rPr lang="ko-KR" altLang="en-US" dirty="0"/>
-              <a:t>작업이 많은 곳에는 적합하지 않다</a:t>
-            </a:r>
-            <a:r>
-              <a:rPr lang="en-US" altLang="ko-KR" dirty="0"/>
+              <a:rPr lang="ko-KR" altLang="en-US" sz="3100" dirty="0" smtClean="0">
+                <a:latin typeface="+mn-ea"/>
+              </a:rPr>
+              <a:t>자바스크립트로 개발 가능하다</a:t>
+            </a:r>
+            <a:r>
+              <a:rPr lang="en-US" altLang="ko-KR" sz="3100" dirty="0" smtClean="0">
+                <a:latin typeface="+mn-ea"/>
+              </a:rPr>
               <a:t>.</a:t>
             </a:r>
           </a:p>
           <a:p>
             <a:r>
-              <a:rPr lang="ko-KR" altLang="en-US" dirty="0"/>
-              <a:t>에러 발생시 서버가 종료될 수 있다</a:t>
-            </a:r>
-            <a:r>
-              <a:rPr lang="en-US" altLang="ko-KR" dirty="0" smtClean="0"/>
+              <a:rPr lang="en-US" altLang="ko-KR" sz="3100" dirty="0">
+                <a:latin typeface="+mn-ea"/>
+              </a:rPr>
+              <a:t>Front-End </a:t>
+            </a:r>
+            <a:r>
+              <a:rPr lang="ko-KR" altLang="en-US" sz="3100" dirty="0">
+                <a:latin typeface="+mn-ea"/>
+              </a:rPr>
+              <a:t>개발자의 진입이 쉽다</a:t>
+            </a:r>
+            <a:r>
+              <a:rPr lang="en-US" altLang="ko-KR" sz="3100" dirty="0" smtClean="0">
+                <a:latin typeface="+mn-ea"/>
+              </a:rPr>
               <a:t>.</a:t>
             </a:r>
-            <a:endParaRPr lang="en-US" altLang="ko-KR" dirty="0"/>
+          </a:p>
+          <a:p>
+            <a:r>
+              <a:rPr lang="ko-KR" altLang="en-US" sz="3100" dirty="0" smtClean="0">
+                <a:latin typeface="+mn-ea"/>
+              </a:rPr>
+              <a:t>설치와 사용이 간단하다</a:t>
+            </a:r>
+            <a:r>
+              <a:rPr lang="en-US" altLang="ko-KR" sz="3100" dirty="0" smtClean="0">
+                <a:latin typeface="+mn-ea"/>
+              </a:rPr>
+              <a:t>.</a:t>
+            </a:r>
+          </a:p>
+          <a:p>
+            <a:r>
+              <a:rPr lang="en-US" altLang="ko-KR" sz="3100" dirty="0">
+                <a:latin typeface="+mn-ea"/>
+              </a:rPr>
+              <a:t>Single Thread </a:t>
+            </a:r>
+            <a:r>
+              <a:rPr lang="ko-KR" altLang="en-US" sz="3100" dirty="0">
+                <a:latin typeface="+mn-ea"/>
+              </a:rPr>
+              <a:t>기반의 </a:t>
+            </a:r>
+            <a:r>
+              <a:rPr lang="ko-KR" altLang="en-US" sz="3100" dirty="0" err="1">
+                <a:latin typeface="+mn-ea"/>
+              </a:rPr>
+              <a:t>비동기</a:t>
+            </a:r>
+            <a:r>
+              <a:rPr lang="en-US" altLang="ko-KR" sz="3100" dirty="0">
+                <a:latin typeface="+mn-ea"/>
+              </a:rPr>
+              <a:t>IO</a:t>
+            </a:r>
+            <a:r>
+              <a:rPr lang="ko-KR" altLang="en-US" sz="3100" dirty="0">
+                <a:latin typeface="+mn-ea"/>
+              </a:rPr>
+              <a:t>를 통한 고성능 처리 </a:t>
+            </a:r>
+            <a:r>
+              <a:rPr lang="en-US" altLang="ko-KR" sz="3100" dirty="0">
+                <a:latin typeface="+mn-ea"/>
+              </a:rPr>
+              <a:t>(</a:t>
+            </a:r>
+            <a:r>
+              <a:rPr lang="ko-KR" altLang="en-US" sz="3100" dirty="0">
+                <a:latin typeface="+mn-ea"/>
+              </a:rPr>
+              <a:t>이벤트 방식</a:t>
+            </a:r>
+            <a:r>
+              <a:rPr lang="en-US" altLang="ko-KR" sz="3100" dirty="0">
+                <a:latin typeface="+mn-ea"/>
+              </a:rPr>
+              <a:t>)</a:t>
+            </a:r>
+          </a:p>
+          <a:p>
+            <a:r>
+              <a:rPr lang="ko-KR" altLang="en-US" sz="3100" dirty="0">
+                <a:latin typeface="+mn-ea"/>
+              </a:rPr>
+              <a:t>자바스크립트의 생산성 향상</a:t>
+            </a:r>
+            <a:r>
+              <a:rPr lang="en-US" altLang="ko-KR" sz="3100" dirty="0">
+                <a:latin typeface="+mn-ea"/>
+              </a:rPr>
+              <a:t> (</a:t>
+            </a:r>
+            <a:r>
+              <a:rPr lang="ko-KR" altLang="en-US" sz="3100" dirty="0" err="1">
+                <a:latin typeface="+mn-ea"/>
+              </a:rPr>
+              <a:t>백엔드</a:t>
+            </a:r>
+            <a:r>
+              <a:rPr lang="ko-KR" altLang="en-US" sz="3100" dirty="0">
+                <a:latin typeface="+mn-ea"/>
+              </a:rPr>
+              <a:t> 개발의 진입 장벽을 깸</a:t>
+            </a:r>
+            <a:r>
+              <a:rPr lang="en-US" altLang="ko-KR" sz="3100" dirty="0">
+                <a:latin typeface="+mn-ea"/>
+              </a:rPr>
+              <a:t>)</a:t>
+            </a:r>
+          </a:p>
+          <a:p>
+            <a:r>
+              <a:rPr lang="en-US" altLang="ko-KR" sz="3100" dirty="0">
+                <a:latin typeface="+mn-ea"/>
+              </a:rPr>
+              <a:t>Socket.io </a:t>
+            </a:r>
+            <a:r>
+              <a:rPr lang="ko-KR" altLang="en-US" sz="3100" dirty="0">
+                <a:latin typeface="+mn-ea"/>
+              </a:rPr>
+              <a:t>모듈 제공 </a:t>
+            </a:r>
+            <a:r>
+              <a:rPr lang="en-US" altLang="ko-KR" sz="3100" dirty="0">
+                <a:latin typeface="+mn-ea"/>
+              </a:rPr>
+              <a:t>(</a:t>
+            </a:r>
+            <a:r>
+              <a:rPr lang="ko-KR" altLang="en-US" sz="3100" dirty="0">
+                <a:latin typeface="+mn-ea"/>
+              </a:rPr>
+              <a:t>웹 </a:t>
+            </a:r>
+            <a:r>
+              <a:rPr lang="en-US" altLang="ko-KR" sz="3100" dirty="0">
+                <a:latin typeface="+mn-ea"/>
+              </a:rPr>
+              <a:t>push </a:t>
+            </a:r>
+            <a:r>
+              <a:rPr lang="ko-KR" altLang="en-US" sz="3100" dirty="0">
+                <a:latin typeface="+mn-ea"/>
+              </a:rPr>
+              <a:t>기술 제공</a:t>
+            </a:r>
+            <a:r>
+              <a:rPr lang="en-US" altLang="ko-KR" sz="3100" dirty="0">
+                <a:latin typeface="+mn-ea"/>
+              </a:rPr>
+              <a:t>)</a:t>
+            </a:r>
+          </a:p>
+          <a:p>
+            <a:endParaRPr lang="en-US" altLang="ko-KR" dirty="0" smtClean="0"/>
           </a:p>
         </p:txBody>
       </p:sp>
@@ -16652,7 +17567,315 @@
 </p:sld>
 </file>
 
-<file path=ppt/slides/slide31.xml><?xml version="1.0" encoding="utf-8"?>
+<file path=ppt/slides/slide33.xml><?xml version="1.0" encoding="utf-8"?>
+<p:sld xmlns:a="http://schemas.openxmlformats.org/drawingml/2006/main" xmlns:r="http://schemas.openxmlformats.org/officeDocument/2006/relationships" xmlns:p="http://schemas.openxmlformats.org/presentationml/2006/main">
+  <p:cSld>
+    <p:spTree>
+      <p:nvGrpSpPr>
+        <p:cNvPr id="1" name=""/>
+        <p:cNvGrpSpPr/>
+        <p:nvPr/>
+      </p:nvGrpSpPr>
+      <p:grpSpPr>
+        <a:xfrm>
+          <a:off x="0" y="0"/>
+          <a:ext cx="0" cy="0"/>
+          <a:chOff x="0" y="0"/>
+          <a:chExt cx="0" cy="0"/>
+        </a:xfrm>
+      </p:grpSpPr>
+      <p:sp>
+        <p:nvSpPr>
+          <p:cNvPr id="2" name="제목 1"/>
+          <p:cNvSpPr>
+            <a:spLocks noGrp="1"/>
+          </p:cNvSpPr>
+          <p:nvPr>
+            <p:ph type="title"/>
+          </p:nvPr>
+        </p:nvSpPr>
+        <p:spPr/>
+        <p:txBody>
+          <a:bodyPr/>
+          <a:lstStyle/>
+          <a:p>
+            <a:r>
+              <a:rPr lang="en-US" altLang="ko-KR" dirty="0" smtClean="0"/>
+              <a:t>Node.js </a:t>
+            </a:r>
+            <a:r>
+              <a:rPr lang="ko-KR" altLang="en-US" dirty="0" smtClean="0"/>
+              <a:t>단점</a:t>
+            </a:r>
+            <a:endParaRPr lang="ko-KR" altLang="en-US" dirty="0"/>
+          </a:p>
+        </p:txBody>
+      </p:sp>
+      <p:sp>
+        <p:nvSpPr>
+          <p:cNvPr id="3" name="내용 개체 틀 2"/>
+          <p:cNvSpPr>
+            <a:spLocks noGrp="1"/>
+          </p:cNvSpPr>
+          <p:nvPr>
+            <p:ph idx="1"/>
+          </p:nvPr>
+        </p:nvSpPr>
+        <p:spPr/>
+        <p:txBody>
+          <a:bodyPr>
+            <a:normAutofit/>
+          </a:bodyPr>
+          <a:lstStyle/>
+          <a:p>
+            <a:r>
+              <a:rPr lang="en-US" altLang="ko-KR" sz="2400" dirty="0">
+                <a:latin typeface="+mn-ea"/>
+              </a:rPr>
+              <a:t>Event-Driven </a:t>
+            </a:r>
+            <a:r>
+              <a:rPr lang="ko-KR" altLang="en-US" sz="2400" dirty="0">
+                <a:latin typeface="+mn-ea"/>
+              </a:rPr>
+              <a:t>프로그래밍이 쉽지 않다</a:t>
+            </a:r>
+            <a:r>
+              <a:rPr lang="en-US" altLang="ko-KR" sz="2400" dirty="0">
+                <a:latin typeface="+mn-ea"/>
+              </a:rPr>
+              <a:t>.</a:t>
+            </a:r>
+          </a:p>
+          <a:p>
+            <a:r>
+              <a:rPr lang="ko-KR" altLang="en-US" sz="2400" dirty="0">
+                <a:latin typeface="+mn-ea"/>
+              </a:rPr>
+              <a:t>동기적 코드가 전체 성능 저하를 유발한다</a:t>
+            </a:r>
+            <a:r>
+              <a:rPr lang="en-US" altLang="ko-KR" sz="2400" dirty="0">
+                <a:latin typeface="+mn-ea"/>
+              </a:rPr>
+              <a:t>.</a:t>
+            </a:r>
+          </a:p>
+          <a:p>
+            <a:r>
+              <a:rPr lang="ko-KR" altLang="en-US" sz="2400" dirty="0" smtClean="0">
+                <a:latin typeface="+mn-ea"/>
+              </a:rPr>
+              <a:t>쉽게 구현되는 </a:t>
+            </a:r>
+            <a:r>
+              <a:rPr lang="en-US" altLang="ko-KR" sz="2400" dirty="0" smtClean="0">
+                <a:latin typeface="+mn-ea"/>
+              </a:rPr>
+              <a:t>JSON </a:t>
+            </a:r>
+            <a:r>
+              <a:rPr lang="ko-KR" altLang="en-US" sz="2400" dirty="0" smtClean="0">
+                <a:latin typeface="+mn-ea"/>
+              </a:rPr>
+              <a:t>프로토콜을 이용하면 바이너리 데이터에 비해서 </a:t>
+            </a:r>
+            <a:r>
+              <a:rPr lang="en-US" altLang="ko-KR" sz="2400" dirty="0" smtClean="0">
+                <a:latin typeface="+mn-ea"/>
+              </a:rPr>
+              <a:t>encoding/decoding</a:t>
+            </a:r>
+            <a:r>
+              <a:rPr lang="ko-KR" altLang="en-US" sz="2400" dirty="0" smtClean="0">
+                <a:latin typeface="+mn-ea"/>
+              </a:rPr>
+              <a:t>이 느릴 수 있다</a:t>
+            </a:r>
+            <a:r>
+              <a:rPr lang="en-US" altLang="ko-KR" sz="2400" dirty="0" smtClean="0">
+                <a:latin typeface="+mn-ea"/>
+              </a:rPr>
+              <a:t>.</a:t>
+            </a:r>
+          </a:p>
+          <a:p>
+            <a:r>
+              <a:rPr lang="en-US" altLang="ko-KR" sz="2400" dirty="0" smtClean="0">
+                <a:latin typeface="+mn-ea"/>
+              </a:rPr>
+              <a:t>CPU </a:t>
+            </a:r>
+            <a:r>
+              <a:rPr lang="ko-KR" altLang="en-US" sz="2400" dirty="0">
+                <a:latin typeface="+mn-ea"/>
+              </a:rPr>
+              <a:t>작업이 많은 곳에는 적합하지 않다</a:t>
+            </a:r>
+            <a:r>
+              <a:rPr lang="en-US" altLang="ko-KR" sz="2400" dirty="0">
+                <a:latin typeface="+mn-ea"/>
+              </a:rPr>
+              <a:t>.</a:t>
+            </a:r>
+          </a:p>
+          <a:p>
+            <a:r>
+              <a:rPr lang="ko-KR" altLang="en-US" sz="2400" dirty="0">
+                <a:latin typeface="+mn-ea"/>
+              </a:rPr>
+              <a:t>에러 발생시 서버가 종료될 수 있다</a:t>
+            </a:r>
+            <a:r>
+              <a:rPr lang="en-US" altLang="ko-KR" sz="2400" dirty="0" smtClean="0">
+                <a:latin typeface="+mn-ea"/>
+              </a:rPr>
+              <a:t>.</a:t>
+            </a:r>
+          </a:p>
+          <a:p>
+            <a:r>
+              <a:rPr lang="en-US" altLang="ko-KR" sz="2400" dirty="0">
+                <a:latin typeface="+mn-ea"/>
+              </a:rPr>
+              <a:t>Single Thread</a:t>
+            </a:r>
+            <a:r>
+              <a:rPr lang="ko-KR" altLang="en-US" sz="2400" dirty="0">
+                <a:latin typeface="+mn-ea"/>
+              </a:rPr>
+              <a:t>기반으로 </a:t>
+            </a:r>
+            <a:r>
+              <a:rPr lang="en-US" altLang="ko-KR" sz="2400" dirty="0">
+                <a:latin typeface="+mn-ea"/>
+              </a:rPr>
+              <a:t>Heavy</a:t>
+            </a:r>
+            <a:r>
+              <a:rPr lang="ko-KR" altLang="en-US" sz="2400" dirty="0">
+                <a:latin typeface="+mn-ea"/>
+              </a:rPr>
+              <a:t>한 작업인 경우</a:t>
+            </a:r>
+            <a:r>
+              <a:rPr lang="en-US" altLang="ko-KR" sz="2400" dirty="0">
+                <a:latin typeface="+mn-ea"/>
+              </a:rPr>
+              <a:t>, </a:t>
+            </a:r>
+            <a:r>
+              <a:rPr lang="ko-KR" altLang="en-US" sz="2400" dirty="0">
+                <a:latin typeface="+mn-ea"/>
+              </a:rPr>
+              <a:t>성능 </a:t>
+            </a:r>
+            <a:r>
+              <a:rPr lang="ko-KR" altLang="en-US" sz="2400" dirty="0" err="1">
+                <a:latin typeface="+mn-ea"/>
+              </a:rPr>
+              <a:t>급하락</a:t>
+            </a:r>
+            <a:endParaRPr lang="en-US" altLang="ko-KR" sz="2400" dirty="0">
+              <a:latin typeface="+mn-ea"/>
+            </a:endParaRPr>
+          </a:p>
+          <a:p>
+            <a:r>
+              <a:rPr lang="ko-KR" altLang="en-US" sz="2400" dirty="0">
+                <a:latin typeface="+mn-ea"/>
+              </a:rPr>
+              <a:t>이벤트 방식의 </a:t>
+            </a:r>
+            <a:r>
+              <a:rPr lang="en-US" altLang="ko-KR" sz="2400" dirty="0">
+                <a:latin typeface="+mn-ea"/>
+              </a:rPr>
+              <a:t>CALLBACK HELL (Code</a:t>
+            </a:r>
+            <a:r>
+              <a:rPr lang="ko-KR" altLang="en-US" sz="2400" dirty="0">
+                <a:latin typeface="+mn-ea"/>
+              </a:rPr>
+              <a:t> </a:t>
+            </a:r>
+            <a:r>
+              <a:rPr lang="en-US" altLang="ko-KR" sz="2400" dirty="0">
+                <a:latin typeface="+mn-ea"/>
+              </a:rPr>
+              <a:t>Readability </a:t>
+            </a:r>
+            <a:r>
+              <a:rPr lang="ko-KR" altLang="en-US" sz="2400" dirty="0">
+                <a:latin typeface="+mn-ea"/>
+              </a:rPr>
+              <a:t>하락</a:t>
+            </a:r>
+            <a:r>
+              <a:rPr lang="en-US" altLang="ko-KR" sz="2400" dirty="0">
+                <a:latin typeface="+mn-ea"/>
+              </a:rPr>
+              <a:t>)</a:t>
+            </a:r>
+          </a:p>
+          <a:p>
+            <a:r>
+              <a:rPr lang="en-US" altLang="ko-KR" sz="2400" dirty="0">
+                <a:latin typeface="+mn-ea"/>
+              </a:rPr>
+              <a:t>Single Thread</a:t>
+            </a:r>
+            <a:r>
+              <a:rPr lang="ko-KR" altLang="en-US" sz="2400" dirty="0">
+                <a:latin typeface="+mn-ea"/>
+              </a:rPr>
+              <a:t>기반으로</a:t>
+            </a:r>
+            <a:r>
+              <a:rPr lang="en-US" altLang="ko-KR" sz="2400" dirty="0">
+                <a:latin typeface="+mn-ea"/>
+              </a:rPr>
+              <a:t> </a:t>
+            </a:r>
+            <a:r>
+              <a:rPr lang="ko-KR" altLang="en-US" sz="2400" dirty="0">
+                <a:latin typeface="+mn-ea"/>
+              </a:rPr>
+              <a:t>멀티 코어 머신 최적화 어려움</a:t>
+            </a:r>
+            <a:r>
+              <a:rPr lang="en-US" altLang="ko-KR" sz="2400" dirty="0" smtClean="0">
+                <a:latin typeface="+mn-ea"/>
+              </a:rPr>
+              <a:t>.</a:t>
+            </a:r>
+            <a:endParaRPr lang="en-US" altLang="ko-KR" sz="2400" dirty="0">
+              <a:latin typeface="+mn-ea"/>
+            </a:endParaRPr>
+          </a:p>
+        </p:txBody>
+      </p:sp>
+    </p:spTree>
+    <p:extLst>
+      <p:ext uri="{BB962C8B-B14F-4D97-AF65-F5344CB8AC3E}">
+        <p14:creationId xmlns:p14="http://schemas.microsoft.com/office/powerpoint/2010/main" val="3849171795"/>
+      </p:ext>
+    </p:extLst>
+  </p:cSld>
+  <p:clrMapOvr>
+    <a:masterClrMapping/>
+  </p:clrMapOvr>
+  <p:timing>
+    <p:tnLst>
+      <p:par>
+        <p:cTn id="1" dur="indefinite" restart="never" nodeType="tmRoot"/>
+      </p:par>
+    </p:tnLst>
+  </p:timing>
+</p:sld>
+</file>
+
+<file path=ppt/slides/slide34.xml><?xml version="1.0" encoding="utf-8"?>
 <p:sld xmlns:a="http://schemas.openxmlformats.org/drawingml/2006/main" xmlns:r="http://schemas.openxmlformats.org/officeDocument/2006/relationships" xmlns:p="http://schemas.openxmlformats.org/presentationml/2006/main">
   <p:cSld>
     <p:spTree>
